--- a/CS4273-Introduce to Software Engineering/Slides/Lab 3. Design.pptx
+++ b/CS4273-Introduce to Software Engineering/Slides/Lab 3. Design.pptx
@@ -5,7 +5,7 @@
     <p:sldMasterId id="2147483648" r:id="rId1"/>
   </p:sldMasterIdLst>
   <p:notesMasterIdLst>
-    <p:notesMasterId r:id="rId21"/>
+    <p:notesMasterId r:id="rId22"/>
   </p:notesMasterIdLst>
   <p:sldIdLst>
     <p:sldId id="256" r:id="rId2"/>
@@ -22,11 +22,12 @@
     <p:sldId id="270" r:id="rId13"/>
     <p:sldId id="269" r:id="rId14"/>
     <p:sldId id="271" r:id="rId15"/>
-    <p:sldId id="272" r:id="rId16"/>
-    <p:sldId id="273" r:id="rId17"/>
-    <p:sldId id="275" r:id="rId18"/>
-    <p:sldId id="276" r:id="rId19"/>
-    <p:sldId id="266" r:id="rId20"/>
+    <p:sldId id="293" r:id="rId16"/>
+    <p:sldId id="272" r:id="rId17"/>
+    <p:sldId id="273" r:id="rId18"/>
+    <p:sldId id="275" r:id="rId19"/>
+    <p:sldId id="276" r:id="rId20"/>
+    <p:sldId id="266" r:id="rId21"/>
   </p:sldIdLst>
   <p:sldSz cx="12192000" cy="6858000"/>
   <p:notesSz cx="6858000" cy="9144000"/>
@@ -162,6 +163,280 @@
 </inkml:ink>
 </file>
 
+<file path=ppt/ink/ink10.xml><?xml version="1.0" encoding="utf-8"?>
+<inkml:ink xmlns:inkml="http://www.w3.org/2003/InkML">
+  <inkml:definitions>
+    <inkml:context xml:id="ctx0">
+      <inkml:inkSource xml:id="inkSrc0">
+        <inkml:traceFormat>
+          <inkml:channel name="X" type="integer" min="-2.14748E9" max="2.14748E9" units="cm"/>
+          <inkml:channel name="Y" type="integer" min="-2.14748E9" max="2.14748E9" units="cm"/>
+          <inkml:channel name="F" type="integer" max="32767" units="dev"/>
+        </inkml:traceFormat>
+        <inkml:channelProperties>
+          <inkml:channelProperty channel="X" name="resolution" value="1000" units="1/cm"/>
+          <inkml:channelProperty channel="Y" name="resolution" value="1000" units="1/cm"/>
+          <inkml:channelProperty channel="F" name="resolution" value="0" units="1/dev"/>
+        </inkml:channelProperties>
+      </inkml:inkSource>
+      <inkml:timestamp xml:id="ts0" timeString="2022-10-06T03:18:33.324"/>
+    </inkml:context>
+    <inkml:brush xml:id="br0">
+      <inkml:brushProperty name="width" value="0.05" units="cm"/>
+      <inkml:brushProperty name="height" value="0.05" units="cm"/>
+    </inkml:brush>
+  </inkml:definitions>
+  <inkml:trace contextRef="#ctx0" brushRef="#br0">1 0 24575,'19'0'0,"13"0"0,8 0 0,3 0 0,-6 0-8191</inkml:trace>
+</inkml:ink>
+</file>
+
+<file path=ppt/ink/ink11.xml><?xml version="1.0" encoding="utf-8"?>
+<inkml:ink xmlns:inkml="http://www.w3.org/2003/InkML">
+  <inkml:definitions>
+    <inkml:context xml:id="ctx0">
+      <inkml:inkSource xml:id="inkSrc0">
+        <inkml:traceFormat>
+          <inkml:channel name="X" type="integer" min="-2.14748E9" max="2.14748E9" units="cm"/>
+          <inkml:channel name="Y" type="integer" min="-2.14748E9" max="2.14748E9" units="cm"/>
+          <inkml:channel name="F" type="integer" max="32767" units="dev"/>
+        </inkml:traceFormat>
+        <inkml:channelProperties>
+          <inkml:channelProperty channel="X" name="resolution" value="1000" units="1/cm"/>
+          <inkml:channelProperty channel="Y" name="resolution" value="1000" units="1/cm"/>
+          <inkml:channelProperty channel="F" name="resolution" value="0" units="1/dev"/>
+        </inkml:channelProperties>
+      </inkml:inkSource>
+      <inkml:timestamp xml:id="ts0" timeString="2022-10-06T03:18:33.693"/>
+    </inkml:context>
+    <inkml:brush xml:id="br0">
+      <inkml:brushProperty name="width" value="0.05" units="cm"/>
+      <inkml:brushProperty name="height" value="0.05" units="cm"/>
+    </inkml:brush>
+  </inkml:definitions>
+  <inkml:trace contextRef="#ctx0" brushRef="#br0">0 0 24575,'13'6'0,"17"3"0,23 5 0,15 1 0,-4-2-8191</inkml:trace>
+  <inkml:trace contextRef="#ctx0" brushRef="#br0" timeOffset="1">1025 75 24575,'6'0'0,"9"0"0,15 0 0,14 0 0,1 0-8191</inkml:trace>
+</inkml:ink>
+</file>
+
+<file path=ppt/ink/ink12.xml><?xml version="1.0" encoding="utf-8"?>
+<inkml:ink xmlns:inkml="http://www.w3.org/2003/InkML">
+  <inkml:definitions>
+    <inkml:context xml:id="ctx0">
+      <inkml:inkSource xml:id="inkSrc0">
+        <inkml:traceFormat>
+          <inkml:channel name="X" type="integer" min="-2.14748E9" max="2.14748E9" units="cm"/>
+          <inkml:channel name="Y" type="integer" min="-2.14748E9" max="2.14748E9" units="cm"/>
+          <inkml:channel name="F" type="integer" max="32767" units="dev"/>
+        </inkml:traceFormat>
+        <inkml:channelProperties>
+          <inkml:channelProperty channel="X" name="resolution" value="1000" units="1/cm"/>
+          <inkml:channelProperty channel="Y" name="resolution" value="1000" units="1/cm"/>
+          <inkml:channelProperty channel="F" name="resolution" value="0" units="1/dev"/>
+        </inkml:channelProperties>
+      </inkml:inkSource>
+      <inkml:timestamp xml:id="ts0" timeString="2022-10-06T03:18:34.056"/>
+    </inkml:context>
+    <inkml:brush xml:id="br0">
+      <inkml:brushProperty name="width" value="0.05" units="cm"/>
+      <inkml:brushProperty name="height" value="0.05" units="cm"/>
+    </inkml:brush>
+  </inkml:definitions>
+  <inkml:trace contextRef="#ctx0" brushRef="#br0">0 1 24575,'0'0'-8191</inkml:trace>
+</inkml:ink>
+</file>
+
+<file path=ppt/ink/ink13.xml><?xml version="1.0" encoding="utf-8"?>
+<inkml:ink xmlns:inkml="http://www.w3.org/2003/InkML">
+  <inkml:definitions>
+    <inkml:context xml:id="ctx0">
+      <inkml:inkSource xml:id="inkSrc0">
+        <inkml:traceFormat>
+          <inkml:channel name="X" type="integer" min="-2.14748E9" max="2.14748E9" units="cm"/>
+          <inkml:channel name="Y" type="integer" min="-2.14748E9" max="2.14748E9" units="cm"/>
+          <inkml:channel name="F" type="integer" max="32767" units="dev"/>
+        </inkml:traceFormat>
+        <inkml:channelProperties>
+          <inkml:channelProperty channel="X" name="resolution" value="1000" units="1/cm"/>
+          <inkml:channelProperty channel="Y" name="resolution" value="1000" units="1/cm"/>
+          <inkml:channelProperty channel="F" name="resolution" value="0" units="1/dev"/>
+        </inkml:channelProperties>
+      </inkml:inkSource>
+      <inkml:timestamp xml:id="ts0" timeString="2022-10-06T03:18:34.410"/>
+    </inkml:context>
+    <inkml:brush xml:id="br0">
+      <inkml:brushProperty name="width" value="0.05" units="cm"/>
+      <inkml:brushProperty name="height" value="0.05" units="cm"/>
+    </inkml:brush>
+  </inkml:definitions>
+  <inkml:trace contextRef="#ctx0" brushRef="#br0">1 113 24575,'0'0'-8191</inkml:trace>
+  <inkml:trace contextRef="#ctx0" brushRef="#br0" timeOffset="1">570 0 24575,'6'0'0,"9"0"0,9 0 0,-1 0-8191</inkml:trace>
+</inkml:ink>
+</file>
+
+<file path=ppt/ink/ink14.xml><?xml version="1.0" encoding="utf-8"?>
+<inkml:ink xmlns:inkml="http://www.w3.org/2003/InkML">
+  <inkml:definitions>
+    <inkml:context xml:id="ctx0">
+      <inkml:inkSource xml:id="inkSrc0">
+        <inkml:traceFormat>
+          <inkml:channel name="X" type="integer" min="-2.14748E9" max="2.14748E9" units="cm"/>
+          <inkml:channel name="Y" type="integer" min="-2.14748E9" max="2.14748E9" units="cm"/>
+          <inkml:channel name="F" type="integer" max="32767" units="dev"/>
+        </inkml:traceFormat>
+        <inkml:channelProperties>
+          <inkml:channelProperty channel="X" name="resolution" value="1000" units="1/cm"/>
+          <inkml:channelProperty channel="Y" name="resolution" value="1000" units="1/cm"/>
+          <inkml:channelProperty channel="F" name="resolution" value="0" units="1/dev"/>
+        </inkml:channelProperties>
+      </inkml:inkSource>
+      <inkml:timestamp xml:id="ts0" timeString="2022-10-06T03:18:34.758"/>
+    </inkml:context>
+    <inkml:brush xml:id="br0">
+      <inkml:brushProperty name="width" value="0.05" units="cm"/>
+      <inkml:brushProperty name="height" value="0.05" units="cm"/>
+    </inkml:brush>
+  </inkml:definitions>
+  <inkml:trace contextRef="#ctx0" brushRef="#br0">0 0 24575,'0'0'-8191</inkml:trace>
+</inkml:ink>
+</file>
+
+<file path=ppt/ink/ink15.xml><?xml version="1.0" encoding="utf-8"?>
+<inkml:ink xmlns:inkml="http://www.w3.org/2003/InkML">
+  <inkml:definitions>
+    <inkml:context xml:id="ctx0">
+      <inkml:inkSource xml:id="inkSrc0">
+        <inkml:traceFormat>
+          <inkml:channel name="X" type="integer" min="-2.14748E9" max="2.14748E9" units="cm"/>
+          <inkml:channel name="Y" type="integer" min="-2.14748E9" max="2.14748E9" units="cm"/>
+          <inkml:channel name="F" type="integer" max="32767" units="dev"/>
+        </inkml:traceFormat>
+        <inkml:channelProperties>
+          <inkml:channelProperty channel="X" name="resolution" value="1000" units="1/cm"/>
+          <inkml:channelProperty channel="Y" name="resolution" value="1000" units="1/cm"/>
+          <inkml:channelProperty channel="F" name="resolution" value="0" units="1/dev"/>
+        </inkml:channelProperties>
+      </inkml:inkSource>
+      <inkml:timestamp xml:id="ts0" timeString="2022-10-06T03:18:35.111"/>
+    </inkml:context>
+    <inkml:brush xml:id="br0">
+      <inkml:brushProperty name="width" value="0.05" units="cm"/>
+      <inkml:brushProperty name="height" value="0.05" units="cm"/>
+    </inkml:brush>
+  </inkml:definitions>
+  <inkml:trace contextRef="#ctx0" brushRef="#br0">0 0 24575,'0'0'-8191</inkml:trace>
+  <inkml:trace contextRef="#ctx0" brushRef="#br0" timeOffset="1">910 0 24575,'6'0'0</inkml:trace>
+</inkml:ink>
+</file>
+
+<file path=ppt/ink/ink16.xml><?xml version="1.0" encoding="utf-8"?>
+<inkml:ink xmlns:inkml="http://www.w3.org/2003/InkML">
+  <inkml:definitions>
+    <inkml:context xml:id="ctx0">
+      <inkml:inkSource xml:id="inkSrc0">
+        <inkml:traceFormat>
+          <inkml:channel name="X" type="integer" min="-2.14748E9" max="2.14748E9" units="cm"/>
+          <inkml:channel name="Y" type="integer" min="-2.14748E9" max="2.14748E9" units="cm"/>
+          <inkml:channel name="F" type="integer" max="32767" units="dev"/>
+        </inkml:traceFormat>
+        <inkml:channelProperties>
+          <inkml:channelProperty channel="X" name="resolution" value="1000" units="1/cm"/>
+          <inkml:channelProperty channel="Y" name="resolution" value="1000" units="1/cm"/>
+          <inkml:channelProperty channel="F" name="resolution" value="0" units="1/dev"/>
+        </inkml:channelProperties>
+      </inkml:inkSource>
+      <inkml:timestamp xml:id="ts0" timeString="2022-10-06T03:18:35.443"/>
+    </inkml:context>
+    <inkml:brush xml:id="br0">
+      <inkml:brushProperty name="width" value="0.05" units="cm"/>
+      <inkml:brushProperty name="height" value="0.05" units="cm"/>
+    </inkml:brush>
+  </inkml:definitions>
+  <inkml:trace contextRef="#ctx0" brushRef="#br0">1 0 24575,'0'0'-8191</inkml:trace>
+</inkml:ink>
+</file>
+
+<file path=ppt/ink/ink17.xml><?xml version="1.0" encoding="utf-8"?>
+<inkml:ink xmlns:inkml="http://www.w3.org/2003/InkML">
+  <inkml:definitions>
+    <inkml:context xml:id="ctx0">
+      <inkml:inkSource xml:id="inkSrc0">
+        <inkml:traceFormat>
+          <inkml:channel name="X" type="integer" min="-2.14748E9" max="2.14748E9" units="cm"/>
+          <inkml:channel name="Y" type="integer" min="-2.14748E9" max="2.14748E9" units="cm"/>
+          <inkml:channel name="F" type="integer" max="32767" units="dev"/>
+        </inkml:traceFormat>
+        <inkml:channelProperties>
+          <inkml:channelProperty channel="X" name="resolution" value="1000" units="1/cm"/>
+          <inkml:channelProperty channel="Y" name="resolution" value="1000" units="1/cm"/>
+          <inkml:channelProperty channel="F" name="resolution" value="0" units="1/dev"/>
+        </inkml:channelProperties>
+      </inkml:inkSource>
+      <inkml:timestamp xml:id="ts0" timeString="2022-10-06T03:18:35.775"/>
+    </inkml:context>
+    <inkml:brush xml:id="br0">
+      <inkml:brushProperty name="width" value="0.05" units="cm"/>
+      <inkml:brushProperty name="height" value="0.05" units="cm"/>
+    </inkml:brush>
+  </inkml:definitions>
+  <inkml:trace contextRef="#ctx0" brushRef="#br0">1 0 24575,'0'0'-8191</inkml:trace>
+  <inkml:trace contextRef="#ctx0" brushRef="#br0" timeOffset="1">1 0 24575,'0'0'-8191</inkml:trace>
+</inkml:ink>
+</file>
+
+<file path=ppt/ink/ink18.xml><?xml version="1.0" encoding="utf-8"?>
+<inkml:ink xmlns:inkml="http://www.w3.org/2003/InkML">
+  <inkml:definitions>
+    <inkml:context xml:id="ctx0">
+      <inkml:inkSource xml:id="inkSrc0">
+        <inkml:traceFormat>
+          <inkml:channel name="X" type="integer" min="-2.14748E9" max="2.14748E9" units="cm"/>
+          <inkml:channel name="Y" type="integer" min="-2.14748E9" max="2.14748E9" units="cm"/>
+          <inkml:channel name="F" type="integer" max="32767" units="dev"/>
+        </inkml:traceFormat>
+        <inkml:channelProperties>
+          <inkml:channelProperty channel="X" name="resolution" value="1000" units="1/cm"/>
+          <inkml:channelProperty channel="Y" name="resolution" value="1000" units="1/cm"/>
+          <inkml:channelProperty channel="F" name="resolution" value="0" units="1/dev"/>
+        </inkml:channelProperties>
+      </inkml:inkSource>
+      <inkml:timestamp xml:id="ts0" timeString="2022-10-06T03:18:37.549"/>
+    </inkml:context>
+    <inkml:brush xml:id="br0">
+      <inkml:brushProperty name="width" value="0.05" units="cm"/>
+      <inkml:brushProperty name="height" value="0.05" units="cm"/>
+    </inkml:brush>
+  </inkml:definitions>
+  <inkml:trace contextRef="#ctx0" brushRef="#br0">0 78 24575,'232'2'0,"597"-25"0,236-33 0,1483 60 0,-1350-7 0,-495 3 0,-666 3 0,-1 1 0,0 1 0,53 16 0,34 5 0,32-10-1365,-88-13-5461</inkml:trace>
+</inkml:ink>
+</file>
+
+<file path=ppt/ink/ink19.xml><?xml version="1.0" encoding="utf-8"?>
+<inkml:ink xmlns:inkml="http://www.w3.org/2003/InkML">
+  <inkml:definitions>
+    <inkml:context xml:id="ctx0">
+      <inkml:inkSource xml:id="inkSrc0">
+        <inkml:traceFormat>
+          <inkml:channel name="X" type="integer" min="-2.14748E9" max="2.14748E9" units="cm"/>
+          <inkml:channel name="Y" type="integer" min="-2.14748E9" max="2.14748E9" units="cm"/>
+          <inkml:channel name="F" type="integer" max="32767" units="dev"/>
+        </inkml:traceFormat>
+        <inkml:channelProperties>
+          <inkml:channelProperty channel="X" name="resolution" value="1000" units="1/cm"/>
+          <inkml:channelProperty channel="Y" name="resolution" value="1000" units="1/cm"/>
+          <inkml:channelProperty channel="F" name="resolution" value="0" units="1/dev"/>
+        </inkml:channelProperties>
+      </inkml:inkSource>
+      <inkml:timestamp xml:id="ts0" timeString="2022-10-06T03:18:39.223"/>
+    </inkml:context>
+    <inkml:brush xml:id="br0">
+      <inkml:brushProperty name="width" value="0.05" units="cm"/>
+      <inkml:brushProperty name="height" value="0.05" units="cm"/>
+    </inkml:brush>
+  </inkml:definitions>
+  <inkml:trace contextRef="#ctx0" brushRef="#br0">0 0 24575,'0'1035'0,"0"-1024"0,0-1 0,1 0 0,0 0 0,0 0 0,1 0 0,1 0 0,-1-1 0,2 1 0,5 13 0,-6-19 0,0 1 0,0-1 0,0 0 0,1 0 0,-1 0 0,1 0 0,0-1 0,0 1 0,1-1 0,-1 0 0,1 0 0,-1-1 0,1 1 0,0-1 0,0 0 0,0 0 0,0-1 0,0 0 0,9 2 0,64 5 0,1-2 0,125-8 0,-82-1 0,3798-4 0,-2205 10 0,-1193-47 0,-388 27 0,62 1-1365,-153 15-5461</inkml:trace>
+</inkml:ink>
+</file>
+
 <file path=ppt/ink/ink2.xml><?xml version="1.0" encoding="utf-8"?>
 <inkml:ink xmlns:inkml="http://www.w3.org/2003/InkML">
   <inkml:definitions>
@@ -193,7 +468,1087 @@
 </inkml:ink>
 </file>
 
+<file path=ppt/ink/ink20.xml><?xml version="1.0" encoding="utf-8"?>
+<inkml:ink xmlns:inkml="http://www.w3.org/2003/InkML">
+  <inkml:definitions>
+    <inkml:context xml:id="ctx0">
+      <inkml:inkSource xml:id="inkSrc0">
+        <inkml:traceFormat>
+          <inkml:channel name="X" type="integer" min="-2.14748E9" max="2.14748E9" units="cm"/>
+          <inkml:channel name="Y" type="integer" min="-2.14748E9" max="2.14748E9" units="cm"/>
+          <inkml:channel name="F" type="integer" max="32767" units="dev"/>
+        </inkml:traceFormat>
+        <inkml:channelProperties>
+          <inkml:channelProperty channel="X" name="resolution" value="1000" units="1/cm"/>
+          <inkml:channelProperty channel="Y" name="resolution" value="1000" units="1/cm"/>
+          <inkml:channelProperty channel="F" name="resolution" value="0" units="1/dev"/>
+        </inkml:channelProperties>
+      </inkml:inkSource>
+      <inkml:timestamp xml:id="ts0" timeString="2022-10-06T03:18:39.988"/>
+    </inkml:context>
+    <inkml:brush xml:id="br0">
+      <inkml:brushProperty name="width" value="0.05" units="cm"/>
+      <inkml:brushProperty name="height" value="0.05" units="cm"/>
+    </inkml:brush>
+  </inkml:definitions>
+  <inkml:trace contextRef="#ctx0" brushRef="#br0">44 17 24575,'-5'-6'0,"-11"-5"0,15 12 0,1 0 0,-1 0 0,0 0 0,0 0 0,0 0 0,1 1 0,-1-1 0,1 0 0,-1 0 0,1 0 0,-1 1 0,1-1 0,0 0 0,-1 0 0,1 1 0,0-1 0,0 3 0,-8 62 0,3 0 0,6 127 0,1-81 0,-1-43 0,-2 45 0,26 201 0,-19-273-1365,0-6-5461</inkml:trace>
+</inkml:ink>
+</file>
+
+<file path=ppt/ink/ink21.xml><?xml version="1.0" encoding="utf-8"?>
+<inkml:ink xmlns:inkml="http://www.w3.org/2003/InkML">
+  <inkml:definitions>
+    <inkml:context xml:id="ctx0">
+      <inkml:inkSource xml:id="inkSrc0">
+        <inkml:traceFormat>
+          <inkml:channel name="X" type="integer" min="-2.14748E9" max="2.14748E9" units="cm"/>
+          <inkml:channel name="Y" type="integer" min="-2.14748E9" max="2.14748E9" units="cm"/>
+          <inkml:channel name="F" type="integer" max="32767" units="dev"/>
+        </inkml:traceFormat>
+        <inkml:channelProperties>
+          <inkml:channelProperty channel="X" name="resolution" value="1000" units="1/cm"/>
+          <inkml:channelProperty channel="Y" name="resolution" value="1000" units="1/cm"/>
+          <inkml:channelProperty channel="F" name="resolution" value="0" units="1/dev"/>
+        </inkml:channelProperties>
+      </inkml:inkSource>
+      <inkml:timestamp xml:id="ts0" timeString="2022-10-06T03:18:40.992"/>
+    </inkml:context>
+    <inkml:brush xml:id="br0">
+      <inkml:brushProperty name="width" value="0.05" units="cm"/>
+      <inkml:brushProperty name="height" value="0.05" units="cm"/>
+    </inkml:brush>
+  </inkml:definitions>
+  <inkml:trace contextRef="#ctx0" brushRef="#br0">0 0 24575,'0'6'0,"0"9"0,0 21 0,0 18 0,0 5 0,0 7 0,0-3 0,0 2 0,0-11-8191</inkml:trace>
+</inkml:ink>
+</file>
+
+<file path=ppt/ink/ink22.xml><?xml version="1.0" encoding="utf-8"?>
+<inkml:ink xmlns:inkml="http://www.w3.org/2003/InkML">
+  <inkml:definitions>
+    <inkml:context xml:id="ctx0">
+      <inkml:inkSource xml:id="inkSrc0">
+        <inkml:traceFormat>
+          <inkml:channel name="X" type="integer" min="-2.14748E9" max="2.14748E9" units="cm"/>
+          <inkml:channel name="Y" type="integer" min="-2.14748E9" max="2.14748E9" units="cm"/>
+          <inkml:channel name="F" type="integer" max="32767" units="dev"/>
+        </inkml:traceFormat>
+        <inkml:channelProperties>
+          <inkml:channelProperty channel="X" name="resolution" value="1000" units="1/cm"/>
+          <inkml:channelProperty channel="Y" name="resolution" value="1000" units="1/cm"/>
+          <inkml:channelProperty channel="F" name="resolution" value="0" units="1/dev"/>
+        </inkml:channelProperties>
+      </inkml:inkSource>
+      <inkml:timestamp xml:id="ts0" timeString="2022-10-06T03:18:41.345"/>
+    </inkml:context>
+    <inkml:brush xml:id="br0">
+      <inkml:brushProperty name="width" value="0.05" units="cm"/>
+      <inkml:brushProperty name="height" value="0.05" units="cm"/>
+    </inkml:brush>
+  </inkml:definitions>
+  <inkml:trace contextRef="#ctx0" brushRef="#br0">0 41 24575,'0'-7'0,"6"-1"0,9-1 0,21 2 0,18 3 0,12 1 0,7 1 0,-1 2 0,-7-1 0,-15 2-8191</inkml:trace>
+</inkml:ink>
+</file>
+
+<file path=ppt/ink/ink23.xml><?xml version="1.0" encoding="utf-8"?>
+<inkml:ink xmlns:inkml="http://www.w3.org/2003/InkML">
+  <inkml:definitions>
+    <inkml:context xml:id="ctx0">
+      <inkml:inkSource xml:id="inkSrc0">
+        <inkml:traceFormat>
+          <inkml:channel name="X" type="integer" min="-2.14748E9" max="2.14748E9" units="cm"/>
+          <inkml:channel name="Y" type="integer" min="-2.14748E9" max="2.14748E9" units="cm"/>
+          <inkml:channel name="F" type="integer" max="32767" units="dev"/>
+        </inkml:traceFormat>
+        <inkml:channelProperties>
+          <inkml:channelProperty channel="X" name="resolution" value="1000" units="1/cm"/>
+          <inkml:channelProperty channel="Y" name="resolution" value="1000" units="1/cm"/>
+          <inkml:channelProperty channel="F" name="resolution" value="0" units="1/dev"/>
+        </inkml:channelProperties>
+      </inkml:inkSource>
+      <inkml:timestamp xml:id="ts0" timeString="2022-10-06T03:18:42.533"/>
+    </inkml:context>
+    <inkml:brush xml:id="br0">
+      <inkml:brushProperty name="width" value="0.05" units="cm"/>
+      <inkml:brushProperty name="height" value="0.05" units="cm"/>
+    </inkml:brush>
+  </inkml:definitions>
+  <inkml:trace contextRef="#ctx0" brushRef="#br0">0 226 24575,'1'4'0,"-1"-1"0,1 1 0,0 0 0,0-1 0,0 1 0,1-1 0,-1 0 0,1 1 0,0-1 0,0 0 0,0 0 0,0 0 0,0 0 0,1 0 0,0-1 0,-1 1 0,1-1 0,0 1 0,0-1 0,7 3 0,0 1 0,0 0 0,1-1 0,0 0 0,1-1 0,13 3 0,-10-3 0,1-1 0,-1 0 0,1-1 0,0-1 0,0-1 0,0 0 0,29-5 0,-39 5 0,-1-2 0,0 1 0,0-1 0,0 1 0,0-2 0,0 1 0,0 0 0,0-1 0,-1 0 0,1 0 0,-1 0 0,0-1 0,0 1 0,0-1 0,0 0 0,-1 0 0,0 0 0,0-1 0,0 1 0,0-1 0,0 0 0,-1 0 0,0 0 0,0 0 0,0 0 0,1-10 0,0-1 0,-1 0 0,-1-1 0,0 0 0,-1 1 0,-1-1 0,-3-21 0,2 32 0,1-1 0,-1 1 0,0 0 0,0 0 0,-1 0 0,0 0 0,0 0 0,-5-7 0,6 10 0,0 0 0,-1 1 0,1-1 0,-1 1 0,1 0 0,-1 0 0,0 0 0,0 0 0,0 0 0,0 1 0,0-1 0,0 1 0,0 0 0,-1 0 0,1 0 0,-6-1 0,6 2 0,1 0 0,0 0 0,0 0 0,-1 0 0,1 0 0,0 1 0,0-1 0,-1 1 0,1-1 0,0 1 0,0 0 0,0-1 0,0 1 0,0 1 0,0-1 0,0 0 0,0 0 0,1 1 0,-1-1 0,-2 3 0,0 0 0,1 1 0,0-1 0,0 1 0,1-1 0,-1 1 0,1 0 0,0 0 0,-2 8 0,0 3 0,1-1 0,1 1 0,0 1 0,1-1 0,1 16 0,1-22 0,0 0 0,0 0 0,1 0 0,1-1 0,-1 1 0,1-1 0,1 0 0,0 1 0,0-2 0,1 1 0,0 0 0,0-1 0,1 0 0,0 0 0,1-1 0,0 1 0,8 6 0,-8-9 0,0 0 0,0-1 0,0 1 0,1-1 0,-1-1 0,1 0 0,0 0 0,0 0 0,0-1 0,1 0 0,-1 0 0,0-1 0,1-1 0,-1 1 0,1-1 0,-1-1 0,1 1 0,-1-1 0,0-1 0,14-3 0,-17 3 0,-1 1 0,0 0 0,0-1 0,0 0 0,0 0 0,0 0 0,0 0 0,0-1 0,-1 0 0,1 1 0,-1-1 0,0-1 0,0 1 0,0 0 0,0-1 0,3-4 0,-2-2 0,0 1 0,0-1 0,-1 1 0,0-1 0,1-14 0,7-20 0,-10 40 0,0 0 0,0 1 0,1-1 0,-1 1 0,1-1 0,0 1 0,0 0 0,0 0 0,0 0 0,5-5 0,-6 8 0,0-1 0,0 1 0,0-1 0,-1 1 0,1-1 0,0 1 0,0 0 0,0-1 0,0 1 0,0 0 0,0 0 0,0 0 0,0 0 0,0 0 0,0 0 0,0 0 0,0 0 0,0 0 0,0 1 0,0-1 0,0 0 0,0 1 0,0-1 0,0 0 0,0 1 0,0-1 0,0 1 0,-1 0 0,1-1 0,0 1 0,0 0 0,-1-1 0,1 1 0,0 0 0,-1 0 0,1-1 0,-1 1 0,1 0 0,-1 0 0,1 0 0,0 2 0,12 19 0,-11-17 0,1 0 0,0 0 0,0-1 0,1 1 0,-1-1 0,1 1 0,6 5 0,-8-9 0,-1 0 0,1-1 0,0 1 0,-1 0 0,1-1 0,-1 1 0,1-1 0,0 0 0,-1 0 0,1 1 0,0-1 0,-1 0 0,1 0 0,0-1 0,0 1 0,-1 0 0,1 0 0,0-1 0,-1 1 0,1-1 0,-1 0 0,1 1 0,-1-1 0,1 0 0,-1 0 0,1 0 0,-1 0 0,0 0 0,1 0 0,-1 0 0,1-2 0,82-77 0,-67 61 0,1 0 0,1 2 0,1 0 0,0 1 0,1 0 0,1 2 0,37-18 0,-57 31 3,0 0 0,1 0-1,-1 0 1,1 0 0,-1 1-1,1-1 1,-1 1 0,1-1 0,-1 1-1,1 0 1,0 0 0,-1 0-1,1 1 1,-1-1 0,1 1 0,-1-1-1,1 1 1,-1 0 0,1 0-1,-1 0 1,0 0 0,1 0-1,-1 1 1,0-1 0,0 0 0,0 1-1,0 0 1,0 0 0,0-1-1,0 1 1,-1 0 0,1 1 0,-1-1-1,0 0 1,2 3 0,3 8-153,-1 1 0,0-1-1,-1 1 1,-1 0 0,2 17 0,-2-15-412,2 13-6264</inkml:trace>
+</inkml:ink>
+</file>
+
+<file path=ppt/ink/ink24.xml><?xml version="1.0" encoding="utf-8"?>
+<inkml:ink xmlns:inkml="http://www.w3.org/2003/InkML">
+  <inkml:definitions>
+    <inkml:context xml:id="ctx0">
+      <inkml:inkSource xml:id="inkSrc0">
+        <inkml:traceFormat>
+          <inkml:channel name="X" type="integer" min="-2.14748E9" max="2.14748E9" units="cm"/>
+          <inkml:channel name="Y" type="integer" min="-2.14748E9" max="2.14748E9" units="cm"/>
+          <inkml:channel name="F" type="integer" max="32767" units="dev"/>
+        </inkml:traceFormat>
+        <inkml:channelProperties>
+          <inkml:channelProperty channel="X" name="resolution" value="1000" units="1/cm"/>
+          <inkml:channelProperty channel="Y" name="resolution" value="1000" units="1/cm"/>
+          <inkml:channelProperty channel="F" name="resolution" value="0" units="1/dev"/>
+        </inkml:channelProperties>
+      </inkml:inkSource>
+      <inkml:timestamp xml:id="ts0" timeString="2022-10-06T03:18:42.934"/>
+    </inkml:context>
+    <inkml:brush xml:id="br0">
+      <inkml:brushProperty name="width" value="0.05" units="cm"/>
+      <inkml:brushProperty name="height" value="0.05" units="cm"/>
+    </inkml:brush>
+  </inkml:definitions>
+  <inkml:trace contextRef="#ctx0" brushRef="#br0">0 34 24575,'7'0'0,"8"0"0,8 0 0,7-6 0,5-2 0,2 0 0,2 1 0,-6 2-8191</inkml:trace>
+</inkml:ink>
+</file>
+
+<file path=ppt/ink/ink25.xml><?xml version="1.0" encoding="utf-8"?>
+<inkml:ink xmlns:inkml="http://www.w3.org/2003/InkML">
+  <inkml:definitions>
+    <inkml:context xml:id="ctx0">
+      <inkml:inkSource xml:id="inkSrc0">
+        <inkml:traceFormat>
+          <inkml:channel name="X" type="integer" min="-2.14748E9" max="2.14748E9" units="cm"/>
+          <inkml:channel name="Y" type="integer" min="-2.14748E9" max="2.14748E9" units="cm"/>
+          <inkml:channel name="F" type="integer" max="32767" units="dev"/>
+        </inkml:traceFormat>
+        <inkml:channelProperties>
+          <inkml:channelProperty channel="X" name="resolution" value="1000" units="1/cm"/>
+          <inkml:channelProperty channel="Y" name="resolution" value="1000" units="1/cm"/>
+          <inkml:channelProperty channel="F" name="resolution" value="0" units="1/dev"/>
+        </inkml:channelProperties>
+      </inkml:inkSource>
+      <inkml:timestamp xml:id="ts0" timeString="2022-10-06T03:18:43.665"/>
+    </inkml:context>
+    <inkml:brush xml:id="br0">
+      <inkml:brushProperty name="width" value="0.05" units="cm"/>
+      <inkml:brushProperty name="height" value="0.05" units="cm"/>
+    </inkml:brush>
+  </inkml:definitions>
+  <inkml:trace contextRef="#ctx0" brushRef="#br0">249 17 24575,'0'-1'0,"0"1"0,0-1 0,-1 0 0,1 1 0,0-1 0,0 0 0,-1 1 0,1-1 0,0 0 0,-1 1 0,1-1 0,-1 1 0,1-1 0,-1 0 0,1 1 0,-1-1 0,1 1 0,-1 0 0,1-1 0,-1 1 0,0-1 0,1 1 0,-1 0 0,0 0 0,1-1 0,-1 1 0,0 0 0,1 0 0,-1 0 0,-1-1 0,-25 0 0,25 1 0,-11 0 0,0 2 0,1-1 0,-1 2 0,0 0 0,0 0 0,1 1 0,0 1 0,0 0 0,0 0 0,-12 9 0,20-12 0,0 0 0,1 0 0,-1 1 0,1-1 0,0 1 0,0 0 0,0 0 0,0 0 0,0 0 0,1 0 0,-1 1 0,1-1 0,0 1 0,0-1 0,0 1 0,0 0 0,1 0 0,0 0 0,0 0 0,0 0 0,0 0 0,0 0 0,1 0 0,0 1 0,0-1 0,0 0 0,0 0 0,1 0 0,-1 0 0,1 0 0,0 0 0,1 0 0,-1 0 0,4 8 0,0-5 0,0 1 0,0-1 0,1 0 0,0 0 0,1-1 0,-1 0 0,1 0 0,0 0 0,1-1 0,9 5 0,86 42 0,-86-44 0,-2-1 0,2-1 0,-1 2 0,0 0 0,0 1 0,-1 0 0,16 14 0,-29-21 0,1 0 0,-1 0 0,0 0 0,0 0 0,0 1 0,0-1 0,-1 0 0,1 1 0,0 0 0,-1-1 0,0 1 0,0 0 0,0 0 0,0 0 0,0 0 0,0 0 0,-1 0 0,1 0 0,-1 0 0,0 0 0,0 0 0,0 0 0,0 0 0,-1 0 0,1 0 0,-1 0 0,0 0 0,0-1 0,0 1 0,0 0 0,0 0 0,-1 0 0,1-1 0,-1 1 0,0-1 0,0 1 0,-3 2 0,0 1 9,0-1 1,0 0-1,-1-1 0,1 1 0,-1-1 1,0 0-1,-1 0 0,1-1 0,-1 0 0,1 0 1,-1 0-1,-14 2 0,1-1-380,-1 0-1,1-2 1,-27 0 0,10-2-6455</inkml:trace>
+</inkml:ink>
+</file>
+
+<file path=ppt/ink/ink26.xml><?xml version="1.0" encoding="utf-8"?>
+<inkml:ink xmlns:inkml="http://www.w3.org/2003/InkML">
+  <inkml:definitions>
+    <inkml:context xml:id="ctx0">
+      <inkml:inkSource xml:id="inkSrc0">
+        <inkml:traceFormat>
+          <inkml:channel name="X" type="integer" min="-2.14748E9" max="2.14748E9" units="cm"/>
+          <inkml:channel name="Y" type="integer" min="-2.14748E9" max="2.14748E9" units="cm"/>
+          <inkml:channel name="F" type="integer" max="32767" units="dev"/>
+        </inkml:traceFormat>
+        <inkml:channelProperties>
+          <inkml:channelProperty channel="X" name="resolution" value="1000" units="1/cm"/>
+          <inkml:channelProperty channel="Y" name="resolution" value="1000" units="1/cm"/>
+          <inkml:channelProperty channel="F" name="resolution" value="0" units="1/dev"/>
+        </inkml:channelProperties>
+      </inkml:inkSource>
+      <inkml:timestamp xml:id="ts0" timeString="2022-10-06T03:18:44.482"/>
+    </inkml:context>
+    <inkml:brush xml:id="br0">
+      <inkml:brushProperty name="width" value="0.05" units="cm"/>
+      <inkml:brushProperty name="height" value="0.05" units="cm"/>
+    </inkml:brush>
+  </inkml:definitions>
+  <inkml:trace contextRef="#ctx0" brushRef="#br0">378 84 24575,'0'-3'0,"0"0"0,0 0 0,0-1 0,0 1 0,0 0 0,0 0 0,-1 0 0,0 0 0,0 0 0,0 0 0,0 0 0,0 0 0,0 0 0,-1 0 0,0 0 0,1 1 0,-1-1 0,0 0 0,0 1 0,0 0 0,-1-1 0,1 1 0,0 0 0,-1 0 0,0 1 0,1-1 0,-1 0 0,0 1 0,0-1 0,0 1 0,0 0 0,0 0 0,0 1 0,0-1 0,-6 0 0,0 0 0,1 2 0,-1-1 0,0 1 0,1 0 0,-1 1 0,1 0 0,0 0 0,0 1 0,-1 0 0,2 0 0,-1 1 0,-8 6 0,-8 5 0,1 1 0,0 2 0,-38 37 0,55-49 0,0 0 0,1 1 0,0-1 0,0 1 0,0 0 0,0 0 0,1 1 0,1-1 0,-1 1 0,1 0 0,0 0 0,1 0 0,0 0 0,0 1 0,1-1 0,0 0 0,0 13 0,2-18 0,-1 0 0,1 0 0,0 0 0,0 0 0,0 0 0,0 0 0,0 0 0,1-1 0,-1 1 0,1 0 0,0-1 0,0 1 0,0-1 0,0 1 0,0-1 0,0 0 0,5 3 0,-2-2 0,0 1 0,1-2 0,-1 1 0,1-1 0,0 1 0,0-2 0,0 1 0,10 1 0,-3-1 0,1-1 0,0-1 0,0 0 0,0-1 0,0 0 0,-1-1 0,21-6 0,-28 6 0,0 0 0,0 0 0,0-1 0,0 1 0,-1-1 0,0-1 0,1 1 0,-1-1 0,0 0 0,-1 0 0,1 0 0,-1-1 0,0 0 0,0 1 0,0-2 0,-1 1 0,6-11 0,-2-1 0,-2 0 0,0 0 0,0-1 0,3-30 0,-4 23 0,-4 23 0,0 1 0,0 0 0,0 0 0,0 0 0,0 0 0,0 0 0,1 0 0,-1 0 0,0 0 0,1 0 0,-1 0 0,1 0 0,-1 0 0,1 0 0,0 0 0,-1 0 0,1 0 0,1-1 0,-1 2 0,-1 0 0,1 1 0,0-1 0,-1 0 0,1 0 0,-1 0 0,1 1 0,-1-1 0,1 0 0,-1 1 0,1-1 0,-1 0 0,0 1 0,1-1 0,-1 1 0,1-1 0,-1 1 0,0-1 0,1 1 0,-1-1 0,0 1 0,0-1 0,1 1 0,-1 0 0,20 52 0,-16-40 0,28 66-1365,-19-42-5461</inkml:trace>
+</inkml:ink>
+</file>
+
+<file path=ppt/ink/ink27.xml><?xml version="1.0" encoding="utf-8"?>
+<inkml:ink xmlns:inkml="http://www.w3.org/2003/InkML">
+  <inkml:definitions>
+    <inkml:context xml:id="ctx0">
+      <inkml:inkSource xml:id="inkSrc0">
+        <inkml:traceFormat>
+          <inkml:channel name="X" type="integer" min="-2.14748E9" max="2.14748E9" units="cm"/>
+          <inkml:channel name="Y" type="integer" min="-2.14748E9" max="2.14748E9" units="cm"/>
+          <inkml:channel name="F" type="integer" max="32767" units="dev"/>
+        </inkml:traceFormat>
+        <inkml:channelProperties>
+          <inkml:channelProperty channel="X" name="resolution" value="1000" units="1/cm"/>
+          <inkml:channelProperty channel="Y" name="resolution" value="1000" units="1/cm"/>
+          <inkml:channelProperty channel="F" name="resolution" value="0" units="1/dev"/>
+        </inkml:channelProperties>
+      </inkml:inkSource>
+      <inkml:timestamp xml:id="ts0" timeString="2022-10-06T03:18:45.554"/>
+    </inkml:context>
+    <inkml:brush xml:id="br0">
+      <inkml:brushProperty name="width" value="0.05" units="cm"/>
+      <inkml:brushProperty name="height" value="0.05" units="cm"/>
+    </inkml:brush>
+  </inkml:definitions>
+  <inkml:trace contextRef="#ctx0" brushRef="#br0">5 405 24575,'-1'60'0,"-2"-13"0,2-1 0,8 65 0,-5-107 0,-1 1 0,0-1 0,1 0 0,0 0 0,0 0 0,0 0 0,0 0 0,0-1 0,1 1 0,0-1 0,0 1 0,0-1 0,0 0 0,0 0 0,1-1 0,-1 1 0,1 0 0,0-1 0,0 0 0,-1 0 0,2 0 0,-1-1 0,0 1 0,0-1 0,0 0 0,9 1 0,11 2 0,1-2 0,-1-1 0,42-2 0,-43 0 0,1 1 0,0-2 0,0 0 0,0-1 0,-1-2 0,38-11 0,-53 13 0,-1 0 0,0 0 0,1-1 0,-2 0 0,1-1 0,0 1 0,-1-1 0,0 0 0,0-1 0,0 1 0,-1-1 0,1 0 0,-1-1 0,-1 1 0,0-1 0,1 0 0,-2 0 0,1-1 0,-1 1 0,4-15 0,2-23 0,-2-1 0,1-73 0,1-2 0,-9 120 0,21-262 0,-23 828 0,2-553 0,0 1 0,1-1 0,0 0 0,1 1 0,1-1 0,0 0 0,7 21 0,-8-29 0,1 0 0,-1 1 0,1-1 0,0 0 0,0 0 0,0-1 0,0 1 0,1-1 0,-1 1 0,1-1 0,0 0 0,0 0 0,0-1 0,1 1 0,-1-1 0,1 0 0,-1 0 0,1-1 0,-1 1 0,1-1 0,0 0 0,7 1 0,9-1 0,0-1 0,1-1 0,-1 0 0,1-2 0,-1 0 0,0-2 0,-1 0 0,35-14 0,-8 4 0,-44 14-68,0 0 0,1 1-1,-1-1 1,1 1 0,-1-1 0,1 1-1,-1 0 1,1 1 0,-1-1 0,1 0-1,-1 1 1,0 0 0,1 0 0,-1 0-1,0 0 1,1 1 0,-1-1 0,0 1-1,4 2 1,10 8-6758</inkml:trace>
+</inkml:ink>
+</file>
+
+<file path=ppt/ink/ink28.xml><?xml version="1.0" encoding="utf-8"?>
+<inkml:ink xmlns:inkml="http://www.w3.org/2003/InkML">
+  <inkml:definitions>
+    <inkml:context xml:id="ctx0">
+      <inkml:inkSource xml:id="inkSrc0">
+        <inkml:traceFormat>
+          <inkml:channel name="X" type="integer" min="-2.14748E9" max="2.14748E9" units="cm"/>
+          <inkml:channel name="Y" type="integer" min="-2.14748E9" max="2.14748E9" units="cm"/>
+          <inkml:channel name="F" type="integer" max="32767" units="dev"/>
+        </inkml:traceFormat>
+        <inkml:channelProperties>
+          <inkml:channelProperty channel="X" name="resolution" value="1000" units="1/cm"/>
+          <inkml:channelProperty channel="Y" name="resolution" value="1000" units="1/cm"/>
+          <inkml:channelProperty channel="F" name="resolution" value="0" units="1/dev"/>
+        </inkml:channelProperties>
+      </inkml:inkSource>
+      <inkml:timestamp xml:id="ts0" timeString="2022-10-06T03:18:46.124"/>
+    </inkml:context>
+    <inkml:brush xml:id="br0">
+      <inkml:brushProperty name="width" value="0.05" units="cm"/>
+      <inkml:brushProperty name="height" value="0.05" units="cm"/>
+    </inkml:brush>
+  </inkml:definitions>
+  <inkml:trace contextRef="#ctx0" brushRef="#br0">0 161 24575,'0'-6'0,"0"-9"0,7-8 0,14 0 0,4-3 0,4 3 0,-2-1 0,-7 4-8191</inkml:trace>
+</inkml:ink>
+</file>
+
+<file path=ppt/ink/ink29.xml><?xml version="1.0" encoding="utf-8"?>
+<inkml:ink xmlns:inkml="http://www.w3.org/2003/InkML">
+  <inkml:definitions>
+    <inkml:context xml:id="ctx0">
+      <inkml:inkSource xml:id="inkSrc0">
+        <inkml:traceFormat>
+          <inkml:channel name="X" type="integer" min="-2.14748E9" max="2.14748E9" units="cm"/>
+          <inkml:channel name="Y" type="integer" min="-2.14748E9" max="2.14748E9" units="cm"/>
+          <inkml:channel name="F" type="integer" max="32767" units="dev"/>
+        </inkml:traceFormat>
+        <inkml:channelProperties>
+          <inkml:channelProperty channel="X" name="resolution" value="1000" units="1/cm"/>
+          <inkml:channelProperty channel="Y" name="resolution" value="1000" units="1/cm"/>
+          <inkml:channelProperty channel="F" name="resolution" value="0" units="1/dev"/>
+        </inkml:channelProperties>
+      </inkml:inkSource>
+      <inkml:timestamp xml:id="ts0" timeString="2022-10-06T03:18:48.262"/>
+    </inkml:context>
+    <inkml:brush xml:id="br0">
+      <inkml:brushProperty name="width" value="0.05" units="cm"/>
+      <inkml:brushProperty name="height" value="0.05" units="cm"/>
+    </inkml:brush>
+  </inkml:definitions>
+  <inkml:trace contextRef="#ctx0" brushRef="#br0">0 197 24575,'5'-4'0,"0"1"0,1 0 0,-1 0 0,0 1 0,1-1 0,0 1 0,-1 0 0,1 1 0,0 0 0,10-1 0,4-2 0,268-49 0,318-17 0,-451 56 0,422-15 0,4 31 0,-205 1 0,2152-3-1365,-2498 0-5461</inkml:trace>
+</inkml:ink>
+</file>
+
 <file path=ppt/ink/ink3.xml><?xml version="1.0" encoding="utf-8"?>
+<inkml:ink xmlns:inkml="http://www.w3.org/2003/InkML">
+  <inkml:definitions>
+    <inkml:context xml:id="ctx0">
+      <inkml:inkSource xml:id="inkSrc0">
+        <inkml:traceFormat>
+          <inkml:channel name="X" type="integer" min="-2.14748E9" max="2.14748E9" units="cm"/>
+          <inkml:channel name="Y" type="integer" min="-2.14748E9" max="2.14748E9" units="cm"/>
+          <inkml:channel name="F" type="integer" max="32767" units="dev"/>
+        </inkml:traceFormat>
+        <inkml:channelProperties>
+          <inkml:channelProperty channel="X" name="resolution" value="1000" units="1/cm"/>
+          <inkml:channelProperty channel="Y" name="resolution" value="1000" units="1/cm"/>
+          <inkml:channelProperty channel="F" name="resolution" value="0" units="1/dev"/>
+        </inkml:channelProperties>
+      </inkml:inkSource>
+      <inkml:timestamp xml:id="ts0" timeString="2022-10-06T03:18:23.329"/>
+    </inkml:context>
+    <inkml:brush xml:id="br0">
+      <inkml:brushProperty name="width" value="0.05" units="cm"/>
+      <inkml:brushProperty name="height" value="0.05" units="cm"/>
+    </inkml:brush>
+  </inkml:definitions>
+  <inkml:trace contextRef="#ctx0" brushRef="#br0">1 0 24575,'21'2'0,"-1"0"0,1 2 0,33 9 0,13 2 0,248 26 0,-137-21 0,980 78-251,4-57-97,-791-31 315,-322-8 33,1260 55 0,-386-19 0,-5-37 0,-561-3 0,688-18 314,12-1 4,4840 21-318,-2512 2 0,-1750-47-358,-2-65 0,-107 11-888,-1365 90-4983</inkml:trace>
+</inkml:ink>
+</file>
+
+<file path=ppt/ink/ink30.xml><?xml version="1.0" encoding="utf-8"?>
+<inkml:ink xmlns:inkml="http://www.w3.org/2003/InkML">
+  <inkml:definitions>
+    <inkml:context xml:id="ctx0">
+      <inkml:inkSource xml:id="inkSrc0">
+        <inkml:traceFormat>
+          <inkml:channel name="X" type="integer" min="-2.14748E9" max="2.14748E9" units="cm"/>
+          <inkml:channel name="Y" type="integer" min="-2.14748E9" max="2.14748E9" units="cm"/>
+          <inkml:channel name="F" type="integer" max="32767" units="dev"/>
+        </inkml:traceFormat>
+        <inkml:channelProperties>
+          <inkml:channelProperty channel="X" name="resolution" value="1000" units="1/cm"/>
+          <inkml:channelProperty channel="Y" name="resolution" value="1000" units="1/cm"/>
+          <inkml:channelProperty channel="F" name="resolution" value="0" units="1/dev"/>
+        </inkml:channelProperties>
+      </inkml:inkSource>
+      <inkml:timestamp xml:id="ts0" timeString="2022-10-06T03:18:50.353"/>
+    </inkml:context>
+    <inkml:brush xml:id="br0">
+      <inkml:brushProperty name="width" value="0.05" units="cm"/>
+      <inkml:brushProperty name="height" value="0.05" units="cm"/>
+    </inkml:brush>
+  </inkml:definitions>
+  <inkml:trace contextRef="#ctx0" brushRef="#br0">0 1 24575,'0'80'0,"3"0"0,4 1 0,20 94 0,100 663 0,-98-584 0,38 568 0,-64-464 0,2 12 0,10-243 0,5 0 0,41 135 0,28 176 0,-55-187 0,10 86 0,42 227 0,-72-475 0,-4 1 0,-4-1 0,-6 103 0,0-186 0,-1 18 0,1 0 0,2 0 0,0 0 0,8 36 0,-9-55 0,1 0 0,-1 1 0,1-2 0,0 1 0,0 0 0,1 0 0,-1-1 0,1 1 0,0-1 0,0 0 0,1 0 0,-1 0 0,1 0 0,0 0 0,0-1 0,0 0 0,1 0 0,-1 0 0,1 0 0,-1-1 0,1 0 0,0 0 0,0 0 0,0 0 0,0-1 0,9 2 0,41 1 0,-1-3 0,80-6 0,-8-2 0,526-17 0,-518 12 0,0-7 0,241-65 0,-267 50 0,1 6 0,1 4 0,1 5 0,212-9 0,1793 33 0,-2111-5-39,13 0 93,0 0 1,36-6-1,-49 5-153,0-1-1,0 1 1,0-1 0,0 0 0,0 0-1,0-1 1,0 1 0,-1-1-1,1 0 1,-1 0 0,0-1 0,0 1-1,0-1 1,4-5 0,18-32-6727</inkml:trace>
+</inkml:ink>
+</file>
+
+<file path=ppt/ink/ink31.xml><?xml version="1.0" encoding="utf-8"?>
+<inkml:ink xmlns:inkml="http://www.w3.org/2003/InkML">
+  <inkml:definitions>
+    <inkml:context xml:id="ctx0">
+      <inkml:inkSource xml:id="inkSrc0">
+        <inkml:traceFormat>
+          <inkml:channel name="X" type="integer" min="-2.14748E9" max="2.14748E9" units="cm"/>
+          <inkml:channel name="Y" type="integer" min="-2.14748E9" max="2.14748E9" units="cm"/>
+          <inkml:channel name="F" type="integer" max="32767" units="dev"/>
+        </inkml:traceFormat>
+        <inkml:channelProperties>
+          <inkml:channelProperty channel="X" name="resolution" value="1000" units="1/cm"/>
+          <inkml:channelProperty channel="Y" name="resolution" value="1000" units="1/cm"/>
+          <inkml:channelProperty channel="F" name="resolution" value="0" units="1/dev"/>
+        </inkml:channelProperties>
+      </inkml:inkSource>
+      <inkml:timestamp xml:id="ts0" timeString="2022-10-06T03:18:51.558"/>
+    </inkml:context>
+    <inkml:brush xml:id="br0">
+      <inkml:brushProperty name="width" value="0.05" units="cm"/>
+      <inkml:brushProperty name="height" value="0.05" units="cm"/>
+    </inkml:brush>
+  </inkml:definitions>
+  <inkml:trace contextRef="#ctx0" brushRef="#br0">3 1 24575,'-2'587'0,"5"651"0,15-745 0,2 82 0,-21 467 0,20-728 0,0-22 0,1 32 0,0 43 0,-22 55-1365,2-391-5461</inkml:trace>
+</inkml:ink>
+</file>
+
+<file path=ppt/ink/ink32.xml><?xml version="1.0" encoding="utf-8"?>
+<inkml:ink xmlns:inkml="http://www.w3.org/2003/InkML">
+  <inkml:definitions>
+    <inkml:context xml:id="ctx0">
+      <inkml:inkSource xml:id="inkSrc0">
+        <inkml:traceFormat>
+          <inkml:channel name="X" type="integer" min="-2.14748E9" max="2.14748E9" units="cm"/>
+          <inkml:channel name="Y" type="integer" min="-2.14748E9" max="2.14748E9" units="cm"/>
+          <inkml:channel name="F" type="integer" max="32767" units="dev"/>
+        </inkml:traceFormat>
+        <inkml:channelProperties>
+          <inkml:channelProperty channel="X" name="resolution" value="1000" units="1/cm"/>
+          <inkml:channelProperty channel="Y" name="resolution" value="1000" units="1/cm"/>
+          <inkml:channelProperty channel="F" name="resolution" value="0" units="1/dev"/>
+        </inkml:channelProperties>
+      </inkml:inkSource>
+      <inkml:timestamp xml:id="ts0" timeString="2022-10-06T03:18:55.353"/>
+    </inkml:context>
+    <inkml:brush xml:id="br0">
+      <inkml:brushProperty name="width" value="0.05" units="cm"/>
+      <inkml:brushProperty name="height" value="0.05" units="cm"/>
+    </inkml:brush>
+  </inkml:definitions>
+  <inkml:trace contextRef="#ctx0" brushRef="#br0">90 202 24575,'-4'0'0,"-1"1"0,1 0 0,0 0 0,0 0 0,0 0 0,0 1 0,0 0 0,0 0 0,0 0 0,0 0 0,1 0 0,-1 1 0,1 0 0,-1 0 0,1 0 0,0 0 0,0 0 0,1 1 0,-1-1 0,1 1 0,0-1 0,-1 1 0,2 0 0,-3 6 0,3-10 0,1 1 0,-1 0 0,1-1 0,0 1 0,-1 0 0,1 0 0,0-1 0,-1 1 0,1 0 0,0 0 0,0 0 0,0 0 0,0-1 0,0 1 0,0 0 0,0 0 0,0 0 0,0 0 0,0 0 0,0-1 0,0 1 0,1 0 0,-1 0 0,0 0 0,1-1 0,-1 1 0,0 0 0,1 0 0,-1-1 0,1 1 0,-1 0 0,1-1 0,0 1 0,0 0 0,2 0 0,-1 0 0,1 0 0,0 0 0,-1-1 0,1 1 0,0-1 0,-1 0 0,1 0 0,0 0 0,0 0 0,3-1 0,18-3 0,-1-1 0,23-9 0,-36 11 0,44-13 0,35-12 0,1 4 0,145-20 0,231-15 0,-465 59 0,16-3 0,-1 1 0,1 1 0,27 1 0,-38 0 0,-1 1 0,0 0 0,0 0 0,0 1 0,0-1 0,0 1 0,0 0 0,0 1 0,0-1 0,-1 1 0,0 0 0,1 0 0,-1 0 0,0 1 0,5 5 0,18 22 0,-15-15 0,1-2 0,26 24 0,-34-34 0,1 0 0,-1-1 0,1 1 0,0-1 0,0 0 0,0 0 0,0-1 0,0 0 0,1 0 0,-1-1 0,1 1 0,8-1 0,0 0 0,0-2 0,0 0 0,0-1 0,0-1 0,0 0 0,-1-1 0,1 0 0,14-7 0,116-61 0,-39 18 0,-71 39 0,0 1 0,70-16 0,-88 26 0,1 1 0,-1 1 0,1 1 0,0 0 0,0 2 0,0 0 0,0 1 0,25 5 0,32 13 0,118 26 0,-147-35 0,84 32 0,-96-29 0,1-2 0,1-2 0,0-1 0,41 5 0,400-7 0,-285-11 0,-116 4 0,248-7 0,-242 1 0,157-33 0,382-114 0,-559 142 0,1 2 0,0 4 0,1 2 0,63 6 0,-111-3 0,115-5 0,-78 1 0,62 4 0,-57 2 0,-30-2 0,1 2 0,33 6 0,-54-7 0,0 1 0,0 0 0,0 1 0,0 0 0,-1 0 0,1 0 0,-1 1 0,0 0 0,0 1 0,0 0 0,-1 0 0,8 7 0,-4-1 0,8 9 0,1-2 0,28 23 0,-38-35 0,0 0 0,0-1 0,1 0 0,-1 0 0,1-1 0,0 0 0,1-1 0,-1-1 0,13 3 0,40 2-227,0-3-1,1-2 1,-1-4-1,1-2 1,65-13-1,-73 7-6598</inkml:trace>
+</inkml:ink>
+</file>
+
+<file path=ppt/ink/ink33.xml><?xml version="1.0" encoding="utf-8"?>
+<inkml:ink xmlns:inkml="http://www.w3.org/2003/InkML">
+  <inkml:definitions>
+    <inkml:context xml:id="ctx0">
+      <inkml:inkSource xml:id="inkSrc0">
+        <inkml:traceFormat>
+          <inkml:channel name="X" type="integer" min="-2.14748E9" max="2.14748E9" units="cm"/>
+          <inkml:channel name="Y" type="integer" min="-2.14748E9" max="2.14748E9" units="cm"/>
+          <inkml:channel name="F" type="integer" max="32767" units="dev"/>
+        </inkml:traceFormat>
+        <inkml:channelProperties>
+          <inkml:channelProperty channel="X" name="resolution" value="1000" units="1/cm"/>
+          <inkml:channelProperty channel="Y" name="resolution" value="1000" units="1/cm"/>
+          <inkml:channelProperty channel="F" name="resolution" value="0" units="1/dev"/>
+        </inkml:channelProperties>
+      </inkml:inkSource>
+      <inkml:timestamp xml:id="ts0" timeString="2022-10-06T03:18:57.205"/>
+    </inkml:context>
+    <inkml:brush xml:id="br0">
+      <inkml:brushProperty name="width" value="0.05" units="cm"/>
+      <inkml:brushProperty name="height" value="0.05" units="cm"/>
+    </inkml:brush>
+  </inkml:definitions>
+  <inkml:trace contextRef="#ctx0" brushRef="#br0">47 1 24575,'-6'7'0,"0"1"0,0-1 0,1 1 0,0 1 0,-6 11 0,3 13 0,8-32 0,0 0 0,1 0 0,-1-1 0,0 1 0,0 0 0,0 0 0,0-1 0,1 1 0,-1 0 0,0-1 0,1 1 0,-1 0 0,1-1 0,-1 1 0,0-1 0,1 1 0,-1 0 0,1-1 0,0 1 0,-1-1 0,1 1 0,-1-1 0,1 0 0,0 1 0,-1-1 0,1 0 0,0 1 0,0-1 0,-1 0 0,1 0 0,0 0 0,1 1 0,10-1 0,1 0 0,-1-1 0,1 0 0,-1-1 0,1-1 0,-1 0 0,0 0 0,18-9 0,5 1 0,3-1 0,13-5 0,1 3 0,81-12 0,-128 26 0,0 0 0,1 0 0,-1 0 0,0 1 0,0-1 0,1 1 0,-1 1 0,0-1 0,0 1 0,0 0 0,0 0 0,0 0 0,-1 0 0,1 1 0,-1 0 0,1 0 0,-1 0 0,0 1 0,0-1 0,0 1 0,-1 0 0,6 8 0,6 4 0,-9-12 0,-1 1 0,1-1 0,0 0 0,1-1 0,-1 0 0,1 0 0,0 0 0,-1-1 0,1 1 0,0-2 0,0 1 0,0-1 0,1 0 0,8 0 0,10-1 0,0 0 0,40-6 0,105-28 0,-120 21 0,0 3 0,0 2 0,64-2 0,0 8 0,276 8 0,-348-1 0,0 3 0,69 20 0,7 3 0,1-11 0,219 8 0,131-30 0,-179-3 0,-188 0 0,0-5 0,133-31 0,99-11 0,316 43 0,-373 12 0,-171-3-682,110-15-1,-160 7-6143</inkml:trace>
+</inkml:ink>
+</file>
+
+<file path=ppt/ink/ink34.xml><?xml version="1.0" encoding="utf-8"?>
+<inkml:ink xmlns:inkml="http://www.w3.org/2003/InkML">
+  <inkml:definitions>
+    <inkml:context xml:id="ctx0">
+      <inkml:inkSource xml:id="inkSrc0">
+        <inkml:traceFormat>
+          <inkml:channel name="X" type="integer" min="-2.14748E9" max="2.14748E9" units="cm"/>
+          <inkml:channel name="Y" type="integer" min="-2.14748E9" max="2.14748E9" units="cm"/>
+          <inkml:channel name="F" type="integer" max="32767" units="dev"/>
+        </inkml:traceFormat>
+        <inkml:channelProperties>
+          <inkml:channelProperty channel="X" name="resolution" value="1000" units="1/cm"/>
+          <inkml:channelProperty channel="Y" name="resolution" value="1000" units="1/cm"/>
+          <inkml:channelProperty channel="F" name="resolution" value="0" units="1/dev"/>
+        </inkml:channelProperties>
+      </inkml:inkSource>
+      <inkml:timestamp xml:id="ts0" timeString="2022-10-06T03:18:58.765"/>
+    </inkml:context>
+    <inkml:brush xml:id="br0">
+      <inkml:brushProperty name="width" value="0.05" units="cm"/>
+      <inkml:brushProperty name="height" value="0.05" units="cm"/>
+    </inkml:brush>
+  </inkml:definitions>
+  <inkml:trace contextRef="#ctx0" brushRef="#br0">64 190 24575,'-3'1'0,"1"0"0,-1-1 0,0 1 0,0 0 0,1 0 0,-1 1 0,1-1 0,-1 0 0,1 1 0,-1-1 0,1 1 0,0 0 0,0 0 0,0 0 0,0 0 0,0 0 0,0 1 0,1-1 0,-3 5 0,2-4 0,0 0 0,0 1 0,0-1 0,1 0 0,-1 1 0,1-1 0,0 1 0,0-1 0,0 1 0,1 0 0,0-1 0,-1 1 0,1 0 0,1 6 0,-1-9 0,1 1 0,0-1 0,-1 1 0,1-1 0,0 0 0,0 0 0,0 1 0,0-1 0,0 0 0,0 0 0,1 0 0,-1 0 0,0 0 0,0 0 0,1-1 0,-1 1 0,0 0 0,1-1 0,-1 1 0,1-1 0,-1 1 0,1-1 0,2 1 0,42 2 0,-28-2 0,7 2 0,0 2 0,-1 1 0,27 10 0,-22-7 0,44 8 0,19-7 0,2-4 0,139-9 0,-183-2 0,-1-2 0,65-18 0,-58 11 0,79-8 0,-53 13 0,-1-3 0,-1-4 0,0-3 0,-2-4 0,0-3 0,130-64 0,-179 76 0,1 2 0,0 1 0,0 1 0,1 1 0,0 2 0,1 1 0,-1 2 0,59-2 0,465 7 0,-210 3 0,-272-1 0,75 13 0,58 3 0,117-17 0,327-41 0,-273 3-1365,-317 32-5461</inkml:trace>
+</inkml:ink>
+</file>
+
+<file path=ppt/ink/ink35.xml><?xml version="1.0" encoding="utf-8"?>
+<inkml:ink xmlns:inkml="http://www.w3.org/2003/InkML">
+  <inkml:definitions>
+    <inkml:context xml:id="ctx0">
+      <inkml:inkSource xml:id="inkSrc0">
+        <inkml:traceFormat>
+          <inkml:channel name="X" type="integer" min="-2.14748E9" max="2.14748E9" units="cm"/>
+          <inkml:channel name="Y" type="integer" min="-2.14748E9" max="2.14748E9" units="cm"/>
+          <inkml:channel name="F" type="integer" max="32767" units="dev"/>
+        </inkml:traceFormat>
+        <inkml:channelProperties>
+          <inkml:channelProperty channel="X" name="resolution" value="1000" units="1/cm"/>
+          <inkml:channelProperty channel="Y" name="resolution" value="1000" units="1/cm"/>
+          <inkml:channelProperty channel="F" name="resolution" value="0" units="1/dev"/>
+        </inkml:channelProperties>
+      </inkml:inkSource>
+      <inkml:timestamp xml:id="ts0" timeString="2022-10-06T03:19:00.199"/>
+    </inkml:context>
+    <inkml:brush xml:id="br0">
+      <inkml:brushProperty name="width" value="0.05" units="cm"/>
+      <inkml:brushProperty name="height" value="0.05" units="cm"/>
+    </inkml:brush>
+  </inkml:definitions>
+  <inkml:trace contextRef="#ctx0" brushRef="#br0">25 433 24575,'-1'0'0,"0"0"0,0 0 0,0 0 0,0 1 0,0-1 0,0 0 0,0 1 0,0-1 0,0 1 0,0-1 0,0 1 0,0 0 0,0-1 0,0 1 0,0 0 0,0 0 0,0-1 0,1 1 0,-1 0 0,0 0 0,1 0 0,-1 0 0,0 0 0,1 0 0,0 0 0,-1 0 0,1 0 0,-1 0 0,1 0 0,0 1 0,0-1 0,0 0 0,0 0 0,0 2 0,0-1 0,-1 0 0,1 0 0,0 0 0,1 0 0,-1 0 0,0 0 0,1 0 0,-1 0 0,1 0 0,0 0 0,-1 0 0,1 0 0,0 0 0,0-1 0,0 1 0,0 0 0,1-1 0,-1 1 0,2 2 0,6 1 0,1 0 0,-1 0 0,1 0 0,0-1 0,0-1 0,0 0 0,0 0 0,1-1 0,11 1 0,106 6 0,-98-8 0,141 0 0,-95-3 0,1 4 0,128 18 0,-142-11 0,0-3 0,106-4 0,-99-3 0,22-4 0,178-31 0,-159 17 0,-99 17 0,1 0 0,-1 1 0,1 0 0,-1 1 0,0 1 0,19 2 0,-23-1 0,0 1 0,0 0 0,0 0 0,-1 0 0,1 1 0,-1 0 0,0 1 0,0-1 0,0 1 0,8 8 0,-2-2 0,1-1 0,0 0 0,1-1 0,0-1 0,0 0 0,1-1 0,0-1 0,0-1 0,0 0 0,1-1 0,0 0 0,20 1 0,26-1 0,1-2 0,63-7 0,-13 0 0,-58 5 0,23 0 0,-1-2 0,154-27 0,-102-5 0,-2-6 0,-1-5 0,144-74 0,-270 118 0,12-6 0,1 1 0,0 0 0,0 1 0,17-4 0,-26 8 0,-1 1 0,0-1 0,0 1 0,0 0 0,1 0 0,-1 1 0,0-1 0,0 1 0,0 0 0,1 0 0,-1 0 0,0 1 0,-1-1 0,1 1 0,0 0 0,0 0 0,-1 0 0,7 5 0,8 8 0,-10-7 0,1 0 0,0-1 0,0 0 0,1-1 0,0 0 0,0-1 0,0 0 0,1 0 0,14 3 0,11-1 0,1-2 0,-1-1 0,1-2 0,-1-2 0,1-1 0,37-6 0,4-5 0,135-40 0,-29-9 0,-3-7 0,241-130 0,-324 142-1365,-70 34-5461</inkml:trace>
+</inkml:ink>
+</file>
+
+<file path=ppt/ink/ink36.xml><?xml version="1.0" encoding="utf-8"?>
+<inkml:ink xmlns:inkml="http://www.w3.org/2003/InkML">
+  <inkml:definitions>
+    <inkml:context xml:id="ctx0">
+      <inkml:inkSource xml:id="inkSrc0">
+        <inkml:traceFormat>
+          <inkml:channel name="X" type="integer" min="-2.14748E9" max="2.14748E9" units="cm"/>
+          <inkml:channel name="Y" type="integer" min="-2.14748E9" max="2.14748E9" units="cm"/>
+          <inkml:channel name="F" type="integer" max="32767" units="dev"/>
+        </inkml:traceFormat>
+        <inkml:channelProperties>
+          <inkml:channelProperty channel="X" name="resolution" value="1000" units="1/cm"/>
+          <inkml:channelProperty channel="Y" name="resolution" value="1000" units="1/cm"/>
+          <inkml:channelProperty channel="F" name="resolution" value="0" units="1/dev"/>
+        </inkml:channelProperties>
+      </inkml:inkSource>
+      <inkml:timestamp xml:id="ts0" timeString="2022-10-06T03:19:01.318"/>
+    </inkml:context>
+    <inkml:brush xml:id="br0">
+      <inkml:brushProperty name="width" value="0.05" units="cm"/>
+      <inkml:brushProperty name="height" value="0.05" units="cm"/>
+    </inkml:brush>
+  </inkml:definitions>
+  <inkml:trace contextRef="#ctx0" brushRef="#br0">22 266 24575,'-1'0'0,"0"1"0,0-1 0,0 0 0,0 1 0,0-1 0,0 0 0,0 1 0,0-1 0,0 1 0,0 0 0,0-1 0,0 1 0,0 0 0,1-1 0,-1 1 0,0 0 0,1 0 0,-1 0 0,0 0 0,1 0 0,-1 0 0,1 0 0,-1 0 0,1 0 0,0 0 0,-1 0 0,1 0 0,0 0 0,0 0 0,0 0 0,-1 0 0,1 0 0,0 0 0,1 0 0,-1 0 0,0 0 0,0 0 0,0 1 0,1-1 0,-1 0 0,0 0 0,1 0 0,0 1 0,4 1 0,0 0 0,0 0 0,1 0 0,-1-1 0,1 0 0,-1 0 0,1 0 0,0-1 0,0 0 0,0 0 0,0 0 0,9-1 0,-1 2 0,132 10 0,209-8 0,151-38 0,-235 13 0,-164 13 0,-18 0 0,157 7 0,-233 2 0,0 0 0,0 1 0,0 1 0,0 0 0,0 0 0,-1 1 0,1 1 0,-1 0 0,0 1 0,0 1 0,-1-1 0,13 11 0,-8-6 0,0-2 0,0 1 0,1-2 0,1 0 0,-1-2 0,1 0 0,0 0 0,1-2 0,25 4 0,22-2 0,89-2 0,-102-4 0,45 2 0,525-10 0,-494-5 0,214-51 0,-172 27 0,838-214-968,-954 236 571,76-21-6429</inkml:trace>
+</inkml:ink>
+</file>
+
+<file path=ppt/ink/ink37.xml><?xml version="1.0" encoding="utf-8"?>
+<inkml:ink xmlns:inkml="http://www.w3.org/2003/InkML">
+  <inkml:definitions>
+    <inkml:context xml:id="ctx0">
+      <inkml:inkSource xml:id="inkSrc0">
+        <inkml:traceFormat>
+          <inkml:channel name="X" type="integer" min="-2.14748E9" max="2.14748E9" units="cm"/>
+          <inkml:channel name="Y" type="integer" min="-2.14748E9" max="2.14748E9" units="cm"/>
+          <inkml:channel name="F" type="integer" max="32767" units="dev"/>
+        </inkml:traceFormat>
+        <inkml:channelProperties>
+          <inkml:channelProperty channel="X" name="resolution" value="1000" units="1/cm"/>
+          <inkml:channelProperty channel="Y" name="resolution" value="1000" units="1/cm"/>
+          <inkml:channelProperty channel="F" name="resolution" value="0" units="1/dev"/>
+        </inkml:channelProperties>
+      </inkml:inkSource>
+      <inkml:timestamp xml:id="ts0" timeString="2022-10-06T03:19:03.276"/>
+    </inkml:context>
+    <inkml:brush xml:id="br0">
+      <inkml:brushProperty name="width" value="0.05" units="cm"/>
+      <inkml:brushProperty name="height" value="0.05" units="cm"/>
+    </inkml:brush>
+  </inkml:definitions>
+  <inkml:trace contextRef="#ctx0" brushRef="#br0">0 551 24575,'0'0'0,"0"1"0,1-1 0,-1 1 0,0-1 0,0 1 0,1-1 0,-1 1 0,0-1 0,1 0 0,-1 1 0,0-1 0,1 0 0,-1 1 0,0-1 0,1 0 0,-1 1 0,1-1 0,-1 0 0,1 0 0,-1 1 0,1-1 0,-1 0 0,1 0 0,-1 0 0,1 0 0,-1 0 0,1 0 0,-1 0 0,1 0 0,-1 0 0,1 0 0,-1 0 0,1 0 0,-1 0 0,1 0 0,-1 0 0,1-1 0,0 1 0,26-7 0,-25 7 0,28-12 0,0 0 0,-1-2 0,0-2 0,-1 0 0,-1-2 0,0-1 0,-2-1 0,0-1 0,-1-1 0,-2-1 0,31-39 0,43-69 0,15-17 0,-111 147 0,1-1 0,0 1 0,0 0 0,0 0 0,0 0 0,0 0 0,0 0 0,0 0 0,0 1 0,0-1 0,1 0 0,-1 0 0,0 1 0,0-1 0,1 1 0,-1-1 0,0 1 0,1 0 0,-1-1 0,1 1 0,2 0 0,-3 0 0,0 1 0,0 0 0,0-1 0,0 1 0,0 0 0,-1-1 0,1 1 0,0 0 0,0 0 0,0 0 0,-1 0 0,1 0 0,0 0 0,-1 0 0,1 0 0,-1 0 0,0 0 0,1 0 0,-1 0 0,1 2 0,1 10 0,1 1 0,-2-1 0,0 21 0,-1-27 0,-3 270 127,-1-91-1619,3-140-5334</inkml:trace>
+</inkml:ink>
+</file>
+
+<file path=ppt/ink/ink38.xml><?xml version="1.0" encoding="utf-8"?>
+<inkml:ink xmlns:inkml="http://www.w3.org/2003/InkML">
+  <inkml:definitions>
+    <inkml:context xml:id="ctx0">
+      <inkml:inkSource xml:id="inkSrc0">
+        <inkml:traceFormat>
+          <inkml:channel name="X" type="integer" min="-2.14748E9" max="2.14748E9" units="cm"/>
+          <inkml:channel name="Y" type="integer" min="-2.14748E9" max="2.14748E9" units="cm"/>
+          <inkml:channel name="F" type="integer" max="32767" units="dev"/>
+        </inkml:traceFormat>
+        <inkml:channelProperties>
+          <inkml:channelProperty channel="X" name="resolution" value="1000" units="1/cm"/>
+          <inkml:channelProperty channel="Y" name="resolution" value="1000" units="1/cm"/>
+          <inkml:channelProperty channel="F" name="resolution" value="0" units="1/dev"/>
+        </inkml:channelProperties>
+      </inkml:inkSource>
+      <inkml:timestamp xml:id="ts0" timeString="2022-10-06T03:19:04.110"/>
+    </inkml:context>
+    <inkml:brush xml:id="br0">
+      <inkml:brushProperty name="width" value="0.05" units="cm"/>
+      <inkml:brushProperty name="height" value="0.05" units="cm"/>
+    </inkml:brush>
+  </inkml:definitions>
+  <inkml:trace contextRef="#ctx0" brushRef="#br0">1 187 24575,'12'-10'0,"0"1"0,1 0 0,0 1 0,1 1 0,0 0 0,0 1 0,0 0 0,1 1 0,17-4 0,-10 2 0,67-22 0,2 4 0,151-23 0,-238 47 0,1 1 0,0 0 0,0 0 0,-1 0 0,1 0 0,0 0 0,-1 1 0,1 0 0,0 0 0,8 4 0,-11-4 0,-1 0 0,1 1 0,0-1 0,0 1 0,-1-1 0,1 1 0,-1 0 0,0-1 0,1 1 0,-1 0 0,0 0 0,0 0 0,0 0 0,0 0 0,-1 0 0,1 1 0,0-1 0,-1 0 0,0 0 0,1 0 0,-1 1 0,0-1 0,0 0 0,0 3 0,-1 9 0,0 0 0,-1 1 0,0-1 0,-1 0 0,-1 0 0,0-1 0,-12 27 0,-6 3 0,-28 42 0,-10 20 0,59-103 0,0 0 0,0 1 0,0-1 0,0 1 0,0 0 0,0-1 0,1 1 0,0 0 0,-1-1 0,1 1 0,0 0 0,0-1 0,0 1 0,1 0 0,-1-1 0,1 1 0,-1 0 0,1-1 0,0 1 0,0-1 0,0 1 0,0-1 0,0 1 0,3 2 0,2 3 0,1-1 0,0 0 0,0-1 0,1 1 0,12 7 0,20 18 0,-34-25 0,0-1 0,0 1 0,-1 0 0,0 1 0,0-1 0,0 1 0,-1 0 0,-1 0 0,1 0 0,-1 1 0,0-1 0,-1 1 0,0 0 0,-1-1 0,1 17 0,-2-12 0,-1-1 0,-1 0 0,0 1 0,-1-1 0,0 0 0,-1 0 0,0-1 0,-1 1 0,0-1 0,-9 14 0,-5 3 0,-1 0 0,-1-1 0,-2-1 0,-1-2 0,0 0 0,-2-1 0,-37 25 0,39-30 0,-1-1 0,-1-1 0,0-1 0,-1-2 0,-41 15 0,67-27-41,-1-1 0,0 1-1,1-1 1,-1 1-1,0-1 1,0 0 0,1 0-1,-1 0 1,0 0 0,0 0-1,0 0 1,1 0-1,-1 0 1,0-1 0,0 1-1,1-1 1,-1 0 0,0 1-1,1-1 1,-1 0-1,1 0 1,-1 0 0,1 0-1,-1 0 1,1 0 0,0 0-1,-1-1 1,1 1-1,0 0 1,0-1 0,0 1-1,-1-4 1,-13-26-6785</inkml:trace>
+</inkml:ink>
+</file>
+
+<file path=ppt/ink/ink39.xml><?xml version="1.0" encoding="utf-8"?>
+<inkml:ink xmlns:inkml="http://www.w3.org/2003/InkML">
+  <inkml:definitions>
+    <inkml:context xml:id="ctx0">
+      <inkml:inkSource xml:id="inkSrc0">
+        <inkml:traceFormat>
+          <inkml:channel name="X" type="integer" min="-2.14748E9" max="2.14748E9" units="cm"/>
+          <inkml:channel name="Y" type="integer" min="-2.14748E9" max="2.14748E9" units="cm"/>
+          <inkml:channel name="F" type="integer" max="32767" units="dev"/>
+        </inkml:traceFormat>
+        <inkml:channelProperties>
+          <inkml:channelProperty channel="X" name="resolution" value="1000" units="1/cm"/>
+          <inkml:channelProperty channel="Y" name="resolution" value="1000" units="1/cm"/>
+          <inkml:channelProperty channel="F" name="resolution" value="0" units="1/dev"/>
+        </inkml:channelProperties>
+      </inkml:inkSource>
+      <inkml:timestamp xml:id="ts0" timeString="2022-10-06T03:19:05.082"/>
+    </inkml:context>
+    <inkml:brush xml:id="br0">
+      <inkml:brushProperty name="width" value="0.05" units="cm"/>
+      <inkml:brushProperty name="height" value="0.05" units="cm"/>
+    </inkml:brush>
+  </inkml:definitions>
+  <inkml:trace contextRef="#ctx0" brushRef="#br0">316 32 24575,'-1'-1'0,"1"0"0,-1 0 0,0-1 0,1 1 0,-1 0 0,0 0 0,1 0 0,-1 0 0,0 0 0,0 0 0,0 0 0,0 0 0,0 1 0,0-1 0,0 0 0,-1 0 0,1 1 0,0-1 0,0 1 0,0-1 0,-1 1 0,1-1 0,0 1 0,-1 0 0,-1 0 0,-40-8 0,38 7 0,-5 0 0,1 0 0,-1 1 0,0-1 0,1 2 0,-1 0 0,0 0 0,1 0 0,-1 1 0,1 1 0,0 0 0,0 0 0,-10 5 0,13-5 0,-1 1 0,1 1 0,0-1 0,0 1 0,1 0 0,0 0 0,-1 1 0,2-1 0,-1 1 0,1 0 0,-1 1 0,2-1 0,-1 1 0,1 0 0,0-1 0,-3 12 0,-2 18 0,2-1 0,2 2 0,1-1 0,2 0 0,5 64 0,-2-50 0,0-29 0,1 0 0,1 0 0,0 0 0,2-1 0,0 0 0,1 0 0,1 0 0,1-1 0,1-1 0,0 1 0,2-1 0,0-1 0,1 0 0,0-1 0,1-1 0,1 0 0,1 0 0,0-2 0,1 0 0,20 12 0,-29-20 0,1-1 0,0 0 0,0-1 0,0 1 0,0-2 0,1 1 0,-1-1 0,1-1 0,-1 0 0,1 0 0,-1-1 0,1 0 0,0-1 0,-1 0 0,12-2 0,-14 1 0,0 0 0,0-1 0,0 0 0,0 0 0,0-1 0,-1 0 0,0 0 0,1 0 0,-1-1 0,-1 0 0,1 0 0,-1 0 0,0-1 0,0 1 0,0-1 0,-1-1 0,0 1 0,0-1 0,3-8 0,3-13 0,-2 0 0,-1 0 0,-1 0 0,-2-1 0,2-40 0,0 7 0,-6 59-13,21-221 148,-19 181-507,-2 1 0,-2 0 1,-10-55-1,4 58-6454</inkml:trace>
+</inkml:ink>
+</file>
+
+<file path=ppt/ink/ink4.xml><?xml version="1.0" encoding="utf-8"?>
+<inkml:ink xmlns:inkml="http://www.w3.org/2003/InkML">
+  <inkml:definitions>
+    <inkml:context xml:id="ctx0">
+      <inkml:inkSource xml:id="inkSrc0">
+        <inkml:traceFormat>
+          <inkml:channel name="X" type="integer" min="-2.14748E9" max="2.14748E9" units="cm"/>
+          <inkml:channel name="Y" type="integer" min="-2.14748E9" max="2.14748E9" units="cm"/>
+          <inkml:channel name="F" type="integer" max="32767" units="dev"/>
+        </inkml:traceFormat>
+        <inkml:channelProperties>
+          <inkml:channelProperty channel="X" name="resolution" value="1000" units="1/cm"/>
+          <inkml:channelProperty channel="Y" name="resolution" value="1000" units="1/cm"/>
+          <inkml:channelProperty channel="F" name="resolution" value="0" units="1/dev"/>
+        </inkml:channelProperties>
+      </inkml:inkSource>
+      <inkml:timestamp xml:id="ts0" timeString="2022-10-06T03:18:25.587"/>
+    </inkml:context>
+    <inkml:brush xml:id="br0">
+      <inkml:brushProperty name="width" value="0.05" units="cm"/>
+      <inkml:brushProperty name="height" value="0.05" units="cm"/>
+    </inkml:brush>
+  </inkml:definitions>
+  <inkml:trace contextRef="#ctx0" brushRef="#br0">0 1 24575,'1'0'0,"0"1"0,0 0 0,0-1 0,0 1 0,0 0 0,0-1 0,-1 1 0,1 0 0,0 0 0,0 0 0,-1 0 0,1 0 0,-1 0 0,1 0 0,-1 0 0,1 0 0,-1 0 0,0 0 0,1 0 0,-1 0 0,0 1 0,0-1 0,0 0 0,0 0 0,0 0 0,0 2 0,1 2 0,11 99 0,-4 0 0,-6 117 0,-2-84 0,1 1002-192,6 413-274,14-1086 466,98 568 0,-75-765 0,178 1227 0,-153-942 0,39 347 0,-49 2 0,-56-268 0,5 187 0,16 1983 720,-26-1869-782,-1-883 62,-14 84 0,9-83 0,-3 75 0,10-112 0,2-1 0,0 1 0,0-1 0,2 1 0,4 17 0,-4-25 0,1 0 0,0-1 0,0 1 0,1-1 0,0 0 0,0 0 0,1 0 0,0-1 0,0 0 0,11 10 0,3 0 0,1-2 0,0 0 0,1-1 0,0 0 0,1-2 0,1-1 0,0-1 0,0-1 0,41 9 0,20-1 0,135 9 0,-196-23 0,891 21 0,-713-25 0,5742-2-5737,7 2 5126,-4412-99 611,-42-25 0,485 119 0,-1086 11 0,2242-5 5371,-1817-57-4394,-703 35-977,-613 22 0,4 1 0,0-1 0,0-1 0,0 1 0,16-5 0,-22 4 0,0 0 0,0 0 0,-1 0 0,1 0 0,-1-1 0,1 1 0,-1-1 0,1 0 0,-1 1 0,0-1 0,0 0 0,0-1 0,0 1 0,0 0 0,-1-1 0,1 1 0,-1 0 0,1-1 0,1-4 0,10-47-1365,-6-9-5461</inkml:trace>
+</inkml:ink>
+</file>
+
+<file path=ppt/ink/ink40.xml><?xml version="1.0" encoding="utf-8"?>
+<inkml:ink xmlns:inkml="http://www.w3.org/2003/InkML">
+  <inkml:definitions>
+    <inkml:context xml:id="ctx0">
+      <inkml:inkSource xml:id="inkSrc0">
+        <inkml:traceFormat>
+          <inkml:channel name="X" type="integer" min="-2.14748E9" max="2.14748E9" units="cm"/>
+          <inkml:channel name="Y" type="integer" min="-2.14748E9" max="2.14748E9" units="cm"/>
+          <inkml:channel name="F" type="integer" max="32767" units="dev"/>
+        </inkml:traceFormat>
+        <inkml:channelProperties>
+          <inkml:channelProperty channel="X" name="resolution" value="1000" units="1/cm"/>
+          <inkml:channelProperty channel="Y" name="resolution" value="1000" units="1/cm"/>
+          <inkml:channelProperty channel="F" name="resolution" value="0" units="1/dev"/>
+        </inkml:channelProperties>
+      </inkml:inkSource>
+      <inkml:timestamp xml:id="ts0" timeString="2022-10-06T03:19:05.450"/>
+    </inkml:context>
+    <inkml:brush xml:id="br0">
+      <inkml:brushProperty name="width" value="0.05" units="cm"/>
+      <inkml:brushProperty name="height" value="0.05" units="cm"/>
+    </inkml:brush>
+  </inkml:definitions>
+  <inkml:trace contextRef="#ctx0" brushRef="#br0">1 0 24575,'0'0'-8191</inkml:trace>
+</inkml:ink>
+</file>
+
+<file path=ppt/ink/ink41.xml><?xml version="1.0" encoding="utf-8"?>
+<inkml:ink xmlns:inkml="http://www.w3.org/2003/InkML">
+  <inkml:definitions>
+    <inkml:context xml:id="ctx0">
+      <inkml:inkSource xml:id="inkSrc0">
+        <inkml:traceFormat>
+          <inkml:channel name="X" type="integer" min="-2.14748E9" max="2.14748E9" units="cm"/>
+          <inkml:channel name="Y" type="integer" min="-2.14748E9" max="2.14748E9" units="cm"/>
+          <inkml:channel name="F" type="integer" max="32767" units="dev"/>
+        </inkml:traceFormat>
+        <inkml:channelProperties>
+          <inkml:channelProperty channel="X" name="resolution" value="1000" units="1/cm"/>
+          <inkml:channelProperty channel="Y" name="resolution" value="1000" units="1/cm"/>
+          <inkml:channelProperty channel="F" name="resolution" value="0" units="1/dev"/>
+        </inkml:channelProperties>
+      </inkml:inkSource>
+      <inkml:timestamp xml:id="ts0" timeString="2022-10-06T03:19:07.186"/>
+    </inkml:context>
+    <inkml:brush xml:id="br0">
+      <inkml:brushProperty name="width" value="0.05" units="cm"/>
+      <inkml:brushProperty name="height" value="0.05" units="cm"/>
+    </inkml:brush>
+  </inkml:definitions>
+  <inkml:trace contextRef="#ctx0" brushRef="#br0">390 121 24575,'-34'0'0,"-49"6"0,71-4 0,0 0 0,1 1 0,-1 1 0,1-1 0,0 2 0,0 0 0,-17 10 0,16-8 0,1 1 0,0 1 0,0 0 0,1 0 0,0 1 0,0 0 0,1 1 0,1 0 0,0 0 0,0 1 0,1 0 0,1 0 0,-7 16 0,6-5 0,0 1 0,2 0 0,0 0 0,2 0 0,1 1 0,1 42 0,1-32 0,2-1 0,1 1 0,15 62 0,-15-84 0,1 0 0,1 0 0,0-1 0,1 0 0,0 1 0,1-2 0,1 1 0,-1-1 0,2 0 0,-1-1 0,2 0 0,17 16 0,-10-14 0,-1-1 0,1-1 0,1 0 0,0-1 0,0-1 0,1 0 0,0-2 0,34 8 0,-24-9 0,0-1 0,0-2 0,0-1 0,0-1 0,41-5 0,-64 4 0,-1 1 0,1-1 0,-1 0 0,1 0 0,-1-1 0,0 0 0,0 0 0,0 0 0,0 0 0,0-1 0,0 0 0,0 0 0,-1 0 0,0 0 0,1-1 0,-1 0 0,-1 0 0,1 0 0,0 0 0,-1-1 0,0 1 0,0-1 0,0 0 0,-1 0 0,0 0 0,0 0 0,0 0 0,0 0 0,-1-1 0,0 1 0,0-1 0,0-8 0,4-35 0,-2 1 0,-3-1 0,-1 0 0,-3 0 0,-1 1 0,-3-1 0,-2 2 0,-2-1 0,-2 1 0,-2 1 0,-3 1 0,-44-82 0,51 108 0,5 9 0,0 0 0,1 0 0,1-1 0,-7-16 0,11 25 0,1 0 0,-1 0 0,1 0 0,-1 0 0,1 0 0,0 0 0,-1 0 0,1 0 0,0 1 0,0-1 0,1 0 0,-1 0 0,0 0 0,1 0 0,-1 0 0,1 0 0,-1 0 0,1 0 0,0 0 0,0 1 0,0-1 0,0 0 0,0 1 0,0-1 0,0 1 0,1-1 0,-1 1 0,1-1 0,-1 1 0,1 0 0,-1 0 0,1 0 0,2-1 0,8-3 0,0 2 0,1 0 0,-1 0 0,1 1 0,0 1 0,-1 0 0,1 0 0,23 3 0,-25-1 0,25-1 0,50 1 0,-1 4 0,122 22 0,-202-26 0,1 0 0,-1 1 0,0-1 0,0 1 0,0 0 0,0 0 0,0 1 0,0 0 0,0-1 0,-1 2 0,0-1 0,1 0 0,-1 1 0,0 0 0,-1 0 0,1 0 0,-1 0 0,0 1 0,4 6 0,-4-4 0,-1 0 0,0 0 0,0 1 0,-1-1 0,0 0 0,0 0 0,-1 1 0,1-1 0,-2 0 0,1 1 0,-1-1 0,0 0 0,-4 13 0,-44 124 0,33-103 0,2 1 0,-12 56 0,24-87 0,-2 4 0,2 1 0,0-1 0,1 0 0,1 21 0,0-32 0,0-1 0,0 0 0,1 0 0,-1 0 0,1 0 0,0 0 0,0 1 0,0-2 0,1 1 0,-1 0 0,1 0 0,-1 0 0,1-1 0,0 1 0,0 0 0,0-1 0,1 0 0,-1 0 0,0 1 0,1-1 0,-1-1 0,1 1 0,0 0 0,0-1 0,0 1 0,5 1 0,8 1 0,-1 0 0,1-1 0,0-1 0,-1-1 0,1 0 0,0-1 0,23-3 0,-32 3 0,-1-1 0,1 0 0,0 0 0,-1-1 0,1 0 0,-1 0 0,0 0 0,0-1 0,0 0 0,0 0 0,0-1 0,-1 1 0,1-1 0,-1-1 0,0 1 0,0-1 0,-1 1 0,1-1 0,-1-1 0,4-5 0,-2-3 0,-1 1 0,0-1 0,-1 0 0,0 0 0,-2-1 0,1 1 0,-1-22 0,-4-110 0,-1 85 0,3 43 0,0-1 0,-1 1 0,-1-1 0,-1 1 0,-1 0 0,0 0 0,-1 0 0,-1 1 0,-1 0 0,0 0 0,-1 0 0,-1 1 0,-13-18 0,20 32 0,0 0 0,0 0 0,1 0 0,-1-1 0,1 1 0,0 0 0,-1-1 0,1 1 0,0-1 0,0 1 0,1-1 0,-1 0 0,1 1 0,-1-1 0,1 0 0,0-2 0,0 4 0,1-1 0,0 1 0,0 0 0,-1 0 0,1 0 0,0 0 0,0 0 0,0 0 0,0 0 0,0 0 0,1 0 0,-1 0 0,0 0 0,0 1 0,0-1 0,1 1 0,-1-1 0,0 1 0,1-1 0,-1 1 0,1 0 0,-1-1 0,0 1 0,1 0 0,-1 0 0,1 0 0,-1 0 0,0 0 0,1 1 0,1-1 0,3 1 0,-1-1 0,0 1 0,0-1 0,1 1 0,-1 1 0,0-1 0,0 1 0,0 0 0,-1 0 0,1 1 0,0-1 0,-1 1 0,1 0 0,-1 0 0,0 0 0,0 1 0,0 0 0,-1-1 0,1 1 0,-1 1 0,0-1 0,0 0 0,0 1 0,-1-1 0,0 1 0,0 0 0,0 0 0,0 0 0,1 9 0,3 14 0,-1-1 0,-2 0 0,-1 1 0,-1 38 0,-2-45 0,3 47 0,-4 0 0,-3-1 0,-3 1 0,-3-1 0,-20 67 0,29-126 0,-1 1 0,0 1 0,1-1 0,0 1 0,0-1 0,0 11 0,2-17 0,0-1 0,1 1 0,-1 0 0,0-1 0,1 1 0,0-1 0,-1 0 0,1 1 0,0-1 0,0 1 0,1-1 0,-1 0 0,0 0 0,1 0 0,-1 0 0,1 0 0,0 0 0,-1 0 0,1 0 0,0-1 0,0 1 0,0-1 0,1 1 0,1 0 0,9 4 0,0-1 0,0-1 0,0 0 0,0 0 0,0-2 0,1 1 0,0-2 0,-1 0 0,22-1 0,-4-2 0,-1-1 0,0-1 0,36-10 0,-59 13 0,1-2 0,-1 1 0,1-1 0,-1 0 0,0 0 0,0-1 0,0 0 0,-1 0 0,1-1 0,-1 1 0,0-2 0,-1 1 0,1-1 0,-1 1 0,7-11 0,-6 6 0,-2 1 0,1-2 0,-1 1 0,0 0 0,-1-1 0,0 0 0,-1 0 0,0 0 0,-1 0 0,0-13 0,-2-281 0,-2 266 0,-1 0 0,-3 0 0,-1 1 0,-1 0 0,-26-62 0,32 92-105,0 1 0,0 0 0,0 0 0,-1 0 0,-1 0 0,1 1 0,-1 0 0,0-1 0,0 2 0,-1-1 0,0 1 0,-10-8 0,-8 1-6721</inkml:trace>
+</inkml:ink>
+</file>
+
+<file path=ppt/ink/ink42.xml><?xml version="1.0" encoding="utf-8"?>
+<inkml:ink xmlns:inkml="http://www.w3.org/2003/InkML">
+  <inkml:definitions>
+    <inkml:context xml:id="ctx0">
+      <inkml:inkSource xml:id="inkSrc0">
+        <inkml:traceFormat>
+          <inkml:channel name="X" type="integer" min="-2.14748E9" max="2.14748E9" units="cm"/>
+          <inkml:channel name="Y" type="integer" min="-2.14748E9" max="2.14748E9" units="cm"/>
+          <inkml:channel name="F" type="integer" max="32767" units="dev"/>
+        </inkml:traceFormat>
+        <inkml:channelProperties>
+          <inkml:channelProperty channel="X" name="resolution" value="1000" units="1/cm"/>
+          <inkml:channelProperty channel="Y" name="resolution" value="1000" units="1/cm"/>
+          <inkml:channelProperty channel="F" name="resolution" value="0" units="1/dev"/>
+        </inkml:channelProperties>
+      </inkml:inkSource>
+      <inkml:timestamp xml:id="ts0" timeString="2022-10-06T03:19:08.204"/>
+    </inkml:context>
+    <inkml:brush xml:id="br0">
+      <inkml:brushProperty name="width" value="0.05" units="cm"/>
+      <inkml:brushProperty name="height" value="0.05" units="cm"/>
+    </inkml:brush>
+  </inkml:definitions>
+  <inkml:trace contextRef="#ctx0" brushRef="#br0">118 585 24575,'-2'26'0,"-1"-1"0,-1 1 0,-1-1 0,-1 0 0,-2-1 0,-16 38 0,-16 59 0,37-110 0,-16 82 0,18-84 0,0 0 0,0 0 0,1 1 0,0-1 0,1 0 0,0 0 0,4 17 0,-3-22 0,0-1 0,0 0 0,0 0 0,0 0 0,0 0 0,0 0 0,1-1 0,-1 1 0,1-1 0,0 1 0,0-1 0,0 0 0,0 0 0,0 0 0,1-1 0,-1 1 0,0-1 0,1 0 0,-1 0 0,1 0 0,-1 0 0,1-1 0,7 1 0,0 0 0,1 0 0,-1-1 0,1 0 0,-1-1 0,1-1 0,15-3 0,-19 3 0,0-1 0,-1 0 0,0 0 0,1-1 0,-1 1 0,0-2 0,-1 1 0,1-1 0,-1 0 0,0 0 0,0-1 0,0 1 0,7-12 0,-5 5 0,0 0 0,-1-1 0,-1 0 0,0 0 0,-1 0 0,-1-1 0,4-15 0,1-20 0,-3 0 0,-2 0 0,-2-70 0,-2 115 0,-1-91 0,3-5 0,-5 0 0,-29-182 0,29 266 0,-2 1 0,0-1 0,0 1 0,-16-28 0,21 42 0,0 1 0,0-1 0,-1 0 0,1 0 0,0 1 0,-1-1 0,1 0 0,-1 0 0,1 1 0,-1-1 0,1 1 0,-1-1 0,1 0 0,-1 1 0,0-1 0,1 1 0,-1-1 0,0 1 0,1 0 0,-1-1 0,0 1 0,1 0 0,-1-1 0,0 1 0,0 0 0,0 0 0,1 0 0,-1 0 0,0 0 0,0 0 0,-1 0 0,1 1 0,0 0 0,0 0 0,0 1 0,0-1 0,0 0 0,0 1 0,0-1 0,0 1 0,1-1 0,-1 1 0,1-1 0,-1 1 0,1-1 0,-1 1 0,1 3 0,-2 14 0,1 0 0,1 0 0,1 0 0,0 0 0,8 35 0,-6-35 0,76 371 0,-16-91 0,-47-225-34,-7-36-410,-2 1 1,2 43-1,-9-45-6382</inkml:trace>
+</inkml:ink>
+</file>
+
+<file path=ppt/ink/ink43.xml><?xml version="1.0" encoding="utf-8"?>
+<inkml:ink xmlns:inkml="http://www.w3.org/2003/InkML">
+  <inkml:definitions>
+    <inkml:context xml:id="ctx0">
+      <inkml:inkSource xml:id="inkSrc0">
+        <inkml:traceFormat>
+          <inkml:channel name="X" type="integer" min="-2.14748E9" max="2.14748E9" units="cm"/>
+          <inkml:channel name="Y" type="integer" min="-2.14748E9" max="2.14748E9" units="cm"/>
+          <inkml:channel name="F" type="integer" max="32767" units="dev"/>
+        </inkml:traceFormat>
+        <inkml:channelProperties>
+          <inkml:channelProperty channel="X" name="resolution" value="1000" units="1/cm"/>
+          <inkml:channelProperty channel="Y" name="resolution" value="1000" units="1/cm"/>
+          <inkml:channelProperty channel="F" name="resolution" value="0" units="1/dev"/>
+        </inkml:channelProperties>
+      </inkml:inkSource>
+      <inkml:timestamp xml:id="ts0" timeString="2022-10-06T03:19:08.690"/>
+    </inkml:context>
+    <inkml:brush xml:id="br0">
+      <inkml:brushProperty name="width" value="0.05" units="cm"/>
+      <inkml:brushProperty name="height" value="0.05" units="cm"/>
+    </inkml:brush>
+  </inkml:definitions>
+  <inkml:trace contextRef="#ctx0" brushRef="#br0">1 82 24575,'6'0'0,"16"0"0,16 0 0,15 0 0,4-6 0,7-3 0,-3-5 0,-4-1 0,-6-5 0,-11 2-8191</inkml:trace>
+</inkml:ink>
+</file>
+
+<file path=ppt/ink/ink44.xml><?xml version="1.0" encoding="utf-8"?>
+<inkml:ink xmlns:inkml="http://www.w3.org/2003/InkML">
+  <inkml:definitions>
+    <inkml:context xml:id="ctx0">
+      <inkml:inkSource xml:id="inkSrc0">
+        <inkml:traceFormat>
+          <inkml:channel name="X" type="integer" min="-2.14748E9" max="2.14748E9" units="cm"/>
+          <inkml:channel name="Y" type="integer" min="-2.14748E9" max="2.14748E9" units="cm"/>
+          <inkml:channel name="F" type="integer" max="32767" units="dev"/>
+        </inkml:traceFormat>
+        <inkml:channelProperties>
+          <inkml:channelProperty channel="X" name="resolution" value="1000" units="1/cm"/>
+          <inkml:channelProperty channel="Y" name="resolution" value="1000" units="1/cm"/>
+          <inkml:channelProperty channel="F" name="resolution" value="0" units="1/dev"/>
+        </inkml:channelProperties>
+      </inkml:inkSource>
+      <inkml:timestamp xml:id="ts0" timeString="2022-10-06T03:19:12.865"/>
+    </inkml:context>
+    <inkml:brush xml:id="br0">
+      <inkml:brushProperty name="width" value="0.05" units="cm"/>
+      <inkml:brushProperty name="height" value="0.05" units="cm"/>
+    </inkml:brush>
+  </inkml:definitions>
+  <inkml:trace contextRef="#ctx0" brushRef="#br0">1 196 24575,'154'1'0,"10"1"0,172-20 0,47-14 0,-175 17 0,506-2 0,-64 5 0,-648 12 0,122-7 0,-1-5 0,180-43 0,-260 46 0,0 1 0,1 1 0,50 1 0,136 8 0,-86 2 0,154-4-1365,-265 0-5461</inkml:trace>
+</inkml:ink>
+</file>
+
+<file path=ppt/ink/ink45.xml><?xml version="1.0" encoding="utf-8"?>
+<inkml:ink xmlns:inkml="http://www.w3.org/2003/InkML">
+  <inkml:definitions>
+    <inkml:context xml:id="ctx0">
+      <inkml:inkSource xml:id="inkSrc0">
+        <inkml:traceFormat>
+          <inkml:channel name="X" type="integer" min="-2.14748E9" max="2.14748E9" units="cm"/>
+          <inkml:channel name="Y" type="integer" min="-2.14748E9" max="2.14748E9" units="cm"/>
+          <inkml:channel name="F" type="integer" max="32767" units="dev"/>
+        </inkml:traceFormat>
+        <inkml:channelProperties>
+          <inkml:channelProperty channel="X" name="resolution" value="1000" units="1/cm"/>
+          <inkml:channelProperty channel="Y" name="resolution" value="1000" units="1/cm"/>
+          <inkml:channelProperty channel="F" name="resolution" value="0" units="1/dev"/>
+        </inkml:channelProperties>
+      </inkml:inkSource>
+      <inkml:timestamp xml:id="ts0" timeString="2022-10-06T03:19:14.640"/>
+    </inkml:context>
+    <inkml:brush xml:id="br0">
+      <inkml:brushProperty name="width" value="0.05" units="cm"/>
+      <inkml:brushProperty name="height" value="0.05" units="cm"/>
+    </inkml:brush>
+  </inkml:definitions>
+  <inkml:trace contextRef="#ctx0" brushRef="#br0">3 1 24575,'-2'236'0,"5"253"0,16-335 0,-10-100 0,2 78 0,-13-53 0,-1-55 0,2 0 0,1 1 0,1-1 0,1 0 0,8 38 0,-9-58 0,1 0 0,0 0 0,0 0 0,1 0 0,-1 0 0,1 0 0,0 0 0,0-1 0,0 1 0,1-1 0,-1 0 0,1 0 0,-1-1 0,1 1 0,0-1 0,0 1 0,0-1 0,1 0 0,-1-1 0,0 1 0,1-1 0,6 1 0,10 3 0,1-2 0,0-1 0,31 0 0,-33-2 0,464-2 0,-158-2 0,1932 4 0,-1921-19 0,-26 0 0,-126 20 0,106-3 0,-276 2 24,0-2 0,0 0 0,0-1 0,21-6 0,-32 8-107,0-1 1,1 0-1,-1 0 1,0 0-1,0-1 1,0 1-1,0-1 1,0 0-1,-1 0 1,1 0-1,-1-1 1,0 1-1,0-1 1,0 0-1,0 0 1,-1 0-1,4-8 1,3-15-6744</inkml:trace>
+</inkml:ink>
+</file>
+
+<file path=ppt/ink/ink46.xml><?xml version="1.0" encoding="utf-8"?>
+<inkml:ink xmlns:inkml="http://www.w3.org/2003/InkML">
+  <inkml:definitions>
+    <inkml:context xml:id="ctx0">
+      <inkml:inkSource xml:id="inkSrc0">
+        <inkml:traceFormat>
+          <inkml:channel name="X" type="integer" min="-2.14748E9" max="2.14748E9" units="cm"/>
+          <inkml:channel name="Y" type="integer" min="-2.14748E9" max="2.14748E9" units="cm"/>
+          <inkml:channel name="F" type="integer" max="32767" units="dev"/>
+        </inkml:traceFormat>
+        <inkml:channelProperties>
+          <inkml:channelProperty channel="X" name="resolution" value="1000" units="1/cm"/>
+          <inkml:channelProperty channel="Y" name="resolution" value="1000" units="1/cm"/>
+          <inkml:channelProperty channel="F" name="resolution" value="0" units="1/dev"/>
+        </inkml:channelProperties>
+      </inkml:inkSource>
+      <inkml:timestamp xml:id="ts0" timeString="2022-10-06T03:19:15.728"/>
+    </inkml:context>
+    <inkml:brush xml:id="br0">
+      <inkml:brushProperty name="width" value="0.05" units="cm"/>
+      <inkml:brushProperty name="height" value="0.05" units="cm"/>
+    </inkml:brush>
+  </inkml:definitions>
+  <inkml:trace contextRef="#ctx0" brushRef="#br0">1 69 24575,'158'2'0,"186"-6"0,-306-2 0,-1 0 0,48-16 0,-45 11 0,62-10 0,-99 21 0,0 0 0,0 0 0,0 0 0,-1 0 0,1 1 0,0-1 0,0 1 0,0-1 0,-1 1 0,1 0 0,0 0 0,-1 1 0,1-1 0,0 0 0,-1 1 0,0 0 0,1-1 0,-1 1 0,0 0 0,0 0 0,0 0 0,0 0 0,0 1 0,-1-1 0,1 1 0,-1-1 0,1 1 0,-1-1 0,0 1 0,0 0 0,1 4 0,3 10 0,-1 0 0,0 1 0,-2 0 0,1 19 0,-1-14 0,15 699 0,-21-445 0,5-254-455,0-1 0,4 26 0,4-10-6371</inkml:trace>
+</inkml:ink>
+</file>
+
+<file path=ppt/ink/ink47.xml><?xml version="1.0" encoding="utf-8"?>
+<inkml:ink xmlns:inkml="http://www.w3.org/2003/InkML">
+  <inkml:definitions>
+    <inkml:context xml:id="ctx0">
+      <inkml:inkSource xml:id="inkSrc0">
+        <inkml:traceFormat>
+          <inkml:channel name="X" type="integer" min="-2.14748E9" max="2.14748E9" units="cm"/>
+          <inkml:channel name="Y" type="integer" min="-2.14748E9" max="2.14748E9" units="cm"/>
+          <inkml:channel name="F" type="integer" max="32767" units="dev"/>
+        </inkml:traceFormat>
+        <inkml:channelProperties>
+          <inkml:channelProperty channel="X" name="resolution" value="1000" units="1/cm"/>
+          <inkml:channelProperty channel="Y" name="resolution" value="1000" units="1/cm"/>
+          <inkml:channelProperty channel="F" name="resolution" value="0" units="1/dev"/>
+        </inkml:channelProperties>
+      </inkml:inkSource>
+      <inkml:timestamp xml:id="ts0" timeString="2022-10-06T03:19:18.749"/>
+    </inkml:context>
+    <inkml:brush xml:id="br0">
+      <inkml:brushProperty name="width" value="0.05" units="cm"/>
+      <inkml:brushProperty name="height" value="0.05" units="cm"/>
+    </inkml:brush>
+  </inkml:definitions>
+  <inkml:trace contextRef="#ctx0" brushRef="#br0">1 81 24575,'0'530'0,"0"-515"0,0 0 0,1 0 0,5 22 0,-6-37 0,0 0 0,0 1 0,0-1 0,0 1 0,0-1 0,0 0 0,0 1 0,0-1 0,0 0 0,0 1 0,0-1 0,0 0 0,0 1 0,0-1 0,1 0 0,-1 1 0,0-1 0,0 0 0,0 1 0,1-1 0,-1 0 0,0 0 0,0 1 0,1-1 0,-1 0 0,0 0 0,1 1 0,-1-1 0,0 0 0,1 0 0,-1 0 0,0 0 0,1 0 0,-1 1 0,1-1 0,6-13 0,2-28 0,-9 40 0,26-139 0,25-162 0,-50 283 0,2 0 0,0 1 0,1-1 0,1 0 0,0 1 0,2 0 0,0 1 0,12-22 0,-18 38 0,0 0 0,-1-1 0,1 1 0,0 0 0,0 0 0,0 0 0,0 0 0,1 0 0,-1 0 0,0 0 0,0 0 0,1 0 0,-1 0 0,0 0 0,1 1 0,-1-1 0,1 1 0,-1-1 0,1 1 0,-1 0 0,1-1 0,-1 1 0,1 0 0,-1 0 0,3 0 0,-1 1 0,-1 0 0,1 0 0,0 0 0,-1 0 0,1 1 0,-1-1 0,0 1 0,1-1 0,-1 1 0,0 0 0,0 0 0,0 0 0,2 3 0,7 9 0,-1 1 0,0 1 0,10 24 0,-16-33 0,106 240 0,-43-90 0,-63-147 0,1 0 0,1 0 0,-1-1 0,1 0 0,1 0 0,-1-1 0,2 1 0,-1-2 0,1 1 0,0-1 0,1 0 0,15 10 0,-17-14 0,0 0 0,1 0 0,-1 0 0,1-1 0,-1 0 0,1 0 0,0-1 0,-1 0 0,1 0 0,0-1 0,0 0 0,0 0 0,0-1 0,0 0 0,-1 0 0,1-1 0,0 0 0,7-3 0,-7 1 0,0 0 0,0-1 0,0 0 0,-1 0 0,0 0 0,0-1 0,0 0 0,-1 0 0,0-1 0,0 0 0,9-14 0,4-10 0,24-50 0,-32 60 0,62-162 0,-57 139 0,-7 28 0,-4 24 0,-2 34 0,-3-40 0,-3 247 0,2 80 0,2-316 0,0 0 0,1 1 0,0-1 0,1 0 0,0 0 0,9 20 0,-11-29 0,1-1 0,-1 0 0,1 0 0,0 0 0,0 0 0,0 0 0,0 0 0,1 0 0,-1 0 0,1-1 0,-1 0 0,1 1 0,0-1 0,0 0 0,0 0 0,0 0 0,0-1 0,1 1 0,-1-1 0,0 0 0,1 0 0,-1 0 0,1 0 0,0-1 0,-1 1 0,1-1 0,-1 0 0,1 0 0,6-1 0,-2-1 0,0 0 0,0-1 0,0 0 0,0 0 0,0 0 0,0-1 0,-1-1 0,0 1 0,0-1 0,0-1 0,-1 1 0,1-1 0,-1 0 0,-1 0 0,1-1 0,-1 0 0,0 0 0,4-7 0,1-4 0,-1-1 0,0 1 0,-1-1 0,-1-1 0,-1 0 0,5-28 0,-9 36 0,1 0 0,0 0 0,1 0 0,7-17 0,-11 28 0,1 1 0,-1-1 0,0 1 0,0-1 0,0 0 0,0 1 0,0-1 0,1 0 0,-1 1 0,0-1 0,1 1 0,-1-1 0,0 1 0,1-1 0,-1 1 0,1-1 0,-1 1 0,1-1 0,-1 1 0,1 0 0,-1-1 0,1 1 0,-1 0 0,1-1 0,-1 1 0,1 0 0,0 0 0,-1-1 0,1 1 0,0 0 0,-1 0 0,1 0 0,-1 0 0,1 0 0,0 0 0,-1 0 0,1 0 0,0 0 0,-1 0 0,1 0 0,0 1 0,-1-1 0,1 0 0,-1 0 0,1 1 0,-1-1 0,1 0 0,0 1 0,-1-1 0,1 0 0,-1 1 0,1-1 0,-1 1 0,0-1 0,1 1 0,-1-1 0,1 1 0,-1-1 0,0 1 0,0-1 0,1 1 0,-1 0 0,0-1 0,0 1 0,1-1 0,-1 1 0,0 0 0,0 0 0,14 50 0,-14-49 0,6 26 0,-2-1 0,2 0 0,15 42 0,-19-62 0,0-1 0,1-1 0,0 1 0,0 0 0,1-1 0,-1 1 0,1-1 0,0 0 0,1 0 0,-1-1 0,1 1 0,0-1 0,0 0 0,0 0 0,1-1 0,9 6 0,-11-8 0,0 0 0,-1-1 0,1 1 0,0-1 0,-1 1 0,1-1 0,0 0 0,0-1 0,-1 1 0,1-1 0,0 1 0,-1-1 0,1 0 0,-1 0 0,1-1 0,-1 1 0,1-1 0,-1 0 0,0 0 0,0 0 0,0 0 0,0 0 0,0-1 0,0 1 0,-1-1 0,1 0 0,3-5 0,7-9 0,0-1 0,-1 0 0,14-29 0,-19 33 0,35-85 0,-34 74 0,2 0 0,24-41 0,-34 64 0,1 1 0,0 0 0,-1 0 0,1 0 0,0 0 0,-1 0 0,1 0 0,0 0 0,0 0 0,0 0 0,0 0 0,0 0 0,0 0 0,0 1 0,0-1 0,0 0 0,1 1 0,-1-1 0,0 1 0,0-1 0,1 1 0,-1 0 0,0-1 0,0 1 0,3 0 0,-3 1 0,1-1 0,-1 1 0,1 0 0,-1 0 0,0 0 0,1 0 0,-1 0 0,0 0 0,0 0 0,0 0 0,0 0 0,0 1 0,0-1 0,0 0 0,0 1 0,0-1 0,0 2 0,5 11 0,-1-1 0,0 1 0,4 19 0,-8-29 0,1 9 0,2-1 0,0 0 0,0 0 0,1 0 0,0 0 0,1-1 0,1 0 0,0 0 0,16 19 0,-19-26 0,1 1 0,0-1 0,0 0 0,0 0 0,0-1 0,1 1 0,0-1 0,0-1 0,0 1 0,0-1 0,0 0 0,0 0 0,0-1 0,1 0 0,-1 0 0,0 0 0,1-1 0,-1 0 0,1 0 0,-1 0 0,11-3 0,-9 1 0,1 0 0,-1-1 0,0 0 0,0-1 0,-1 1 0,1-1 0,-1-1 0,1 1 0,-1-1 0,-1-1 0,1 1 0,-1-1 0,0 0 0,0-1 0,-1 1 0,0-1 0,8-14 0,3-9 0,-1-1 0,-1 0 0,10-37 0,-12 35 0,-9 23 0,27-85 0,-27 87 0,-2-1 0,1 1 0,-1-1 0,-1 1 0,1-1 0,-1 0 0,-1 1 0,-2-17 0,3 24 0,0 0 0,0 1 0,0-1 0,0 0 0,0 1 0,0-1 0,-1 0 0,1 1 0,0-1 0,0 1 0,0-1 0,-1 0 0,1 1 0,0-1 0,0 1 0,-1-1 0,1 1 0,-1-1 0,1 1 0,0-1 0,-1 1 0,1-1 0,-1 1 0,1 0 0,-1-1 0,1 1 0,-1 0 0,0-1 0,1 1 0,-1 0 0,1 0 0,-1-1 0,0 1 0,1 0 0,-1 0 0,1 0 0,-1 0 0,0 0 0,1 0 0,-1 0 0,0 0 0,1 0 0,-1 0 0,1 0 0,-1 0 0,0 1 0,1-1 0,-1 0 0,1 0 0,-1 1 0,0-1 0,1 0 0,-1 1 0,1-1 0,-1 0 0,1 1 0,-1-1 0,1 1 0,0-1 0,-1 1 0,0 0 0,-2 3 0,0 0 0,0-1 0,0 2 0,1-1 0,-1 0 0,1 0 0,-2 8 0,-5 21 0,3 1 0,-5 57 0,-2 12 0,11-92 0,0 0 0,0 0 0,0 1 0,1-1 0,0 1 0,3 18 0,-2-26 0,1-1 0,0 0 0,0 0 0,0 0 0,0 0 0,0 0 0,1 0 0,-1 0 0,1-1 0,0 1 0,0-1 0,0 1 0,0-1 0,0 1 0,1-1 0,-1 0 0,1 0 0,-1 0 0,1-1 0,0 1 0,0 0 0,-1-1 0,1 0 0,0 0 0,4 1 0,0 1 0,0-1 0,0-1 0,0 1 0,0-1 0,0 0 0,0-1 0,0 0 0,1 0 0,-1 0 0,0-1 0,0 0 0,0 0 0,0-1 0,0 0 0,0 0 0,0-1 0,-1 0 0,1 0 0,-1 0 0,0-1 0,0 0 0,0 0 0,0-1 0,-1 0 0,0 1 0,0-2 0,0 1 0,0-1 0,-1 1 0,0-1 0,0-1 0,3-5 0,11-21 0,-1-1 0,-2 0 0,-1-1 0,-2 0 0,-2-1 0,10-55 0,-19 105 0,0 1 0,0-1 0,2 1 0,0-1 0,6 19 0,-7-29 0,0 1 0,0 0 0,0-1 0,0 1 0,1-1 0,0 1 0,-1-1 0,2 0 0,-1 0 0,0-1 0,8 7 0,-8-8 0,0-1 0,0 0 0,-1 1 0,1-1 0,0 0 0,0 0 0,0-1 0,1 1 0,-1 0 0,0-1 0,0 0 0,0 0 0,0 0 0,0 0 0,0-1 0,1 1 0,-1-1 0,0 1 0,0-1 0,0 0 0,0-1 0,3-1 0,6-4 0,-1 0 0,0-1 0,0-1 0,-1 0 0,0 0 0,0-1 0,13-18 0,-11 13 0,1 1 0,0 1 0,0 0 0,21-15 0,-30 25 0,0 1 0,0 0 0,1 0 0,-1 0 0,0 0 0,1 1 0,-1-1 0,1 1 0,-1 0 0,1 0 0,-1 1 0,1 0 0,0-1 0,-1 2 0,1-1 0,0 0 0,-1 1 0,1 0 0,0 0 0,-1 0 0,8 4 0,-5-1-20,0 1 0,-1 0-1,1 0 1,-1 1 0,0-1-1,0 1 1,-1 1 0,1-1 0,-2 1-1,1 0 1,-1 0 0,0 1-1,4 8 1,5 8-1061,9 13-5745</inkml:trace>
+</inkml:ink>
+</file>
+
+<file path=ppt/ink/ink48.xml><?xml version="1.0" encoding="utf-8"?>
+<inkml:ink xmlns:inkml="http://www.w3.org/2003/InkML">
+  <inkml:definitions>
+    <inkml:context xml:id="ctx0">
+      <inkml:inkSource xml:id="inkSrc0">
+        <inkml:traceFormat>
+          <inkml:channel name="X" type="integer" min="-2.14748E9" max="2.14748E9" units="cm"/>
+          <inkml:channel name="Y" type="integer" min="-2.14748E9" max="2.14748E9" units="cm"/>
+          <inkml:channel name="F" type="integer" max="32767" units="dev"/>
+        </inkml:traceFormat>
+        <inkml:channelProperties>
+          <inkml:channelProperty channel="X" name="resolution" value="1000" units="1/cm"/>
+          <inkml:channelProperty channel="Y" name="resolution" value="1000" units="1/cm"/>
+          <inkml:channelProperty channel="F" name="resolution" value="0" units="1/dev"/>
+        </inkml:channelProperties>
+      </inkml:inkSource>
+      <inkml:timestamp xml:id="ts0" timeString="2022-10-06T03:19:19.219"/>
+    </inkml:context>
+    <inkml:brush xml:id="br0">
+      <inkml:brushProperty name="width" value="0.05" units="cm"/>
+      <inkml:brushProperty name="height" value="0.05" units="cm"/>
+    </inkml:brush>
+  </inkml:definitions>
+  <inkml:trace contextRef="#ctx0" brushRef="#br0">163 1 24575,'-7'12'0,"-21"12"0,-12 1 0,-6-4 0,4-5-8191</inkml:trace>
+</inkml:ink>
+</file>
+
+<file path=ppt/ink/ink49.xml><?xml version="1.0" encoding="utf-8"?>
+<inkml:ink xmlns:inkml="http://www.w3.org/2003/InkML">
+  <inkml:definitions>
+    <inkml:context xml:id="ctx0">
+      <inkml:inkSource xml:id="inkSrc0">
+        <inkml:traceFormat>
+          <inkml:channel name="X" type="integer" min="-2.14748E9" max="2.14748E9" units="cm"/>
+          <inkml:channel name="Y" type="integer" min="-2.14748E9" max="2.14748E9" units="cm"/>
+          <inkml:channel name="F" type="integer" max="32767" units="dev"/>
+        </inkml:traceFormat>
+        <inkml:channelProperties>
+          <inkml:channelProperty channel="X" name="resolution" value="1000" units="1/cm"/>
+          <inkml:channelProperty channel="Y" name="resolution" value="1000" units="1/cm"/>
+          <inkml:channelProperty channel="F" name="resolution" value="0" units="1/dev"/>
+        </inkml:channelProperties>
+      </inkml:inkSource>
+      <inkml:timestamp xml:id="ts0" timeString="2022-10-06T03:19:19.683"/>
+    </inkml:context>
+    <inkml:brush xml:id="br0">
+      <inkml:brushProperty name="width" value="0.05" units="cm"/>
+      <inkml:brushProperty name="height" value="0.05" units="cm"/>
+    </inkml:brush>
+  </inkml:definitions>
+  <inkml:trace contextRef="#ctx0" brushRef="#br0">1 1 24575,'6'0'0,"9"0"0,2 6 0,-2 9 0,2 2 0,-1 5 0,-3 4 0,-4 11 0,-4 6 0,-3 2 0,-1-7-8191</inkml:trace>
+</inkml:ink>
+</file>
+
+<file path=ppt/ink/ink5.xml><?xml version="1.0" encoding="utf-8"?>
+<inkml:ink xmlns:inkml="http://www.w3.org/2003/InkML">
+  <inkml:definitions>
+    <inkml:context xml:id="ctx0">
+      <inkml:inkSource xml:id="inkSrc0">
+        <inkml:traceFormat>
+          <inkml:channel name="X" type="integer" min="-2.14748E9" max="2.14748E9" units="cm"/>
+          <inkml:channel name="Y" type="integer" min="-2.14748E9" max="2.14748E9" units="cm"/>
+          <inkml:channel name="F" type="integer" max="32767" units="dev"/>
+        </inkml:traceFormat>
+        <inkml:channelProperties>
+          <inkml:channelProperty channel="X" name="resolution" value="1000" units="1/cm"/>
+          <inkml:channelProperty channel="Y" name="resolution" value="1000" units="1/cm"/>
+          <inkml:channelProperty channel="F" name="resolution" value="0" units="1/dev"/>
+        </inkml:channelProperties>
+      </inkml:inkSource>
+      <inkml:timestamp xml:id="ts0" timeString="2022-10-06T03:18:27.254"/>
+    </inkml:context>
+    <inkml:brush xml:id="br0">
+      <inkml:brushProperty name="width" value="0.05" units="cm"/>
+      <inkml:brushProperty name="height" value="0.05" units="cm"/>
+    </inkml:brush>
+  </inkml:definitions>
+  <inkml:trace contextRef="#ctx0" brushRef="#br0">1 0 24575,'51'3'0,"55"8"0,-21-1 0,1242 208 0,-1313-215 0,13 3 0,1 1 0,38 16 0,-59-21 0,0 1 0,-1 1 0,0-1 0,0 1 0,0 0 0,0 0 0,-1 1 0,0 0 0,1 0 0,-2 0 0,1 0 0,-1 1 0,1 0 0,-2-1 0,5 9 0,22 61 0,-3 1 0,24 107 0,16 168 0,-47-237 0,97 849 0,-89-662 0,43 370 75,61 648-2402,-81-734 2290,50 637-170,-46 2 72,-54 930 135,-5-963 0,7-749 601,-7 484 1358,-53-385-1870,-1 26-107,56-455 18,2 3 0,-19 134 0,-34 76 0,51-315 0,1-1 0,-1 0 0,-1 1 0,-5 12 0,7-19 0,0-1 0,0 0 0,0 0 0,0 0 0,-1 0 0,1 0 0,0-1 0,-1 1 0,1 0 0,-1-1 0,0 1 0,0-1 0,1 1 0,-1-1 0,0 0 0,0 0 0,0 0 0,-1 0 0,1 0 0,0 0 0,0-1 0,0 1 0,-1-1 0,1 1 0,-3-1 0,-4-1-273,1 0 0,0 0 0,-1-1 0,-15-6 0,-43-19-6553</inkml:trace>
+</inkml:ink>
+</file>
+
+<file path=ppt/ink/ink50.xml><?xml version="1.0" encoding="utf-8"?>
+<inkml:ink xmlns:inkml="http://www.w3.org/2003/InkML">
+  <inkml:definitions>
+    <inkml:context xml:id="ctx0">
+      <inkml:inkSource xml:id="inkSrc0">
+        <inkml:traceFormat>
+          <inkml:channel name="X" type="integer" min="-2.14748E9" max="2.14748E9" units="cm"/>
+          <inkml:channel name="Y" type="integer" min="-2.14748E9" max="2.14748E9" units="cm"/>
+          <inkml:channel name="F" type="integer" max="32767" units="dev"/>
+        </inkml:traceFormat>
+        <inkml:channelProperties>
+          <inkml:channelProperty channel="X" name="resolution" value="1000" units="1/cm"/>
+          <inkml:channelProperty channel="Y" name="resolution" value="1000" units="1/cm"/>
+          <inkml:channelProperty channel="F" name="resolution" value="0" units="1/dev"/>
+        </inkml:channelProperties>
+      </inkml:inkSource>
+      <inkml:timestamp xml:id="ts0" timeString="2022-10-06T03:19:20.497"/>
+    </inkml:context>
+    <inkml:brush xml:id="br0">
+      <inkml:brushProperty name="width" value="0.05" units="cm"/>
+      <inkml:brushProperty name="height" value="0.05" units="cm"/>
+    </inkml:brush>
+  </inkml:definitions>
+  <inkml:trace contextRef="#ctx0" brushRef="#br0">0 0 24575,'0'0'-8191</inkml:trace>
+</inkml:ink>
+</file>
+
+<file path=ppt/ink/ink51.xml><?xml version="1.0" encoding="utf-8"?>
+<inkml:ink xmlns:inkml="http://www.w3.org/2003/InkML">
+  <inkml:definitions>
+    <inkml:context xml:id="ctx0">
+      <inkml:inkSource xml:id="inkSrc0">
+        <inkml:traceFormat>
+          <inkml:channel name="X" type="integer" min="-2.14748E9" max="2.14748E9" units="cm"/>
+          <inkml:channel name="Y" type="integer" min="-2.14748E9" max="2.14748E9" units="cm"/>
+          <inkml:channel name="F" type="integer" max="32767" units="dev"/>
+        </inkml:traceFormat>
+        <inkml:channelProperties>
+          <inkml:channelProperty channel="X" name="resolution" value="1000" units="1/cm"/>
+          <inkml:channelProperty channel="Y" name="resolution" value="1000" units="1/cm"/>
+          <inkml:channelProperty channel="F" name="resolution" value="0" units="1/dev"/>
+        </inkml:channelProperties>
+      </inkml:inkSource>
+      <inkml:timestamp xml:id="ts0" timeString="2022-10-06T03:19:23.293"/>
+    </inkml:context>
+    <inkml:brush xml:id="br0">
+      <inkml:brushProperty name="width" value="0.05" units="cm"/>
+      <inkml:brushProperty name="height" value="0.05" units="cm"/>
+    </inkml:brush>
+  </inkml:definitions>
+  <inkml:trace contextRef="#ctx0" brushRef="#br0">0 908 24575,'1'3'0,"0"-1"0,1 0 0,-1 1 0,0-1 0,1 0 0,0 0 0,-1 0 0,1 0 0,0 0 0,0 0 0,0 0 0,0-1 0,1 1 0,-1-1 0,0 1 0,1-1 0,-1 0 0,1 0 0,-1 0 0,1 0 0,3 0 0,22 8 0,0-2 0,1-1 0,0-1 0,45 2 0,11 2 0,143 21 0,1031 108 0,-171-120 0,-954-18 0,-26-2 0,0-5 0,0-5 0,-1-4 0,-1-5 0,153-50 0,-181 43 0,147-45 0,-181 61 0,0 2 0,1 3 0,55-3 0,436 6 0,100-4 0,-339-7 0,437-46 0,66-36 0,-498 95 0,-43 1 0,-195-6 0,1-2 0,108-30 0,-5 0 0,363-27 0,-125 20 0,873-133 0,-254 2 0,-891 142 0,-93 22 0,1 3 0,0 1 0,54-4 0,2 3 21,105-24-1,-68 9-1426,-93 19-5420</inkml:trace>
+</inkml:ink>
+</file>
+
+<file path=ppt/ink/ink52.xml><?xml version="1.0" encoding="utf-8"?>
+<inkml:ink xmlns:inkml="http://www.w3.org/2003/InkML">
+  <inkml:definitions>
+    <inkml:context xml:id="ctx0">
+      <inkml:inkSource xml:id="inkSrc0">
+        <inkml:traceFormat>
+          <inkml:channel name="X" type="integer" min="-2.14748E9" max="2.14748E9" units="cm"/>
+          <inkml:channel name="Y" type="integer" min="-2.14748E9" max="2.14748E9" units="cm"/>
+          <inkml:channel name="F" type="integer" max="32767" units="dev"/>
+        </inkml:traceFormat>
+        <inkml:channelProperties>
+          <inkml:channelProperty channel="X" name="resolution" value="1000" units="1/cm"/>
+          <inkml:channelProperty channel="Y" name="resolution" value="1000" units="1/cm"/>
+          <inkml:channelProperty channel="F" name="resolution" value="0" units="1/dev"/>
+        </inkml:channelProperties>
+      </inkml:inkSource>
+      <inkml:timestamp xml:id="ts0" timeString="2022-10-06T03:19:28.377"/>
+    </inkml:context>
+    <inkml:brush xml:id="br0">
+      <inkml:brushProperty name="width" value="0.05" units="cm"/>
+      <inkml:brushProperty name="height" value="0.05" units="cm"/>
+    </inkml:brush>
+  </inkml:definitions>
+  <inkml:trace contextRef="#ctx0" brushRef="#br0">0 88 24575,'5'3'0,"0"1"0,0-1 0,0 0 0,0-1 0,0 1 0,0-1 0,1 0 0,-1 0 0,1 0 0,0-1 0,7 1 0,70 4 0,-60-5 0,26 1 0,-16-1 0,49 7 0,-70-6 0,0 1 0,0 0 0,0 1 0,0 1 0,-1-1 0,0 2 0,17 10 0,65 53 0,-67-47 0,2-1 0,1-2 0,1 0 0,36 16 0,-18-17 0,1-2 0,1-2 0,-1-2 0,76 8 0,209 1 0,-299-20 0,1139 4 0,-579-9 0,-547 2 0,-1-1 0,0-3 0,66-16 0,134-51 0,-123 34 0,124-39 0,393-106 0,-528 162 0,0 5 0,156-3 0,231 24 0,-225 3 0,-21-6-1365,-196-1-5461</inkml:trace>
+</inkml:ink>
+</file>
+
+<file path=ppt/ink/ink53.xml><?xml version="1.0" encoding="utf-8"?>
+<inkml:ink xmlns:inkml="http://www.w3.org/2003/InkML">
+  <inkml:definitions>
+    <inkml:context xml:id="ctx0">
+      <inkml:inkSource xml:id="inkSrc0">
+        <inkml:traceFormat>
+          <inkml:channel name="X" type="integer" min="-2.14748E9" max="2.14748E9" units="cm"/>
+          <inkml:channel name="Y" type="integer" min="-2.14748E9" max="2.14748E9" units="cm"/>
+          <inkml:channel name="F" type="integer" max="32767" units="dev"/>
+        </inkml:traceFormat>
+        <inkml:channelProperties>
+          <inkml:channelProperty channel="X" name="resolution" value="1000" units="1/cm"/>
+          <inkml:channelProperty channel="Y" name="resolution" value="1000" units="1/cm"/>
+          <inkml:channelProperty channel="F" name="resolution" value="0" units="1/dev"/>
+        </inkml:channelProperties>
+      </inkml:inkSource>
+      <inkml:timestamp xml:id="ts0" timeString="2022-10-06T03:19:29.563"/>
+    </inkml:context>
+    <inkml:brush xml:id="br0">
+      <inkml:brushProperty name="width" value="0.05" units="cm"/>
+      <inkml:brushProperty name="height" value="0.05" units="cm"/>
+    </inkml:brush>
+  </inkml:definitions>
+  <inkml:trace contextRef="#ctx0" brushRef="#br0">264 1 24575,'-56'68'0,"38"-44"0,-33 32 0,0-13 0,38-34 0,0 2 0,1-1 0,0 2 0,-20 24 0,31-36 0,1 1 0,-1-1 0,1 1 0,0-1 0,-1 1 0,1-1 0,-1 1 0,1-1 0,0 1 0,-1 0 0,1-1 0,0 1 0,0-1 0,0 1 0,-1 0 0,1-1 0,0 1 0,0 0 0,0 0 0,0-1 0,0 1 0,0 0 0,0-1 0,0 1 0,1 0 0,-1-1 0,0 1 0,0 0 0,0-1 0,1 1 0,-1-1 0,0 1 0,1 0 0,-1-1 0,1 1 0,-1-1 0,1 1 0,-1-1 0,1 1 0,-1-1 0,2 1 0,35 9 0,34-4 0,80-3 0,-94-3 0,703-7 7,566 11-603,-1036 11 582,157 2 519,893-18-407,-1277 4-98,70 12 0,30 2 0,630-11-16,-491-8-1333,-213 2-5477</inkml:trace>
+</inkml:ink>
+</file>
+
+<file path=ppt/ink/ink54.xml><?xml version="1.0" encoding="utf-8"?>
+<inkml:ink xmlns:inkml="http://www.w3.org/2003/InkML">
+  <inkml:definitions>
+    <inkml:context xml:id="ctx0">
+      <inkml:inkSource xml:id="inkSrc0">
+        <inkml:traceFormat>
+          <inkml:channel name="X" type="integer" min="-2.14748E9" max="2.14748E9" units="cm"/>
+          <inkml:channel name="Y" type="integer" min="-2.14748E9" max="2.14748E9" units="cm"/>
+          <inkml:channel name="F" type="integer" max="32767" units="dev"/>
+        </inkml:traceFormat>
+        <inkml:channelProperties>
+          <inkml:channelProperty channel="X" name="resolution" value="1000" units="1/cm"/>
+          <inkml:channelProperty channel="Y" name="resolution" value="1000" units="1/cm"/>
+          <inkml:channelProperty channel="F" name="resolution" value="0" units="1/dev"/>
+        </inkml:channelProperties>
+      </inkml:inkSource>
+      <inkml:timestamp xml:id="ts0" timeString="2022-10-06T03:19:30.596"/>
+    </inkml:context>
+    <inkml:brush xml:id="br0">
+      <inkml:brushProperty name="width" value="0.05" units="cm"/>
+      <inkml:brushProperty name="height" value="0.05" units="cm"/>
+    </inkml:brush>
+  </inkml:definitions>
+  <inkml:trace contextRef="#ctx0" brushRef="#br0">19 0 24575,'-10'48'0,"8"-44"0,1 0 0,0 1 0,-1-1 0,1 1 0,1-1 0,-1 1 0,1-1 0,0 7 0,1-9 0,-1 0 0,1 0 0,0 0 0,0 0 0,0 0 0,0 0 0,0-1 0,0 1 0,0 0 0,1-1 0,-1 1 0,0-1 0,1 1 0,0-1 0,-1 0 0,1 0 0,0 0 0,0 0 0,-1 0 0,1 0 0,0 0 0,0 0 0,4 0 0,22 7 0,0-2 0,1-1 0,0-1 0,0-1 0,55-3 0,-30 0 0,1150 1 0,-505-5 0,1650 4-1365,-2295 0-5461</inkml:trace>
+</inkml:ink>
+</file>
+
+<file path=ppt/ink/ink55.xml><?xml version="1.0" encoding="utf-8"?>
+<inkml:ink xmlns:inkml="http://www.w3.org/2003/InkML">
+  <inkml:definitions>
+    <inkml:context xml:id="ctx0">
+      <inkml:inkSource xml:id="inkSrc0">
+        <inkml:traceFormat>
+          <inkml:channel name="X" type="integer" min="-2.14748E9" max="2.14748E9" units="cm"/>
+          <inkml:channel name="Y" type="integer" min="-2.14748E9" max="2.14748E9" units="cm"/>
+          <inkml:channel name="F" type="integer" max="32767" units="dev"/>
+        </inkml:traceFormat>
+        <inkml:channelProperties>
+          <inkml:channelProperty channel="X" name="resolution" value="1000" units="1/cm"/>
+          <inkml:channelProperty channel="Y" name="resolution" value="1000" units="1/cm"/>
+          <inkml:channelProperty channel="F" name="resolution" value="0" units="1/dev"/>
+        </inkml:channelProperties>
+      </inkml:inkSource>
+      <inkml:timestamp xml:id="ts0" timeString="2022-10-06T03:19:31.451"/>
+    </inkml:context>
+    <inkml:brush xml:id="br0">
+      <inkml:brushProperty name="width" value="0.05" units="cm"/>
+      <inkml:brushProperty name="height" value="0.05" units="cm"/>
+    </inkml:brush>
+  </inkml:definitions>
+  <inkml:trace contextRef="#ctx0" brushRef="#br0">0 39 24575,'0'1'0,"0"0"0,1 0 0,-1 0 0,0-1 0,1 1 0,-1 0 0,0 0 0,1-1 0,-1 1 0,1 0 0,-1 0 0,1-1 0,-1 1 0,1-1 0,0 1 0,-1-1 0,1 1 0,0-1 0,-1 1 0,1-1 0,0 1 0,0-1 0,-1 0 0,1 1 0,1-1 0,25 7 0,-23-6 0,55 7 0,1-3 0,90-2 0,-78-3 0,1109 0 0,-507-1 0,-609-3 0,1-2 0,-1-3 0,91-26 0,-141 32 0,72-13-1365,-53 12-5461</inkml:trace>
+</inkml:ink>
+</file>
+
+<file path=ppt/ink/ink56.xml><?xml version="1.0" encoding="utf-8"?>
+<inkml:ink xmlns:inkml="http://www.w3.org/2003/InkML">
+  <inkml:definitions>
+    <inkml:context xml:id="ctx0">
+      <inkml:inkSource xml:id="inkSrc0">
+        <inkml:traceFormat>
+          <inkml:channel name="X" type="integer" min="-2.14748E9" max="2.14748E9" units="cm"/>
+          <inkml:channel name="Y" type="integer" min="-2.14748E9" max="2.14748E9" units="cm"/>
+          <inkml:channel name="F" type="integer" max="32767" units="dev"/>
+        </inkml:traceFormat>
+        <inkml:channelProperties>
+          <inkml:channelProperty channel="X" name="resolution" value="1000" units="1/cm"/>
+          <inkml:channelProperty channel="Y" name="resolution" value="1000" units="1/cm"/>
+          <inkml:channelProperty channel="F" name="resolution" value="0" units="1/dev"/>
+        </inkml:channelProperties>
+      </inkml:inkSource>
+      <inkml:timestamp xml:id="ts0" timeString="2022-10-06T03:47:19.538"/>
+    </inkml:context>
+    <inkml:brush xml:id="br0">
+      <inkml:brushProperty name="width" value="0.05" units="cm"/>
+      <inkml:brushProperty name="height" value="0.05" units="cm"/>
+    </inkml:brush>
+  </inkml:definitions>
+  <inkml:trace contextRef="#ctx0" brushRef="#br0">1 0 24575,'0'0'-8191</inkml:trace>
+</inkml:ink>
+</file>
+
+<file path=ppt/ink/ink57.xml><?xml version="1.0" encoding="utf-8"?>
 <inkml:ink xmlns:inkml="http://www.w3.org/2003/InkML">
   <inkml:definitions>
     <inkml:context xml:id="ctx0">
@@ -332,6 +1687,114 @@
 </inkml:ink>
 </file>
 
+<file path=ppt/ink/ink6.xml><?xml version="1.0" encoding="utf-8"?>
+<inkml:ink xmlns:inkml="http://www.w3.org/2003/InkML">
+  <inkml:definitions>
+    <inkml:context xml:id="ctx0">
+      <inkml:inkSource xml:id="inkSrc0">
+        <inkml:traceFormat>
+          <inkml:channel name="X" type="integer" min="-2.14748E9" max="2.14748E9" units="cm"/>
+          <inkml:channel name="Y" type="integer" min="-2.14748E9" max="2.14748E9" units="cm"/>
+          <inkml:channel name="F" type="integer" max="32767" units="dev"/>
+        </inkml:traceFormat>
+        <inkml:channelProperties>
+          <inkml:channelProperty channel="X" name="resolution" value="1000" units="1/cm"/>
+          <inkml:channelProperty channel="Y" name="resolution" value="1000" units="1/cm"/>
+          <inkml:channelProperty channel="F" name="resolution" value="0" units="1/dev"/>
+        </inkml:channelProperties>
+      </inkml:inkSource>
+      <inkml:timestamp xml:id="ts0" timeString="2022-10-06T03:18:28.659"/>
+    </inkml:context>
+    <inkml:brush xml:id="br0">
+      <inkml:brushProperty name="width" value="0.05" units="cm"/>
+      <inkml:brushProperty name="height" value="0.05" units="cm"/>
+    </inkml:brush>
+  </inkml:definitions>
+  <inkml:trace contextRef="#ctx0" brushRef="#br0">808 232 24575,'-1'-4'0,"-1"1"0,0-1 0,0 1 0,0 0 0,0-1 0,0 1 0,-1 0 0,1 0 0,-1 0 0,0 1 0,0-1 0,0 1 0,-7-5 0,4 2 0,-25-19 0,-1 1 0,-1 2 0,-1 1 0,0 1 0,-2 2 0,0 2 0,-50-14 0,68 25 0,0 1 0,0 1 0,0 0 0,0 1 0,0 2 0,0-1 0,0 2 0,0 1 0,0 0 0,0 1 0,1 1 0,-30 12 0,36-12 0,0 0 0,1 1 0,0 0 0,0 0 0,0 2 0,0-1 0,1 1 0,1 0 0,-1 1 0,1 0 0,1 0 0,0 1 0,0 0 0,1 0 0,0 1 0,0-1 0,1 1 0,1 1 0,0-1 0,-2 13 0,0 20 0,1 1 0,3 0 0,2 0 0,5 46 0,0 24 0,-5-106 0,1 1 0,0 0 0,0 0 0,1-1 0,0 1 0,1-1 0,0 0 0,0 1 0,1-1 0,0-1 0,1 1 0,-1-1 0,2 1 0,-1-1 0,10 9 0,-4-6 0,2 0 0,0 0 0,0-1 0,1-1 0,0 0 0,0-1 0,1 0 0,22 7 0,12 4 0,0-1 0,2-3 0,-1-3 0,2-1 0,0-2 0,0-3 0,55-1 0,-72-5 0,-11 1 0,0-1 0,1-1 0,-1-2 0,41-8 0,-59 9 0,1 0 0,-1 0 0,0-1 0,1 0 0,-1 0 0,0-1 0,-1 0 0,1 0 0,-1 0 0,0 0 0,0-1 0,0 0 0,0 0 0,-1 0 0,0-1 0,0 0 0,0 1 0,-1-1 0,0-1 0,0 1 0,3-10 0,-1-4 11,0-1-1,-1 0 1,-1-1 0,0 1-1,-2 0 1,-1-1 0,-1 1-1,0 0 1,-8-34-1,-6-13-552,-39-103-1,45 147 157,-6-20-6440</inkml:trace>
+</inkml:ink>
+</file>
+
+<file path=ppt/ink/ink7.xml><?xml version="1.0" encoding="utf-8"?>
+<inkml:ink xmlns:inkml="http://www.w3.org/2003/InkML">
+  <inkml:definitions>
+    <inkml:context xml:id="ctx0">
+      <inkml:inkSource xml:id="inkSrc0">
+        <inkml:traceFormat>
+          <inkml:channel name="X" type="integer" min="-2.14748E9" max="2.14748E9" units="cm"/>
+          <inkml:channel name="Y" type="integer" min="-2.14748E9" max="2.14748E9" units="cm"/>
+          <inkml:channel name="F" type="integer" max="32767" units="dev"/>
+        </inkml:traceFormat>
+        <inkml:channelProperties>
+          <inkml:channelProperty channel="X" name="resolution" value="1000" units="1/cm"/>
+          <inkml:channelProperty channel="Y" name="resolution" value="1000" units="1/cm"/>
+          <inkml:channelProperty channel="F" name="resolution" value="0" units="1/dev"/>
+        </inkml:channelProperties>
+      </inkml:inkSource>
+      <inkml:timestamp xml:id="ts0" timeString="2022-10-06T03:18:31.703"/>
+    </inkml:context>
+    <inkml:brush xml:id="br0">
+      <inkml:brushProperty name="width" value="0.05" units="cm"/>
+      <inkml:brushProperty name="height" value="0.05" units="cm"/>
+    </inkml:brush>
+  </inkml:definitions>
+  <inkml:trace contextRef="#ctx0" brushRef="#br0">314 192 24575,'1161'0'0,"-1052"-6"0,1-4 0,113-27 0,-63 10 0,89-8 0,478-4 0,-367 21 0,-15-1 0,3723 20 0,-4049 0 0,0 1 0,-1 1 0,0 1 0,0 0 0,0 1 0,0 1 0,-1 0 0,0 2 0,0 0 0,23 15 0,-15-7 0,-1 2 0,-1 0 0,-1 1 0,-1 1 0,37 44 0,-42-41 0,-1 2 0,-1-1 0,18 50 0,-17-41 0,-9-19 0,0 1 0,0-1 0,-1 2 0,-1-1 0,-1 0 0,0 1 0,0 20 0,-3-31 0,0 1 0,0 0 0,-1 0 0,0-1 0,0 1 0,0-1 0,-1 1 0,0-1 0,0 1 0,0-1 0,-1 0 0,0 0 0,0 0 0,0 0 0,-1-1 0,1 1 0,-1-1 0,0 0 0,0 0 0,-1 0 0,1-1 0,-1 1 0,-6 3 0,-20 7 0,-1 0 0,0-2 0,-1-1 0,-1-2 0,0-2 0,-49 6 0,-8 3 0,-7 0 0,-125 3 0,177-16 0,5 2 0,-1 2 0,-40 12 0,-5 1 0,-20 1 0,-35 8 0,-271 21 0,-378 30 0,283-42 0,-3-40 0,185-2 0,-3910 4 0,4228 1 0,1-1 0,-1-1 0,1 1 0,-1-1 0,1 0 0,-1-1 0,1 0 0,0 0 0,0-1 0,0 1 0,0-2 0,0 1 0,1-1 0,-1 0 0,1 0 0,0-1 0,0 1 0,0-1 0,1-1 0,0 1 0,0-1 0,0 0 0,1 0 0,-6-11 0,-4-8 0,2-1 0,1-1 0,1 0 0,1-1 0,1 1 0,2-2 0,-4-34 0,5 15 0,2-1 0,3 1 0,8-77 0,-5 111 0,0 1 0,0 0 0,2 0 0,-1 1 0,2-1 0,0 1 0,11-17 0,-3 7 0,1 1 0,0 1 0,21-19 0,-29 32-136,0 1-1,1 0 1,0 1-1,0 0 1,1 0-1,-1 1 1,1 0-1,0 0 0,18-4 1,36-8-6690</inkml:trace>
+</inkml:ink>
+</file>
+
+<file path=ppt/ink/ink8.xml><?xml version="1.0" encoding="utf-8"?>
+<inkml:ink xmlns:inkml="http://www.w3.org/2003/InkML">
+  <inkml:definitions>
+    <inkml:context xml:id="ctx0">
+      <inkml:inkSource xml:id="inkSrc0">
+        <inkml:traceFormat>
+          <inkml:channel name="X" type="integer" min="-2.14748E9" max="2.14748E9" units="cm"/>
+          <inkml:channel name="Y" type="integer" min="-2.14748E9" max="2.14748E9" units="cm"/>
+          <inkml:channel name="F" type="integer" max="32767" units="dev"/>
+        </inkml:traceFormat>
+        <inkml:channelProperties>
+          <inkml:channelProperty channel="X" name="resolution" value="1000" units="1/cm"/>
+          <inkml:channelProperty channel="Y" name="resolution" value="1000" units="1/cm"/>
+          <inkml:channelProperty channel="F" name="resolution" value="0" units="1/dev"/>
+        </inkml:channelProperties>
+      </inkml:inkSource>
+      <inkml:timestamp xml:id="ts0" timeString="2022-10-06T03:18:32.590"/>
+    </inkml:context>
+    <inkml:brush xml:id="br0">
+      <inkml:brushProperty name="width" value="0.05" units="cm"/>
+      <inkml:brushProperty name="height" value="0.05" units="cm"/>
+    </inkml:brush>
+  </inkml:definitions>
+  <inkml:trace contextRef="#ctx0" brushRef="#br0">1 0 24575,'0'6'0,"6"3"0</inkml:trace>
+</inkml:ink>
+</file>
+
+<file path=ppt/ink/ink9.xml><?xml version="1.0" encoding="utf-8"?>
+<inkml:ink xmlns:inkml="http://www.w3.org/2003/InkML">
+  <inkml:definitions>
+    <inkml:context xml:id="ctx0">
+      <inkml:inkSource xml:id="inkSrc0">
+        <inkml:traceFormat>
+          <inkml:channel name="X" type="integer" min="-2.14748E9" max="2.14748E9" units="cm"/>
+          <inkml:channel name="Y" type="integer" min="-2.14748E9" max="2.14748E9" units="cm"/>
+          <inkml:channel name="F" type="integer" max="32767" units="dev"/>
+        </inkml:traceFormat>
+        <inkml:channelProperties>
+          <inkml:channelProperty channel="X" name="resolution" value="1000" units="1/cm"/>
+          <inkml:channelProperty channel="Y" name="resolution" value="1000" units="1/cm"/>
+          <inkml:channelProperty channel="F" name="resolution" value="0" units="1/dev"/>
+        </inkml:channelProperties>
+      </inkml:inkSource>
+      <inkml:timestamp xml:id="ts0" timeString="2022-10-06T03:18:32.946"/>
+    </inkml:context>
+    <inkml:brush xml:id="br0">
+      <inkml:brushProperty name="width" value="0.05" units="cm"/>
+      <inkml:brushProperty name="height" value="0.05" units="cm"/>
+    </inkml:brush>
+  </inkml:definitions>
+  <inkml:trace contextRef="#ctx0" brushRef="#br0">0 0 24575,'7'0'0,"21"0"0,19 0 0,1 0-8191</inkml:trace>
+</inkml:ink>
+</file>
+
 <file path=ppt/notesMasters/notesMaster1.xml><?xml version="1.0" encoding="utf-8"?>
 <p:notesMaster xmlns:a="http://schemas.openxmlformats.org/drawingml/2006/main" xmlns:r="http://schemas.openxmlformats.org/officeDocument/2006/relationships" xmlns:p="http://schemas.openxmlformats.org/presentationml/2006/main">
   <p:cSld>
@@ -414,7 +1877,7 @@
           <a:p>
             <a:fld id="{A88E820D-16A4-4831-A52F-37A884D7B319}" type="datetimeFigureOut">
               <a:rPr lang="vi-VN" smtClean="0"/>
-              <a:t>12/06/2022</a:t>
+              <a:t>06/10/2022</a:t>
             </a:fld>
             <a:endParaRPr lang="vi-VN"/>
           </a:p>
@@ -828,7 +2291,7 @@
           <a:p>
             <a:fld id="{6130FE31-D0FC-4A51-8026-4011083A62F2}" type="datetime1">
               <a:rPr lang="vi-VN" smtClean="0"/>
-              <a:t>12/06/2022</a:t>
+              <a:t>06/10/2022</a:t>
             </a:fld>
             <a:endParaRPr lang="vi-VN"/>
           </a:p>
@@ -1026,7 +2489,7 @@
           <a:p>
             <a:fld id="{F5FA08AE-2C89-4EA0-B9D8-4352E0DFF7C7}" type="datetime1">
               <a:rPr lang="vi-VN" smtClean="0"/>
-              <a:t>12/06/2022</a:t>
+              <a:t>06/10/2022</a:t>
             </a:fld>
             <a:endParaRPr lang="vi-VN"/>
           </a:p>
@@ -1234,7 +2697,7 @@
           <a:p>
             <a:fld id="{BA778854-8600-4843-A004-1793EA166BA1}" type="datetime1">
               <a:rPr lang="vi-VN" smtClean="0"/>
-              <a:t>12/06/2022</a:t>
+              <a:t>06/10/2022</a:t>
             </a:fld>
             <a:endParaRPr lang="vi-VN"/>
           </a:p>
@@ -1432,7 +2895,7 @@
           <a:p>
             <a:fld id="{5F320FC0-3F80-450B-9702-DD4EA0DF604D}" type="datetime1">
               <a:rPr lang="vi-VN" smtClean="0"/>
-              <a:t>12/06/2022</a:t>
+              <a:t>06/10/2022</a:t>
             </a:fld>
             <a:endParaRPr lang="vi-VN"/>
           </a:p>
@@ -1707,7 +3170,7 @@
           <a:p>
             <a:fld id="{9120D16D-05D6-4570-B5AB-0C53843B40DF}" type="datetime1">
               <a:rPr lang="vi-VN" smtClean="0"/>
-              <a:t>12/06/2022</a:t>
+              <a:t>06/10/2022</a:t>
             </a:fld>
             <a:endParaRPr lang="vi-VN"/>
           </a:p>
@@ -1972,7 +3435,7 @@
           <a:p>
             <a:fld id="{C1930879-D6EC-43B3-9790-DC21330B035A}" type="datetime1">
               <a:rPr lang="vi-VN" smtClean="0"/>
-              <a:t>12/06/2022</a:t>
+              <a:t>06/10/2022</a:t>
             </a:fld>
             <a:endParaRPr lang="vi-VN"/>
           </a:p>
@@ -2384,7 +3847,7 @@
           <a:p>
             <a:fld id="{391FFE42-EAED-49BD-9891-C7BAD0DC7A4D}" type="datetime1">
               <a:rPr lang="vi-VN" smtClean="0"/>
-              <a:t>12/06/2022</a:t>
+              <a:t>06/10/2022</a:t>
             </a:fld>
             <a:endParaRPr lang="vi-VN"/>
           </a:p>
@@ -2525,7 +3988,7 @@
           <a:p>
             <a:fld id="{C21D87D3-5693-4934-9F08-F0D4D72F3CF5}" type="datetime1">
               <a:rPr lang="vi-VN" smtClean="0"/>
-              <a:t>12/06/2022</a:t>
+              <a:t>06/10/2022</a:t>
             </a:fld>
             <a:endParaRPr lang="vi-VN"/>
           </a:p>
@@ -2638,7 +4101,7 @@
           <a:p>
             <a:fld id="{57005273-2200-4DAE-B6C8-87E811B645B3}" type="datetime1">
               <a:rPr lang="vi-VN" smtClean="0"/>
-              <a:t>12/06/2022</a:t>
+              <a:t>06/10/2022</a:t>
             </a:fld>
             <a:endParaRPr lang="vi-VN"/>
           </a:p>
@@ -2949,7 +4412,7 @@
           <a:p>
             <a:fld id="{415415D9-0F4E-4734-ACB9-ABDD87068571}" type="datetime1">
               <a:rPr lang="vi-VN" smtClean="0"/>
-              <a:t>12/06/2022</a:t>
+              <a:t>06/10/2022</a:t>
             </a:fld>
             <a:endParaRPr lang="vi-VN"/>
           </a:p>
@@ -3237,7 +4700,7 @@
           <a:p>
             <a:fld id="{C51202ED-37C7-4CF2-8E40-73A527E50908}" type="datetime1">
               <a:rPr lang="vi-VN" smtClean="0"/>
-              <a:t>12/06/2022</a:t>
+              <a:t>06/10/2022</a:t>
             </a:fld>
             <a:endParaRPr lang="vi-VN"/>
           </a:p>
@@ -3478,7 +4941,7 @@
           <a:p>
             <a:fld id="{7FAA69D2-A0B2-43B5-903F-2BF5B10D3988}" type="datetime1">
               <a:rPr lang="vi-VN" smtClean="0"/>
-              <a:t>12/06/2022</a:t>
+              <a:t>06/10/2022</a:t>
             </a:fld>
             <a:endParaRPr lang="vi-VN"/>
           </a:p>
@@ -4953,6 +6416,2924 @@
       </p:grpSpPr>
       <p:sp>
         <p:nvSpPr>
+          <p:cNvPr id="4" name="Chỗ dành sẵn cho Số hiệu Bản chiếu 3">
+            <a:extLst>
+              <a:ext uri="{FF2B5EF4-FFF2-40B4-BE49-F238E27FC236}">
+                <a16:creationId xmlns:a16="http://schemas.microsoft.com/office/drawing/2014/main" id="{E2BC4B84-F296-1772-A726-3EF2CE0BE50F}"/>
+              </a:ext>
+            </a:extLst>
+          </p:cNvPr>
+          <p:cNvSpPr>
+            <a:spLocks noGrp="1"/>
+          </p:cNvSpPr>
+          <p:nvPr>
+            <p:ph type="sldNum" sz="quarter" idx="12"/>
+          </p:nvPr>
+        </p:nvSpPr>
+        <p:spPr/>
+        <p:txBody>
+          <a:bodyPr/>
+          <a:lstStyle/>
+          <a:p>
+            <a:fld id="{480537A9-B8B1-481D-9BE4-179EB839AE15}" type="slidenum">
+              <a:rPr lang="vi-VN" smtClean="0"/>
+              <a:t>15</a:t>
+            </a:fld>
+            <a:endParaRPr lang="vi-VN"/>
+          </a:p>
+        </p:txBody>
+      </p:sp>
+      <p:grpSp>
+        <p:nvGrpSpPr>
+          <p:cNvPr id="8" name="Nhóm 7">
+            <a:extLst>
+              <a:ext uri="{FF2B5EF4-FFF2-40B4-BE49-F238E27FC236}">
+                <a16:creationId xmlns:a16="http://schemas.microsoft.com/office/drawing/2014/main" id="{8895465C-AF8C-8288-3CEC-D790C594AE5A}"/>
+              </a:ext>
+            </a:extLst>
+          </p:cNvPr>
+          <p:cNvGrpSpPr/>
+          <p:nvPr/>
+        </p:nvGrpSpPr>
+        <p:grpSpPr>
+          <a:xfrm>
+            <a:off x="1282325" y="955042"/>
+            <a:ext cx="9459720" cy="5378760"/>
+            <a:chOff x="1282325" y="955042"/>
+            <a:chExt cx="9459720" cy="5378760"/>
+          </a:xfrm>
+        </p:grpSpPr>
+        <mc:AlternateContent xmlns:mc="http://schemas.openxmlformats.org/markup-compatibility/2006">
+          <mc:Choice xmlns:p14="http://schemas.microsoft.com/office/powerpoint/2010/main" Requires="p14">
+            <p:contentPart p14:bwMode="auto" r:id="rId2">
+              <p14:nvContentPartPr>
+                <p14:cNvPr id="5" name="Viết tay 4">
+                  <a:extLst>
+                    <a:ext uri="{FF2B5EF4-FFF2-40B4-BE49-F238E27FC236}">
+                      <a16:creationId xmlns:a16="http://schemas.microsoft.com/office/drawing/2014/main" id="{F58C9462-35B0-BB20-4939-045750A72E3D}"/>
+                    </a:ext>
+                  </a:extLst>
+                </p14:cNvPr>
+                <p14:cNvContentPartPr/>
+                <p14:nvPr/>
+              </p14:nvContentPartPr>
+              <p14:xfrm>
+                <a:off x="1282325" y="955042"/>
+                <a:ext cx="8374680" cy="123840"/>
+              </p14:xfrm>
+            </p:contentPart>
+          </mc:Choice>
+          <mc:Fallback>
+            <p:pic>
+              <p:nvPicPr>
+                <p:cNvPr id="5" name="Viết tay 4">
+                  <a:extLst>
+                    <a:ext uri="{FF2B5EF4-FFF2-40B4-BE49-F238E27FC236}">
+                      <a16:creationId xmlns:a16="http://schemas.microsoft.com/office/drawing/2014/main" id="{F58C9462-35B0-BB20-4939-045750A72E3D}"/>
+                    </a:ext>
+                  </a:extLst>
+                </p:cNvPr>
+                <p:cNvPicPr/>
+                <p:nvPr/>
+              </p:nvPicPr>
+              <p:blipFill>
+                <a:blip r:embed="rId3"/>
+                <a:stretch>
+                  <a:fillRect/>
+                </a:stretch>
+              </p:blipFill>
+              <p:spPr>
+                <a:xfrm>
+                  <a:off x="1273685" y="946042"/>
+                  <a:ext cx="8392320" cy="141480"/>
+                </a:xfrm>
+                <a:prstGeom prst="rect">
+                  <a:avLst/>
+                </a:prstGeom>
+              </p:spPr>
+            </p:pic>
+          </mc:Fallback>
+        </mc:AlternateContent>
+        <mc:AlternateContent xmlns:mc="http://schemas.openxmlformats.org/markup-compatibility/2006">
+          <mc:Choice xmlns:p14="http://schemas.microsoft.com/office/powerpoint/2010/main" Requires="p14">
+            <p:contentPart p14:bwMode="auto" r:id="rId4">
+              <p14:nvContentPartPr>
+                <p14:cNvPr id="6" name="Viết tay 5">
+                  <a:extLst>
+                    <a:ext uri="{FF2B5EF4-FFF2-40B4-BE49-F238E27FC236}">
+                      <a16:creationId xmlns:a16="http://schemas.microsoft.com/office/drawing/2014/main" id="{286B91A2-80B6-5BDA-3179-0498F73635C6}"/>
+                    </a:ext>
+                  </a:extLst>
+                </p14:cNvPr>
+                <p14:cNvContentPartPr/>
+                <p14:nvPr/>
+              </p14:nvContentPartPr>
+              <p14:xfrm>
+                <a:off x="1296365" y="968362"/>
+                <a:ext cx="9175680" cy="5365440"/>
+              </p14:xfrm>
+            </p:contentPart>
+          </mc:Choice>
+          <mc:Fallback>
+            <p:pic>
+              <p:nvPicPr>
+                <p:cNvPr id="6" name="Viết tay 5">
+                  <a:extLst>
+                    <a:ext uri="{FF2B5EF4-FFF2-40B4-BE49-F238E27FC236}">
+                      <a16:creationId xmlns:a16="http://schemas.microsoft.com/office/drawing/2014/main" id="{286B91A2-80B6-5BDA-3179-0498F73635C6}"/>
+                    </a:ext>
+                  </a:extLst>
+                </p:cNvPr>
+                <p:cNvPicPr/>
+                <p:nvPr/>
+              </p:nvPicPr>
+              <p:blipFill>
+                <a:blip r:embed="rId5"/>
+                <a:stretch>
+                  <a:fillRect/>
+                </a:stretch>
+              </p:blipFill>
+              <p:spPr>
+                <a:xfrm>
+                  <a:off x="1287365" y="959722"/>
+                  <a:ext cx="9193320" cy="5383080"/>
+                </a:xfrm>
+                <a:prstGeom prst="rect">
+                  <a:avLst/>
+                </a:prstGeom>
+              </p:spPr>
+            </p:pic>
+          </mc:Fallback>
+        </mc:AlternateContent>
+        <mc:AlternateContent xmlns:mc="http://schemas.openxmlformats.org/markup-compatibility/2006">
+          <mc:Choice xmlns:p14="http://schemas.microsoft.com/office/powerpoint/2010/main" Requires="p14">
+            <p:contentPart p14:bwMode="auto" r:id="rId6">
+              <p14:nvContentPartPr>
+                <p14:cNvPr id="7" name="Viết tay 6">
+                  <a:extLst>
+                    <a:ext uri="{FF2B5EF4-FFF2-40B4-BE49-F238E27FC236}">
+                      <a16:creationId xmlns:a16="http://schemas.microsoft.com/office/drawing/2014/main" id="{64096BEF-C447-C121-A062-E9608DE256B8}"/>
+                    </a:ext>
+                  </a:extLst>
+                </p14:cNvPr>
+                <p14:cNvContentPartPr/>
+                <p14:nvPr/>
+              </p14:nvContentPartPr>
+              <p14:xfrm>
+                <a:off x="9825845" y="955042"/>
+                <a:ext cx="916200" cy="5098680"/>
+              </p14:xfrm>
+            </p:contentPart>
+          </mc:Choice>
+          <mc:Fallback>
+            <p:pic>
+              <p:nvPicPr>
+                <p:cNvPr id="7" name="Viết tay 6">
+                  <a:extLst>
+                    <a:ext uri="{FF2B5EF4-FFF2-40B4-BE49-F238E27FC236}">
+                      <a16:creationId xmlns:a16="http://schemas.microsoft.com/office/drawing/2014/main" id="{64096BEF-C447-C121-A062-E9608DE256B8}"/>
+                    </a:ext>
+                  </a:extLst>
+                </p:cNvPr>
+                <p:cNvPicPr/>
+                <p:nvPr/>
+              </p:nvPicPr>
+              <p:blipFill>
+                <a:blip r:embed="rId7"/>
+                <a:stretch>
+                  <a:fillRect/>
+                </a:stretch>
+              </p:blipFill>
+              <p:spPr>
+                <a:xfrm>
+                  <a:off x="9817205" y="946042"/>
+                  <a:ext cx="933840" cy="5116320"/>
+                </a:xfrm>
+                <a:prstGeom prst="rect">
+                  <a:avLst/>
+                </a:prstGeom>
+              </p:spPr>
+            </p:pic>
+          </mc:Fallback>
+        </mc:AlternateContent>
+      </p:grpSp>
+      <mc:AlternateContent xmlns:mc="http://schemas.openxmlformats.org/markup-compatibility/2006">
+        <mc:Choice xmlns:p14="http://schemas.microsoft.com/office/powerpoint/2010/main" Requires="p14">
+          <p:contentPart p14:bwMode="auto" r:id="rId8">
+            <p14:nvContentPartPr>
+              <p14:cNvPr id="9" name="Viết tay 8">
+                <a:extLst>
+                  <a:ext uri="{FF2B5EF4-FFF2-40B4-BE49-F238E27FC236}">
+                    <a16:creationId xmlns:a16="http://schemas.microsoft.com/office/drawing/2014/main" id="{5758B579-5B9A-5352-B5FE-5BD4C7636AA6}"/>
+                  </a:ext>
+                </a:extLst>
+              </p14:cNvPr>
+              <p14:cNvContentPartPr/>
+              <p14:nvPr/>
+            </p14:nvContentPartPr>
+            <p14:xfrm>
+              <a:off x="1633325" y="1281202"/>
+              <a:ext cx="361800" cy="344880"/>
+            </p14:xfrm>
+          </p:contentPart>
+        </mc:Choice>
+        <mc:Fallback>
+          <p:pic>
+            <p:nvPicPr>
+              <p:cNvPr id="9" name="Viết tay 8">
+                <a:extLst>
+                  <a:ext uri="{FF2B5EF4-FFF2-40B4-BE49-F238E27FC236}">
+                    <a16:creationId xmlns:a16="http://schemas.microsoft.com/office/drawing/2014/main" id="{5758B579-5B9A-5352-B5FE-5BD4C7636AA6}"/>
+                  </a:ext>
+                </a:extLst>
+              </p:cNvPr>
+              <p:cNvPicPr/>
+              <p:nvPr/>
+            </p:nvPicPr>
+            <p:blipFill>
+              <a:blip r:embed="rId9"/>
+              <a:stretch>
+                <a:fillRect/>
+              </a:stretch>
+            </p:blipFill>
+            <p:spPr>
+              <a:xfrm>
+                <a:off x="1624685" y="1272202"/>
+                <a:ext cx="379440" cy="362520"/>
+              </a:xfrm>
+              <a:prstGeom prst="rect">
+                <a:avLst/>
+              </a:prstGeom>
+            </p:spPr>
+          </p:pic>
+        </mc:Fallback>
+      </mc:AlternateContent>
+      <p:grpSp>
+        <p:nvGrpSpPr>
+          <p:cNvPr id="23" name="Nhóm 22">
+            <a:extLst>
+              <a:ext uri="{FF2B5EF4-FFF2-40B4-BE49-F238E27FC236}">
+                <a16:creationId xmlns:a16="http://schemas.microsoft.com/office/drawing/2014/main" id="{1EFDC24E-6C2E-DCCB-5DA8-7871BCBA1A2B}"/>
+              </a:ext>
+            </a:extLst>
+          </p:cNvPr>
+          <p:cNvGrpSpPr/>
+          <p:nvPr/>
+        </p:nvGrpSpPr>
+        <p:grpSpPr>
+          <a:xfrm>
+            <a:off x="2261525" y="1254562"/>
+            <a:ext cx="3791520" cy="385200"/>
+            <a:chOff x="2261525" y="1254562"/>
+            <a:chExt cx="3791520" cy="385200"/>
+          </a:xfrm>
+        </p:grpSpPr>
+        <mc:AlternateContent xmlns:mc="http://schemas.openxmlformats.org/markup-compatibility/2006">
+          <mc:Choice xmlns:p14="http://schemas.microsoft.com/office/powerpoint/2010/main" Requires="p14">
+            <p:contentPart p14:bwMode="auto" r:id="rId10">
+              <p14:nvContentPartPr>
+                <p14:cNvPr id="10" name="Viết tay 9">
+                  <a:extLst>
+                    <a:ext uri="{FF2B5EF4-FFF2-40B4-BE49-F238E27FC236}">
+                      <a16:creationId xmlns:a16="http://schemas.microsoft.com/office/drawing/2014/main" id="{1D92554C-3899-CD84-FC26-E23C30969359}"/>
+                    </a:ext>
+                  </a:extLst>
+                </p14:cNvPr>
+                <p14:cNvContentPartPr/>
+                <p14:nvPr/>
+              </p14:nvContentPartPr>
+              <p14:xfrm>
+                <a:off x="2261525" y="1254562"/>
+                <a:ext cx="3004920" cy="385200"/>
+              </p14:xfrm>
+            </p:contentPart>
+          </mc:Choice>
+          <mc:Fallback>
+            <p:pic>
+              <p:nvPicPr>
+                <p:cNvPr id="10" name="Viết tay 9">
+                  <a:extLst>
+                    <a:ext uri="{FF2B5EF4-FFF2-40B4-BE49-F238E27FC236}">
+                      <a16:creationId xmlns:a16="http://schemas.microsoft.com/office/drawing/2014/main" id="{1D92554C-3899-CD84-FC26-E23C30969359}"/>
+                    </a:ext>
+                  </a:extLst>
+                </p:cNvPr>
+                <p:cNvPicPr/>
+                <p:nvPr/>
+              </p:nvPicPr>
+              <p:blipFill>
+                <a:blip r:embed="rId11"/>
+                <a:stretch>
+                  <a:fillRect/>
+                </a:stretch>
+              </p:blipFill>
+              <p:spPr>
+                <a:xfrm>
+                  <a:off x="2252885" y="1245922"/>
+                  <a:ext cx="3022560" cy="402840"/>
+                </a:xfrm>
+                <a:prstGeom prst="rect">
+                  <a:avLst/>
+                </a:prstGeom>
+              </p:spPr>
+            </p:pic>
+          </mc:Fallback>
+        </mc:AlternateContent>
+        <mc:AlternateContent xmlns:mc="http://schemas.openxmlformats.org/markup-compatibility/2006">
+          <mc:Choice xmlns:p14="http://schemas.microsoft.com/office/powerpoint/2010/main" Requires="p14">
+            <p:contentPart p14:bwMode="auto" r:id="rId12">
+              <p14:nvContentPartPr>
+                <p14:cNvPr id="11" name="Viết tay 10">
+                  <a:extLst>
+                    <a:ext uri="{FF2B5EF4-FFF2-40B4-BE49-F238E27FC236}">
+                      <a16:creationId xmlns:a16="http://schemas.microsoft.com/office/drawing/2014/main" id="{FD0ED8BD-748F-8B97-B4FD-93DC49C361D8}"/>
+                    </a:ext>
+                  </a:extLst>
+                </p14:cNvPr>
+                <p14:cNvContentPartPr/>
+                <p14:nvPr/>
+              </p14:nvContentPartPr>
+              <p14:xfrm>
+                <a:off x="5458325" y="1487482"/>
+                <a:ext cx="2880" cy="5760"/>
+              </p14:xfrm>
+            </p:contentPart>
+          </mc:Choice>
+          <mc:Fallback>
+            <p:pic>
+              <p:nvPicPr>
+                <p:cNvPr id="11" name="Viết tay 10">
+                  <a:extLst>
+                    <a:ext uri="{FF2B5EF4-FFF2-40B4-BE49-F238E27FC236}">
+                      <a16:creationId xmlns:a16="http://schemas.microsoft.com/office/drawing/2014/main" id="{FD0ED8BD-748F-8B97-B4FD-93DC49C361D8}"/>
+                    </a:ext>
+                  </a:extLst>
+                </p:cNvPr>
+                <p:cNvPicPr/>
+                <p:nvPr/>
+              </p:nvPicPr>
+              <p:blipFill>
+                <a:blip r:embed="rId13"/>
+                <a:stretch>
+                  <a:fillRect/>
+                </a:stretch>
+              </p:blipFill>
+              <p:spPr>
+                <a:xfrm>
+                  <a:off x="5449685" y="1478482"/>
+                  <a:ext cx="20520" cy="23400"/>
+                </a:xfrm>
+                <a:prstGeom prst="rect">
+                  <a:avLst/>
+                </a:prstGeom>
+              </p:spPr>
+            </p:pic>
+          </mc:Fallback>
+        </mc:AlternateContent>
+        <mc:AlternateContent xmlns:mc="http://schemas.openxmlformats.org/markup-compatibility/2006">
+          <mc:Choice xmlns:p14="http://schemas.microsoft.com/office/powerpoint/2010/main" Requires="p14">
+            <p:contentPart p14:bwMode="auto" r:id="rId14">
+              <p14:nvContentPartPr>
+                <p14:cNvPr id="12" name="Viết tay 11">
+                  <a:extLst>
+                    <a:ext uri="{FF2B5EF4-FFF2-40B4-BE49-F238E27FC236}">
+                      <a16:creationId xmlns:a16="http://schemas.microsoft.com/office/drawing/2014/main" id="{DF6E68CA-3134-7865-92CB-9FDD45006227}"/>
+                    </a:ext>
+                  </a:extLst>
+                </p14:cNvPr>
+                <p14:cNvContentPartPr/>
+                <p14:nvPr/>
+              </p14:nvContentPartPr>
+              <p14:xfrm>
+                <a:off x="5649845" y="1500802"/>
+                <a:ext cx="46800" cy="360"/>
+              </p14:xfrm>
+            </p:contentPart>
+          </mc:Choice>
+          <mc:Fallback>
+            <p:pic>
+              <p:nvPicPr>
+                <p:cNvPr id="12" name="Viết tay 11">
+                  <a:extLst>
+                    <a:ext uri="{FF2B5EF4-FFF2-40B4-BE49-F238E27FC236}">
+                      <a16:creationId xmlns:a16="http://schemas.microsoft.com/office/drawing/2014/main" id="{DF6E68CA-3134-7865-92CB-9FDD45006227}"/>
+                    </a:ext>
+                  </a:extLst>
+                </p:cNvPr>
+                <p:cNvPicPr/>
+                <p:nvPr/>
+              </p:nvPicPr>
+              <p:blipFill>
+                <a:blip r:embed="rId15"/>
+                <a:stretch>
+                  <a:fillRect/>
+                </a:stretch>
+              </p:blipFill>
+              <p:spPr>
+                <a:xfrm>
+                  <a:off x="5640845" y="1491802"/>
+                  <a:ext cx="64440" cy="18000"/>
+                </a:xfrm>
+                <a:prstGeom prst="rect">
+                  <a:avLst/>
+                </a:prstGeom>
+              </p:spPr>
+            </p:pic>
+          </mc:Fallback>
+        </mc:AlternateContent>
+        <mc:AlternateContent xmlns:mc="http://schemas.openxmlformats.org/markup-compatibility/2006">
+          <mc:Choice xmlns:p14="http://schemas.microsoft.com/office/powerpoint/2010/main" Requires="p14">
+            <p:contentPart p14:bwMode="auto" r:id="rId16">
+              <p14:nvContentPartPr>
+                <p14:cNvPr id="13" name="Viết tay 12">
+                  <a:extLst>
+                    <a:ext uri="{FF2B5EF4-FFF2-40B4-BE49-F238E27FC236}">
+                      <a16:creationId xmlns:a16="http://schemas.microsoft.com/office/drawing/2014/main" id="{CDB1CEDF-DAED-7E0E-3F51-F6B4303AC40C}"/>
+                    </a:ext>
+                  </a:extLst>
+                </p14:cNvPr>
+                <p14:cNvContentPartPr/>
+                <p14:nvPr/>
+              </p14:nvContentPartPr>
+              <p14:xfrm>
+                <a:off x="5990765" y="1500802"/>
+                <a:ext cx="62280" cy="360"/>
+              </p14:xfrm>
+            </p:contentPart>
+          </mc:Choice>
+          <mc:Fallback>
+            <p:pic>
+              <p:nvPicPr>
+                <p:cNvPr id="13" name="Viết tay 12">
+                  <a:extLst>
+                    <a:ext uri="{FF2B5EF4-FFF2-40B4-BE49-F238E27FC236}">
+                      <a16:creationId xmlns:a16="http://schemas.microsoft.com/office/drawing/2014/main" id="{CDB1CEDF-DAED-7E0E-3F51-F6B4303AC40C}"/>
+                    </a:ext>
+                  </a:extLst>
+                </p:cNvPr>
+                <p:cNvPicPr/>
+                <p:nvPr/>
+              </p:nvPicPr>
+              <p:blipFill>
+                <a:blip r:embed="rId17"/>
+                <a:stretch>
+                  <a:fillRect/>
+                </a:stretch>
+              </p:blipFill>
+              <p:spPr>
+                <a:xfrm>
+                  <a:off x="5982125" y="1491802"/>
+                  <a:ext cx="79920" cy="18000"/>
+                </a:xfrm>
+                <a:prstGeom prst="rect">
+                  <a:avLst/>
+                </a:prstGeom>
+              </p:spPr>
+            </p:pic>
+          </mc:Fallback>
+        </mc:AlternateContent>
+      </p:grpSp>
+      <p:grpSp>
+        <p:nvGrpSpPr>
+          <p:cNvPr id="22" name="Nhóm 21">
+            <a:extLst>
+              <a:ext uri="{FF2B5EF4-FFF2-40B4-BE49-F238E27FC236}">
+                <a16:creationId xmlns:a16="http://schemas.microsoft.com/office/drawing/2014/main" id="{235BE22D-3E11-F575-42BF-DEC53191E1FD}"/>
+              </a:ext>
+            </a:extLst>
+          </p:cNvPr>
+          <p:cNvGrpSpPr/>
+          <p:nvPr/>
+        </p:nvGrpSpPr>
+        <p:grpSpPr>
+          <a:xfrm>
+            <a:off x="6523205" y="1514842"/>
+            <a:ext cx="478080" cy="27360"/>
+            <a:chOff x="6523205" y="1514842"/>
+            <a:chExt cx="478080" cy="27360"/>
+          </a:xfrm>
+        </p:grpSpPr>
+        <mc:AlternateContent xmlns:mc="http://schemas.openxmlformats.org/markup-compatibility/2006">
+          <mc:Choice xmlns:p14="http://schemas.microsoft.com/office/powerpoint/2010/main" Requires="p14">
+            <p:contentPart p14:bwMode="auto" r:id="rId18">
+              <p14:nvContentPartPr>
+                <p14:cNvPr id="14" name="Viết tay 13">
+                  <a:extLst>
+                    <a:ext uri="{FF2B5EF4-FFF2-40B4-BE49-F238E27FC236}">
+                      <a16:creationId xmlns:a16="http://schemas.microsoft.com/office/drawing/2014/main" id="{80B88422-B82E-8926-158E-AE837630AF3A}"/>
+                    </a:ext>
+                  </a:extLst>
+                </p14:cNvPr>
+                <p14:cNvContentPartPr/>
+                <p14:nvPr/>
+              </p14:nvContentPartPr>
+              <p14:xfrm>
+                <a:off x="6523205" y="1514842"/>
+                <a:ext cx="419400" cy="27360"/>
+              </p14:xfrm>
+            </p:contentPart>
+          </mc:Choice>
+          <mc:Fallback>
+            <p:pic>
+              <p:nvPicPr>
+                <p:cNvPr id="14" name="Viết tay 13">
+                  <a:extLst>
+                    <a:ext uri="{FF2B5EF4-FFF2-40B4-BE49-F238E27FC236}">
+                      <a16:creationId xmlns:a16="http://schemas.microsoft.com/office/drawing/2014/main" id="{80B88422-B82E-8926-158E-AE837630AF3A}"/>
+                    </a:ext>
+                  </a:extLst>
+                </p:cNvPr>
+                <p:cNvPicPr/>
+                <p:nvPr/>
+              </p:nvPicPr>
+              <p:blipFill>
+                <a:blip r:embed="rId19"/>
+                <a:stretch>
+                  <a:fillRect/>
+                </a:stretch>
+              </p:blipFill>
+              <p:spPr>
+                <a:xfrm>
+                  <a:off x="6514205" y="1505842"/>
+                  <a:ext cx="437040" cy="45000"/>
+                </a:xfrm>
+                <a:prstGeom prst="rect">
+                  <a:avLst/>
+                </a:prstGeom>
+              </p:spPr>
+            </p:pic>
+          </mc:Fallback>
+        </mc:AlternateContent>
+        <mc:AlternateContent xmlns:mc="http://schemas.openxmlformats.org/markup-compatibility/2006">
+          <mc:Choice xmlns:p14="http://schemas.microsoft.com/office/powerpoint/2010/main" Requires="p14">
+            <p:contentPart p14:bwMode="auto" r:id="rId20">
+              <p14:nvContentPartPr>
+                <p14:cNvPr id="15" name="Viết tay 14">
+                  <a:extLst>
+                    <a:ext uri="{FF2B5EF4-FFF2-40B4-BE49-F238E27FC236}">
+                      <a16:creationId xmlns:a16="http://schemas.microsoft.com/office/drawing/2014/main" id="{3BA8494E-3BE1-7439-108A-6E7207929B06}"/>
+                    </a:ext>
+                  </a:extLst>
+                </p14:cNvPr>
+                <p14:cNvContentPartPr/>
+                <p14:nvPr/>
+              </p14:nvContentPartPr>
+              <p14:xfrm>
+                <a:off x="7000925" y="1541482"/>
+                <a:ext cx="360" cy="360"/>
+              </p14:xfrm>
+            </p:contentPart>
+          </mc:Choice>
+          <mc:Fallback>
+            <p:pic>
+              <p:nvPicPr>
+                <p:cNvPr id="15" name="Viết tay 14">
+                  <a:extLst>
+                    <a:ext uri="{FF2B5EF4-FFF2-40B4-BE49-F238E27FC236}">
+                      <a16:creationId xmlns:a16="http://schemas.microsoft.com/office/drawing/2014/main" id="{3BA8494E-3BE1-7439-108A-6E7207929B06}"/>
+                    </a:ext>
+                  </a:extLst>
+                </p:cNvPr>
+                <p:cNvPicPr/>
+                <p:nvPr/>
+              </p:nvPicPr>
+              <p:blipFill>
+                <a:blip r:embed="rId13"/>
+                <a:stretch>
+                  <a:fillRect/>
+                </a:stretch>
+              </p:blipFill>
+              <p:spPr>
+                <a:xfrm>
+                  <a:off x="6991925" y="1532842"/>
+                  <a:ext cx="18000" cy="18000"/>
+                </a:xfrm>
+                <a:prstGeom prst="rect">
+                  <a:avLst/>
+                </a:prstGeom>
+              </p:spPr>
+            </p:pic>
+          </mc:Fallback>
+        </mc:AlternateContent>
+      </p:grpSp>
+      <mc:AlternateContent xmlns:mc="http://schemas.openxmlformats.org/markup-compatibility/2006">
+        <mc:Choice xmlns:p14="http://schemas.microsoft.com/office/powerpoint/2010/main" Requires="p14">
+          <p:contentPart p14:bwMode="auto" r:id="rId21">
+            <p14:nvContentPartPr>
+              <p14:cNvPr id="16" name="Viết tay 15">
+                <a:extLst>
+                  <a:ext uri="{FF2B5EF4-FFF2-40B4-BE49-F238E27FC236}">
+                    <a16:creationId xmlns:a16="http://schemas.microsoft.com/office/drawing/2014/main" id="{E3A8832C-4147-FA69-B9D0-7A88E1E1032A}"/>
+                  </a:ext>
+                </a:extLst>
+              </p14:cNvPr>
+              <p14:cNvContentPartPr/>
+              <p14:nvPr/>
+            </p14:nvContentPartPr>
+            <p14:xfrm>
+              <a:off x="7423565" y="1487482"/>
+              <a:ext cx="229680" cy="41040"/>
+            </p14:xfrm>
+          </p:contentPart>
+        </mc:Choice>
+        <mc:Fallback>
+          <p:pic>
+            <p:nvPicPr>
+              <p:cNvPr id="16" name="Viết tay 15">
+                <a:extLst>
+                  <a:ext uri="{FF2B5EF4-FFF2-40B4-BE49-F238E27FC236}">
+                    <a16:creationId xmlns:a16="http://schemas.microsoft.com/office/drawing/2014/main" id="{E3A8832C-4147-FA69-B9D0-7A88E1E1032A}"/>
+                  </a:ext>
+                </a:extLst>
+              </p:cNvPr>
+              <p:cNvPicPr/>
+              <p:nvPr/>
+            </p:nvPicPr>
+            <p:blipFill>
+              <a:blip r:embed="rId22"/>
+              <a:stretch>
+                <a:fillRect/>
+              </a:stretch>
+            </p:blipFill>
+            <p:spPr>
+              <a:xfrm>
+                <a:off x="7414925" y="1478482"/>
+                <a:ext cx="247320" cy="58680"/>
+              </a:xfrm>
+              <a:prstGeom prst="rect">
+                <a:avLst/>
+              </a:prstGeom>
+            </p:spPr>
+          </p:pic>
+        </mc:Fallback>
+      </mc:AlternateContent>
+      <mc:AlternateContent xmlns:mc="http://schemas.openxmlformats.org/markup-compatibility/2006">
+        <mc:Choice xmlns:p14="http://schemas.microsoft.com/office/powerpoint/2010/main" Requires="p14">
+          <p:contentPart p14:bwMode="auto" r:id="rId23">
+            <p14:nvContentPartPr>
+              <p14:cNvPr id="17" name="Viết tay 16">
+                <a:extLst>
+                  <a:ext uri="{FF2B5EF4-FFF2-40B4-BE49-F238E27FC236}">
+                    <a16:creationId xmlns:a16="http://schemas.microsoft.com/office/drawing/2014/main" id="{019C4176-0127-F9D1-02B8-0FF297051D31}"/>
+                  </a:ext>
+                </a:extLst>
+              </p14:cNvPr>
+              <p14:cNvContentPartPr/>
+              <p14:nvPr/>
+            </p14:nvContentPartPr>
+            <p14:xfrm>
+              <a:off x="8174885" y="1432762"/>
+              <a:ext cx="360" cy="360"/>
+            </p14:xfrm>
+          </p:contentPart>
+        </mc:Choice>
+        <mc:Fallback>
+          <p:pic>
+            <p:nvPicPr>
+              <p:cNvPr id="17" name="Viết tay 16">
+                <a:extLst>
+                  <a:ext uri="{FF2B5EF4-FFF2-40B4-BE49-F238E27FC236}">
+                    <a16:creationId xmlns:a16="http://schemas.microsoft.com/office/drawing/2014/main" id="{019C4176-0127-F9D1-02B8-0FF297051D31}"/>
+                  </a:ext>
+                </a:extLst>
+              </p:cNvPr>
+              <p:cNvPicPr/>
+              <p:nvPr/>
+            </p:nvPicPr>
+            <p:blipFill>
+              <a:blip r:embed="rId13"/>
+              <a:stretch>
+                <a:fillRect/>
+              </a:stretch>
+            </p:blipFill>
+            <p:spPr>
+              <a:xfrm>
+                <a:off x="8165885" y="1423762"/>
+                <a:ext cx="18000" cy="18000"/>
+              </a:xfrm>
+              <a:prstGeom prst="rect">
+                <a:avLst/>
+              </a:prstGeom>
+            </p:spPr>
+          </p:pic>
+        </mc:Fallback>
+      </mc:AlternateContent>
+      <mc:AlternateContent xmlns:mc="http://schemas.openxmlformats.org/markup-compatibility/2006">
+        <mc:Choice xmlns:p14="http://schemas.microsoft.com/office/powerpoint/2010/main" Requires="p14">
+          <p:contentPart p14:bwMode="auto" r:id="rId24">
+            <p14:nvContentPartPr>
+              <p14:cNvPr id="18" name="Viết tay 17">
+                <a:extLst>
+                  <a:ext uri="{FF2B5EF4-FFF2-40B4-BE49-F238E27FC236}">
+                    <a16:creationId xmlns:a16="http://schemas.microsoft.com/office/drawing/2014/main" id="{87BE2710-482A-B087-73A5-4AFC1F26061F}"/>
+                  </a:ext>
+                </a:extLst>
+              </p14:cNvPr>
+              <p14:cNvContentPartPr/>
+              <p14:nvPr/>
+            </p14:nvContentPartPr>
+            <p14:xfrm>
+              <a:off x="8297645" y="1432762"/>
+              <a:ext cx="330120" cy="360"/>
+            </p14:xfrm>
+          </p:contentPart>
+        </mc:Choice>
+        <mc:Fallback>
+          <p:pic>
+            <p:nvPicPr>
+              <p:cNvPr id="18" name="Viết tay 17">
+                <a:extLst>
+                  <a:ext uri="{FF2B5EF4-FFF2-40B4-BE49-F238E27FC236}">
+                    <a16:creationId xmlns:a16="http://schemas.microsoft.com/office/drawing/2014/main" id="{87BE2710-482A-B087-73A5-4AFC1F26061F}"/>
+                  </a:ext>
+                </a:extLst>
+              </p:cNvPr>
+              <p:cNvPicPr/>
+              <p:nvPr/>
+            </p:nvPicPr>
+            <p:blipFill>
+              <a:blip r:embed="rId25"/>
+              <a:stretch>
+                <a:fillRect/>
+              </a:stretch>
+            </p:blipFill>
+            <p:spPr>
+              <a:xfrm>
+                <a:off x="8288645" y="1423762"/>
+                <a:ext cx="347760" cy="18000"/>
+              </a:xfrm>
+              <a:prstGeom prst="rect">
+                <a:avLst/>
+              </a:prstGeom>
+            </p:spPr>
+          </p:pic>
+        </mc:Fallback>
+      </mc:AlternateContent>
+      <mc:AlternateContent xmlns:mc="http://schemas.openxmlformats.org/markup-compatibility/2006">
+        <mc:Choice xmlns:p14="http://schemas.microsoft.com/office/powerpoint/2010/main" Requires="p14">
+          <p:contentPart p14:bwMode="auto" r:id="rId26">
+            <p14:nvContentPartPr>
+              <p14:cNvPr id="19" name="Viết tay 18">
+                <a:extLst>
+                  <a:ext uri="{FF2B5EF4-FFF2-40B4-BE49-F238E27FC236}">
+                    <a16:creationId xmlns:a16="http://schemas.microsoft.com/office/drawing/2014/main" id="{A70EDB1D-EC06-AFD6-426D-B6085F496391}"/>
+                  </a:ext>
+                </a:extLst>
+              </p14:cNvPr>
+              <p14:cNvContentPartPr/>
+              <p14:nvPr/>
+            </p14:nvContentPartPr>
+            <p14:xfrm>
+              <a:off x="8829725" y="1432762"/>
+              <a:ext cx="360" cy="360"/>
+            </p14:xfrm>
+          </p:contentPart>
+        </mc:Choice>
+        <mc:Fallback>
+          <p:pic>
+            <p:nvPicPr>
+              <p:cNvPr id="19" name="Viết tay 18">
+                <a:extLst>
+                  <a:ext uri="{FF2B5EF4-FFF2-40B4-BE49-F238E27FC236}">
+                    <a16:creationId xmlns:a16="http://schemas.microsoft.com/office/drawing/2014/main" id="{A70EDB1D-EC06-AFD6-426D-B6085F496391}"/>
+                  </a:ext>
+                </a:extLst>
+              </p:cNvPr>
+              <p:cNvPicPr/>
+              <p:nvPr/>
+            </p:nvPicPr>
+            <p:blipFill>
+              <a:blip r:embed="rId13"/>
+              <a:stretch>
+                <a:fillRect/>
+              </a:stretch>
+            </p:blipFill>
+            <p:spPr>
+              <a:xfrm>
+                <a:off x="8821085" y="1423762"/>
+                <a:ext cx="18000" cy="18000"/>
+              </a:xfrm>
+              <a:prstGeom prst="rect">
+                <a:avLst/>
+              </a:prstGeom>
+            </p:spPr>
+          </p:pic>
+        </mc:Fallback>
+      </mc:AlternateContent>
+      <mc:AlternateContent xmlns:mc="http://schemas.openxmlformats.org/markup-compatibility/2006">
+        <mc:Choice xmlns:p14="http://schemas.microsoft.com/office/powerpoint/2010/main" Requires="p14">
+          <p:contentPart p14:bwMode="auto" r:id="rId27">
+            <p14:nvContentPartPr>
+              <p14:cNvPr id="20" name="Viết tay 19">
+                <a:extLst>
+                  <a:ext uri="{FF2B5EF4-FFF2-40B4-BE49-F238E27FC236}">
+                    <a16:creationId xmlns:a16="http://schemas.microsoft.com/office/drawing/2014/main" id="{310DE17A-45FD-3260-652A-A3CBED34D34E}"/>
+                  </a:ext>
+                </a:extLst>
+              </p14:cNvPr>
+              <p14:cNvContentPartPr/>
+              <p14:nvPr/>
+            </p14:nvContentPartPr>
+            <p14:xfrm>
+              <a:off x="9375485" y="1432762"/>
+              <a:ext cx="360" cy="360"/>
+            </p14:xfrm>
+          </p:contentPart>
+        </mc:Choice>
+        <mc:Fallback>
+          <p:pic>
+            <p:nvPicPr>
+              <p:cNvPr id="20" name="Viết tay 19">
+                <a:extLst>
+                  <a:ext uri="{FF2B5EF4-FFF2-40B4-BE49-F238E27FC236}">
+                    <a16:creationId xmlns:a16="http://schemas.microsoft.com/office/drawing/2014/main" id="{310DE17A-45FD-3260-652A-A3CBED34D34E}"/>
+                  </a:ext>
+                </a:extLst>
+              </p:cNvPr>
+              <p:cNvPicPr/>
+              <p:nvPr/>
+            </p:nvPicPr>
+            <p:blipFill>
+              <a:blip r:embed="rId13"/>
+              <a:stretch>
+                <a:fillRect/>
+              </a:stretch>
+            </p:blipFill>
+            <p:spPr>
+              <a:xfrm>
+                <a:off x="9366845" y="1423762"/>
+                <a:ext cx="18000" cy="18000"/>
+              </a:xfrm>
+              <a:prstGeom prst="rect">
+                <a:avLst/>
+              </a:prstGeom>
+            </p:spPr>
+          </p:pic>
+        </mc:Fallback>
+      </mc:AlternateContent>
+      <p:grpSp>
+        <p:nvGrpSpPr>
+          <p:cNvPr id="35" name="Nhóm 34">
+            <a:extLst>
+              <a:ext uri="{FF2B5EF4-FFF2-40B4-BE49-F238E27FC236}">
+                <a16:creationId xmlns:a16="http://schemas.microsoft.com/office/drawing/2014/main" id="{A6440303-BE5D-9DA7-FCE4-59E8BDE37431}"/>
+              </a:ext>
+            </a:extLst>
+          </p:cNvPr>
+          <p:cNvGrpSpPr/>
+          <p:nvPr/>
+        </p:nvGrpSpPr>
+        <p:grpSpPr>
+          <a:xfrm>
+            <a:off x="1623965" y="1827682"/>
+            <a:ext cx="2607480" cy="564120"/>
+            <a:chOff x="1623965" y="1827682"/>
+            <a:chExt cx="2607480" cy="564120"/>
+          </a:xfrm>
+        </p:grpSpPr>
+        <mc:AlternateContent xmlns:mc="http://schemas.openxmlformats.org/markup-compatibility/2006">
+          <mc:Choice xmlns:p14="http://schemas.microsoft.com/office/powerpoint/2010/main" Requires="p14">
+            <p:contentPart p14:bwMode="auto" r:id="rId28">
+              <p14:nvContentPartPr>
+                <p14:cNvPr id="21" name="Viết tay 20">
+                  <a:extLst>
+                    <a:ext uri="{FF2B5EF4-FFF2-40B4-BE49-F238E27FC236}">
+                      <a16:creationId xmlns:a16="http://schemas.microsoft.com/office/drawing/2014/main" id="{7BC00396-138D-49A8-C2F2-F9A464FCB7A2}"/>
+                    </a:ext>
+                  </a:extLst>
+                </p14:cNvPr>
+                <p14:cNvContentPartPr/>
+                <p14:nvPr/>
+              </p14:nvContentPartPr>
+              <p14:xfrm>
+                <a:off x="1623965" y="1827682"/>
+                <a:ext cx="2562840" cy="29160"/>
+              </p14:xfrm>
+            </p:contentPart>
+          </mc:Choice>
+          <mc:Fallback>
+            <p:pic>
+              <p:nvPicPr>
+                <p:cNvPr id="21" name="Viết tay 20">
+                  <a:extLst>
+                    <a:ext uri="{FF2B5EF4-FFF2-40B4-BE49-F238E27FC236}">
+                      <a16:creationId xmlns:a16="http://schemas.microsoft.com/office/drawing/2014/main" id="{7BC00396-138D-49A8-C2F2-F9A464FCB7A2}"/>
+                    </a:ext>
+                  </a:extLst>
+                </p:cNvPr>
+                <p:cNvPicPr/>
+                <p:nvPr/>
+              </p:nvPicPr>
+              <p:blipFill>
+                <a:blip r:embed="rId29"/>
+                <a:stretch>
+                  <a:fillRect/>
+                </a:stretch>
+              </p:blipFill>
+              <p:spPr>
+                <a:xfrm>
+                  <a:off x="1614965" y="1819042"/>
+                  <a:ext cx="2580480" cy="46800"/>
+                </a:xfrm>
+                <a:prstGeom prst="rect">
+                  <a:avLst/>
+                </a:prstGeom>
+              </p:spPr>
+            </p:pic>
+          </mc:Fallback>
+        </mc:AlternateContent>
+        <mc:AlternateContent xmlns:mc="http://schemas.openxmlformats.org/markup-compatibility/2006">
+          <mc:Choice xmlns:p14="http://schemas.microsoft.com/office/powerpoint/2010/main" Requires="p14">
+            <p:contentPart p14:bwMode="auto" r:id="rId30">
+              <p14:nvContentPartPr>
+                <p14:cNvPr id="24" name="Viết tay 23">
+                  <a:extLst>
+                    <a:ext uri="{FF2B5EF4-FFF2-40B4-BE49-F238E27FC236}">
+                      <a16:creationId xmlns:a16="http://schemas.microsoft.com/office/drawing/2014/main" id="{1DB49495-E9C7-0EE1-AF40-82AD24672E28}"/>
+                    </a:ext>
+                  </a:extLst>
+                </p14:cNvPr>
+                <p14:cNvContentPartPr/>
+                <p14:nvPr/>
+              </p14:nvContentPartPr>
+              <p14:xfrm>
+                <a:off x="1664645" y="1951162"/>
+                <a:ext cx="2566800" cy="440640"/>
+              </p14:xfrm>
+            </p:contentPart>
+          </mc:Choice>
+          <mc:Fallback>
+            <p:pic>
+              <p:nvPicPr>
+                <p:cNvPr id="24" name="Viết tay 23">
+                  <a:extLst>
+                    <a:ext uri="{FF2B5EF4-FFF2-40B4-BE49-F238E27FC236}">
+                      <a16:creationId xmlns:a16="http://schemas.microsoft.com/office/drawing/2014/main" id="{1DB49495-E9C7-0EE1-AF40-82AD24672E28}"/>
+                    </a:ext>
+                  </a:extLst>
+                </p:cNvPr>
+                <p:cNvPicPr/>
+                <p:nvPr/>
+              </p:nvPicPr>
+              <p:blipFill>
+                <a:blip r:embed="rId31"/>
+                <a:stretch>
+                  <a:fillRect/>
+                </a:stretch>
+              </p:blipFill>
+              <p:spPr>
+                <a:xfrm>
+                  <a:off x="1655645" y="1942162"/>
+                  <a:ext cx="2584440" cy="458280"/>
+                </a:xfrm>
+                <a:prstGeom prst="rect">
+                  <a:avLst/>
+                </a:prstGeom>
+              </p:spPr>
+            </p:pic>
+          </mc:Fallback>
+        </mc:AlternateContent>
+        <mc:AlternateContent xmlns:mc="http://schemas.openxmlformats.org/markup-compatibility/2006">
+          <mc:Choice xmlns:p14="http://schemas.microsoft.com/office/powerpoint/2010/main" Requires="p14">
+            <p:contentPart p14:bwMode="auto" r:id="rId32">
+              <p14:nvContentPartPr>
+                <p14:cNvPr id="25" name="Viết tay 24">
+                  <a:extLst>
+                    <a:ext uri="{FF2B5EF4-FFF2-40B4-BE49-F238E27FC236}">
+                      <a16:creationId xmlns:a16="http://schemas.microsoft.com/office/drawing/2014/main" id="{0B9D75B7-0D4E-138E-53F1-B8798C45C6C2}"/>
+                    </a:ext>
+                  </a:extLst>
+                </p14:cNvPr>
+                <p14:cNvContentPartPr/>
+                <p14:nvPr/>
+              </p14:nvContentPartPr>
+              <p14:xfrm>
+                <a:off x="4173845" y="1986442"/>
+                <a:ext cx="15840" cy="373680"/>
+              </p14:xfrm>
+            </p:contentPart>
+          </mc:Choice>
+          <mc:Fallback>
+            <p:pic>
+              <p:nvPicPr>
+                <p:cNvPr id="25" name="Viết tay 24">
+                  <a:extLst>
+                    <a:ext uri="{FF2B5EF4-FFF2-40B4-BE49-F238E27FC236}">
+                      <a16:creationId xmlns:a16="http://schemas.microsoft.com/office/drawing/2014/main" id="{0B9D75B7-0D4E-138E-53F1-B8798C45C6C2}"/>
+                    </a:ext>
+                  </a:extLst>
+                </p:cNvPr>
+                <p:cNvPicPr/>
+                <p:nvPr/>
+              </p:nvPicPr>
+              <p:blipFill>
+                <a:blip r:embed="rId33"/>
+                <a:stretch>
+                  <a:fillRect/>
+                </a:stretch>
+              </p:blipFill>
+              <p:spPr>
+                <a:xfrm>
+                  <a:off x="4165205" y="1977442"/>
+                  <a:ext cx="33480" cy="391320"/>
+                </a:xfrm>
+                <a:prstGeom prst="rect">
+                  <a:avLst/>
+                </a:prstGeom>
+              </p:spPr>
+            </p:pic>
+          </mc:Fallback>
+        </mc:AlternateContent>
+        <mc:AlternateContent xmlns:mc="http://schemas.openxmlformats.org/markup-compatibility/2006">
+          <mc:Choice xmlns:p14="http://schemas.microsoft.com/office/powerpoint/2010/main" Requires="p14">
+            <p:contentPart p14:bwMode="auto" r:id="rId34">
+              <p14:nvContentPartPr>
+                <p14:cNvPr id="27" name="Viết tay 26">
+                  <a:extLst>
+                    <a:ext uri="{FF2B5EF4-FFF2-40B4-BE49-F238E27FC236}">
+                      <a16:creationId xmlns:a16="http://schemas.microsoft.com/office/drawing/2014/main" id="{6E00D636-1F9A-462C-2187-40ABE1A0569F}"/>
+                    </a:ext>
+                  </a:extLst>
+                </p14:cNvPr>
+                <p14:cNvContentPartPr/>
+                <p14:nvPr/>
+              </p14:nvContentPartPr>
+              <p14:xfrm>
+                <a:off x="1869485" y="2033242"/>
+                <a:ext cx="360" cy="150840"/>
+              </p14:xfrm>
+            </p:contentPart>
+          </mc:Choice>
+          <mc:Fallback>
+            <p:pic>
+              <p:nvPicPr>
+                <p:cNvPr id="27" name="Viết tay 26">
+                  <a:extLst>
+                    <a:ext uri="{FF2B5EF4-FFF2-40B4-BE49-F238E27FC236}">
+                      <a16:creationId xmlns:a16="http://schemas.microsoft.com/office/drawing/2014/main" id="{6E00D636-1F9A-462C-2187-40ABE1A0569F}"/>
+                    </a:ext>
+                  </a:extLst>
+                </p:cNvPr>
+                <p:cNvPicPr/>
+                <p:nvPr/>
+              </p:nvPicPr>
+              <p:blipFill>
+                <a:blip r:embed="rId35"/>
+                <a:stretch>
+                  <a:fillRect/>
+                </a:stretch>
+              </p:blipFill>
+              <p:spPr>
+                <a:xfrm>
+                  <a:off x="1860485" y="2024242"/>
+                  <a:ext cx="18000" cy="168480"/>
+                </a:xfrm>
+                <a:prstGeom prst="rect">
+                  <a:avLst/>
+                </a:prstGeom>
+              </p:spPr>
+            </p:pic>
+          </mc:Fallback>
+        </mc:AlternateContent>
+        <mc:AlternateContent xmlns:mc="http://schemas.openxmlformats.org/markup-compatibility/2006">
+          <mc:Choice xmlns:p14="http://schemas.microsoft.com/office/powerpoint/2010/main" Requires="p14">
+            <p:contentPart p14:bwMode="auto" r:id="rId36">
+              <p14:nvContentPartPr>
+                <p14:cNvPr id="28" name="Viết tay 27">
+                  <a:extLst>
+                    <a:ext uri="{FF2B5EF4-FFF2-40B4-BE49-F238E27FC236}">
+                      <a16:creationId xmlns:a16="http://schemas.microsoft.com/office/drawing/2014/main" id="{4327CBFB-DD15-20C3-E640-2D0D4AE57776}"/>
+                    </a:ext>
+                  </a:extLst>
+                </p14:cNvPr>
+                <p14:cNvContentPartPr/>
+                <p14:nvPr/>
+              </p14:nvContentPartPr>
+              <p14:xfrm>
+                <a:off x="1801445" y="2005162"/>
+                <a:ext cx="157680" cy="14760"/>
+              </p14:xfrm>
+            </p:contentPart>
+          </mc:Choice>
+          <mc:Fallback>
+            <p:pic>
+              <p:nvPicPr>
+                <p:cNvPr id="28" name="Viết tay 27">
+                  <a:extLst>
+                    <a:ext uri="{FF2B5EF4-FFF2-40B4-BE49-F238E27FC236}">
+                      <a16:creationId xmlns:a16="http://schemas.microsoft.com/office/drawing/2014/main" id="{4327CBFB-DD15-20C3-E640-2D0D4AE57776}"/>
+                    </a:ext>
+                  </a:extLst>
+                </p:cNvPr>
+                <p:cNvPicPr/>
+                <p:nvPr/>
+              </p:nvPicPr>
+              <p:blipFill>
+                <a:blip r:embed="rId37"/>
+                <a:stretch>
+                  <a:fillRect/>
+                </a:stretch>
+              </p:blipFill>
+              <p:spPr>
+                <a:xfrm>
+                  <a:off x="1792445" y="1996162"/>
+                  <a:ext cx="175320" cy="32400"/>
+                </a:xfrm>
+                <a:prstGeom prst="rect">
+                  <a:avLst/>
+                </a:prstGeom>
+              </p:spPr>
+            </p:pic>
+          </mc:Fallback>
+        </mc:AlternateContent>
+        <mc:AlternateContent xmlns:mc="http://schemas.openxmlformats.org/markup-compatibility/2006">
+          <mc:Choice xmlns:p14="http://schemas.microsoft.com/office/powerpoint/2010/main" Requires="p14">
+            <p:contentPart p14:bwMode="auto" r:id="rId38">
+              <p14:nvContentPartPr>
+                <p14:cNvPr id="29" name="Viết tay 28">
+                  <a:extLst>
+                    <a:ext uri="{FF2B5EF4-FFF2-40B4-BE49-F238E27FC236}">
+                      <a16:creationId xmlns:a16="http://schemas.microsoft.com/office/drawing/2014/main" id="{8E00D083-1FF9-E837-D88F-8318F02A38C1}"/>
+                    </a:ext>
+                  </a:extLst>
+                </p14:cNvPr>
+                <p14:cNvContentPartPr/>
+                <p14:nvPr/>
+              </p14:nvContentPartPr>
+              <p14:xfrm>
+                <a:off x="1992245" y="2102002"/>
+                <a:ext cx="408960" cy="140040"/>
+              </p14:xfrm>
+            </p:contentPart>
+          </mc:Choice>
+          <mc:Fallback>
+            <p:pic>
+              <p:nvPicPr>
+                <p:cNvPr id="29" name="Viết tay 28">
+                  <a:extLst>
+                    <a:ext uri="{FF2B5EF4-FFF2-40B4-BE49-F238E27FC236}">
+                      <a16:creationId xmlns:a16="http://schemas.microsoft.com/office/drawing/2014/main" id="{8E00D083-1FF9-E837-D88F-8318F02A38C1}"/>
+                    </a:ext>
+                  </a:extLst>
+                </p:cNvPr>
+                <p:cNvPicPr/>
+                <p:nvPr/>
+              </p:nvPicPr>
+              <p:blipFill>
+                <a:blip r:embed="rId39"/>
+                <a:stretch>
+                  <a:fillRect/>
+                </a:stretch>
+              </p:blipFill>
+              <p:spPr>
+                <a:xfrm>
+                  <a:off x="1983245" y="2093362"/>
+                  <a:ext cx="426600" cy="157680"/>
+                </a:xfrm>
+                <a:prstGeom prst="rect">
+                  <a:avLst/>
+                </a:prstGeom>
+              </p:spPr>
+            </p:pic>
+          </mc:Fallback>
+        </mc:AlternateContent>
+        <mc:AlternateContent xmlns:mc="http://schemas.openxmlformats.org/markup-compatibility/2006">
+          <mc:Choice xmlns:p14="http://schemas.microsoft.com/office/powerpoint/2010/main" Requires="p14">
+            <p:contentPart p14:bwMode="auto" r:id="rId40">
+              <p14:nvContentPartPr>
+                <p14:cNvPr id="30" name="Viết tay 29">
+                  <a:extLst>
+                    <a:ext uri="{FF2B5EF4-FFF2-40B4-BE49-F238E27FC236}">
+                      <a16:creationId xmlns:a16="http://schemas.microsoft.com/office/drawing/2014/main" id="{DBD1C14E-EAFD-F489-8B06-6018A715C86B}"/>
+                    </a:ext>
+                  </a:extLst>
+                </p14:cNvPr>
+                <p14:cNvContentPartPr/>
+                <p14:nvPr/>
+              </p14:nvContentPartPr>
+              <p14:xfrm>
+                <a:off x="2183045" y="2034322"/>
+                <a:ext cx="79200" cy="12600"/>
+              </p14:xfrm>
+            </p:contentPart>
+          </mc:Choice>
+          <mc:Fallback>
+            <p:pic>
+              <p:nvPicPr>
+                <p:cNvPr id="30" name="Viết tay 29">
+                  <a:extLst>
+                    <a:ext uri="{FF2B5EF4-FFF2-40B4-BE49-F238E27FC236}">
+                      <a16:creationId xmlns:a16="http://schemas.microsoft.com/office/drawing/2014/main" id="{DBD1C14E-EAFD-F489-8B06-6018A715C86B}"/>
+                    </a:ext>
+                  </a:extLst>
+                </p:cNvPr>
+                <p:cNvPicPr/>
+                <p:nvPr/>
+              </p:nvPicPr>
+              <p:blipFill>
+                <a:blip r:embed="rId41"/>
+                <a:stretch>
+                  <a:fillRect/>
+                </a:stretch>
+              </p:blipFill>
+              <p:spPr>
+                <a:xfrm>
+                  <a:off x="2174045" y="2025322"/>
+                  <a:ext cx="96840" cy="30240"/>
+                </a:xfrm>
+                <a:prstGeom prst="rect">
+                  <a:avLst/>
+                </a:prstGeom>
+              </p:spPr>
+            </p:pic>
+          </mc:Fallback>
+        </mc:AlternateContent>
+        <mc:AlternateContent xmlns:mc="http://schemas.openxmlformats.org/markup-compatibility/2006">
+          <mc:Choice xmlns:p14="http://schemas.microsoft.com/office/powerpoint/2010/main" Requires="p14">
+            <p:contentPart p14:bwMode="auto" r:id="rId42">
+              <p14:nvContentPartPr>
+                <p14:cNvPr id="31" name="Viết tay 30">
+                  <a:extLst>
+                    <a:ext uri="{FF2B5EF4-FFF2-40B4-BE49-F238E27FC236}">
+                      <a16:creationId xmlns:a16="http://schemas.microsoft.com/office/drawing/2014/main" id="{EBE914DE-57C0-3EE5-2D6B-454738AA6B76}"/>
+                    </a:ext>
+                  </a:extLst>
+                </p14:cNvPr>
+                <p14:cNvContentPartPr/>
+                <p14:nvPr/>
+              </p14:nvContentPartPr>
+              <p14:xfrm>
+                <a:off x="2653205" y="2054482"/>
+                <a:ext cx="131400" cy="199800"/>
+              </p14:xfrm>
+            </p:contentPart>
+          </mc:Choice>
+          <mc:Fallback>
+            <p:pic>
+              <p:nvPicPr>
+                <p:cNvPr id="31" name="Viết tay 30">
+                  <a:extLst>
+                    <a:ext uri="{FF2B5EF4-FFF2-40B4-BE49-F238E27FC236}">
+                      <a16:creationId xmlns:a16="http://schemas.microsoft.com/office/drawing/2014/main" id="{EBE914DE-57C0-3EE5-2D6B-454738AA6B76}"/>
+                    </a:ext>
+                  </a:extLst>
+                </p:cNvPr>
+                <p:cNvPicPr/>
+                <p:nvPr/>
+              </p:nvPicPr>
+              <p:blipFill>
+                <a:blip r:embed="rId43"/>
+                <a:stretch>
+                  <a:fillRect/>
+                </a:stretch>
+              </p:blipFill>
+              <p:spPr>
+                <a:xfrm>
+                  <a:off x="2644565" y="2045842"/>
+                  <a:ext cx="149040" cy="217440"/>
+                </a:xfrm>
+                <a:prstGeom prst="rect">
+                  <a:avLst/>
+                </a:prstGeom>
+              </p:spPr>
+            </p:pic>
+          </mc:Fallback>
+        </mc:AlternateContent>
+        <mc:AlternateContent xmlns:mc="http://schemas.openxmlformats.org/markup-compatibility/2006">
+          <mc:Choice xmlns:p14="http://schemas.microsoft.com/office/powerpoint/2010/main" Requires="p14">
+            <p:contentPart p14:bwMode="auto" r:id="rId44">
+              <p14:nvContentPartPr>
+                <p14:cNvPr id="32" name="Viết tay 31">
+                  <a:extLst>
+                    <a:ext uri="{FF2B5EF4-FFF2-40B4-BE49-F238E27FC236}">
+                      <a16:creationId xmlns:a16="http://schemas.microsoft.com/office/drawing/2014/main" id="{8976A720-672C-8B89-C10B-ACCD1B7CCE52}"/>
+                    </a:ext>
+                  </a:extLst>
+                </p14:cNvPr>
+                <p14:cNvContentPartPr/>
+                <p14:nvPr/>
+              </p14:nvContentPartPr>
+              <p14:xfrm>
+                <a:off x="2838965" y="2098402"/>
+                <a:ext cx="157680" cy="129960"/>
+              </p14:xfrm>
+            </p:contentPart>
+          </mc:Choice>
+          <mc:Fallback>
+            <p:pic>
+              <p:nvPicPr>
+                <p:cNvPr id="32" name="Viết tay 31">
+                  <a:extLst>
+                    <a:ext uri="{FF2B5EF4-FFF2-40B4-BE49-F238E27FC236}">
+                      <a16:creationId xmlns:a16="http://schemas.microsoft.com/office/drawing/2014/main" id="{8976A720-672C-8B89-C10B-ACCD1B7CCE52}"/>
+                    </a:ext>
+                  </a:extLst>
+                </p:cNvPr>
+                <p:cNvPicPr/>
+                <p:nvPr/>
+              </p:nvPicPr>
+              <p:blipFill>
+                <a:blip r:embed="rId45"/>
+                <a:stretch>
+                  <a:fillRect/>
+                </a:stretch>
+              </p:blipFill>
+              <p:spPr>
+                <a:xfrm>
+                  <a:off x="2829965" y="2089402"/>
+                  <a:ext cx="175320" cy="147600"/>
+                </a:xfrm>
+                <a:prstGeom prst="rect">
+                  <a:avLst/>
+                </a:prstGeom>
+              </p:spPr>
+            </p:pic>
+          </mc:Fallback>
+        </mc:AlternateContent>
+        <mc:AlternateContent xmlns:mc="http://schemas.openxmlformats.org/markup-compatibility/2006">
+          <mc:Choice xmlns:p14="http://schemas.microsoft.com/office/powerpoint/2010/main" Requires="p14">
+            <p:contentPart p14:bwMode="auto" r:id="rId46">
+              <p14:nvContentPartPr>
+                <p14:cNvPr id="33" name="Viết tay 32">
+                  <a:extLst>
+                    <a:ext uri="{FF2B5EF4-FFF2-40B4-BE49-F238E27FC236}">
+                      <a16:creationId xmlns:a16="http://schemas.microsoft.com/office/drawing/2014/main" id="{DAB225B8-8EA5-36C8-FD5C-7464A6F2C566}"/>
+                    </a:ext>
+                  </a:extLst>
+                </p14:cNvPr>
+                <p14:cNvContentPartPr/>
+                <p14:nvPr/>
+              </p14:nvContentPartPr>
+              <p14:xfrm>
+                <a:off x="3137045" y="1955482"/>
+                <a:ext cx="390600" cy="272160"/>
+              </p14:xfrm>
+            </p:contentPart>
+          </mc:Choice>
+          <mc:Fallback>
+            <p:pic>
+              <p:nvPicPr>
+                <p:cNvPr id="33" name="Viết tay 32">
+                  <a:extLst>
+                    <a:ext uri="{FF2B5EF4-FFF2-40B4-BE49-F238E27FC236}">
+                      <a16:creationId xmlns:a16="http://schemas.microsoft.com/office/drawing/2014/main" id="{DAB225B8-8EA5-36C8-FD5C-7464A6F2C566}"/>
+                    </a:ext>
+                  </a:extLst>
+                </p:cNvPr>
+                <p:cNvPicPr/>
+                <p:nvPr/>
+              </p:nvPicPr>
+              <p:blipFill>
+                <a:blip r:embed="rId47"/>
+                <a:stretch>
+                  <a:fillRect/>
+                </a:stretch>
+              </p:blipFill>
+              <p:spPr>
+                <a:xfrm>
+                  <a:off x="3128045" y="1946482"/>
+                  <a:ext cx="408240" cy="289800"/>
+                </a:xfrm>
+                <a:prstGeom prst="rect">
+                  <a:avLst/>
+                </a:prstGeom>
+              </p:spPr>
+            </p:pic>
+          </mc:Fallback>
+        </mc:AlternateContent>
+        <mc:AlternateContent xmlns:mc="http://schemas.openxmlformats.org/markup-compatibility/2006">
+          <mc:Choice xmlns:p14="http://schemas.microsoft.com/office/powerpoint/2010/main" Requires="p14">
+            <p:contentPart p14:bwMode="auto" r:id="rId48">
+              <p14:nvContentPartPr>
+                <p14:cNvPr id="34" name="Viết tay 33">
+                  <a:extLst>
+                    <a:ext uri="{FF2B5EF4-FFF2-40B4-BE49-F238E27FC236}">
+                      <a16:creationId xmlns:a16="http://schemas.microsoft.com/office/drawing/2014/main" id="{0A439F78-44BC-7471-9BF5-D138E68EDBE1}"/>
+                    </a:ext>
+                  </a:extLst>
+                </p14:cNvPr>
+                <p14:cNvContentPartPr/>
+                <p14:nvPr/>
+              </p14:nvContentPartPr>
+              <p14:xfrm>
+                <a:off x="2988725" y="1920562"/>
+                <a:ext cx="46800" cy="57960"/>
+              </p14:xfrm>
+            </p:contentPart>
+          </mc:Choice>
+          <mc:Fallback>
+            <p:pic>
+              <p:nvPicPr>
+                <p:cNvPr id="34" name="Viết tay 33">
+                  <a:extLst>
+                    <a:ext uri="{FF2B5EF4-FFF2-40B4-BE49-F238E27FC236}">
+                      <a16:creationId xmlns:a16="http://schemas.microsoft.com/office/drawing/2014/main" id="{0A439F78-44BC-7471-9BF5-D138E68EDBE1}"/>
+                    </a:ext>
+                  </a:extLst>
+                </p:cNvPr>
+                <p:cNvPicPr/>
+                <p:nvPr/>
+              </p:nvPicPr>
+              <p:blipFill>
+                <a:blip r:embed="rId49"/>
+                <a:stretch>
+                  <a:fillRect/>
+                </a:stretch>
+              </p:blipFill>
+              <p:spPr>
+                <a:xfrm>
+                  <a:off x="2979725" y="1911922"/>
+                  <a:ext cx="64440" cy="75600"/>
+                </a:xfrm>
+                <a:prstGeom prst="rect">
+                  <a:avLst/>
+                </a:prstGeom>
+              </p:spPr>
+            </p:pic>
+          </mc:Fallback>
+        </mc:AlternateContent>
+      </p:grpSp>
+      <p:grpSp>
+        <p:nvGrpSpPr>
+          <p:cNvPr id="69" name="Nhóm 68">
+            <a:extLst>
+              <a:ext uri="{FF2B5EF4-FFF2-40B4-BE49-F238E27FC236}">
+                <a16:creationId xmlns:a16="http://schemas.microsoft.com/office/drawing/2014/main" id="{0D18F80E-D3FD-D51D-2D13-E4F14AC2023E}"/>
+              </a:ext>
+            </a:extLst>
+          </p:cNvPr>
+          <p:cNvGrpSpPr/>
+          <p:nvPr/>
+        </p:nvGrpSpPr>
+        <p:grpSpPr>
+          <a:xfrm>
+            <a:off x="1746725" y="2576842"/>
+            <a:ext cx="6932160" cy="2910240"/>
+            <a:chOff x="1746725" y="2576842"/>
+            <a:chExt cx="6932160" cy="2910240"/>
+          </a:xfrm>
+        </p:grpSpPr>
+        <mc:AlternateContent xmlns:mc="http://schemas.openxmlformats.org/markup-compatibility/2006">
+          <mc:Choice xmlns:p14="http://schemas.microsoft.com/office/powerpoint/2010/main" Requires="p14">
+            <p:contentPart p14:bwMode="auto" r:id="rId50">
+              <p14:nvContentPartPr>
+                <p14:cNvPr id="36" name="Viết tay 35">
+                  <a:extLst>
+                    <a:ext uri="{FF2B5EF4-FFF2-40B4-BE49-F238E27FC236}">
+                      <a16:creationId xmlns:a16="http://schemas.microsoft.com/office/drawing/2014/main" id="{1E0C31F8-4F99-9E42-E6AB-17A319456E75}"/>
+                    </a:ext>
+                  </a:extLst>
+                </p14:cNvPr>
+                <p14:cNvContentPartPr/>
+                <p14:nvPr/>
+              </p14:nvContentPartPr>
+              <p14:xfrm>
+                <a:off x="1746725" y="2576842"/>
+                <a:ext cx="1883880" cy="70920"/>
+              </p14:xfrm>
+            </p:contentPart>
+          </mc:Choice>
+          <mc:Fallback>
+            <p:pic>
+              <p:nvPicPr>
+                <p:cNvPr id="36" name="Viết tay 35">
+                  <a:extLst>
+                    <a:ext uri="{FF2B5EF4-FFF2-40B4-BE49-F238E27FC236}">
+                      <a16:creationId xmlns:a16="http://schemas.microsoft.com/office/drawing/2014/main" id="{1E0C31F8-4F99-9E42-E6AB-17A319456E75}"/>
+                    </a:ext>
+                  </a:extLst>
+                </p:cNvPr>
+                <p:cNvPicPr/>
+                <p:nvPr/>
+              </p:nvPicPr>
+              <p:blipFill>
+                <a:blip r:embed="rId51"/>
+                <a:stretch>
+                  <a:fillRect/>
+                </a:stretch>
+              </p:blipFill>
+              <p:spPr>
+                <a:xfrm>
+                  <a:off x="1737725" y="2568202"/>
+                  <a:ext cx="1901520" cy="88560"/>
+                </a:xfrm>
+                <a:prstGeom prst="rect">
+                  <a:avLst/>
+                </a:prstGeom>
+              </p:spPr>
+            </p:pic>
+          </mc:Fallback>
+        </mc:AlternateContent>
+        <mc:AlternateContent xmlns:mc="http://schemas.openxmlformats.org/markup-compatibility/2006">
+          <mc:Choice xmlns:p14="http://schemas.microsoft.com/office/powerpoint/2010/main" Requires="p14">
+            <p:contentPart p14:bwMode="auto" r:id="rId52">
+              <p14:nvContentPartPr>
+                <p14:cNvPr id="37" name="Viết tay 36">
+                  <a:extLst>
+                    <a:ext uri="{FF2B5EF4-FFF2-40B4-BE49-F238E27FC236}">
+                      <a16:creationId xmlns:a16="http://schemas.microsoft.com/office/drawing/2014/main" id="{907C5805-BA79-FEC5-A6BD-F4C1D0E5D344}"/>
+                    </a:ext>
+                  </a:extLst>
+                </p14:cNvPr>
+                <p14:cNvContentPartPr/>
+                <p14:nvPr/>
+              </p14:nvContentPartPr>
+              <p14:xfrm>
+                <a:off x="1760045" y="2674762"/>
+                <a:ext cx="1980000" cy="2120400"/>
+              </p14:xfrm>
+            </p:contentPart>
+          </mc:Choice>
+          <mc:Fallback>
+            <p:pic>
+              <p:nvPicPr>
+                <p:cNvPr id="37" name="Viết tay 36">
+                  <a:extLst>
+                    <a:ext uri="{FF2B5EF4-FFF2-40B4-BE49-F238E27FC236}">
+                      <a16:creationId xmlns:a16="http://schemas.microsoft.com/office/drawing/2014/main" id="{907C5805-BA79-FEC5-A6BD-F4C1D0E5D344}"/>
+                    </a:ext>
+                  </a:extLst>
+                </p:cNvPr>
+                <p:cNvPicPr/>
+                <p:nvPr/>
+              </p:nvPicPr>
+              <p:blipFill>
+                <a:blip r:embed="rId53"/>
+                <a:stretch>
+                  <a:fillRect/>
+                </a:stretch>
+              </p:blipFill>
+              <p:spPr>
+                <a:xfrm>
+                  <a:off x="1751045" y="2666122"/>
+                  <a:ext cx="1997640" cy="2138040"/>
+                </a:xfrm>
+                <a:prstGeom prst="rect">
+                  <a:avLst/>
+                </a:prstGeom>
+              </p:spPr>
+            </p:pic>
+          </mc:Fallback>
+        </mc:AlternateContent>
+        <mc:AlternateContent xmlns:mc="http://schemas.openxmlformats.org/markup-compatibility/2006">
+          <mc:Choice xmlns:p14="http://schemas.microsoft.com/office/powerpoint/2010/main" Requires="p14">
+            <p:contentPart p14:bwMode="auto" r:id="rId54">
+              <p14:nvContentPartPr>
+                <p14:cNvPr id="38" name="Viết tay 37">
+                  <a:extLst>
+                    <a:ext uri="{FF2B5EF4-FFF2-40B4-BE49-F238E27FC236}">
+                      <a16:creationId xmlns:a16="http://schemas.microsoft.com/office/drawing/2014/main" id="{B0DBBAEC-A977-BEEA-FEC0-7B698C34F7DE}"/>
+                    </a:ext>
+                  </a:extLst>
+                </p14:cNvPr>
+                <p14:cNvContentPartPr/>
+                <p14:nvPr/>
+              </p14:nvContentPartPr>
+              <p14:xfrm>
+                <a:off x="3697205" y="2606002"/>
+                <a:ext cx="42840" cy="2046960"/>
+              </p14:xfrm>
+            </p:contentPart>
+          </mc:Choice>
+          <mc:Fallback>
+            <p:pic>
+              <p:nvPicPr>
+                <p:cNvPr id="38" name="Viết tay 37">
+                  <a:extLst>
+                    <a:ext uri="{FF2B5EF4-FFF2-40B4-BE49-F238E27FC236}">
+                      <a16:creationId xmlns:a16="http://schemas.microsoft.com/office/drawing/2014/main" id="{B0DBBAEC-A977-BEEA-FEC0-7B698C34F7DE}"/>
+                    </a:ext>
+                  </a:extLst>
+                </p:cNvPr>
+                <p:cNvPicPr/>
+                <p:nvPr/>
+              </p:nvPicPr>
+              <p:blipFill>
+                <a:blip r:embed="rId55"/>
+                <a:stretch>
+                  <a:fillRect/>
+                </a:stretch>
+              </p:blipFill>
+              <p:spPr>
+                <a:xfrm>
+                  <a:off x="3688565" y="2597362"/>
+                  <a:ext cx="60480" cy="2064600"/>
+                </a:xfrm>
+                <a:prstGeom prst="rect">
+                  <a:avLst/>
+                </a:prstGeom>
+              </p:spPr>
+            </p:pic>
+          </mc:Fallback>
+        </mc:AlternateContent>
+        <mc:AlternateContent xmlns:mc="http://schemas.openxmlformats.org/markup-compatibility/2006">
+          <mc:Choice xmlns:p14="http://schemas.microsoft.com/office/powerpoint/2010/main" Requires="p14">
+            <p:contentPart p14:bwMode="auto" r:id="rId56">
+              <p14:nvContentPartPr>
+                <p14:cNvPr id="40" name="Viết tay 39">
+                  <a:extLst>
+                    <a:ext uri="{FF2B5EF4-FFF2-40B4-BE49-F238E27FC236}">
+                      <a16:creationId xmlns:a16="http://schemas.microsoft.com/office/drawing/2014/main" id="{77F16D92-88B0-D7B0-670E-B577DFC79E2D}"/>
+                    </a:ext>
+                  </a:extLst>
+                </p14:cNvPr>
+                <p14:cNvContentPartPr/>
+                <p14:nvPr/>
+              </p14:nvContentPartPr>
+              <p14:xfrm>
+                <a:off x="4129925" y="2602402"/>
+                <a:ext cx="2356920" cy="108720"/>
+              </p14:xfrm>
+            </p:contentPart>
+          </mc:Choice>
+          <mc:Fallback>
+            <p:pic>
+              <p:nvPicPr>
+                <p:cNvPr id="40" name="Viết tay 39">
+                  <a:extLst>
+                    <a:ext uri="{FF2B5EF4-FFF2-40B4-BE49-F238E27FC236}">
+                      <a16:creationId xmlns:a16="http://schemas.microsoft.com/office/drawing/2014/main" id="{77F16D92-88B0-D7B0-670E-B577DFC79E2D}"/>
+                    </a:ext>
+                  </a:extLst>
+                </p:cNvPr>
+                <p:cNvPicPr/>
+                <p:nvPr/>
+              </p:nvPicPr>
+              <p:blipFill>
+                <a:blip r:embed="rId57"/>
+                <a:stretch>
+                  <a:fillRect/>
+                </a:stretch>
+              </p:blipFill>
+              <p:spPr>
+                <a:xfrm>
+                  <a:off x="4121285" y="2593402"/>
+                  <a:ext cx="2374560" cy="126360"/>
+                </a:xfrm>
+                <a:prstGeom prst="rect">
+                  <a:avLst/>
+                </a:prstGeom>
+              </p:spPr>
+            </p:pic>
+          </mc:Fallback>
+        </mc:AlternateContent>
+        <mc:AlternateContent xmlns:mc="http://schemas.openxmlformats.org/markup-compatibility/2006">
+          <mc:Choice xmlns:p14="http://schemas.microsoft.com/office/powerpoint/2010/main" Requires="p14">
+            <p:contentPart p14:bwMode="auto" r:id="rId58">
+              <p14:nvContentPartPr>
+                <p14:cNvPr id="41" name="Viết tay 40">
+                  <a:extLst>
+                    <a:ext uri="{FF2B5EF4-FFF2-40B4-BE49-F238E27FC236}">
+                      <a16:creationId xmlns:a16="http://schemas.microsoft.com/office/drawing/2014/main" id="{7CC4BE98-688F-13EE-60C4-124203D10E91}"/>
+                    </a:ext>
+                  </a:extLst>
+                </p14:cNvPr>
+                <p14:cNvContentPartPr/>
+                <p14:nvPr/>
+              </p14:nvContentPartPr>
+              <p14:xfrm>
+                <a:off x="4145405" y="2920282"/>
+                <a:ext cx="1936080" cy="57240"/>
+              </p14:xfrm>
+            </p:contentPart>
+          </mc:Choice>
+          <mc:Fallback>
+            <p:pic>
+              <p:nvPicPr>
+                <p:cNvPr id="41" name="Viết tay 40">
+                  <a:extLst>
+                    <a:ext uri="{FF2B5EF4-FFF2-40B4-BE49-F238E27FC236}">
+                      <a16:creationId xmlns:a16="http://schemas.microsoft.com/office/drawing/2014/main" id="{7CC4BE98-688F-13EE-60C4-124203D10E91}"/>
+                    </a:ext>
+                  </a:extLst>
+                </p:cNvPr>
+                <p:cNvPicPr/>
+                <p:nvPr/>
+              </p:nvPicPr>
+              <p:blipFill>
+                <a:blip r:embed="rId59"/>
+                <a:stretch>
+                  <a:fillRect/>
+                </a:stretch>
+              </p:blipFill>
+              <p:spPr>
+                <a:xfrm>
+                  <a:off x="4136405" y="2911642"/>
+                  <a:ext cx="1953720" cy="74880"/>
+                </a:xfrm>
+                <a:prstGeom prst="rect">
+                  <a:avLst/>
+                </a:prstGeom>
+              </p:spPr>
+            </p:pic>
+          </mc:Fallback>
+        </mc:AlternateContent>
+        <mc:AlternateContent xmlns:mc="http://schemas.openxmlformats.org/markup-compatibility/2006">
+          <mc:Choice xmlns:p14="http://schemas.microsoft.com/office/powerpoint/2010/main" Requires="p14">
+            <p:contentPart p14:bwMode="auto" r:id="rId60">
+              <p14:nvContentPartPr>
+                <p14:cNvPr id="42" name="Viết tay 41">
+                  <a:extLst>
+                    <a:ext uri="{FF2B5EF4-FFF2-40B4-BE49-F238E27FC236}">
+                      <a16:creationId xmlns:a16="http://schemas.microsoft.com/office/drawing/2014/main" id="{A2B486C5-7D2F-B207-15BD-763E45EDD519}"/>
+                    </a:ext>
+                  </a:extLst>
+                </p14:cNvPr>
+                <p14:cNvContentPartPr/>
+                <p14:nvPr/>
+              </p14:nvContentPartPr>
+              <p14:xfrm>
+                <a:off x="4262045" y="3152122"/>
+                <a:ext cx="1765440" cy="138600"/>
+              </p14:xfrm>
+            </p:contentPart>
+          </mc:Choice>
+          <mc:Fallback>
+            <p:pic>
+              <p:nvPicPr>
+                <p:cNvPr id="42" name="Viết tay 41">
+                  <a:extLst>
+                    <a:ext uri="{FF2B5EF4-FFF2-40B4-BE49-F238E27FC236}">
+                      <a16:creationId xmlns:a16="http://schemas.microsoft.com/office/drawing/2014/main" id="{A2B486C5-7D2F-B207-15BD-763E45EDD519}"/>
+                    </a:ext>
+                  </a:extLst>
+                </p:cNvPr>
+                <p:cNvPicPr/>
+                <p:nvPr/>
+              </p:nvPicPr>
+              <p:blipFill>
+                <a:blip r:embed="rId61"/>
+                <a:stretch>
+                  <a:fillRect/>
+                </a:stretch>
+              </p:blipFill>
+              <p:spPr>
+                <a:xfrm>
+                  <a:off x="4253045" y="3143122"/>
+                  <a:ext cx="1783080" cy="156240"/>
+                </a:xfrm>
+                <a:prstGeom prst="rect">
+                  <a:avLst/>
+                </a:prstGeom>
+              </p:spPr>
+            </p:pic>
+          </mc:Fallback>
+        </mc:AlternateContent>
+        <mc:AlternateContent xmlns:mc="http://schemas.openxmlformats.org/markup-compatibility/2006">
+          <mc:Choice xmlns:p14="http://schemas.microsoft.com/office/powerpoint/2010/main" Requires="p14">
+            <p:contentPart p14:bwMode="auto" r:id="rId62">
+              <p14:nvContentPartPr>
+                <p14:cNvPr id="43" name="Viết tay 42">
+                  <a:extLst>
+                    <a:ext uri="{FF2B5EF4-FFF2-40B4-BE49-F238E27FC236}">
+                      <a16:creationId xmlns:a16="http://schemas.microsoft.com/office/drawing/2014/main" id="{E54A8FCA-7A55-F827-74BD-E6B15DAA4A4D}"/>
+                    </a:ext>
+                  </a:extLst>
+                </p14:cNvPr>
+                <p14:cNvContentPartPr/>
+                <p14:nvPr/>
+              </p14:nvContentPartPr>
+              <p14:xfrm>
+                <a:off x="4139285" y="3351202"/>
+                <a:ext cx="1919520" cy="241920"/>
+              </p14:xfrm>
+            </p:contentPart>
+          </mc:Choice>
+          <mc:Fallback>
+            <p:pic>
+              <p:nvPicPr>
+                <p:cNvPr id="43" name="Viết tay 42">
+                  <a:extLst>
+                    <a:ext uri="{FF2B5EF4-FFF2-40B4-BE49-F238E27FC236}">
+                      <a16:creationId xmlns:a16="http://schemas.microsoft.com/office/drawing/2014/main" id="{E54A8FCA-7A55-F827-74BD-E6B15DAA4A4D}"/>
+                    </a:ext>
+                  </a:extLst>
+                </p:cNvPr>
+                <p:cNvPicPr/>
+                <p:nvPr/>
+              </p:nvPicPr>
+              <p:blipFill>
+                <a:blip r:embed="rId63"/>
+                <a:stretch>
+                  <a:fillRect/>
+                </a:stretch>
+              </p:blipFill>
+              <p:spPr>
+                <a:xfrm>
+                  <a:off x="4130285" y="3342202"/>
+                  <a:ext cx="1937160" cy="259560"/>
+                </a:xfrm>
+                <a:prstGeom prst="rect">
+                  <a:avLst/>
+                </a:prstGeom>
+              </p:spPr>
+            </p:pic>
+          </mc:Fallback>
+        </mc:AlternateContent>
+        <mc:AlternateContent xmlns:mc="http://schemas.openxmlformats.org/markup-compatibility/2006">
+          <mc:Choice xmlns:p14="http://schemas.microsoft.com/office/powerpoint/2010/main" Requires="p14">
+            <p:contentPart p14:bwMode="auto" r:id="rId64">
+              <p14:nvContentPartPr>
+                <p14:cNvPr id="45" name="Viết tay 44">
+                  <a:extLst>
+                    <a:ext uri="{FF2B5EF4-FFF2-40B4-BE49-F238E27FC236}">
+                      <a16:creationId xmlns:a16="http://schemas.microsoft.com/office/drawing/2014/main" id="{14479B2B-DA42-C7AA-64A2-2CE69C51A89D}"/>
+                    </a:ext>
+                  </a:extLst>
+                </p14:cNvPr>
+                <p14:cNvContentPartPr/>
+                <p14:nvPr/>
+              </p14:nvContentPartPr>
+              <p14:xfrm>
+                <a:off x="4304525" y="3752602"/>
+                <a:ext cx="1809360" cy="153000"/>
+              </p14:xfrm>
+            </p:contentPart>
+          </mc:Choice>
+          <mc:Fallback>
+            <p:pic>
+              <p:nvPicPr>
+                <p:cNvPr id="45" name="Viết tay 44">
+                  <a:extLst>
+                    <a:ext uri="{FF2B5EF4-FFF2-40B4-BE49-F238E27FC236}">
+                      <a16:creationId xmlns:a16="http://schemas.microsoft.com/office/drawing/2014/main" id="{14479B2B-DA42-C7AA-64A2-2CE69C51A89D}"/>
+                    </a:ext>
+                  </a:extLst>
+                </p:cNvPr>
+                <p:cNvPicPr/>
+                <p:nvPr/>
+              </p:nvPicPr>
+              <p:blipFill>
+                <a:blip r:embed="rId65"/>
+                <a:stretch>
+                  <a:fillRect/>
+                </a:stretch>
+              </p:blipFill>
+              <p:spPr>
+                <a:xfrm>
+                  <a:off x="4295525" y="3743962"/>
+                  <a:ext cx="1827000" cy="170640"/>
+                </a:xfrm>
+                <a:prstGeom prst="rect">
+                  <a:avLst/>
+                </a:prstGeom>
+              </p:spPr>
+            </p:pic>
+          </mc:Fallback>
+        </mc:AlternateContent>
+        <mc:AlternateContent xmlns:mc="http://schemas.openxmlformats.org/markup-compatibility/2006">
+          <mc:Choice xmlns:p14="http://schemas.microsoft.com/office/powerpoint/2010/main" Requires="p14">
+            <p:contentPart p14:bwMode="auto" r:id="rId66">
+              <p14:nvContentPartPr>
+                <p14:cNvPr id="47" name="Viết tay 46">
+                  <a:extLst>
+                    <a:ext uri="{FF2B5EF4-FFF2-40B4-BE49-F238E27FC236}">
+                      <a16:creationId xmlns:a16="http://schemas.microsoft.com/office/drawing/2014/main" id="{13E617CA-8B41-0510-400D-84F9850D2271}"/>
+                    </a:ext>
+                  </a:extLst>
+                </p14:cNvPr>
+                <p14:cNvContentPartPr/>
+                <p14:nvPr/>
+              </p14:nvContentPartPr>
+              <p14:xfrm>
+                <a:off x="4217045" y="4209802"/>
+                <a:ext cx="235080" cy="219960"/>
+              </p14:xfrm>
+            </p:contentPart>
+          </mc:Choice>
+          <mc:Fallback>
+            <p:pic>
+              <p:nvPicPr>
+                <p:cNvPr id="47" name="Viết tay 46">
+                  <a:extLst>
+                    <a:ext uri="{FF2B5EF4-FFF2-40B4-BE49-F238E27FC236}">
+                      <a16:creationId xmlns:a16="http://schemas.microsoft.com/office/drawing/2014/main" id="{13E617CA-8B41-0510-400D-84F9850D2271}"/>
+                    </a:ext>
+                  </a:extLst>
+                </p:cNvPr>
+                <p:cNvPicPr/>
+                <p:nvPr/>
+              </p:nvPicPr>
+              <p:blipFill>
+                <a:blip r:embed="rId67"/>
+                <a:stretch>
+                  <a:fillRect/>
+                </a:stretch>
+              </p:blipFill>
+              <p:spPr>
+                <a:xfrm>
+                  <a:off x="4208045" y="4201162"/>
+                  <a:ext cx="252720" cy="237600"/>
+                </a:xfrm>
+                <a:prstGeom prst="rect">
+                  <a:avLst/>
+                </a:prstGeom>
+              </p:spPr>
+            </p:pic>
+          </mc:Fallback>
+        </mc:AlternateContent>
+        <mc:AlternateContent xmlns:mc="http://schemas.openxmlformats.org/markup-compatibility/2006">
+          <mc:Choice xmlns:p14="http://schemas.microsoft.com/office/powerpoint/2010/main" Requires="p14">
+            <p:contentPart p14:bwMode="auto" r:id="rId68">
+              <p14:nvContentPartPr>
+                <p14:cNvPr id="48" name="Viết tay 47">
+                  <a:extLst>
+                    <a:ext uri="{FF2B5EF4-FFF2-40B4-BE49-F238E27FC236}">
+                      <a16:creationId xmlns:a16="http://schemas.microsoft.com/office/drawing/2014/main" id="{E3D3AC42-07F5-B29B-B394-21008A4A252B}"/>
+                    </a:ext>
+                  </a:extLst>
+                </p14:cNvPr>
+                <p14:cNvContentPartPr/>
+                <p14:nvPr/>
+              </p14:nvContentPartPr>
+              <p14:xfrm>
+                <a:off x="4544285" y="4163362"/>
+                <a:ext cx="245520" cy="433440"/>
+              </p14:xfrm>
+            </p:contentPart>
+          </mc:Choice>
+          <mc:Fallback>
+            <p:pic>
+              <p:nvPicPr>
+                <p:cNvPr id="48" name="Viết tay 47">
+                  <a:extLst>
+                    <a:ext uri="{FF2B5EF4-FFF2-40B4-BE49-F238E27FC236}">
+                      <a16:creationId xmlns:a16="http://schemas.microsoft.com/office/drawing/2014/main" id="{E3D3AC42-07F5-B29B-B394-21008A4A252B}"/>
+                    </a:ext>
+                  </a:extLst>
+                </p:cNvPr>
+                <p:cNvPicPr/>
+                <p:nvPr/>
+              </p:nvPicPr>
+              <p:blipFill>
+                <a:blip r:embed="rId69"/>
+                <a:stretch>
+                  <a:fillRect/>
+                </a:stretch>
+              </p:blipFill>
+              <p:spPr>
+                <a:xfrm>
+                  <a:off x="4535645" y="4154722"/>
+                  <a:ext cx="263160" cy="451080"/>
+                </a:xfrm>
+                <a:prstGeom prst="rect">
+                  <a:avLst/>
+                </a:prstGeom>
+              </p:spPr>
+            </p:pic>
+          </mc:Fallback>
+        </mc:AlternateContent>
+        <mc:AlternateContent xmlns:mc="http://schemas.openxmlformats.org/markup-compatibility/2006">
+          <mc:Choice xmlns:p14="http://schemas.microsoft.com/office/powerpoint/2010/main" Requires="p14">
+            <p:contentPart p14:bwMode="auto" r:id="rId70">
+              <p14:nvContentPartPr>
+                <p14:cNvPr id="49" name="Viết tay 48">
+                  <a:extLst>
+                    <a:ext uri="{FF2B5EF4-FFF2-40B4-BE49-F238E27FC236}">
+                      <a16:creationId xmlns:a16="http://schemas.microsoft.com/office/drawing/2014/main" id="{204F5917-6F8D-DA5A-5EE5-F418C92F577C}"/>
+                    </a:ext>
+                  </a:extLst>
+                </p14:cNvPr>
+                <p14:cNvContentPartPr/>
+                <p14:nvPr/>
+              </p14:nvContentPartPr>
+              <p14:xfrm>
+                <a:off x="4935965" y="4177762"/>
+                <a:ext cx="211680" cy="314280"/>
+              </p14:xfrm>
+            </p:contentPart>
+          </mc:Choice>
+          <mc:Fallback>
+            <p:pic>
+              <p:nvPicPr>
+                <p:cNvPr id="49" name="Viết tay 48">
+                  <a:extLst>
+                    <a:ext uri="{FF2B5EF4-FFF2-40B4-BE49-F238E27FC236}">
+                      <a16:creationId xmlns:a16="http://schemas.microsoft.com/office/drawing/2014/main" id="{204F5917-6F8D-DA5A-5EE5-F418C92F577C}"/>
+                    </a:ext>
+                  </a:extLst>
+                </p:cNvPr>
+                <p:cNvPicPr/>
+                <p:nvPr/>
+              </p:nvPicPr>
+              <p:blipFill>
+                <a:blip r:embed="rId71"/>
+                <a:stretch>
+                  <a:fillRect/>
+                </a:stretch>
+              </p:blipFill>
+              <p:spPr>
+                <a:xfrm>
+                  <a:off x="4927325" y="4168762"/>
+                  <a:ext cx="229320" cy="331920"/>
+                </a:xfrm>
+                <a:prstGeom prst="rect">
+                  <a:avLst/>
+                </a:prstGeom>
+              </p:spPr>
+            </p:pic>
+          </mc:Fallback>
+        </mc:AlternateContent>
+        <mc:AlternateContent xmlns:mc="http://schemas.openxmlformats.org/markup-compatibility/2006">
+          <mc:Choice xmlns:p14="http://schemas.microsoft.com/office/powerpoint/2010/main" Requires="p14">
+            <p:contentPart p14:bwMode="auto" r:id="rId72">
+              <p14:nvContentPartPr>
+                <p14:cNvPr id="50" name="Viết tay 49">
+                  <a:extLst>
+                    <a:ext uri="{FF2B5EF4-FFF2-40B4-BE49-F238E27FC236}">
+                      <a16:creationId xmlns:a16="http://schemas.microsoft.com/office/drawing/2014/main" id="{10101479-BB3F-99FA-74DD-249F69DBE8DF}"/>
+                    </a:ext>
+                  </a:extLst>
+                </p14:cNvPr>
+                <p14:cNvContentPartPr/>
+                <p14:nvPr/>
+              </p14:nvContentPartPr>
+              <p14:xfrm>
+                <a:off x="5335565" y="4394122"/>
+                <a:ext cx="360" cy="360"/>
+              </p14:xfrm>
+            </p:contentPart>
+          </mc:Choice>
+          <mc:Fallback>
+            <p:pic>
+              <p:nvPicPr>
+                <p:cNvPr id="50" name="Viết tay 49">
+                  <a:extLst>
+                    <a:ext uri="{FF2B5EF4-FFF2-40B4-BE49-F238E27FC236}">
+                      <a16:creationId xmlns:a16="http://schemas.microsoft.com/office/drawing/2014/main" id="{10101479-BB3F-99FA-74DD-249F69DBE8DF}"/>
+                    </a:ext>
+                  </a:extLst>
+                </p:cNvPr>
+                <p:cNvPicPr/>
+                <p:nvPr/>
+              </p:nvPicPr>
+              <p:blipFill>
+                <a:blip r:embed="rId13"/>
+                <a:stretch>
+                  <a:fillRect/>
+                </a:stretch>
+              </p:blipFill>
+              <p:spPr>
+                <a:xfrm>
+                  <a:off x="5326925" y="4385122"/>
+                  <a:ext cx="18000" cy="18000"/>
+                </a:xfrm>
+                <a:prstGeom prst="rect">
+                  <a:avLst/>
+                </a:prstGeom>
+              </p:spPr>
+            </p:pic>
+          </mc:Fallback>
+        </mc:AlternateContent>
+        <mc:AlternateContent xmlns:mc="http://schemas.openxmlformats.org/markup-compatibility/2006">
+          <mc:Choice xmlns:p14="http://schemas.microsoft.com/office/powerpoint/2010/main" Requires="p14">
+            <p:contentPart p14:bwMode="auto" r:id="rId73">
+              <p14:nvContentPartPr>
+                <p14:cNvPr id="51" name="Viết tay 50">
+                  <a:extLst>
+                    <a:ext uri="{FF2B5EF4-FFF2-40B4-BE49-F238E27FC236}">
+                      <a16:creationId xmlns:a16="http://schemas.microsoft.com/office/drawing/2014/main" id="{3F1B528B-56AE-DB3B-48BF-19948179B16E}"/>
+                    </a:ext>
+                  </a:extLst>
+                </p14:cNvPr>
+                <p14:cNvContentPartPr/>
+                <p14:nvPr/>
+              </p14:nvContentPartPr>
+              <p14:xfrm>
+                <a:off x="5495765" y="4077682"/>
+                <a:ext cx="675360" cy="361800"/>
+              </p14:xfrm>
+            </p:contentPart>
+          </mc:Choice>
+          <mc:Fallback>
+            <p:pic>
+              <p:nvPicPr>
+                <p:cNvPr id="51" name="Viết tay 50">
+                  <a:extLst>
+                    <a:ext uri="{FF2B5EF4-FFF2-40B4-BE49-F238E27FC236}">
+                      <a16:creationId xmlns:a16="http://schemas.microsoft.com/office/drawing/2014/main" id="{3F1B528B-56AE-DB3B-48BF-19948179B16E}"/>
+                    </a:ext>
+                  </a:extLst>
+                </p:cNvPr>
+                <p:cNvPicPr/>
+                <p:nvPr/>
+              </p:nvPicPr>
+              <p:blipFill>
+                <a:blip r:embed="rId74"/>
+                <a:stretch>
+                  <a:fillRect/>
+                </a:stretch>
+              </p:blipFill>
+              <p:spPr>
+                <a:xfrm>
+                  <a:off x="5487125" y="4068682"/>
+                  <a:ext cx="693000" cy="379440"/>
+                </a:xfrm>
+                <a:prstGeom prst="rect">
+                  <a:avLst/>
+                </a:prstGeom>
+              </p:spPr>
+            </p:pic>
+          </mc:Fallback>
+        </mc:AlternateContent>
+        <mc:AlternateContent xmlns:mc="http://schemas.openxmlformats.org/markup-compatibility/2006">
+          <mc:Choice xmlns:p14="http://schemas.microsoft.com/office/powerpoint/2010/main" Requires="p14">
+            <p:contentPart p14:bwMode="auto" r:id="rId75">
+              <p14:nvContentPartPr>
+                <p14:cNvPr id="52" name="Viết tay 51">
+                  <a:extLst>
+                    <a:ext uri="{FF2B5EF4-FFF2-40B4-BE49-F238E27FC236}">
+                      <a16:creationId xmlns:a16="http://schemas.microsoft.com/office/drawing/2014/main" id="{B55A633C-AA7E-4EBC-A175-57647E709DB0}"/>
+                    </a:ext>
+                  </a:extLst>
+                </p14:cNvPr>
+                <p14:cNvContentPartPr/>
+                <p14:nvPr/>
+              </p14:nvContentPartPr>
+              <p14:xfrm>
+                <a:off x="6275885" y="4033402"/>
+                <a:ext cx="159840" cy="419040"/>
+              </p14:xfrm>
+            </p:contentPart>
+          </mc:Choice>
+          <mc:Fallback>
+            <p:pic>
+              <p:nvPicPr>
+                <p:cNvPr id="52" name="Viết tay 51">
+                  <a:extLst>
+                    <a:ext uri="{FF2B5EF4-FFF2-40B4-BE49-F238E27FC236}">
+                      <a16:creationId xmlns:a16="http://schemas.microsoft.com/office/drawing/2014/main" id="{B55A633C-AA7E-4EBC-A175-57647E709DB0}"/>
+                    </a:ext>
+                  </a:extLst>
+                </p:cNvPr>
+                <p:cNvPicPr/>
+                <p:nvPr/>
+              </p:nvPicPr>
+              <p:blipFill>
+                <a:blip r:embed="rId76"/>
+                <a:stretch>
+                  <a:fillRect/>
+                </a:stretch>
+              </p:blipFill>
+              <p:spPr>
+                <a:xfrm>
+                  <a:off x="6267245" y="4024762"/>
+                  <a:ext cx="177480" cy="436680"/>
+                </a:xfrm>
+                <a:prstGeom prst="rect">
+                  <a:avLst/>
+                </a:prstGeom>
+              </p:spPr>
+            </p:pic>
+          </mc:Fallback>
+        </mc:AlternateContent>
+        <mc:AlternateContent xmlns:mc="http://schemas.openxmlformats.org/markup-compatibility/2006">
+          <mc:Choice xmlns:p14="http://schemas.microsoft.com/office/powerpoint/2010/main" Requires="p14">
+            <p:contentPart p14:bwMode="auto" r:id="rId77">
+              <p14:nvContentPartPr>
+                <p14:cNvPr id="53" name="Viết tay 52">
+                  <a:extLst>
+                    <a:ext uri="{FF2B5EF4-FFF2-40B4-BE49-F238E27FC236}">
+                      <a16:creationId xmlns:a16="http://schemas.microsoft.com/office/drawing/2014/main" id="{AA2D5150-44F3-8F38-ED9F-E2547EBEE0A6}"/>
+                    </a:ext>
+                  </a:extLst>
+                </p14:cNvPr>
+                <p14:cNvContentPartPr/>
+                <p14:nvPr/>
+              </p14:nvContentPartPr>
+              <p14:xfrm>
+                <a:off x="6264005" y="4091722"/>
+                <a:ext cx="162000" cy="29880"/>
+              </p14:xfrm>
+            </p:contentPart>
+          </mc:Choice>
+          <mc:Fallback>
+            <p:pic>
+              <p:nvPicPr>
+                <p:cNvPr id="53" name="Viết tay 52">
+                  <a:extLst>
+                    <a:ext uri="{FF2B5EF4-FFF2-40B4-BE49-F238E27FC236}">
+                      <a16:creationId xmlns:a16="http://schemas.microsoft.com/office/drawing/2014/main" id="{AA2D5150-44F3-8F38-ED9F-E2547EBEE0A6}"/>
+                    </a:ext>
+                  </a:extLst>
+                </p:cNvPr>
+                <p:cNvPicPr/>
+                <p:nvPr/>
+              </p:nvPicPr>
+              <p:blipFill>
+                <a:blip r:embed="rId78"/>
+                <a:stretch>
+                  <a:fillRect/>
+                </a:stretch>
+              </p:blipFill>
+              <p:spPr>
+                <a:xfrm>
+                  <a:off x="6255365" y="4082722"/>
+                  <a:ext cx="179640" cy="47520"/>
+                </a:xfrm>
+                <a:prstGeom prst="rect">
+                  <a:avLst/>
+                </a:prstGeom>
+              </p:spPr>
+            </p:pic>
+          </mc:Fallback>
+        </mc:AlternateContent>
+        <mc:AlternateContent xmlns:mc="http://schemas.openxmlformats.org/markup-compatibility/2006">
+          <mc:Choice xmlns:p14="http://schemas.microsoft.com/office/powerpoint/2010/main" Requires="p14">
+            <p:contentPart p14:bwMode="auto" r:id="rId79">
+              <p14:nvContentPartPr>
+                <p14:cNvPr id="55" name="Viết tay 54">
+                  <a:extLst>
+                    <a:ext uri="{FF2B5EF4-FFF2-40B4-BE49-F238E27FC236}">
+                      <a16:creationId xmlns:a16="http://schemas.microsoft.com/office/drawing/2014/main" id="{07B85337-3A19-3648-5518-BAE3E74A490A}"/>
+                    </a:ext>
+                  </a:extLst>
+                </p14:cNvPr>
+                <p14:cNvContentPartPr/>
+                <p14:nvPr/>
+              </p14:nvContentPartPr>
+              <p14:xfrm>
+                <a:off x="1978565" y="4883362"/>
+                <a:ext cx="1472760" cy="72000"/>
+              </p14:xfrm>
+            </p:contentPart>
+          </mc:Choice>
+          <mc:Fallback>
+            <p:pic>
+              <p:nvPicPr>
+                <p:cNvPr id="55" name="Viết tay 54">
+                  <a:extLst>
+                    <a:ext uri="{FF2B5EF4-FFF2-40B4-BE49-F238E27FC236}">
+                      <a16:creationId xmlns:a16="http://schemas.microsoft.com/office/drawing/2014/main" id="{07B85337-3A19-3648-5518-BAE3E74A490A}"/>
+                    </a:ext>
+                  </a:extLst>
+                </p:cNvPr>
+                <p:cNvPicPr/>
+                <p:nvPr/>
+              </p:nvPicPr>
+              <p:blipFill>
+                <a:blip r:embed="rId80"/>
+                <a:stretch>
+                  <a:fillRect/>
+                </a:stretch>
+              </p:blipFill>
+              <p:spPr>
+                <a:xfrm>
+                  <a:off x="1969925" y="4874722"/>
+                  <a:ext cx="1490400" cy="89640"/>
+                </a:xfrm>
+                <a:prstGeom prst="rect">
+                  <a:avLst/>
+                </a:prstGeom>
+              </p:spPr>
+            </p:pic>
+          </mc:Fallback>
+        </mc:AlternateContent>
+        <mc:AlternateContent xmlns:mc="http://schemas.openxmlformats.org/markup-compatibility/2006">
+          <mc:Choice xmlns:p14="http://schemas.microsoft.com/office/powerpoint/2010/main" Requires="p14">
+            <p:contentPart p14:bwMode="auto" r:id="rId81">
+              <p14:nvContentPartPr>
+                <p14:cNvPr id="56" name="Viết tay 55">
+                  <a:extLst>
+                    <a:ext uri="{FF2B5EF4-FFF2-40B4-BE49-F238E27FC236}">
+                      <a16:creationId xmlns:a16="http://schemas.microsoft.com/office/drawing/2014/main" id="{28A487BD-C135-20DA-5851-442E3209FFB4}"/>
+                    </a:ext>
+                  </a:extLst>
+                </p14:cNvPr>
+                <p14:cNvContentPartPr/>
+                <p14:nvPr/>
+              </p14:nvContentPartPr>
+              <p14:xfrm>
+                <a:off x="1991165" y="4967602"/>
+                <a:ext cx="1668600" cy="507240"/>
+              </p14:xfrm>
+            </p:contentPart>
+          </mc:Choice>
+          <mc:Fallback>
+            <p:pic>
+              <p:nvPicPr>
+                <p:cNvPr id="56" name="Viết tay 55">
+                  <a:extLst>
+                    <a:ext uri="{FF2B5EF4-FFF2-40B4-BE49-F238E27FC236}">
+                      <a16:creationId xmlns:a16="http://schemas.microsoft.com/office/drawing/2014/main" id="{28A487BD-C135-20DA-5851-442E3209FFB4}"/>
+                    </a:ext>
+                  </a:extLst>
+                </p:cNvPr>
+                <p:cNvPicPr/>
+                <p:nvPr/>
+              </p:nvPicPr>
+              <p:blipFill>
+                <a:blip r:embed="rId82"/>
+                <a:stretch>
+                  <a:fillRect/>
+                </a:stretch>
+              </p:blipFill>
+              <p:spPr>
+                <a:xfrm>
+                  <a:off x="1982525" y="4958962"/>
+                  <a:ext cx="1686240" cy="524880"/>
+                </a:xfrm>
+                <a:prstGeom prst="rect">
+                  <a:avLst/>
+                </a:prstGeom>
+              </p:spPr>
+            </p:pic>
+          </mc:Fallback>
+        </mc:AlternateContent>
+        <mc:AlternateContent xmlns:mc="http://schemas.openxmlformats.org/markup-compatibility/2006">
+          <mc:Choice xmlns:p14="http://schemas.microsoft.com/office/powerpoint/2010/main" Requires="p14">
+            <p:contentPart p14:bwMode="auto" r:id="rId83">
+              <p14:nvContentPartPr>
+                <p14:cNvPr id="57" name="Viết tay 56">
+                  <a:extLst>
+                    <a:ext uri="{FF2B5EF4-FFF2-40B4-BE49-F238E27FC236}">
+                      <a16:creationId xmlns:a16="http://schemas.microsoft.com/office/drawing/2014/main" id="{A5CB2803-9752-EE2F-80E9-66C1F2A894B5}"/>
+                    </a:ext>
+                  </a:extLst>
+                </p14:cNvPr>
+                <p14:cNvContentPartPr/>
+                <p14:nvPr/>
+              </p14:nvContentPartPr>
+              <p14:xfrm>
+                <a:off x="3397685" y="4861042"/>
+                <a:ext cx="333360" cy="472680"/>
+              </p14:xfrm>
+            </p:contentPart>
+          </mc:Choice>
+          <mc:Fallback>
+            <p:pic>
+              <p:nvPicPr>
+                <p:cNvPr id="57" name="Viết tay 56">
+                  <a:extLst>
+                    <a:ext uri="{FF2B5EF4-FFF2-40B4-BE49-F238E27FC236}">
+                      <a16:creationId xmlns:a16="http://schemas.microsoft.com/office/drawing/2014/main" id="{A5CB2803-9752-EE2F-80E9-66C1F2A894B5}"/>
+                    </a:ext>
+                  </a:extLst>
+                </p:cNvPr>
+                <p:cNvPicPr/>
+                <p:nvPr/>
+              </p:nvPicPr>
+              <p:blipFill>
+                <a:blip r:embed="rId84"/>
+                <a:stretch>
+                  <a:fillRect/>
+                </a:stretch>
+              </p:blipFill>
+              <p:spPr>
+                <a:xfrm>
+                  <a:off x="3389045" y="4852402"/>
+                  <a:ext cx="351000" cy="490320"/>
+                </a:xfrm>
+                <a:prstGeom prst="rect">
+                  <a:avLst/>
+                </a:prstGeom>
+              </p:spPr>
+            </p:pic>
+          </mc:Fallback>
+        </mc:AlternateContent>
+        <mc:AlternateContent xmlns:mc="http://schemas.openxmlformats.org/markup-compatibility/2006">
+          <mc:Choice xmlns:p14="http://schemas.microsoft.com/office/powerpoint/2010/main" Requires="p14">
+            <p:contentPart p14:bwMode="auto" r:id="rId85">
+              <p14:nvContentPartPr>
+                <p14:cNvPr id="58" name="Viết tay 57">
+                  <a:extLst>
+                    <a:ext uri="{FF2B5EF4-FFF2-40B4-BE49-F238E27FC236}">
+                      <a16:creationId xmlns:a16="http://schemas.microsoft.com/office/drawing/2014/main" id="{5DF63749-C0AC-80BA-23E4-1B9357FA5EB4}"/>
+                    </a:ext>
+                  </a:extLst>
+                </p14:cNvPr>
+                <p14:cNvContentPartPr/>
+                <p14:nvPr/>
+              </p14:nvContentPartPr>
+              <p14:xfrm>
+                <a:off x="2196725" y="5047522"/>
+                <a:ext cx="1107720" cy="356400"/>
+              </p14:xfrm>
+            </p:contentPart>
+          </mc:Choice>
+          <mc:Fallback>
+            <p:pic>
+              <p:nvPicPr>
+                <p:cNvPr id="58" name="Viết tay 57">
+                  <a:extLst>
+                    <a:ext uri="{FF2B5EF4-FFF2-40B4-BE49-F238E27FC236}">
+                      <a16:creationId xmlns:a16="http://schemas.microsoft.com/office/drawing/2014/main" id="{5DF63749-C0AC-80BA-23E4-1B9357FA5EB4}"/>
+                    </a:ext>
+                  </a:extLst>
+                </p:cNvPr>
+                <p:cNvPicPr/>
+                <p:nvPr/>
+              </p:nvPicPr>
+              <p:blipFill>
+                <a:blip r:embed="rId86"/>
+                <a:stretch>
+                  <a:fillRect/>
+                </a:stretch>
+              </p:blipFill>
+              <p:spPr>
+                <a:xfrm>
+                  <a:off x="2188085" y="5038882"/>
+                  <a:ext cx="1125360" cy="374040"/>
+                </a:xfrm>
+                <a:prstGeom prst="rect">
+                  <a:avLst/>
+                </a:prstGeom>
+              </p:spPr>
+            </p:pic>
+          </mc:Fallback>
+        </mc:AlternateContent>
+        <mc:AlternateContent xmlns:mc="http://schemas.openxmlformats.org/markup-compatibility/2006">
+          <mc:Choice xmlns:p14="http://schemas.microsoft.com/office/powerpoint/2010/main" Requires="p14">
+            <p:contentPart p14:bwMode="auto" r:id="rId87">
+              <p14:nvContentPartPr>
+                <p14:cNvPr id="59" name="Viết tay 58">
+                  <a:extLst>
+                    <a:ext uri="{FF2B5EF4-FFF2-40B4-BE49-F238E27FC236}">
+                      <a16:creationId xmlns:a16="http://schemas.microsoft.com/office/drawing/2014/main" id="{CFB20562-1922-1E37-8664-A3BBF5795432}"/>
+                    </a:ext>
+                  </a:extLst>
+                </p14:cNvPr>
+                <p14:cNvContentPartPr/>
+                <p14:nvPr/>
+              </p14:nvContentPartPr>
+              <p14:xfrm>
+                <a:off x="3121205" y="5090362"/>
+                <a:ext cx="58680" cy="35640"/>
+              </p14:xfrm>
+            </p:contentPart>
+          </mc:Choice>
+          <mc:Fallback>
+            <p:pic>
+              <p:nvPicPr>
+                <p:cNvPr id="59" name="Viết tay 58">
+                  <a:extLst>
+                    <a:ext uri="{FF2B5EF4-FFF2-40B4-BE49-F238E27FC236}">
+                      <a16:creationId xmlns:a16="http://schemas.microsoft.com/office/drawing/2014/main" id="{CFB20562-1922-1E37-8664-A3BBF5795432}"/>
+                    </a:ext>
+                  </a:extLst>
+                </p:cNvPr>
+                <p:cNvPicPr/>
+                <p:nvPr/>
+              </p:nvPicPr>
+              <p:blipFill>
+                <a:blip r:embed="rId88"/>
+                <a:stretch>
+                  <a:fillRect/>
+                </a:stretch>
+              </p:blipFill>
+              <p:spPr>
+                <a:xfrm>
+                  <a:off x="3112205" y="5081722"/>
+                  <a:ext cx="76320" cy="53280"/>
+                </a:xfrm>
+                <a:prstGeom prst="rect">
+                  <a:avLst/>
+                </a:prstGeom>
+              </p:spPr>
+            </p:pic>
+          </mc:Fallback>
+        </mc:AlternateContent>
+        <mc:AlternateContent xmlns:mc="http://schemas.openxmlformats.org/markup-compatibility/2006">
+          <mc:Choice xmlns:p14="http://schemas.microsoft.com/office/powerpoint/2010/main" Requires="p14">
+            <p:contentPart p14:bwMode="auto" r:id="rId89">
+              <p14:nvContentPartPr>
+                <p14:cNvPr id="60" name="Viết tay 59">
+                  <a:extLst>
+                    <a:ext uri="{FF2B5EF4-FFF2-40B4-BE49-F238E27FC236}">
+                      <a16:creationId xmlns:a16="http://schemas.microsoft.com/office/drawing/2014/main" id="{F67F6316-5866-2D08-A789-6CC7E42955E0}"/>
+                    </a:ext>
+                  </a:extLst>
+                </p14:cNvPr>
+                <p14:cNvContentPartPr/>
+                <p14:nvPr/>
+              </p14:nvContentPartPr>
+              <p14:xfrm>
+                <a:off x="2851925" y="5076322"/>
+                <a:ext cx="42480" cy="90000"/>
+              </p14:xfrm>
+            </p:contentPart>
+          </mc:Choice>
+          <mc:Fallback>
+            <p:pic>
+              <p:nvPicPr>
+                <p:cNvPr id="60" name="Viết tay 59">
+                  <a:extLst>
+                    <a:ext uri="{FF2B5EF4-FFF2-40B4-BE49-F238E27FC236}">
+                      <a16:creationId xmlns:a16="http://schemas.microsoft.com/office/drawing/2014/main" id="{F67F6316-5866-2D08-A789-6CC7E42955E0}"/>
+                    </a:ext>
+                  </a:extLst>
+                </p:cNvPr>
+                <p:cNvPicPr/>
+                <p:nvPr/>
+              </p:nvPicPr>
+              <p:blipFill>
+                <a:blip r:embed="rId90"/>
+                <a:stretch>
+                  <a:fillRect/>
+                </a:stretch>
+              </p:blipFill>
+              <p:spPr>
+                <a:xfrm>
+                  <a:off x="2843285" y="5067682"/>
+                  <a:ext cx="60120" cy="107640"/>
+                </a:xfrm>
+                <a:prstGeom prst="rect">
+                  <a:avLst/>
+                </a:prstGeom>
+              </p:spPr>
+            </p:pic>
+          </mc:Fallback>
+        </mc:AlternateContent>
+        <mc:AlternateContent xmlns:mc="http://schemas.openxmlformats.org/markup-compatibility/2006">
+          <mc:Choice xmlns:p14="http://schemas.microsoft.com/office/powerpoint/2010/main" Requires="p14">
+            <p:contentPart p14:bwMode="auto" r:id="rId91">
+              <p14:nvContentPartPr>
+                <p14:cNvPr id="61" name="Viết tay 60">
+                  <a:extLst>
+                    <a:ext uri="{FF2B5EF4-FFF2-40B4-BE49-F238E27FC236}">
+                      <a16:creationId xmlns:a16="http://schemas.microsoft.com/office/drawing/2014/main" id="{7A576077-716A-2FA0-20EA-EC2FAC61FEAD}"/>
+                    </a:ext>
+                  </a:extLst>
+                </p14:cNvPr>
+                <p14:cNvContentPartPr/>
+                <p14:nvPr/>
+              </p14:nvContentPartPr>
+              <p14:xfrm>
+                <a:off x="3111485" y="5295202"/>
+                <a:ext cx="360" cy="360"/>
+              </p14:xfrm>
+            </p:contentPart>
+          </mc:Choice>
+          <mc:Fallback>
+            <p:pic>
+              <p:nvPicPr>
+                <p:cNvPr id="61" name="Viết tay 60">
+                  <a:extLst>
+                    <a:ext uri="{FF2B5EF4-FFF2-40B4-BE49-F238E27FC236}">
+                      <a16:creationId xmlns:a16="http://schemas.microsoft.com/office/drawing/2014/main" id="{7A576077-716A-2FA0-20EA-EC2FAC61FEAD}"/>
+                    </a:ext>
+                  </a:extLst>
+                </p:cNvPr>
+                <p:cNvPicPr/>
+                <p:nvPr/>
+              </p:nvPicPr>
+              <p:blipFill>
+                <a:blip r:embed="rId13"/>
+                <a:stretch>
+                  <a:fillRect/>
+                </a:stretch>
+              </p:blipFill>
+              <p:spPr>
+                <a:xfrm>
+                  <a:off x="3102485" y="5286202"/>
+                  <a:ext cx="18000" cy="18000"/>
+                </a:xfrm>
+                <a:prstGeom prst="rect">
+                  <a:avLst/>
+                </a:prstGeom>
+              </p:spPr>
+            </p:pic>
+          </mc:Fallback>
+        </mc:AlternateContent>
+        <mc:AlternateContent xmlns:mc="http://schemas.openxmlformats.org/markup-compatibility/2006">
+          <mc:Choice xmlns:p14="http://schemas.microsoft.com/office/powerpoint/2010/main" Requires="p14">
+            <p:contentPart p14:bwMode="auto" r:id="rId92">
+              <p14:nvContentPartPr>
+                <p14:cNvPr id="63" name="Viết tay 62">
+                  <a:extLst>
+                    <a:ext uri="{FF2B5EF4-FFF2-40B4-BE49-F238E27FC236}">
+                      <a16:creationId xmlns:a16="http://schemas.microsoft.com/office/drawing/2014/main" id="{E2A2D3BC-5999-51FB-363C-964D3704042E}"/>
+                    </a:ext>
+                  </a:extLst>
+                </p14:cNvPr>
+                <p14:cNvContentPartPr/>
+                <p14:nvPr/>
+              </p14:nvContentPartPr>
+              <p14:xfrm>
+                <a:off x="4189685" y="4490242"/>
+                <a:ext cx="4489200" cy="423360"/>
+              </p14:xfrm>
+            </p:contentPart>
+          </mc:Choice>
+          <mc:Fallback>
+            <p:pic>
+              <p:nvPicPr>
+                <p:cNvPr id="63" name="Viết tay 62">
+                  <a:extLst>
+                    <a:ext uri="{FF2B5EF4-FFF2-40B4-BE49-F238E27FC236}">
+                      <a16:creationId xmlns:a16="http://schemas.microsoft.com/office/drawing/2014/main" id="{E2A2D3BC-5999-51FB-363C-964D3704042E}"/>
+                    </a:ext>
+                  </a:extLst>
+                </p:cNvPr>
+                <p:cNvPicPr/>
+                <p:nvPr/>
+              </p:nvPicPr>
+              <p:blipFill>
+                <a:blip r:embed="rId93"/>
+                <a:stretch>
+                  <a:fillRect/>
+                </a:stretch>
+              </p:blipFill>
+              <p:spPr>
+                <a:xfrm>
+                  <a:off x="4180685" y="4481602"/>
+                  <a:ext cx="4506840" cy="441000"/>
+                </a:xfrm>
+                <a:prstGeom prst="rect">
+                  <a:avLst/>
+                </a:prstGeom>
+              </p:spPr>
+            </p:pic>
+          </mc:Fallback>
+        </mc:AlternateContent>
+        <mc:AlternateContent xmlns:mc="http://schemas.openxmlformats.org/markup-compatibility/2006">
+          <mc:Choice xmlns:p14="http://schemas.microsoft.com/office/powerpoint/2010/main" Requires="p14">
+            <p:contentPart p14:bwMode="auto" r:id="rId94">
+              <p14:nvContentPartPr>
+                <p14:cNvPr id="65" name="Viết tay 64">
+                  <a:extLst>
+                    <a:ext uri="{FF2B5EF4-FFF2-40B4-BE49-F238E27FC236}">
+                      <a16:creationId xmlns:a16="http://schemas.microsoft.com/office/drawing/2014/main" id="{D945502D-9DAA-2356-7B36-9B1ECB7A37E4}"/>
+                    </a:ext>
+                  </a:extLst>
+                </p14:cNvPr>
+                <p14:cNvContentPartPr/>
+                <p14:nvPr/>
+              </p14:nvContentPartPr>
+              <p14:xfrm>
+                <a:off x="4203005" y="5031682"/>
+                <a:ext cx="2260800" cy="169200"/>
+              </p14:xfrm>
+            </p:contentPart>
+          </mc:Choice>
+          <mc:Fallback>
+            <p:pic>
+              <p:nvPicPr>
+                <p:cNvPr id="65" name="Viết tay 64">
+                  <a:extLst>
+                    <a:ext uri="{FF2B5EF4-FFF2-40B4-BE49-F238E27FC236}">
+                      <a16:creationId xmlns:a16="http://schemas.microsoft.com/office/drawing/2014/main" id="{D945502D-9DAA-2356-7B36-9B1ECB7A37E4}"/>
+                    </a:ext>
+                  </a:extLst>
+                </p:cNvPr>
+                <p:cNvPicPr/>
+                <p:nvPr/>
+              </p:nvPicPr>
+              <p:blipFill>
+                <a:blip r:embed="rId95"/>
+                <a:stretch>
+                  <a:fillRect/>
+                </a:stretch>
+              </p:blipFill>
+              <p:spPr>
+                <a:xfrm>
+                  <a:off x="4194005" y="5022682"/>
+                  <a:ext cx="2278440" cy="186840"/>
+                </a:xfrm>
+                <a:prstGeom prst="rect">
+                  <a:avLst/>
+                </a:prstGeom>
+              </p:spPr>
+            </p:pic>
+          </mc:Fallback>
+        </mc:AlternateContent>
+        <mc:AlternateContent xmlns:mc="http://schemas.openxmlformats.org/markup-compatibility/2006">
+          <mc:Choice xmlns:p14="http://schemas.microsoft.com/office/powerpoint/2010/main" Requires="p14">
+            <p:contentPart p14:bwMode="auto" r:id="rId96">
+              <p14:nvContentPartPr>
+                <p14:cNvPr id="66" name="Viết tay 65">
+                  <a:extLst>
+                    <a:ext uri="{FF2B5EF4-FFF2-40B4-BE49-F238E27FC236}">
+                      <a16:creationId xmlns:a16="http://schemas.microsoft.com/office/drawing/2014/main" id="{630B3F8D-2382-6D3D-3D6C-0CD65BFE92DB}"/>
+                    </a:ext>
+                  </a:extLst>
+                </p14:cNvPr>
+                <p14:cNvContentPartPr/>
+                <p14:nvPr/>
+              </p14:nvContentPartPr>
+              <p14:xfrm>
+                <a:off x="4162685" y="5349202"/>
+                <a:ext cx="2171160" cy="137880"/>
+              </p14:xfrm>
+            </p:contentPart>
+          </mc:Choice>
+          <mc:Fallback>
+            <p:pic>
+              <p:nvPicPr>
+                <p:cNvPr id="66" name="Viết tay 65">
+                  <a:extLst>
+                    <a:ext uri="{FF2B5EF4-FFF2-40B4-BE49-F238E27FC236}">
+                      <a16:creationId xmlns:a16="http://schemas.microsoft.com/office/drawing/2014/main" id="{630B3F8D-2382-6D3D-3D6C-0CD65BFE92DB}"/>
+                    </a:ext>
+                  </a:extLst>
+                </p:cNvPr>
+                <p:cNvPicPr/>
+                <p:nvPr/>
+              </p:nvPicPr>
+              <p:blipFill>
+                <a:blip r:embed="rId97"/>
+                <a:stretch>
+                  <a:fillRect/>
+                </a:stretch>
+              </p:blipFill>
+              <p:spPr>
+                <a:xfrm>
+                  <a:off x="4153685" y="5340562"/>
+                  <a:ext cx="2188800" cy="155520"/>
+                </a:xfrm>
+                <a:prstGeom prst="rect">
+                  <a:avLst/>
+                </a:prstGeom>
+              </p:spPr>
+            </p:pic>
+          </mc:Fallback>
+        </mc:AlternateContent>
+      </p:grpSp>
+      <mc:AlternateContent xmlns:mc="http://schemas.openxmlformats.org/markup-compatibility/2006">
+        <mc:Choice xmlns:p14="http://schemas.microsoft.com/office/powerpoint/2010/main" Requires="p14">
+          <p:contentPart p14:bwMode="auto" r:id="rId98">
+            <p14:nvContentPartPr>
+              <p14:cNvPr id="67" name="Viết tay 66">
+                <a:extLst>
+                  <a:ext uri="{FF2B5EF4-FFF2-40B4-BE49-F238E27FC236}">
+                    <a16:creationId xmlns:a16="http://schemas.microsoft.com/office/drawing/2014/main" id="{91309829-DC24-5315-ADD5-0827E8B5F7A7}"/>
+                  </a:ext>
+                </a:extLst>
+              </p14:cNvPr>
+              <p14:cNvContentPartPr/>
+              <p14:nvPr/>
+            </p14:nvContentPartPr>
+            <p14:xfrm>
+              <a:off x="4237565" y="5881642"/>
+              <a:ext cx="1665360" cy="56520"/>
+            </p14:xfrm>
+          </p:contentPart>
+        </mc:Choice>
+        <mc:Fallback>
+          <p:pic>
+            <p:nvPicPr>
+              <p:cNvPr id="67" name="Viết tay 66">
+                <a:extLst>
+                  <a:ext uri="{FF2B5EF4-FFF2-40B4-BE49-F238E27FC236}">
+                    <a16:creationId xmlns:a16="http://schemas.microsoft.com/office/drawing/2014/main" id="{91309829-DC24-5315-ADD5-0827E8B5F7A7}"/>
+                  </a:ext>
+                </a:extLst>
+              </p:cNvPr>
+              <p:cNvPicPr/>
+              <p:nvPr/>
+            </p:nvPicPr>
+            <p:blipFill>
+              <a:blip r:embed="rId99"/>
+              <a:stretch>
+                <a:fillRect/>
+              </a:stretch>
+            </p:blipFill>
+            <p:spPr>
+              <a:xfrm>
+                <a:off x="4228925" y="5872642"/>
+                <a:ext cx="1683000" cy="74160"/>
+              </a:xfrm>
+              <a:prstGeom prst="rect">
+                <a:avLst/>
+              </a:prstGeom>
+            </p:spPr>
+          </p:pic>
+        </mc:Fallback>
+      </mc:AlternateContent>
+      <mc:AlternateContent xmlns:mc="http://schemas.openxmlformats.org/markup-compatibility/2006">
+        <mc:Choice xmlns:p14="http://schemas.microsoft.com/office/powerpoint/2010/main" Requires="p14">
+          <p:contentPart p14:bwMode="auto" r:id="rId100">
+            <p14:nvContentPartPr>
+              <p14:cNvPr id="68" name="Viết tay 67">
+                <a:extLst>
+                  <a:ext uri="{FF2B5EF4-FFF2-40B4-BE49-F238E27FC236}">
+                    <a16:creationId xmlns:a16="http://schemas.microsoft.com/office/drawing/2014/main" id="{90A40842-02C5-6489-6821-763A8E4A44B7}"/>
+                  </a:ext>
+                </a:extLst>
+              </p14:cNvPr>
+              <p14:cNvContentPartPr/>
+              <p14:nvPr/>
+            </p14:nvContentPartPr>
+            <p14:xfrm>
+              <a:off x="4462565" y="6195202"/>
+              <a:ext cx="983160" cy="28440"/>
+            </p14:xfrm>
+          </p:contentPart>
+        </mc:Choice>
+        <mc:Fallback>
+          <p:pic>
+            <p:nvPicPr>
+              <p:cNvPr id="68" name="Viết tay 67">
+                <a:extLst>
+                  <a:ext uri="{FF2B5EF4-FFF2-40B4-BE49-F238E27FC236}">
+                    <a16:creationId xmlns:a16="http://schemas.microsoft.com/office/drawing/2014/main" id="{90A40842-02C5-6489-6821-763A8E4A44B7}"/>
+                  </a:ext>
+                </a:extLst>
+              </p:cNvPr>
+              <p:cNvPicPr/>
+              <p:nvPr/>
+            </p:nvPicPr>
+            <p:blipFill>
+              <a:blip r:embed="rId101"/>
+              <a:stretch>
+                <a:fillRect/>
+              </a:stretch>
+            </p:blipFill>
+            <p:spPr>
+              <a:xfrm>
+                <a:off x="4453565" y="6186562"/>
+                <a:ext cx="1000800" cy="46080"/>
+              </a:xfrm>
+              <a:prstGeom prst="rect">
+                <a:avLst/>
+              </a:prstGeom>
+            </p:spPr>
+          </p:pic>
+        </mc:Fallback>
+      </mc:AlternateContent>
+      <mc:AlternateContent xmlns:mc="http://schemas.openxmlformats.org/markup-compatibility/2006">
+        <mc:Choice xmlns:p14="http://schemas.microsoft.com/office/powerpoint/2010/main" Requires="p14">
+          <p:contentPart p14:bwMode="auto" r:id="rId102">
+            <p14:nvContentPartPr>
+              <p14:cNvPr id="70" name="Viết tay 69">
+                <a:extLst>
+                  <a:ext uri="{FF2B5EF4-FFF2-40B4-BE49-F238E27FC236}">
+                    <a16:creationId xmlns:a16="http://schemas.microsoft.com/office/drawing/2014/main" id="{A04F41E0-91AA-5874-5479-97BC7F41763A}"/>
+                  </a:ext>
+                </a:extLst>
+              </p14:cNvPr>
+              <p14:cNvContentPartPr/>
+              <p14:nvPr/>
+            </p14:nvContentPartPr>
+            <p14:xfrm>
+              <a:off x="11886485" y="436282"/>
+              <a:ext cx="360" cy="360"/>
+            </p14:xfrm>
+          </p:contentPart>
+        </mc:Choice>
+        <mc:Fallback>
+          <p:pic>
+            <p:nvPicPr>
+              <p:cNvPr id="70" name="Viết tay 69">
+                <a:extLst>
+                  <a:ext uri="{FF2B5EF4-FFF2-40B4-BE49-F238E27FC236}">
+                    <a16:creationId xmlns:a16="http://schemas.microsoft.com/office/drawing/2014/main" id="{A04F41E0-91AA-5874-5479-97BC7F41763A}"/>
+                  </a:ext>
+                </a:extLst>
+              </p:cNvPr>
+              <p:cNvPicPr/>
+              <p:nvPr/>
+            </p:nvPicPr>
+            <p:blipFill>
+              <a:blip r:embed="rId13"/>
+              <a:stretch>
+                <a:fillRect/>
+              </a:stretch>
+            </p:blipFill>
+            <p:spPr>
+              <a:xfrm>
+                <a:off x="11877845" y="427282"/>
+                <a:ext cx="18000" cy="18000"/>
+              </a:xfrm>
+              <a:prstGeom prst="rect">
+                <a:avLst/>
+              </a:prstGeom>
+            </p:spPr>
+          </p:pic>
+        </mc:Fallback>
+      </mc:AlternateContent>
+    </p:spTree>
+    <p:extLst>
+      <p:ext uri="{BB962C8B-B14F-4D97-AF65-F5344CB8AC3E}">
+        <p14:creationId xmlns:p14="http://schemas.microsoft.com/office/powerpoint/2010/main" val="355382719"/>
+      </p:ext>
+    </p:extLst>
+  </p:cSld>
+  <p:clrMapOvr>
+    <a:masterClrMapping/>
+  </p:clrMapOvr>
+</p:sld>
+</file>
+
+<file path=ppt/slides/slide16.xml><?xml version="1.0" encoding="utf-8"?>
+<p:sld xmlns:a="http://schemas.openxmlformats.org/drawingml/2006/main" xmlns:r="http://schemas.openxmlformats.org/officeDocument/2006/relationships" xmlns:p="http://schemas.openxmlformats.org/presentationml/2006/main">
+  <p:cSld>
+    <p:spTree>
+      <p:nvGrpSpPr>
+        <p:cNvPr id="1" name=""/>
+        <p:cNvGrpSpPr/>
+        <p:nvPr/>
+      </p:nvGrpSpPr>
+      <p:grpSpPr>
+        <a:xfrm>
+          <a:off x="0" y="0"/>
+          <a:ext cx="0" cy="0"/>
+          <a:chOff x="0" y="0"/>
+          <a:chExt cx="0" cy="0"/>
+        </a:xfrm>
+      </p:grpSpPr>
+      <p:sp>
+        <p:nvSpPr>
           <p:cNvPr id="2" name="Tiêu đề 1">
             <a:extLst>
               <a:ext uri="{FF2B5EF4-FFF2-40B4-BE49-F238E27FC236}">
@@ -5606,7 +9987,7 @@
           <a:p>
             <a:fld id="{480537A9-B8B1-481D-9BE4-179EB839AE15}" type="slidenum">
               <a:rPr lang="vi-VN" smtClean="0"/>
-              <a:t>15</a:t>
+              <a:t>16</a:t>
             </a:fld>
             <a:endParaRPr lang="vi-VN"/>
           </a:p>
@@ -5625,7 +10006,7 @@
 </p:sld>
 </file>
 
-<file path=ppt/slides/slide16.xml><?xml version="1.0" encoding="utf-8"?>
+<file path=ppt/slides/slide17.xml><?xml version="1.0" encoding="utf-8"?>
 <p:sld xmlns:a="http://schemas.openxmlformats.org/drawingml/2006/main" xmlns:r="http://schemas.openxmlformats.org/officeDocument/2006/relationships" xmlns:p="http://schemas.openxmlformats.org/presentationml/2006/main">
   <p:cSld>
     <p:spTree>
@@ -5787,7 +10168,7 @@
           <a:p>
             <a:fld id="{480537A9-B8B1-481D-9BE4-179EB839AE15}" type="slidenum">
               <a:rPr lang="vi-VN" smtClean="0"/>
-              <a:t>16</a:t>
+              <a:t>17</a:t>
             </a:fld>
             <a:endParaRPr lang="vi-VN"/>
           </a:p>
@@ -5797,136 +10178,6 @@
     <p:extLst>
       <p:ext uri="{BB962C8B-B14F-4D97-AF65-F5344CB8AC3E}">
         <p14:creationId xmlns:p14="http://schemas.microsoft.com/office/powerpoint/2010/main" val="2305399162"/>
-      </p:ext>
-    </p:extLst>
-  </p:cSld>
-  <p:clrMapOvr>
-    <a:masterClrMapping/>
-  </p:clrMapOvr>
-</p:sld>
-</file>
-
-<file path=ppt/slides/slide17.xml><?xml version="1.0" encoding="utf-8"?>
-<p:sld xmlns:a="http://schemas.openxmlformats.org/drawingml/2006/main" xmlns:r="http://schemas.openxmlformats.org/officeDocument/2006/relationships" xmlns:p="http://schemas.openxmlformats.org/presentationml/2006/main">
-  <p:cSld>
-    <p:spTree>
-      <p:nvGrpSpPr>
-        <p:cNvPr id="1" name=""/>
-        <p:cNvGrpSpPr/>
-        <p:nvPr/>
-      </p:nvGrpSpPr>
-      <p:grpSpPr>
-        <a:xfrm>
-          <a:off x="0" y="0"/>
-          <a:ext cx="0" cy="0"/>
-          <a:chOff x="0" y="0"/>
-          <a:chExt cx="0" cy="0"/>
-        </a:xfrm>
-      </p:grpSpPr>
-      <p:sp>
-        <p:nvSpPr>
-          <p:cNvPr id="2" name="Tiêu đề 1">
-            <a:extLst>
-              <a:ext uri="{FF2B5EF4-FFF2-40B4-BE49-F238E27FC236}">
-                <a16:creationId xmlns:a16="http://schemas.microsoft.com/office/drawing/2014/main" id="{4D59E394-0270-476E-82D8-6CD08D6AD94A}"/>
-              </a:ext>
-            </a:extLst>
-          </p:cNvPr>
-          <p:cNvSpPr>
-            <a:spLocks noGrp="1"/>
-          </p:cNvSpPr>
-          <p:nvPr>
-            <p:ph type="title"/>
-          </p:nvPr>
-        </p:nvSpPr>
-        <p:spPr/>
-        <p:txBody>
-          <a:bodyPr/>
-          <a:lstStyle/>
-          <a:p>
-            <a:r>
-              <a:rPr lang="en-US"/>
-              <a:t>Design UI/UX</a:t>
-            </a:r>
-            <a:endParaRPr lang="vi-VN"/>
-          </a:p>
-        </p:txBody>
-      </p:sp>
-      <p:sp>
-        <p:nvSpPr>
-          <p:cNvPr id="3" name="Chỗ dành sẵn cho Nội dung 2">
-            <a:extLst>
-              <a:ext uri="{FF2B5EF4-FFF2-40B4-BE49-F238E27FC236}">
-                <a16:creationId xmlns:a16="http://schemas.microsoft.com/office/drawing/2014/main" id="{B9B048BB-2B44-4AC5-8657-301E90BDF780}"/>
-              </a:ext>
-            </a:extLst>
-          </p:cNvPr>
-          <p:cNvSpPr>
-            <a:spLocks noGrp="1"/>
-          </p:cNvSpPr>
-          <p:nvPr>
-            <p:ph idx="1"/>
-          </p:nvPr>
-        </p:nvSpPr>
-        <p:spPr>
-          <a:xfrm>
-            <a:off x="838200" y="1825625"/>
-            <a:ext cx="10515600" cy="914401"/>
-          </a:xfrm>
-        </p:spPr>
-        <p:txBody>
-          <a:bodyPr/>
-          <a:lstStyle/>
-          <a:p>
-            <a:pPr marL="0" indent="0">
-              <a:buNone/>
-            </a:pPr>
-            <a:r>
-              <a:rPr lang="en-US"/>
-              <a:t>Fourth step: draw wireframe / prototype (use Figma)</a:t>
-            </a:r>
-          </a:p>
-          <a:p>
-            <a:pPr marL="0" indent="0">
-              <a:buNone/>
-            </a:pPr>
-            <a:endParaRPr lang="vi-VN"/>
-          </a:p>
-        </p:txBody>
-      </p:sp>
-      <p:sp>
-        <p:nvSpPr>
-          <p:cNvPr id="4" name="Chỗ dành sẵn cho Số hiệu Bản chiếu 3">
-            <a:extLst>
-              <a:ext uri="{FF2B5EF4-FFF2-40B4-BE49-F238E27FC236}">
-                <a16:creationId xmlns:a16="http://schemas.microsoft.com/office/drawing/2014/main" id="{FF7F8F3C-641C-4C83-A31A-4FBFE3C4AA19}"/>
-              </a:ext>
-            </a:extLst>
-          </p:cNvPr>
-          <p:cNvSpPr>
-            <a:spLocks noGrp="1"/>
-          </p:cNvSpPr>
-          <p:nvPr>
-            <p:ph type="sldNum" sz="quarter" idx="12"/>
-          </p:nvPr>
-        </p:nvSpPr>
-        <p:spPr/>
-        <p:txBody>
-          <a:bodyPr/>
-          <a:lstStyle/>
-          <a:p>
-            <a:fld id="{480537A9-B8B1-481D-9BE4-179EB839AE15}" type="slidenum">
-              <a:rPr lang="vi-VN" smtClean="0"/>
-              <a:t>17</a:t>
-            </a:fld>
-            <a:endParaRPr lang="vi-VN"/>
-          </a:p>
-        </p:txBody>
-      </p:sp>
-    </p:spTree>
-    <p:extLst>
-      <p:ext uri="{BB962C8B-B14F-4D97-AF65-F5344CB8AC3E}">
-        <p14:creationId xmlns:p14="http://schemas.microsoft.com/office/powerpoint/2010/main" val="1070751840"/>
       </p:ext>
     </p:extLst>
   </p:cSld>
@@ -5958,7 +10209,7 @@
           <p:cNvPr id="2" name="Tiêu đề 1">
             <a:extLst>
               <a:ext uri="{FF2B5EF4-FFF2-40B4-BE49-F238E27FC236}">
-                <a16:creationId xmlns:a16="http://schemas.microsoft.com/office/drawing/2014/main" id="{30AF1D5B-96D7-47E7-93F9-F5A8DFF25A4F}"/>
+                <a16:creationId xmlns:a16="http://schemas.microsoft.com/office/drawing/2014/main" id="{4D59E394-0270-476E-82D8-6CD08D6AD94A}"/>
               </a:ext>
             </a:extLst>
           </p:cNvPr>
@@ -5976,7 +10227,7 @@
           <a:p>
             <a:r>
               <a:rPr lang="en-US"/>
-              <a:t>Homework</a:t>
+              <a:t>Design UI/UX</a:t>
             </a:r>
             <a:endParaRPr lang="vi-VN"/>
           </a:p>
@@ -5987,7 +10238,7 @@
           <p:cNvPr id="3" name="Chỗ dành sẵn cho Nội dung 2">
             <a:extLst>
               <a:ext uri="{FF2B5EF4-FFF2-40B4-BE49-F238E27FC236}">
-                <a16:creationId xmlns:a16="http://schemas.microsoft.com/office/drawing/2014/main" id="{22366723-663A-4B85-A50B-3EF4AF230F65}"/>
+                <a16:creationId xmlns:a16="http://schemas.microsoft.com/office/drawing/2014/main" id="{B9B048BB-2B44-4AC5-8657-301E90BDF780}"/>
               </a:ext>
             </a:extLst>
           </p:cNvPr>
@@ -5998,7 +10249,12 @@
             <p:ph idx="1"/>
           </p:nvPr>
         </p:nvSpPr>
-        <p:spPr/>
+        <p:spPr>
+          <a:xfrm>
+            <a:off x="838200" y="1825625"/>
+            <a:ext cx="10515600" cy="914401"/>
+          </a:xfrm>
+        </p:spPr>
         <p:txBody>
           <a:bodyPr/>
           <a:lstStyle/>
@@ -6008,32 +10264,14 @@
             </a:pPr>
             <a:r>
               <a:rPr lang="en-US"/>
-              <a:t>Usecase + Sequence diagram</a:t>
+              <a:t>Fourth step: draw wireframe / prototype (use Figma)</a:t>
             </a:r>
           </a:p>
           <a:p>
             <a:pPr marL="0" indent="0">
               <a:buNone/>
             </a:pPr>
-            <a:r>
-              <a:rPr lang="en-US"/>
-              <a:t>Draw database diagram (submit on folder Diagram) and prototype of your project (replace link in README.md)</a:t>
-            </a:r>
-          </a:p>
-          <a:p>
-            <a:pPr marL="0" indent="0">
-              <a:buNone/>
-            </a:pPr>
-            <a:r>
-              <a:rPr lang="en-US"/>
-              <a:t>Deadline: 2 weeks</a:t>
-            </a:r>
-          </a:p>
-          <a:p>
-            <a:pPr marL="0" indent="0">
-              <a:buNone/>
-            </a:pPr>
-            <a:endParaRPr lang="en-US"/>
+            <a:endParaRPr lang="vi-VN"/>
           </a:p>
         </p:txBody>
       </p:sp>
@@ -6042,7 +10280,7 @@
           <p:cNvPr id="4" name="Chỗ dành sẵn cho Số hiệu Bản chiếu 3">
             <a:extLst>
               <a:ext uri="{FF2B5EF4-FFF2-40B4-BE49-F238E27FC236}">
-                <a16:creationId xmlns:a16="http://schemas.microsoft.com/office/drawing/2014/main" id="{50F1E59F-2453-456C-A13F-F5FCBA0B5ED4}"/>
+                <a16:creationId xmlns:a16="http://schemas.microsoft.com/office/drawing/2014/main" id="{FF7F8F3C-641C-4C83-A31A-4FBFE3C4AA19}"/>
               </a:ext>
             </a:extLst>
           </p:cNvPr>
@@ -6069,7 +10307,7 @@
     </p:spTree>
     <p:extLst>
       <p:ext uri="{BB962C8B-B14F-4D97-AF65-F5344CB8AC3E}">
-        <p14:creationId xmlns:p14="http://schemas.microsoft.com/office/powerpoint/2010/main" val="3492916418"/>
+        <p14:creationId xmlns:p14="http://schemas.microsoft.com/office/powerpoint/2010/main" val="1070751840"/>
       </p:ext>
     </p:extLst>
   </p:cSld>
@@ -6101,7 +10339,7 @@
           <p:cNvPr id="2" name="Tiêu đề 1">
             <a:extLst>
               <a:ext uri="{FF2B5EF4-FFF2-40B4-BE49-F238E27FC236}">
-                <a16:creationId xmlns:a16="http://schemas.microsoft.com/office/drawing/2014/main" id="{795E3B59-2632-488B-9E9F-875DFE7024F8}"/>
+                <a16:creationId xmlns:a16="http://schemas.microsoft.com/office/drawing/2014/main" id="{30AF1D5B-96D7-47E7-93F9-F5A8DFF25A4F}"/>
               </a:ext>
             </a:extLst>
           </p:cNvPr>
@@ -6119,9 +10357,64 @@
           <a:p>
             <a:r>
               <a:rPr lang="en-US"/>
-              <a:t>Question</a:t>
+              <a:t>Homework</a:t>
             </a:r>
             <a:endParaRPr lang="vi-VN"/>
+          </a:p>
+        </p:txBody>
+      </p:sp>
+      <p:sp>
+        <p:nvSpPr>
+          <p:cNvPr id="3" name="Chỗ dành sẵn cho Nội dung 2">
+            <a:extLst>
+              <a:ext uri="{FF2B5EF4-FFF2-40B4-BE49-F238E27FC236}">
+                <a16:creationId xmlns:a16="http://schemas.microsoft.com/office/drawing/2014/main" id="{22366723-663A-4B85-A50B-3EF4AF230F65}"/>
+              </a:ext>
+            </a:extLst>
+          </p:cNvPr>
+          <p:cNvSpPr>
+            <a:spLocks noGrp="1"/>
+          </p:cNvSpPr>
+          <p:nvPr>
+            <p:ph idx="1"/>
+          </p:nvPr>
+        </p:nvSpPr>
+        <p:spPr/>
+        <p:txBody>
+          <a:bodyPr/>
+          <a:lstStyle/>
+          <a:p>
+            <a:pPr marL="0" indent="0">
+              <a:buNone/>
+            </a:pPr>
+            <a:r>
+              <a:rPr lang="en-US"/>
+              <a:t>Usecase + Sequence diagram</a:t>
+            </a:r>
+          </a:p>
+          <a:p>
+            <a:pPr marL="0" indent="0">
+              <a:buNone/>
+            </a:pPr>
+            <a:r>
+              <a:rPr lang="en-US"/>
+              <a:t>Draw database diagram (submit on folder Diagram) and prototype of your project (replace link in README.md)</a:t>
+            </a:r>
+          </a:p>
+          <a:p>
+            <a:pPr marL="0" indent="0">
+              <a:buNone/>
+            </a:pPr>
+            <a:r>
+              <a:rPr lang="en-US"/>
+              <a:t>Deadline: 2 weeks</a:t>
+            </a:r>
+          </a:p>
+          <a:p>
+            <a:pPr marL="0" indent="0">
+              <a:buNone/>
+            </a:pPr>
+            <a:endParaRPr lang="en-US"/>
           </a:p>
         </p:txBody>
       </p:sp>
@@ -6130,7 +10423,7 @@
           <p:cNvPr id="4" name="Chỗ dành sẵn cho Số hiệu Bản chiếu 3">
             <a:extLst>
               <a:ext uri="{FF2B5EF4-FFF2-40B4-BE49-F238E27FC236}">
-                <a16:creationId xmlns:a16="http://schemas.microsoft.com/office/drawing/2014/main" id="{24C968C7-72B0-4BF7-9253-CCA3AC5ADD0A}"/>
+                <a16:creationId xmlns:a16="http://schemas.microsoft.com/office/drawing/2014/main" id="{50F1E59F-2453-456C-A13F-F5FCBA0B5ED4}"/>
               </a:ext>
             </a:extLst>
           </p:cNvPr>
@@ -6157,7 +10450,7 @@
     </p:spTree>
     <p:extLst>
       <p:ext uri="{BB962C8B-B14F-4D97-AF65-F5344CB8AC3E}">
-        <p14:creationId xmlns:p14="http://schemas.microsoft.com/office/powerpoint/2010/main" val="2481045314"/>
+        <p14:creationId xmlns:p14="http://schemas.microsoft.com/office/powerpoint/2010/main" val="3492916418"/>
       </p:ext>
     </p:extLst>
   </p:cSld>
@@ -7649,6 +11942,94 @@
     <p:extLst>
       <p:ext uri="{BB962C8B-B14F-4D97-AF65-F5344CB8AC3E}">
         <p14:creationId xmlns:p14="http://schemas.microsoft.com/office/powerpoint/2010/main" val="2937530225"/>
+      </p:ext>
+    </p:extLst>
+  </p:cSld>
+  <p:clrMapOvr>
+    <a:masterClrMapping/>
+  </p:clrMapOvr>
+</p:sld>
+</file>
+
+<file path=ppt/slides/slide20.xml><?xml version="1.0" encoding="utf-8"?>
+<p:sld xmlns:a="http://schemas.openxmlformats.org/drawingml/2006/main" xmlns:r="http://schemas.openxmlformats.org/officeDocument/2006/relationships" xmlns:p="http://schemas.openxmlformats.org/presentationml/2006/main">
+  <p:cSld>
+    <p:spTree>
+      <p:nvGrpSpPr>
+        <p:cNvPr id="1" name=""/>
+        <p:cNvGrpSpPr/>
+        <p:nvPr/>
+      </p:nvGrpSpPr>
+      <p:grpSpPr>
+        <a:xfrm>
+          <a:off x="0" y="0"/>
+          <a:ext cx="0" cy="0"/>
+          <a:chOff x="0" y="0"/>
+          <a:chExt cx="0" cy="0"/>
+        </a:xfrm>
+      </p:grpSpPr>
+      <p:sp>
+        <p:nvSpPr>
+          <p:cNvPr id="2" name="Tiêu đề 1">
+            <a:extLst>
+              <a:ext uri="{FF2B5EF4-FFF2-40B4-BE49-F238E27FC236}">
+                <a16:creationId xmlns:a16="http://schemas.microsoft.com/office/drawing/2014/main" id="{795E3B59-2632-488B-9E9F-875DFE7024F8}"/>
+              </a:ext>
+            </a:extLst>
+          </p:cNvPr>
+          <p:cNvSpPr>
+            <a:spLocks noGrp="1"/>
+          </p:cNvSpPr>
+          <p:nvPr>
+            <p:ph type="title"/>
+          </p:nvPr>
+        </p:nvSpPr>
+        <p:spPr/>
+        <p:txBody>
+          <a:bodyPr/>
+          <a:lstStyle/>
+          <a:p>
+            <a:r>
+              <a:rPr lang="en-US"/>
+              <a:t>Question</a:t>
+            </a:r>
+            <a:endParaRPr lang="vi-VN"/>
+          </a:p>
+        </p:txBody>
+      </p:sp>
+      <p:sp>
+        <p:nvSpPr>
+          <p:cNvPr id="4" name="Chỗ dành sẵn cho Số hiệu Bản chiếu 3">
+            <a:extLst>
+              <a:ext uri="{FF2B5EF4-FFF2-40B4-BE49-F238E27FC236}">
+                <a16:creationId xmlns:a16="http://schemas.microsoft.com/office/drawing/2014/main" id="{24C968C7-72B0-4BF7-9253-CCA3AC5ADD0A}"/>
+              </a:ext>
+            </a:extLst>
+          </p:cNvPr>
+          <p:cNvSpPr>
+            <a:spLocks noGrp="1"/>
+          </p:cNvSpPr>
+          <p:nvPr>
+            <p:ph type="sldNum" sz="quarter" idx="12"/>
+          </p:nvPr>
+        </p:nvSpPr>
+        <p:spPr/>
+        <p:txBody>
+          <a:bodyPr/>
+          <a:lstStyle/>
+          <a:p>
+            <a:fld id="{480537A9-B8B1-481D-9BE4-179EB839AE15}" type="slidenum">
+              <a:rPr lang="vi-VN" smtClean="0"/>
+              <a:t>20</a:t>
+            </a:fld>
+            <a:endParaRPr lang="vi-VN"/>
+          </a:p>
+        </p:txBody>
+      </p:sp>
+    </p:spTree>
+    <p:extLst>
+      <p:ext uri="{BB962C8B-B14F-4D97-AF65-F5344CB8AC3E}">
+        <p14:creationId xmlns:p14="http://schemas.microsoft.com/office/powerpoint/2010/main" val="2481045314"/>
       </p:ext>
     </p:extLst>
   </p:cSld>

--- a/CS4273-Introduce to Software Engineering/Slides/Lab 3. Design.pptx
+++ b/CS4273-Introduce to Software Engineering/Slides/Lab 3. Design.pptx
@@ -5,7 +5,7 @@
     <p:sldMasterId id="2147483648" r:id="rId1"/>
   </p:sldMasterIdLst>
   <p:notesMasterIdLst>
-    <p:notesMasterId r:id="rId22"/>
+    <p:notesMasterId r:id="rId23"/>
   </p:notesMasterIdLst>
   <p:sldIdLst>
     <p:sldId id="256" r:id="rId2"/>
@@ -26,8 +26,9 @@
     <p:sldId id="272" r:id="rId17"/>
     <p:sldId id="273" r:id="rId18"/>
     <p:sldId id="275" r:id="rId19"/>
-    <p:sldId id="276" r:id="rId20"/>
-    <p:sldId id="266" r:id="rId21"/>
+    <p:sldId id="294" r:id="rId20"/>
+    <p:sldId id="276" r:id="rId21"/>
+    <p:sldId id="266" r:id="rId22"/>
   </p:sldIdLst>
   <p:sldSz cx="12192000" cy="6858000"/>
   <p:notesSz cx="6858000" cy="9144000"/>
@@ -1877,7 +1878,7 @@
           <a:p>
             <a:fld id="{A88E820D-16A4-4831-A52F-37A884D7B319}" type="datetimeFigureOut">
               <a:rPr lang="vi-VN" smtClean="0"/>
-              <a:t>06/10/2022</a:t>
+              <a:t>24/11/2022</a:t>
             </a:fld>
             <a:endParaRPr lang="vi-VN"/>
           </a:p>
@@ -2291,7 +2292,7 @@
           <a:p>
             <a:fld id="{6130FE31-D0FC-4A51-8026-4011083A62F2}" type="datetime1">
               <a:rPr lang="vi-VN" smtClean="0"/>
-              <a:t>06/10/2022</a:t>
+              <a:t>24/11/2022</a:t>
             </a:fld>
             <a:endParaRPr lang="vi-VN"/>
           </a:p>
@@ -2489,7 +2490,7 @@
           <a:p>
             <a:fld id="{F5FA08AE-2C89-4EA0-B9D8-4352E0DFF7C7}" type="datetime1">
               <a:rPr lang="vi-VN" smtClean="0"/>
-              <a:t>06/10/2022</a:t>
+              <a:t>24/11/2022</a:t>
             </a:fld>
             <a:endParaRPr lang="vi-VN"/>
           </a:p>
@@ -2697,7 +2698,7 @@
           <a:p>
             <a:fld id="{BA778854-8600-4843-A004-1793EA166BA1}" type="datetime1">
               <a:rPr lang="vi-VN" smtClean="0"/>
-              <a:t>06/10/2022</a:t>
+              <a:t>24/11/2022</a:t>
             </a:fld>
             <a:endParaRPr lang="vi-VN"/>
           </a:p>
@@ -2895,7 +2896,7 @@
           <a:p>
             <a:fld id="{5F320FC0-3F80-450B-9702-DD4EA0DF604D}" type="datetime1">
               <a:rPr lang="vi-VN" smtClean="0"/>
-              <a:t>06/10/2022</a:t>
+              <a:t>24/11/2022</a:t>
             </a:fld>
             <a:endParaRPr lang="vi-VN"/>
           </a:p>
@@ -3170,7 +3171,7 @@
           <a:p>
             <a:fld id="{9120D16D-05D6-4570-B5AB-0C53843B40DF}" type="datetime1">
               <a:rPr lang="vi-VN" smtClean="0"/>
-              <a:t>06/10/2022</a:t>
+              <a:t>24/11/2022</a:t>
             </a:fld>
             <a:endParaRPr lang="vi-VN"/>
           </a:p>
@@ -3435,7 +3436,7 @@
           <a:p>
             <a:fld id="{C1930879-D6EC-43B3-9790-DC21330B035A}" type="datetime1">
               <a:rPr lang="vi-VN" smtClean="0"/>
-              <a:t>06/10/2022</a:t>
+              <a:t>24/11/2022</a:t>
             </a:fld>
             <a:endParaRPr lang="vi-VN"/>
           </a:p>
@@ -3847,7 +3848,7 @@
           <a:p>
             <a:fld id="{391FFE42-EAED-49BD-9891-C7BAD0DC7A4D}" type="datetime1">
               <a:rPr lang="vi-VN" smtClean="0"/>
-              <a:t>06/10/2022</a:t>
+              <a:t>24/11/2022</a:t>
             </a:fld>
             <a:endParaRPr lang="vi-VN"/>
           </a:p>
@@ -3988,7 +3989,7 @@
           <a:p>
             <a:fld id="{C21D87D3-5693-4934-9F08-F0D4D72F3CF5}" type="datetime1">
               <a:rPr lang="vi-VN" smtClean="0"/>
-              <a:t>06/10/2022</a:t>
+              <a:t>24/11/2022</a:t>
             </a:fld>
             <a:endParaRPr lang="vi-VN"/>
           </a:p>
@@ -4101,7 +4102,7 @@
           <a:p>
             <a:fld id="{57005273-2200-4DAE-B6C8-87E811B645B3}" type="datetime1">
               <a:rPr lang="vi-VN" smtClean="0"/>
-              <a:t>06/10/2022</a:t>
+              <a:t>24/11/2022</a:t>
             </a:fld>
             <a:endParaRPr lang="vi-VN"/>
           </a:p>
@@ -4412,7 +4413,7 @@
           <a:p>
             <a:fld id="{415415D9-0F4E-4734-ACB9-ABDD87068571}" type="datetime1">
               <a:rPr lang="vi-VN" smtClean="0"/>
-              <a:t>06/10/2022</a:t>
+              <a:t>24/11/2022</a:t>
             </a:fld>
             <a:endParaRPr lang="vi-VN"/>
           </a:p>
@@ -4700,7 +4701,7 @@
           <a:p>
             <a:fld id="{C51202ED-37C7-4CF2-8E40-73A527E50908}" type="datetime1">
               <a:rPr lang="vi-VN" smtClean="0"/>
-              <a:t>06/10/2022</a:t>
+              <a:t>24/11/2022</a:t>
             </a:fld>
             <a:endParaRPr lang="vi-VN"/>
           </a:p>
@@ -4941,7 +4942,7 @@
           <a:p>
             <a:fld id="{7FAA69D2-A0B2-43B5-903F-2BF5B10D3988}" type="datetime1">
               <a:rPr lang="vi-VN" smtClean="0"/>
-              <a:t>06/10/2022</a:t>
+              <a:t>24/11/2022</a:t>
             </a:fld>
             <a:endParaRPr lang="vi-VN"/>
           </a:p>
@@ -6463,8 +6464,8 @@
             <a:chExt cx="9459720" cy="5378760"/>
           </a:xfrm>
         </p:grpSpPr>
-        <mc:AlternateContent xmlns:mc="http://schemas.openxmlformats.org/markup-compatibility/2006">
-          <mc:Choice xmlns:p14="http://schemas.microsoft.com/office/powerpoint/2010/main" Requires="p14">
+        <mc:AlternateContent xmlns:mc="http://schemas.openxmlformats.org/markup-compatibility/2006" xmlns:p14="http://schemas.microsoft.com/office/powerpoint/2010/main">
+          <mc:Choice Requires="p14">
             <p:contentPart p14:bwMode="auto" r:id="rId2">
               <p14:nvContentPartPr>
                 <p14:cNvPr id="5" name="Viết tay 4">
@@ -6483,7 +6484,7 @@
               </p14:xfrm>
             </p:contentPart>
           </mc:Choice>
-          <mc:Fallback>
+          <mc:Fallback xmlns="">
             <p:pic>
               <p:nvPicPr>
                 <p:cNvPr id="5" name="Viết tay 4">
@@ -6514,8 +6515,8 @@
             </p:pic>
           </mc:Fallback>
         </mc:AlternateContent>
-        <mc:AlternateContent xmlns:mc="http://schemas.openxmlformats.org/markup-compatibility/2006">
-          <mc:Choice xmlns:p14="http://schemas.microsoft.com/office/powerpoint/2010/main" Requires="p14">
+        <mc:AlternateContent xmlns:mc="http://schemas.openxmlformats.org/markup-compatibility/2006" xmlns:p14="http://schemas.microsoft.com/office/powerpoint/2010/main">
+          <mc:Choice Requires="p14">
             <p:contentPart p14:bwMode="auto" r:id="rId4">
               <p14:nvContentPartPr>
                 <p14:cNvPr id="6" name="Viết tay 5">
@@ -6534,7 +6535,7 @@
               </p14:xfrm>
             </p:contentPart>
           </mc:Choice>
-          <mc:Fallback>
+          <mc:Fallback xmlns="">
             <p:pic>
               <p:nvPicPr>
                 <p:cNvPr id="6" name="Viết tay 5">
@@ -6565,8 +6566,8 @@
             </p:pic>
           </mc:Fallback>
         </mc:AlternateContent>
-        <mc:AlternateContent xmlns:mc="http://schemas.openxmlformats.org/markup-compatibility/2006">
-          <mc:Choice xmlns:p14="http://schemas.microsoft.com/office/powerpoint/2010/main" Requires="p14">
+        <mc:AlternateContent xmlns:mc="http://schemas.openxmlformats.org/markup-compatibility/2006" xmlns:p14="http://schemas.microsoft.com/office/powerpoint/2010/main">
+          <mc:Choice Requires="p14">
             <p:contentPart p14:bwMode="auto" r:id="rId6">
               <p14:nvContentPartPr>
                 <p14:cNvPr id="7" name="Viết tay 6">
@@ -6585,7 +6586,7 @@
               </p14:xfrm>
             </p:contentPart>
           </mc:Choice>
-          <mc:Fallback>
+          <mc:Fallback xmlns="">
             <p:pic>
               <p:nvPicPr>
                 <p:cNvPr id="7" name="Viết tay 6">
@@ -6617,8 +6618,8 @@
           </mc:Fallback>
         </mc:AlternateContent>
       </p:grpSp>
-      <mc:AlternateContent xmlns:mc="http://schemas.openxmlformats.org/markup-compatibility/2006">
-        <mc:Choice xmlns:p14="http://schemas.microsoft.com/office/powerpoint/2010/main" Requires="p14">
+      <mc:AlternateContent xmlns:mc="http://schemas.openxmlformats.org/markup-compatibility/2006" xmlns:p14="http://schemas.microsoft.com/office/powerpoint/2010/main">
+        <mc:Choice Requires="p14">
           <p:contentPart p14:bwMode="auto" r:id="rId8">
             <p14:nvContentPartPr>
               <p14:cNvPr id="9" name="Viết tay 8">
@@ -6637,7 +6638,7 @@
             </p14:xfrm>
           </p:contentPart>
         </mc:Choice>
-        <mc:Fallback>
+        <mc:Fallback xmlns="">
           <p:pic>
             <p:nvPicPr>
               <p:cNvPr id="9" name="Viết tay 8">
@@ -6688,8 +6689,8 @@
             <a:chExt cx="3791520" cy="385200"/>
           </a:xfrm>
         </p:grpSpPr>
-        <mc:AlternateContent xmlns:mc="http://schemas.openxmlformats.org/markup-compatibility/2006">
-          <mc:Choice xmlns:p14="http://schemas.microsoft.com/office/powerpoint/2010/main" Requires="p14">
+        <mc:AlternateContent xmlns:mc="http://schemas.openxmlformats.org/markup-compatibility/2006" xmlns:p14="http://schemas.microsoft.com/office/powerpoint/2010/main">
+          <mc:Choice Requires="p14">
             <p:contentPart p14:bwMode="auto" r:id="rId10">
               <p14:nvContentPartPr>
                 <p14:cNvPr id="10" name="Viết tay 9">
@@ -6708,7 +6709,7 @@
               </p14:xfrm>
             </p:contentPart>
           </mc:Choice>
-          <mc:Fallback>
+          <mc:Fallback xmlns="">
             <p:pic>
               <p:nvPicPr>
                 <p:cNvPr id="10" name="Viết tay 9">
@@ -6739,8 +6740,8 @@
             </p:pic>
           </mc:Fallback>
         </mc:AlternateContent>
-        <mc:AlternateContent xmlns:mc="http://schemas.openxmlformats.org/markup-compatibility/2006">
-          <mc:Choice xmlns:p14="http://schemas.microsoft.com/office/powerpoint/2010/main" Requires="p14">
+        <mc:AlternateContent xmlns:mc="http://schemas.openxmlformats.org/markup-compatibility/2006" xmlns:p14="http://schemas.microsoft.com/office/powerpoint/2010/main">
+          <mc:Choice Requires="p14">
             <p:contentPart p14:bwMode="auto" r:id="rId12">
               <p14:nvContentPartPr>
                 <p14:cNvPr id="11" name="Viết tay 10">
@@ -6759,7 +6760,7 @@
               </p14:xfrm>
             </p:contentPart>
           </mc:Choice>
-          <mc:Fallback>
+          <mc:Fallback xmlns="">
             <p:pic>
               <p:nvPicPr>
                 <p:cNvPr id="11" name="Viết tay 10">
@@ -6790,8 +6791,8 @@
             </p:pic>
           </mc:Fallback>
         </mc:AlternateContent>
-        <mc:AlternateContent xmlns:mc="http://schemas.openxmlformats.org/markup-compatibility/2006">
-          <mc:Choice xmlns:p14="http://schemas.microsoft.com/office/powerpoint/2010/main" Requires="p14">
+        <mc:AlternateContent xmlns:mc="http://schemas.openxmlformats.org/markup-compatibility/2006" xmlns:p14="http://schemas.microsoft.com/office/powerpoint/2010/main">
+          <mc:Choice Requires="p14">
             <p:contentPart p14:bwMode="auto" r:id="rId14">
               <p14:nvContentPartPr>
                 <p14:cNvPr id="12" name="Viết tay 11">
@@ -6810,7 +6811,7 @@
               </p14:xfrm>
             </p:contentPart>
           </mc:Choice>
-          <mc:Fallback>
+          <mc:Fallback xmlns="">
             <p:pic>
               <p:nvPicPr>
                 <p:cNvPr id="12" name="Viết tay 11">
@@ -6841,8 +6842,8 @@
             </p:pic>
           </mc:Fallback>
         </mc:AlternateContent>
-        <mc:AlternateContent xmlns:mc="http://schemas.openxmlformats.org/markup-compatibility/2006">
-          <mc:Choice xmlns:p14="http://schemas.microsoft.com/office/powerpoint/2010/main" Requires="p14">
+        <mc:AlternateContent xmlns:mc="http://schemas.openxmlformats.org/markup-compatibility/2006" xmlns:p14="http://schemas.microsoft.com/office/powerpoint/2010/main">
+          <mc:Choice Requires="p14">
             <p:contentPart p14:bwMode="auto" r:id="rId16">
               <p14:nvContentPartPr>
                 <p14:cNvPr id="13" name="Viết tay 12">
@@ -6861,7 +6862,7 @@
               </p14:xfrm>
             </p:contentPart>
           </mc:Choice>
-          <mc:Fallback>
+          <mc:Fallback xmlns="">
             <p:pic>
               <p:nvPicPr>
                 <p:cNvPr id="13" name="Viết tay 12">
@@ -6913,8 +6914,8 @@
             <a:chExt cx="478080" cy="27360"/>
           </a:xfrm>
         </p:grpSpPr>
-        <mc:AlternateContent xmlns:mc="http://schemas.openxmlformats.org/markup-compatibility/2006">
-          <mc:Choice xmlns:p14="http://schemas.microsoft.com/office/powerpoint/2010/main" Requires="p14">
+        <mc:AlternateContent xmlns:mc="http://schemas.openxmlformats.org/markup-compatibility/2006" xmlns:p14="http://schemas.microsoft.com/office/powerpoint/2010/main">
+          <mc:Choice Requires="p14">
             <p:contentPart p14:bwMode="auto" r:id="rId18">
               <p14:nvContentPartPr>
                 <p14:cNvPr id="14" name="Viết tay 13">
@@ -6933,7 +6934,7 @@
               </p14:xfrm>
             </p:contentPart>
           </mc:Choice>
-          <mc:Fallback>
+          <mc:Fallback xmlns="">
             <p:pic>
               <p:nvPicPr>
                 <p:cNvPr id="14" name="Viết tay 13">
@@ -6964,8 +6965,8 @@
             </p:pic>
           </mc:Fallback>
         </mc:AlternateContent>
-        <mc:AlternateContent xmlns:mc="http://schemas.openxmlformats.org/markup-compatibility/2006">
-          <mc:Choice xmlns:p14="http://schemas.microsoft.com/office/powerpoint/2010/main" Requires="p14">
+        <mc:AlternateContent xmlns:mc="http://schemas.openxmlformats.org/markup-compatibility/2006" xmlns:p14="http://schemas.microsoft.com/office/powerpoint/2010/main">
+          <mc:Choice Requires="p14">
             <p:contentPart p14:bwMode="auto" r:id="rId20">
               <p14:nvContentPartPr>
                 <p14:cNvPr id="15" name="Viết tay 14">
@@ -6984,7 +6985,7 @@
               </p14:xfrm>
             </p:contentPart>
           </mc:Choice>
-          <mc:Fallback>
+          <mc:Fallback xmlns="">
             <p:pic>
               <p:nvPicPr>
                 <p:cNvPr id="15" name="Viết tay 14">
@@ -7016,8 +7017,8 @@
           </mc:Fallback>
         </mc:AlternateContent>
       </p:grpSp>
-      <mc:AlternateContent xmlns:mc="http://schemas.openxmlformats.org/markup-compatibility/2006">
-        <mc:Choice xmlns:p14="http://schemas.microsoft.com/office/powerpoint/2010/main" Requires="p14">
+      <mc:AlternateContent xmlns:mc="http://schemas.openxmlformats.org/markup-compatibility/2006" xmlns:p14="http://schemas.microsoft.com/office/powerpoint/2010/main">
+        <mc:Choice Requires="p14">
           <p:contentPart p14:bwMode="auto" r:id="rId21">
             <p14:nvContentPartPr>
               <p14:cNvPr id="16" name="Viết tay 15">
@@ -7036,7 +7037,7 @@
             </p14:xfrm>
           </p:contentPart>
         </mc:Choice>
-        <mc:Fallback>
+        <mc:Fallback xmlns="">
           <p:pic>
             <p:nvPicPr>
               <p:cNvPr id="16" name="Viết tay 15">
@@ -7067,8 +7068,8 @@
           </p:pic>
         </mc:Fallback>
       </mc:AlternateContent>
-      <mc:AlternateContent xmlns:mc="http://schemas.openxmlformats.org/markup-compatibility/2006">
-        <mc:Choice xmlns:p14="http://schemas.microsoft.com/office/powerpoint/2010/main" Requires="p14">
+      <mc:AlternateContent xmlns:mc="http://schemas.openxmlformats.org/markup-compatibility/2006" xmlns:p14="http://schemas.microsoft.com/office/powerpoint/2010/main">
+        <mc:Choice Requires="p14">
           <p:contentPart p14:bwMode="auto" r:id="rId23">
             <p14:nvContentPartPr>
               <p14:cNvPr id="17" name="Viết tay 16">
@@ -7087,7 +7088,7 @@
             </p14:xfrm>
           </p:contentPart>
         </mc:Choice>
-        <mc:Fallback>
+        <mc:Fallback xmlns="">
           <p:pic>
             <p:nvPicPr>
               <p:cNvPr id="17" name="Viết tay 16">
@@ -7118,8 +7119,8 @@
           </p:pic>
         </mc:Fallback>
       </mc:AlternateContent>
-      <mc:AlternateContent xmlns:mc="http://schemas.openxmlformats.org/markup-compatibility/2006">
-        <mc:Choice xmlns:p14="http://schemas.microsoft.com/office/powerpoint/2010/main" Requires="p14">
+      <mc:AlternateContent xmlns:mc="http://schemas.openxmlformats.org/markup-compatibility/2006" xmlns:p14="http://schemas.microsoft.com/office/powerpoint/2010/main">
+        <mc:Choice Requires="p14">
           <p:contentPart p14:bwMode="auto" r:id="rId24">
             <p14:nvContentPartPr>
               <p14:cNvPr id="18" name="Viết tay 17">
@@ -7138,7 +7139,7 @@
             </p14:xfrm>
           </p:contentPart>
         </mc:Choice>
-        <mc:Fallback>
+        <mc:Fallback xmlns="">
           <p:pic>
             <p:nvPicPr>
               <p:cNvPr id="18" name="Viết tay 17">
@@ -7169,8 +7170,8 @@
           </p:pic>
         </mc:Fallback>
       </mc:AlternateContent>
-      <mc:AlternateContent xmlns:mc="http://schemas.openxmlformats.org/markup-compatibility/2006">
-        <mc:Choice xmlns:p14="http://schemas.microsoft.com/office/powerpoint/2010/main" Requires="p14">
+      <mc:AlternateContent xmlns:mc="http://schemas.openxmlformats.org/markup-compatibility/2006" xmlns:p14="http://schemas.microsoft.com/office/powerpoint/2010/main">
+        <mc:Choice Requires="p14">
           <p:contentPart p14:bwMode="auto" r:id="rId26">
             <p14:nvContentPartPr>
               <p14:cNvPr id="19" name="Viết tay 18">
@@ -7189,7 +7190,7 @@
             </p14:xfrm>
           </p:contentPart>
         </mc:Choice>
-        <mc:Fallback>
+        <mc:Fallback xmlns="">
           <p:pic>
             <p:nvPicPr>
               <p:cNvPr id="19" name="Viết tay 18">
@@ -7220,8 +7221,8 @@
           </p:pic>
         </mc:Fallback>
       </mc:AlternateContent>
-      <mc:AlternateContent xmlns:mc="http://schemas.openxmlformats.org/markup-compatibility/2006">
-        <mc:Choice xmlns:p14="http://schemas.microsoft.com/office/powerpoint/2010/main" Requires="p14">
+      <mc:AlternateContent xmlns:mc="http://schemas.openxmlformats.org/markup-compatibility/2006" xmlns:p14="http://schemas.microsoft.com/office/powerpoint/2010/main">
+        <mc:Choice Requires="p14">
           <p:contentPart p14:bwMode="auto" r:id="rId27">
             <p14:nvContentPartPr>
               <p14:cNvPr id="20" name="Viết tay 19">
@@ -7240,7 +7241,7 @@
             </p14:xfrm>
           </p:contentPart>
         </mc:Choice>
-        <mc:Fallback>
+        <mc:Fallback xmlns="">
           <p:pic>
             <p:nvPicPr>
               <p:cNvPr id="20" name="Viết tay 19">
@@ -7291,8 +7292,8 @@
             <a:chExt cx="2607480" cy="564120"/>
           </a:xfrm>
         </p:grpSpPr>
-        <mc:AlternateContent xmlns:mc="http://schemas.openxmlformats.org/markup-compatibility/2006">
-          <mc:Choice xmlns:p14="http://schemas.microsoft.com/office/powerpoint/2010/main" Requires="p14">
+        <mc:AlternateContent xmlns:mc="http://schemas.openxmlformats.org/markup-compatibility/2006" xmlns:p14="http://schemas.microsoft.com/office/powerpoint/2010/main">
+          <mc:Choice Requires="p14">
             <p:contentPart p14:bwMode="auto" r:id="rId28">
               <p14:nvContentPartPr>
                 <p14:cNvPr id="21" name="Viết tay 20">
@@ -7311,7 +7312,7 @@
               </p14:xfrm>
             </p:contentPart>
           </mc:Choice>
-          <mc:Fallback>
+          <mc:Fallback xmlns="">
             <p:pic>
               <p:nvPicPr>
                 <p:cNvPr id="21" name="Viết tay 20">
@@ -7342,8 +7343,8 @@
             </p:pic>
           </mc:Fallback>
         </mc:AlternateContent>
-        <mc:AlternateContent xmlns:mc="http://schemas.openxmlformats.org/markup-compatibility/2006">
-          <mc:Choice xmlns:p14="http://schemas.microsoft.com/office/powerpoint/2010/main" Requires="p14">
+        <mc:AlternateContent xmlns:mc="http://schemas.openxmlformats.org/markup-compatibility/2006" xmlns:p14="http://schemas.microsoft.com/office/powerpoint/2010/main">
+          <mc:Choice Requires="p14">
             <p:contentPart p14:bwMode="auto" r:id="rId30">
               <p14:nvContentPartPr>
                 <p14:cNvPr id="24" name="Viết tay 23">
@@ -7362,7 +7363,7 @@
               </p14:xfrm>
             </p:contentPart>
           </mc:Choice>
-          <mc:Fallback>
+          <mc:Fallback xmlns="">
             <p:pic>
               <p:nvPicPr>
                 <p:cNvPr id="24" name="Viết tay 23">
@@ -7393,8 +7394,8 @@
             </p:pic>
           </mc:Fallback>
         </mc:AlternateContent>
-        <mc:AlternateContent xmlns:mc="http://schemas.openxmlformats.org/markup-compatibility/2006">
-          <mc:Choice xmlns:p14="http://schemas.microsoft.com/office/powerpoint/2010/main" Requires="p14">
+        <mc:AlternateContent xmlns:mc="http://schemas.openxmlformats.org/markup-compatibility/2006" xmlns:p14="http://schemas.microsoft.com/office/powerpoint/2010/main">
+          <mc:Choice Requires="p14">
             <p:contentPart p14:bwMode="auto" r:id="rId32">
               <p14:nvContentPartPr>
                 <p14:cNvPr id="25" name="Viết tay 24">
@@ -7413,7 +7414,7 @@
               </p14:xfrm>
             </p:contentPart>
           </mc:Choice>
-          <mc:Fallback>
+          <mc:Fallback xmlns="">
             <p:pic>
               <p:nvPicPr>
                 <p:cNvPr id="25" name="Viết tay 24">
@@ -7444,8 +7445,8 @@
             </p:pic>
           </mc:Fallback>
         </mc:AlternateContent>
-        <mc:AlternateContent xmlns:mc="http://schemas.openxmlformats.org/markup-compatibility/2006">
-          <mc:Choice xmlns:p14="http://schemas.microsoft.com/office/powerpoint/2010/main" Requires="p14">
+        <mc:AlternateContent xmlns:mc="http://schemas.openxmlformats.org/markup-compatibility/2006" xmlns:p14="http://schemas.microsoft.com/office/powerpoint/2010/main">
+          <mc:Choice Requires="p14">
             <p:contentPart p14:bwMode="auto" r:id="rId34">
               <p14:nvContentPartPr>
                 <p14:cNvPr id="27" name="Viết tay 26">
@@ -7464,7 +7465,7 @@
               </p14:xfrm>
             </p:contentPart>
           </mc:Choice>
-          <mc:Fallback>
+          <mc:Fallback xmlns="">
             <p:pic>
               <p:nvPicPr>
                 <p:cNvPr id="27" name="Viết tay 26">
@@ -7495,8 +7496,8 @@
             </p:pic>
           </mc:Fallback>
         </mc:AlternateContent>
-        <mc:AlternateContent xmlns:mc="http://schemas.openxmlformats.org/markup-compatibility/2006">
-          <mc:Choice xmlns:p14="http://schemas.microsoft.com/office/powerpoint/2010/main" Requires="p14">
+        <mc:AlternateContent xmlns:mc="http://schemas.openxmlformats.org/markup-compatibility/2006" xmlns:p14="http://schemas.microsoft.com/office/powerpoint/2010/main">
+          <mc:Choice Requires="p14">
             <p:contentPart p14:bwMode="auto" r:id="rId36">
               <p14:nvContentPartPr>
                 <p14:cNvPr id="28" name="Viết tay 27">
@@ -7515,7 +7516,7 @@
               </p14:xfrm>
             </p:contentPart>
           </mc:Choice>
-          <mc:Fallback>
+          <mc:Fallback xmlns="">
             <p:pic>
               <p:nvPicPr>
                 <p:cNvPr id="28" name="Viết tay 27">
@@ -7546,8 +7547,8 @@
             </p:pic>
           </mc:Fallback>
         </mc:AlternateContent>
-        <mc:AlternateContent xmlns:mc="http://schemas.openxmlformats.org/markup-compatibility/2006">
-          <mc:Choice xmlns:p14="http://schemas.microsoft.com/office/powerpoint/2010/main" Requires="p14">
+        <mc:AlternateContent xmlns:mc="http://schemas.openxmlformats.org/markup-compatibility/2006" xmlns:p14="http://schemas.microsoft.com/office/powerpoint/2010/main">
+          <mc:Choice Requires="p14">
             <p:contentPart p14:bwMode="auto" r:id="rId38">
               <p14:nvContentPartPr>
                 <p14:cNvPr id="29" name="Viết tay 28">
@@ -7566,7 +7567,7 @@
               </p14:xfrm>
             </p:contentPart>
           </mc:Choice>
-          <mc:Fallback>
+          <mc:Fallback xmlns="">
             <p:pic>
               <p:nvPicPr>
                 <p:cNvPr id="29" name="Viết tay 28">
@@ -7597,8 +7598,8 @@
             </p:pic>
           </mc:Fallback>
         </mc:AlternateContent>
-        <mc:AlternateContent xmlns:mc="http://schemas.openxmlformats.org/markup-compatibility/2006">
-          <mc:Choice xmlns:p14="http://schemas.microsoft.com/office/powerpoint/2010/main" Requires="p14">
+        <mc:AlternateContent xmlns:mc="http://schemas.openxmlformats.org/markup-compatibility/2006" xmlns:p14="http://schemas.microsoft.com/office/powerpoint/2010/main">
+          <mc:Choice Requires="p14">
             <p:contentPart p14:bwMode="auto" r:id="rId40">
               <p14:nvContentPartPr>
                 <p14:cNvPr id="30" name="Viết tay 29">
@@ -7617,7 +7618,7 @@
               </p14:xfrm>
             </p:contentPart>
           </mc:Choice>
-          <mc:Fallback>
+          <mc:Fallback xmlns="">
             <p:pic>
               <p:nvPicPr>
                 <p:cNvPr id="30" name="Viết tay 29">
@@ -7648,8 +7649,8 @@
             </p:pic>
           </mc:Fallback>
         </mc:AlternateContent>
-        <mc:AlternateContent xmlns:mc="http://schemas.openxmlformats.org/markup-compatibility/2006">
-          <mc:Choice xmlns:p14="http://schemas.microsoft.com/office/powerpoint/2010/main" Requires="p14">
+        <mc:AlternateContent xmlns:mc="http://schemas.openxmlformats.org/markup-compatibility/2006" xmlns:p14="http://schemas.microsoft.com/office/powerpoint/2010/main">
+          <mc:Choice Requires="p14">
             <p:contentPart p14:bwMode="auto" r:id="rId42">
               <p14:nvContentPartPr>
                 <p14:cNvPr id="31" name="Viết tay 30">
@@ -7668,7 +7669,7 @@
               </p14:xfrm>
             </p:contentPart>
           </mc:Choice>
-          <mc:Fallback>
+          <mc:Fallback xmlns="">
             <p:pic>
               <p:nvPicPr>
                 <p:cNvPr id="31" name="Viết tay 30">
@@ -7699,8 +7700,8 @@
             </p:pic>
           </mc:Fallback>
         </mc:AlternateContent>
-        <mc:AlternateContent xmlns:mc="http://schemas.openxmlformats.org/markup-compatibility/2006">
-          <mc:Choice xmlns:p14="http://schemas.microsoft.com/office/powerpoint/2010/main" Requires="p14">
+        <mc:AlternateContent xmlns:mc="http://schemas.openxmlformats.org/markup-compatibility/2006" xmlns:p14="http://schemas.microsoft.com/office/powerpoint/2010/main">
+          <mc:Choice Requires="p14">
             <p:contentPart p14:bwMode="auto" r:id="rId44">
               <p14:nvContentPartPr>
                 <p14:cNvPr id="32" name="Viết tay 31">
@@ -7719,7 +7720,7 @@
               </p14:xfrm>
             </p:contentPart>
           </mc:Choice>
-          <mc:Fallback>
+          <mc:Fallback xmlns="">
             <p:pic>
               <p:nvPicPr>
                 <p:cNvPr id="32" name="Viết tay 31">
@@ -7750,8 +7751,8 @@
             </p:pic>
           </mc:Fallback>
         </mc:AlternateContent>
-        <mc:AlternateContent xmlns:mc="http://schemas.openxmlformats.org/markup-compatibility/2006">
-          <mc:Choice xmlns:p14="http://schemas.microsoft.com/office/powerpoint/2010/main" Requires="p14">
+        <mc:AlternateContent xmlns:mc="http://schemas.openxmlformats.org/markup-compatibility/2006" xmlns:p14="http://schemas.microsoft.com/office/powerpoint/2010/main">
+          <mc:Choice Requires="p14">
             <p:contentPart p14:bwMode="auto" r:id="rId46">
               <p14:nvContentPartPr>
                 <p14:cNvPr id="33" name="Viết tay 32">
@@ -7770,7 +7771,7 @@
               </p14:xfrm>
             </p:contentPart>
           </mc:Choice>
-          <mc:Fallback>
+          <mc:Fallback xmlns="">
             <p:pic>
               <p:nvPicPr>
                 <p:cNvPr id="33" name="Viết tay 32">
@@ -7801,8 +7802,8 @@
             </p:pic>
           </mc:Fallback>
         </mc:AlternateContent>
-        <mc:AlternateContent xmlns:mc="http://schemas.openxmlformats.org/markup-compatibility/2006">
-          <mc:Choice xmlns:p14="http://schemas.microsoft.com/office/powerpoint/2010/main" Requires="p14">
+        <mc:AlternateContent xmlns:mc="http://schemas.openxmlformats.org/markup-compatibility/2006" xmlns:p14="http://schemas.microsoft.com/office/powerpoint/2010/main">
+          <mc:Choice Requires="p14">
             <p:contentPart p14:bwMode="auto" r:id="rId48">
               <p14:nvContentPartPr>
                 <p14:cNvPr id="34" name="Viết tay 33">
@@ -7821,7 +7822,7 @@
               </p14:xfrm>
             </p:contentPart>
           </mc:Choice>
-          <mc:Fallback>
+          <mc:Fallback xmlns="">
             <p:pic>
               <p:nvPicPr>
                 <p:cNvPr id="34" name="Viết tay 33">
@@ -7873,8 +7874,8 @@
             <a:chExt cx="6932160" cy="2910240"/>
           </a:xfrm>
         </p:grpSpPr>
-        <mc:AlternateContent xmlns:mc="http://schemas.openxmlformats.org/markup-compatibility/2006">
-          <mc:Choice xmlns:p14="http://schemas.microsoft.com/office/powerpoint/2010/main" Requires="p14">
+        <mc:AlternateContent xmlns:mc="http://schemas.openxmlformats.org/markup-compatibility/2006" xmlns:p14="http://schemas.microsoft.com/office/powerpoint/2010/main">
+          <mc:Choice Requires="p14">
             <p:contentPart p14:bwMode="auto" r:id="rId50">
               <p14:nvContentPartPr>
                 <p14:cNvPr id="36" name="Viết tay 35">
@@ -7893,7 +7894,7 @@
               </p14:xfrm>
             </p:contentPart>
           </mc:Choice>
-          <mc:Fallback>
+          <mc:Fallback xmlns="">
             <p:pic>
               <p:nvPicPr>
                 <p:cNvPr id="36" name="Viết tay 35">
@@ -7924,8 +7925,8 @@
             </p:pic>
           </mc:Fallback>
         </mc:AlternateContent>
-        <mc:AlternateContent xmlns:mc="http://schemas.openxmlformats.org/markup-compatibility/2006">
-          <mc:Choice xmlns:p14="http://schemas.microsoft.com/office/powerpoint/2010/main" Requires="p14">
+        <mc:AlternateContent xmlns:mc="http://schemas.openxmlformats.org/markup-compatibility/2006" xmlns:p14="http://schemas.microsoft.com/office/powerpoint/2010/main">
+          <mc:Choice Requires="p14">
             <p:contentPart p14:bwMode="auto" r:id="rId52">
               <p14:nvContentPartPr>
                 <p14:cNvPr id="37" name="Viết tay 36">
@@ -7944,7 +7945,7 @@
               </p14:xfrm>
             </p:contentPart>
           </mc:Choice>
-          <mc:Fallback>
+          <mc:Fallback xmlns="">
             <p:pic>
               <p:nvPicPr>
                 <p:cNvPr id="37" name="Viết tay 36">
@@ -7975,8 +7976,8 @@
             </p:pic>
           </mc:Fallback>
         </mc:AlternateContent>
-        <mc:AlternateContent xmlns:mc="http://schemas.openxmlformats.org/markup-compatibility/2006">
-          <mc:Choice xmlns:p14="http://schemas.microsoft.com/office/powerpoint/2010/main" Requires="p14">
+        <mc:AlternateContent xmlns:mc="http://schemas.openxmlformats.org/markup-compatibility/2006" xmlns:p14="http://schemas.microsoft.com/office/powerpoint/2010/main">
+          <mc:Choice Requires="p14">
             <p:contentPart p14:bwMode="auto" r:id="rId54">
               <p14:nvContentPartPr>
                 <p14:cNvPr id="38" name="Viết tay 37">
@@ -7995,7 +7996,7 @@
               </p14:xfrm>
             </p:contentPart>
           </mc:Choice>
-          <mc:Fallback>
+          <mc:Fallback xmlns="">
             <p:pic>
               <p:nvPicPr>
                 <p:cNvPr id="38" name="Viết tay 37">
@@ -8026,8 +8027,8 @@
             </p:pic>
           </mc:Fallback>
         </mc:AlternateContent>
-        <mc:AlternateContent xmlns:mc="http://schemas.openxmlformats.org/markup-compatibility/2006">
-          <mc:Choice xmlns:p14="http://schemas.microsoft.com/office/powerpoint/2010/main" Requires="p14">
+        <mc:AlternateContent xmlns:mc="http://schemas.openxmlformats.org/markup-compatibility/2006" xmlns:p14="http://schemas.microsoft.com/office/powerpoint/2010/main">
+          <mc:Choice Requires="p14">
             <p:contentPart p14:bwMode="auto" r:id="rId56">
               <p14:nvContentPartPr>
                 <p14:cNvPr id="40" name="Viết tay 39">
@@ -8046,7 +8047,7 @@
               </p14:xfrm>
             </p:contentPart>
           </mc:Choice>
-          <mc:Fallback>
+          <mc:Fallback xmlns="">
             <p:pic>
               <p:nvPicPr>
                 <p:cNvPr id="40" name="Viết tay 39">
@@ -8077,8 +8078,8 @@
             </p:pic>
           </mc:Fallback>
         </mc:AlternateContent>
-        <mc:AlternateContent xmlns:mc="http://schemas.openxmlformats.org/markup-compatibility/2006">
-          <mc:Choice xmlns:p14="http://schemas.microsoft.com/office/powerpoint/2010/main" Requires="p14">
+        <mc:AlternateContent xmlns:mc="http://schemas.openxmlformats.org/markup-compatibility/2006" xmlns:p14="http://schemas.microsoft.com/office/powerpoint/2010/main">
+          <mc:Choice Requires="p14">
             <p:contentPart p14:bwMode="auto" r:id="rId58">
               <p14:nvContentPartPr>
                 <p14:cNvPr id="41" name="Viết tay 40">
@@ -8097,7 +8098,7 @@
               </p14:xfrm>
             </p:contentPart>
           </mc:Choice>
-          <mc:Fallback>
+          <mc:Fallback xmlns="">
             <p:pic>
               <p:nvPicPr>
                 <p:cNvPr id="41" name="Viết tay 40">
@@ -8128,8 +8129,8 @@
             </p:pic>
           </mc:Fallback>
         </mc:AlternateContent>
-        <mc:AlternateContent xmlns:mc="http://schemas.openxmlformats.org/markup-compatibility/2006">
-          <mc:Choice xmlns:p14="http://schemas.microsoft.com/office/powerpoint/2010/main" Requires="p14">
+        <mc:AlternateContent xmlns:mc="http://schemas.openxmlformats.org/markup-compatibility/2006" xmlns:p14="http://schemas.microsoft.com/office/powerpoint/2010/main">
+          <mc:Choice Requires="p14">
             <p:contentPart p14:bwMode="auto" r:id="rId60">
               <p14:nvContentPartPr>
                 <p14:cNvPr id="42" name="Viết tay 41">
@@ -8148,7 +8149,7 @@
               </p14:xfrm>
             </p:contentPart>
           </mc:Choice>
-          <mc:Fallback>
+          <mc:Fallback xmlns="">
             <p:pic>
               <p:nvPicPr>
                 <p:cNvPr id="42" name="Viết tay 41">
@@ -8179,8 +8180,8 @@
             </p:pic>
           </mc:Fallback>
         </mc:AlternateContent>
-        <mc:AlternateContent xmlns:mc="http://schemas.openxmlformats.org/markup-compatibility/2006">
-          <mc:Choice xmlns:p14="http://schemas.microsoft.com/office/powerpoint/2010/main" Requires="p14">
+        <mc:AlternateContent xmlns:mc="http://schemas.openxmlformats.org/markup-compatibility/2006" xmlns:p14="http://schemas.microsoft.com/office/powerpoint/2010/main">
+          <mc:Choice Requires="p14">
             <p:contentPart p14:bwMode="auto" r:id="rId62">
               <p14:nvContentPartPr>
                 <p14:cNvPr id="43" name="Viết tay 42">
@@ -8199,7 +8200,7 @@
               </p14:xfrm>
             </p:contentPart>
           </mc:Choice>
-          <mc:Fallback>
+          <mc:Fallback xmlns="">
             <p:pic>
               <p:nvPicPr>
                 <p:cNvPr id="43" name="Viết tay 42">
@@ -8230,8 +8231,8 @@
             </p:pic>
           </mc:Fallback>
         </mc:AlternateContent>
-        <mc:AlternateContent xmlns:mc="http://schemas.openxmlformats.org/markup-compatibility/2006">
-          <mc:Choice xmlns:p14="http://schemas.microsoft.com/office/powerpoint/2010/main" Requires="p14">
+        <mc:AlternateContent xmlns:mc="http://schemas.openxmlformats.org/markup-compatibility/2006" xmlns:p14="http://schemas.microsoft.com/office/powerpoint/2010/main">
+          <mc:Choice Requires="p14">
             <p:contentPart p14:bwMode="auto" r:id="rId64">
               <p14:nvContentPartPr>
                 <p14:cNvPr id="45" name="Viết tay 44">
@@ -8250,7 +8251,7 @@
               </p14:xfrm>
             </p:contentPart>
           </mc:Choice>
-          <mc:Fallback>
+          <mc:Fallback xmlns="">
             <p:pic>
               <p:nvPicPr>
                 <p:cNvPr id="45" name="Viết tay 44">
@@ -8281,8 +8282,8 @@
             </p:pic>
           </mc:Fallback>
         </mc:AlternateContent>
-        <mc:AlternateContent xmlns:mc="http://schemas.openxmlformats.org/markup-compatibility/2006">
-          <mc:Choice xmlns:p14="http://schemas.microsoft.com/office/powerpoint/2010/main" Requires="p14">
+        <mc:AlternateContent xmlns:mc="http://schemas.openxmlformats.org/markup-compatibility/2006" xmlns:p14="http://schemas.microsoft.com/office/powerpoint/2010/main">
+          <mc:Choice Requires="p14">
             <p:contentPart p14:bwMode="auto" r:id="rId66">
               <p14:nvContentPartPr>
                 <p14:cNvPr id="47" name="Viết tay 46">
@@ -8301,7 +8302,7 @@
               </p14:xfrm>
             </p:contentPart>
           </mc:Choice>
-          <mc:Fallback>
+          <mc:Fallback xmlns="">
             <p:pic>
               <p:nvPicPr>
                 <p:cNvPr id="47" name="Viết tay 46">
@@ -8332,8 +8333,8 @@
             </p:pic>
           </mc:Fallback>
         </mc:AlternateContent>
-        <mc:AlternateContent xmlns:mc="http://schemas.openxmlformats.org/markup-compatibility/2006">
-          <mc:Choice xmlns:p14="http://schemas.microsoft.com/office/powerpoint/2010/main" Requires="p14">
+        <mc:AlternateContent xmlns:mc="http://schemas.openxmlformats.org/markup-compatibility/2006" xmlns:p14="http://schemas.microsoft.com/office/powerpoint/2010/main">
+          <mc:Choice Requires="p14">
             <p:contentPart p14:bwMode="auto" r:id="rId68">
               <p14:nvContentPartPr>
                 <p14:cNvPr id="48" name="Viết tay 47">
@@ -8352,7 +8353,7 @@
               </p14:xfrm>
             </p:contentPart>
           </mc:Choice>
-          <mc:Fallback>
+          <mc:Fallback xmlns="">
             <p:pic>
               <p:nvPicPr>
                 <p:cNvPr id="48" name="Viết tay 47">
@@ -8383,8 +8384,8 @@
             </p:pic>
           </mc:Fallback>
         </mc:AlternateContent>
-        <mc:AlternateContent xmlns:mc="http://schemas.openxmlformats.org/markup-compatibility/2006">
-          <mc:Choice xmlns:p14="http://schemas.microsoft.com/office/powerpoint/2010/main" Requires="p14">
+        <mc:AlternateContent xmlns:mc="http://schemas.openxmlformats.org/markup-compatibility/2006" xmlns:p14="http://schemas.microsoft.com/office/powerpoint/2010/main">
+          <mc:Choice Requires="p14">
             <p:contentPart p14:bwMode="auto" r:id="rId70">
               <p14:nvContentPartPr>
                 <p14:cNvPr id="49" name="Viết tay 48">
@@ -8403,7 +8404,7 @@
               </p14:xfrm>
             </p:contentPart>
           </mc:Choice>
-          <mc:Fallback>
+          <mc:Fallback xmlns="">
             <p:pic>
               <p:nvPicPr>
                 <p:cNvPr id="49" name="Viết tay 48">
@@ -8434,8 +8435,8 @@
             </p:pic>
           </mc:Fallback>
         </mc:AlternateContent>
-        <mc:AlternateContent xmlns:mc="http://schemas.openxmlformats.org/markup-compatibility/2006">
-          <mc:Choice xmlns:p14="http://schemas.microsoft.com/office/powerpoint/2010/main" Requires="p14">
+        <mc:AlternateContent xmlns:mc="http://schemas.openxmlformats.org/markup-compatibility/2006" xmlns:p14="http://schemas.microsoft.com/office/powerpoint/2010/main">
+          <mc:Choice Requires="p14">
             <p:contentPart p14:bwMode="auto" r:id="rId72">
               <p14:nvContentPartPr>
                 <p14:cNvPr id="50" name="Viết tay 49">
@@ -8454,7 +8455,7 @@
               </p14:xfrm>
             </p:contentPart>
           </mc:Choice>
-          <mc:Fallback>
+          <mc:Fallback xmlns="">
             <p:pic>
               <p:nvPicPr>
                 <p:cNvPr id="50" name="Viết tay 49">
@@ -8485,8 +8486,8 @@
             </p:pic>
           </mc:Fallback>
         </mc:AlternateContent>
-        <mc:AlternateContent xmlns:mc="http://schemas.openxmlformats.org/markup-compatibility/2006">
-          <mc:Choice xmlns:p14="http://schemas.microsoft.com/office/powerpoint/2010/main" Requires="p14">
+        <mc:AlternateContent xmlns:mc="http://schemas.openxmlformats.org/markup-compatibility/2006" xmlns:p14="http://schemas.microsoft.com/office/powerpoint/2010/main">
+          <mc:Choice Requires="p14">
             <p:contentPart p14:bwMode="auto" r:id="rId73">
               <p14:nvContentPartPr>
                 <p14:cNvPr id="51" name="Viết tay 50">
@@ -8505,7 +8506,7 @@
               </p14:xfrm>
             </p:contentPart>
           </mc:Choice>
-          <mc:Fallback>
+          <mc:Fallback xmlns="">
             <p:pic>
               <p:nvPicPr>
                 <p:cNvPr id="51" name="Viết tay 50">
@@ -8536,8 +8537,8 @@
             </p:pic>
           </mc:Fallback>
         </mc:AlternateContent>
-        <mc:AlternateContent xmlns:mc="http://schemas.openxmlformats.org/markup-compatibility/2006">
-          <mc:Choice xmlns:p14="http://schemas.microsoft.com/office/powerpoint/2010/main" Requires="p14">
+        <mc:AlternateContent xmlns:mc="http://schemas.openxmlformats.org/markup-compatibility/2006" xmlns:p14="http://schemas.microsoft.com/office/powerpoint/2010/main">
+          <mc:Choice Requires="p14">
             <p:contentPart p14:bwMode="auto" r:id="rId75">
               <p14:nvContentPartPr>
                 <p14:cNvPr id="52" name="Viết tay 51">
@@ -8556,7 +8557,7 @@
               </p14:xfrm>
             </p:contentPart>
           </mc:Choice>
-          <mc:Fallback>
+          <mc:Fallback xmlns="">
             <p:pic>
               <p:nvPicPr>
                 <p:cNvPr id="52" name="Viết tay 51">
@@ -8587,8 +8588,8 @@
             </p:pic>
           </mc:Fallback>
         </mc:AlternateContent>
-        <mc:AlternateContent xmlns:mc="http://schemas.openxmlformats.org/markup-compatibility/2006">
-          <mc:Choice xmlns:p14="http://schemas.microsoft.com/office/powerpoint/2010/main" Requires="p14">
+        <mc:AlternateContent xmlns:mc="http://schemas.openxmlformats.org/markup-compatibility/2006" xmlns:p14="http://schemas.microsoft.com/office/powerpoint/2010/main">
+          <mc:Choice Requires="p14">
             <p:contentPart p14:bwMode="auto" r:id="rId77">
               <p14:nvContentPartPr>
                 <p14:cNvPr id="53" name="Viết tay 52">
@@ -8607,7 +8608,7 @@
               </p14:xfrm>
             </p:contentPart>
           </mc:Choice>
-          <mc:Fallback>
+          <mc:Fallback xmlns="">
             <p:pic>
               <p:nvPicPr>
                 <p:cNvPr id="53" name="Viết tay 52">
@@ -8638,8 +8639,8 @@
             </p:pic>
           </mc:Fallback>
         </mc:AlternateContent>
-        <mc:AlternateContent xmlns:mc="http://schemas.openxmlformats.org/markup-compatibility/2006">
-          <mc:Choice xmlns:p14="http://schemas.microsoft.com/office/powerpoint/2010/main" Requires="p14">
+        <mc:AlternateContent xmlns:mc="http://schemas.openxmlformats.org/markup-compatibility/2006" xmlns:p14="http://schemas.microsoft.com/office/powerpoint/2010/main">
+          <mc:Choice Requires="p14">
             <p:contentPart p14:bwMode="auto" r:id="rId79">
               <p14:nvContentPartPr>
                 <p14:cNvPr id="55" name="Viết tay 54">
@@ -8658,7 +8659,7 @@
               </p14:xfrm>
             </p:contentPart>
           </mc:Choice>
-          <mc:Fallback>
+          <mc:Fallback xmlns="">
             <p:pic>
               <p:nvPicPr>
                 <p:cNvPr id="55" name="Viết tay 54">
@@ -8689,8 +8690,8 @@
             </p:pic>
           </mc:Fallback>
         </mc:AlternateContent>
-        <mc:AlternateContent xmlns:mc="http://schemas.openxmlformats.org/markup-compatibility/2006">
-          <mc:Choice xmlns:p14="http://schemas.microsoft.com/office/powerpoint/2010/main" Requires="p14">
+        <mc:AlternateContent xmlns:mc="http://schemas.openxmlformats.org/markup-compatibility/2006" xmlns:p14="http://schemas.microsoft.com/office/powerpoint/2010/main">
+          <mc:Choice Requires="p14">
             <p:contentPart p14:bwMode="auto" r:id="rId81">
               <p14:nvContentPartPr>
                 <p14:cNvPr id="56" name="Viết tay 55">
@@ -8709,7 +8710,7 @@
               </p14:xfrm>
             </p:contentPart>
           </mc:Choice>
-          <mc:Fallback>
+          <mc:Fallback xmlns="">
             <p:pic>
               <p:nvPicPr>
                 <p:cNvPr id="56" name="Viết tay 55">
@@ -8740,8 +8741,8 @@
             </p:pic>
           </mc:Fallback>
         </mc:AlternateContent>
-        <mc:AlternateContent xmlns:mc="http://schemas.openxmlformats.org/markup-compatibility/2006">
-          <mc:Choice xmlns:p14="http://schemas.microsoft.com/office/powerpoint/2010/main" Requires="p14">
+        <mc:AlternateContent xmlns:mc="http://schemas.openxmlformats.org/markup-compatibility/2006" xmlns:p14="http://schemas.microsoft.com/office/powerpoint/2010/main">
+          <mc:Choice Requires="p14">
             <p:contentPart p14:bwMode="auto" r:id="rId83">
               <p14:nvContentPartPr>
                 <p14:cNvPr id="57" name="Viết tay 56">
@@ -8760,7 +8761,7 @@
               </p14:xfrm>
             </p:contentPart>
           </mc:Choice>
-          <mc:Fallback>
+          <mc:Fallback xmlns="">
             <p:pic>
               <p:nvPicPr>
                 <p:cNvPr id="57" name="Viết tay 56">
@@ -8791,8 +8792,8 @@
             </p:pic>
           </mc:Fallback>
         </mc:AlternateContent>
-        <mc:AlternateContent xmlns:mc="http://schemas.openxmlformats.org/markup-compatibility/2006">
-          <mc:Choice xmlns:p14="http://schemas.microsoft.com/office/powerpoint/2010/main" Requires="p14">
+        <mc:AlternateContent xmlns:mc="http://schemas.openxmlformats.org/markup-compatibility/2006" xmlns:p14="http://schemas.microsoft.com/office/powerpoint/2010/main">
+          <mc:Choice Requires="p14">
             <p:contentPart p14:bwMode="auto" r:id="rId85">
               <p14:nvContentPartPr>
                 <p14:cNvPr id="58" name="Viết tay 57">
@@ -8811,7 +8812,7 @@
               </p14:xfrm>
             </p:contentPart>
           </mc:Choice>
-          <mc:Fallback>
+          <mc:Fallback xmlns="">
             <p:pic>
               <p:nvPicPr>
                 <p:cNvPr id="58" name="Viết tay 57">
@@ -8842,8 +8843,8 @@
             </p:pic>
           </mc:Fallback>
         </mc:AlternateContent>
-        <mc:AlternateContent xmlns:mc="http://schemas.openxmlformats.org/markup-compatibility/2006">
-          <mc:Choice xmlns:p14="http://schemas.microsoft.com/office/powerpoint/2010/main" Requires="p14">
+        <mc:AlternateContent xmlns:mc="http://schemas.openxmlformats.org/markup-compatibility/2006" xmlns:p14="http://schemas.microsoft.com/office/powerpoint/2010/main">
+          <mc:Choice Requires="p14">
             <p:contentPart p14:bwMode="auto" r:id="rId87">
               <p14:nvContentPartPr>
                 <p14:cNvPr id="59" name="Viết tay 58">
@@ -8862,7 +8863,7 @@
               </p14:xfrm>
             </p:contentPart>
           </mc:Choice>
-          <mc:Fallback>
+          <mc:Fallback xmlns="">
             <p:pic>
               <p:nvPicPr>
                 <p:cNvPr id="59" name="Viết tay 58">
@@ -8893,8 +8894,8 @@
             </p:pic>
           </mc:Fallback>
         </mc:AlternateContent>
-        <mc:AlternateContent xmlns:mc="http://schemas.openxmlformats.org/markup-compatibility/2006">
-          <mc:Choice xmlns:p14="http://schemas.microsoft.com/office/powerpoint/2010/main" Requires="p14">
+        <mc:AlternateContent xmlns:mc="http://schemas.openxmlformats.org/markup-compatibility/2006" xmlns:p14="http://schemas.microsoft.com/office/powerpoint/2010/main">
+          <mc:Choice Requires="p14">
             <p:contentPart p14:bwMode="auto" r:id="rId89">
               <p14:nvContentPartPr>
                 <p14:cNvPr id="60" name="Viết tay 59">
@@ -8913,7 +8914,7 @@
               </p14:xfrm>
             </p:contentPart>
           </mc:Choice>
-          <mc:Fallback>
+          <mc:Fallback xmlns="">
             <p:pic>
               <p:nvPicPr>
                 <p:cNvPr id="60" name="Viết tay 59">
@@ -8944,8 +8945,8 @@
             </p:pic>
           </mc:Fallback>
         </mc:AlternateContent>
-        <mc:AlternateContent xmlns:mc="http://schemas.openxmlformats.org/markup-compatibility/2006">
-          <mc:Choice xmlns:p14="http://schemas.microsoft.com/office/powerpoint/2010/main" Requires="p14">
+        <mc:AlternateContent xmlns:mc="http://schemas.openxmlformats.org/markup-compatibility/2006" xmlns:p14="http://schemas.microsoft.com/office/powerpoint/2010/main">
+          <mc:Choice Requires="p14">
             <p:contentPart p14:bwMode="auto" r:id="rId91">
               <p14:nvContentPartPr>
                 <p14:cNvPr id="61" name="Viết tay 60">
@@ -8964,7 +8965,7 @@
               </p14:xfrm>
             </p:contentPart>
           </mc:Choice>
-          <mc:Fallback>
+          <mc:Fallback xmlns="">
             <p:pic>
               <p:nvPicPr>
                 <p:cNvPr id="61" name="Viết tay 60">
@@ -8995,8 +8996,8 @@
             </p:pic>
           </mc:Fallback>
         </mc:AlternateContent>
-        <mc:AlternateContent xmlns:mc="http://schemas.openxmlformats.org/markup-compatibility/2006">
-          <mc:Choice xmlns:p14="http://schemas.microsoft.com/office/powerpoint/2010/main" Requires="p14">
+        <mc:AlternateContent xmlns:mc="http://schemas.openxmlformats.org/markup-compatibility/2006" xmlns:p14="http://schemas.microsoft.com/office/powerpoint/2010/main">
+          <mc:Choice Requires="p14">
             <p:contentPart p14:bwMode="auto" r:id="rId92">
               <p14:nvContentPartPr>
                 <p14:cNvPr id="63" name="Viết tay 62">
@@ -9015,7 +9016,7 @@
               </p14:xfrm>
             </p:contentPart>
           </mc:Choice>
-          <mc:Fallback>
+          <mc:Fallback xmlns="">
             <p:pic>
               <p:nvPicPr>
                 <p:cNvPr id="63" name="Viết tay 62">
@@ -9046,8 +9047,8 @@
             </p:pic>
           </mc:Fallback>
         </mc:AlternateContent>
-        <mc:AlternateContent xmlns:mc="http://schemas.openxmlformats.org/markup-compatibility/2006">
-          <mc:Choice xmlns:p14="http://schemas.microsoft.com/office/powerpoint/2010/main" Requires="p14">
+        <mc:AlternateContent xmlns:mc="http://schemas.openxmlformats.org/markup-compatibility/2006" xmlns:p14="http://schemas.microsoft.com/office/powerpoint/2010/main">
+          <mc:Choice Requires="p14">
             <p:contentPart p14:bwMode="auto" r:id="rId94">
               <p14:nvContentPartPr>
                 <p14:cNvPr id="65" name="Viết tay 64">
@@ -9066,7 +9067,7 @@
               </p14:xfrm>
             </p:contentPart>
           </mc:Choice>
-          <mc:Fallback>
+          <mc:Fallback xmlns="">
             <p:pic>
               <p:nvPicPr>
                 <p:cNvPr id="65" name="Viết tay 64">
@@ -9097,8 +9098,8 @@
             </p:pic>
           </mc:Fallback>
         </mc:AlternateContent>
-        <mc:AlternateContent xmlns:mc="http://schemas.openxmlformats.org/markup-compatibility/2006">
-          <mc:Choice xmlns:p14="http://schemas.microsoft.com/office/powerpoint/2010/main" Requires="p14">
+        <mc:AlternateContent xmlns:mc="http://schemas.openxmlformats.org/markup-compatibility/2006" xmlns:p14="http://schemas.microsoft.com/office/powerpoint/2010/main">
+          <mc:Choice Requires="p14">
             <p:contentPart p14:bwMode="auto" r:id="rId96">
               <p14:nvContentPartPr>
                 <p14:cNvPr id="66" name="Viết tay 65">
@@ -9117,7 +9118,7 @@
               </p14:xfrm>
             </p:contentPart>
           </mc:Choice>
-          <mc:Fallback>
+          <mc:Fallback xmlns="">
             <p:pic>
               <p:nvPicPr>
                 <p:cNvPr id="66" name="Viết tay 65">
@@ -9149,8 +9150,8 @@
           </mc:Fallback>
         </mc:AlternateContent>
       </p:grpSp>
-      <mc:AlternateContent xmlns:mc="http://schemas.openxmlformats.org/markup-compatibility/2006">
-        <mc:Choice xmlns:p14="http://schemas.microsoft.com/office/powerpoint/2010/main" Requires="p14">
+      <mc:AlternateContent xmlns:mc="http://schemas.openxmlformats.org/markup-compatibility/2006" xmlns:p14="http://schemas.microsoft.com/office/powerpoint/2010/main">
+        <mc:Choice Requires="p14">
           <p:contentPart p14:bwMode="auto" r:id="rId98">
             <p14:nvContentPartPr>
               <p14:cNvPr id="67" name="Viết tay 66">
@@ -9169,7 +9170,7 @@
             </p14:xfrm>
           </p:contentPart>
         </mc:Choice>
-        <mc:Fallback>
+        <mc:Fallback xmlns="">
           <p:pic>
             <p:nvPicPr>
               <p:cNvPr id="67" name="Viết tay 66">
@@ -9200,8 +9201,8 @@
           </p:pic>
         </mc:Fallback>
       </mc:AlternateContent>
-      <mc:AlternateContent xmlns:mc="http://schemas.openxmlformats.org/markup-compatibility/2006">
-        <mc:Choice xmlns:p14="http://schemas.microsoft.com/office/powerpoint/2010/main" Requires="p14">
+      <mc:AlternateContent xmlns:mc="http://schemas.openxmlformats.org/markup-compatibility/2006" xmlns:p14="http://schemas.microsoft.com/office/powerpoint/2010/main">
+        <mc:Choice Requires="p14">
           <p:contentPart p14:bwMode="auto" r:id="rId100">
             <p14:nvContentPartPr>
               <p14:cNvPr id="68" name="Viết tay 67">
@@ -9220,7 +9221,7 @@
             </p14:xfrm>
           </p:contentPart>
         </mc:Choice>
-        <mc:Fallback>
+        <mc:Fallback xmlns="">
           <p:pic>
             <p:nvPicPr>
               <p:cNvPr id="68" name="Viết tay 67">
@@ -9251,8 +9252,8 @@
           </p:pic>
         </mc:Fallback>
       </mc:AlternateContent>
-      <mc:AlternateContent xmlns:mc="http://schemas.openxmlformats.org/markup-compatibility/2006">
-        <mc:Choice xmlns:p14="http://schemas.microsoft.com/office/powerpoint/2010/main" Requires="p14">
+      <mc:AlternateContent xmlns:mc="http://schemas.openxmlformats.org/markup-compatibility/2006" xmlns:p14="http://schemas.microsoft.com/office/powerpoint/2010/main">
+        <mc:Choice Requires="p14">
           <p:contentPart p14:bwMode="auto" r:id="rId102">
             <p14:nvContentPartPr>
               <p14:cNvPr id="70" name="Viết tay 69">
@@ -9271,7 +9272,7 @@
             </p14:xfrm>
           </p:contentPart>
         </mc:Choice>
-        <mc:Fallback>
+        <mc:Fallback xmlns="">
           <p:pic>
             <p:nvPicPr>
               <p:cNvPr id="70" name="Viết tay 69">
@@ -10339,7 +10340,7 @@
           <p:cNvPr id="2" name="Tiêu đề 1">
             <a:extLst>
               <a:ext uri="{FF2B5EF4-FFF2-40B4-BE49-F238E27FC236}">
-                <a16:creationId xmlns:a16="http://schemas.microsoft.com/office/drawing/2014/main" id="{30AF1D5B-96D7-47E7-93F9-F5A8DFF25A4F}"/>
+                <a16:creationId xmlns:a16="http://schemas.microsoft.com/office/drawing/2014/main" id="{4D59E394-0270-476E-82D8-6CD08D6AD94A}"/>
               </a:ext>
             </a:extLst>
           </p:cNvPr>
@@ -10357,7 +10358,7 @@
           <a:p>
             <a:r>
               <a:rPr lang="en-US"/>
-              <a:t>Homework</a:t>
+              <a:t>Design UI/UX</a:t>
             </a:r>
             <a:endParaRPr lang="vi-VN"/>
           </a:p>
@@ -10368,7 +10369,7 @@
           <p:cNvPr id="3" name="Chỗ dành sẵn cho Nội dung 2">
             <a:extLst>
               <a:ext uri="{FF2B5EF4-FFF2-40B4-BE49-F238E27FC236}">
-                <a16:creationId xmlns:a16="http://schemas.microsoft.com/office/drawing/2014/main" id="{22366723-663A-4B85-A50B-3EF4AF230F65}"/>
+                <a16:creationId xmlns:a16="http://schemas.microsoft.com/office/drawing/2014/main" id="{B9B048BB-2B44-4AC5-8657-301E90BDF780}"/>
               </a:ext>
             </a:extLst>
           </p:cNvPr>
@@ -10379,7 +10380,12 @@
             <p:ph idx="1"/>
           </p:nvPr>
         </p:nvSpPr>
-        <p:spPr/>
+        <p:spPr>
+          <a:xfrm>
+            <a:off x="838200" y="1825625"/>
+            <a:ext cx="10515600" cy="914401"/>
+          </a:xfrm>
+        </p:spPr>
         <p:txBody>
           <a:bodyPr/>
           <a:lstStyle/>
@@ -10389,25 +10395,7 @@
             </a:pPr>
             <a:r>
               <a:rPr lang="en-US"/>
-              <a:t>Usecase + Sequence diagram</a:t>
-            </a:r>
-          </a:p>
-          <a:p>
-            <a:pPr marL="0" indent="0">
-              <a:buNone/>
-            </a:pPr>
-            <a:r>
-              <a:rPr lang="en-US"/>
-              <a:t>Draw database diagram (submit on folder Diagram) and prototype of your project (replace link in README.md)</a:t>
-            </a:r>
-          </a:p>
-          <a:p>
-            <a:pPr marL="0" indent="0">
-              <a:buNone/>
-            </a:pPr>
-            <a:r>
-              <a:rPr lang="en-US"/>
-              <a:t>Deadline: 2 weeks</a:t>
+              <a:t>Bài tập: Thiết kế giao diện cho trang chủ cho trang web xem trực tiếp World Cup.</a:t>
             </a:r>
           </a:p>
           <a:p>
@@ -10415,6 +10403,18 @@
               <a:buNone/>
             </a:pPr>
             <a:endParaRPr lang="en-US"/>
+          </a:p>
+          <a:p>
+            <a:pPr marL="0" indent="0">
+              <a:buNone/>
+            </a:pPr>
+            <a:endParaRPr lang="en-US"/>
+          </a:p>
+          <a:p>
+            <a:pPr marL="0" indent="0">
+              <a:buNone/>
+            </a:pPr>
+            <a:endParaRPr lang="vi-VN"/>
           </a:p>
         </p:txBody>
       </p:sp>
@@ -10423,7 +10423,7 @@
           <p:cNvPr id="4" name="Chỗ dành sẵn cho Số hiệu Bản chiếu 3">
             <a:extLst>
               <a:ext uri="{FF2B5EF4-FFF2-40B4-BE49-F238E27FC236}">
-                <a16:creationId xmlns:a16="http://schemas.microsoft.com/office/drawing/2014/main" id="{50F1E59F-2453-456C-A13F-F5FCBA0B5ED4}"/>
+                <a16:creationId xmlns:a16="http://schemas.microsoft.com/office/drawing/2014/main" id="{FF7F8F3C-641C-4C83-A31A-4FBFE3C4AA19}"/>
               </a:ext>
             </a:extLst>
           </p:cNvPr>
@@ -10450,7 +10450,7 @@
     </p:spTree>
     <p:extLst>
       <p:ext uri="{BB962C8B-B14F-4D97-AF65-F5344CB8AC3E}">
-        <p14:creationId xmlns:p14="http://schemas.microsoft.com/office/powerpoint/2010/main" val="3492916418"/>
+        <p14:creationId xmlns:p14="http://schemas.microsoft.com/office/powerpoint/2010/main" val="1942539045"/>
       </p:ext>
     </p:extLst>
   </p:cSld>
@@ -11973,7 +11973,7 @@
           <p:cNvPr id="2" name="Tiêu đề 1">
             <a:extLst>
               <a:ext uri="{FF2B5EF4-FFF2-40B4-BE49-F238E27FC236}">
-                <a16:creationId xmlns:a16="http://schemas.microsoft.com/office/drawing/2014/main" id="{795E3B59-2632-488B-9E9F-875DFE7024F8}"/>
+                <a16:creationId xmlns:a16="http://schemas.microsoft.com/office/drawing/2014/main" id="{30AF1D5B-96D7-47E7-93F9-F5A8DFF25A4F}"/>
               </a:ext>
             </a:extLst>
           </p:cNvPr>
@@ -11991,9 +11991,64 @@
           <a:p>
             <a:r>
               <a:rPr lang="en-US"/>
-              <a:t>Question</a:t>
+              <a:t>Homework</a:t>
             </a:r>
             <a:endParaRPr lang="vi-VN"/>
+          </a:p>
+        </p:txBody>
+      </p:sp>
+      <p:sp>
+        <p:nvSpPr>
+          <p:cNvPr id="3" name="Chỗ dành sẵn cho Nội dung 2">
+            <a:extLst>
+              <a:ext uri="{FF2B5EF4-FFF2-40B4-BE49-F238E27FC236}">
+                <a16:creationId xmlns:a16="http://schemas.microsoft.com/office/drawing/2014/main" id="{22366723-663A-4B85-A50B-3EF4AF230F65}"/>
+              </a:ext>
+            </a:extLst>
+          </p:cNvPr>
+          <p:cNvSpPr>
+            <a:spLocks noGrp="1"/>
+          </p:cNvSpPr>
+          <p:nvPr>
+            <p:ph idx="1"/>
+          </p:nvPr>
+        </p:nvSpPr>
+        <p:spPr/>
+        <p:txBody>
+          <a:bodyPr/>
+          <a:lstStyle/>
+          <a:p>
+            <a:pPr marL="0" indent="0">
+              <a:buNone/>
+            </a:pPr>
+            <a:r>
+              <a:rPr lang="en-US"/>
+              <a:t>Usecase + Sequence diagram</a:t>
+            </a:r>
+          </a:p>
+          <a:p>
+            <a:pPr marL="0" indent="0">
+              <a:buNone/>
+            </a:pPr>
+            <a:r>
+              <a:rPr lang="en-US"/>
+              <a:t>Draw database diagram (submit on folder Diagram) and prototype of your project (replace link in README.md)</a:t>
+            </a:r>
+          </a:p>
+          <a:p>
+            <a:pPr marL="0" indent="0">
+              <a:buNone/>
+            </a:pPr>
+            <a:r>
+              <a:rPr lang="en-US"/>
+              <a:t>Deadline: 2 weeks</a:t>
+            </a:r>
+          </a:p>
+          <a:p>
+            <a:pPr marL="0" indent="0">
+              <a:buNone/>
+            </a:pPr>
+            <a:endParaRPr lang="en-US"/>
           </a:p>
         </p:txBody>
       </p:sp>
@@ -12002,7 +12057,7 @@
           <p:cNvPr id="4" name="Chỗ dành sẵn cho Số hiệu Bản chiếu 3">
             <a:extLst>
               <a:ext uri="{FF2B5EF4-FFF2-40B4-BE49-F238E27FC236}">
-                <a16:creationId xmlns:a16="http://schemas.microsoft.com/office/drawing/2014/main" id="{24C968C7-72B0-4BF7-9253-CCA3AC5ADD0A}"/>
+                <a16:creationId xmlns:a16="http://schemas.microsoft.com/office/drawing/2014/main" id="{50F1E59F-2453-456C-A13F-F5FCBA0B5ED4}"/>
               </a:ext>
             </a:extLst>
           </p:cNvPr>
@@ -12021,6 +12076,94 @@
             <a:fld id="{480537A9-B8B1-481D-9BE4-179EB839AE15}" type="slidenum">
               <a:rPr lang="vi-VN" smtClean="0"/>
               <a:t>20</a:t>
+            </a:fld>
+            <a:endParaRPr lang="vi-VN"/>
+          </a:p>
+        </p:txBody>
+      </p:sp>
+    </p:spTree>
+    <p:extLst>
+      <p:ext uri="{BB962C8B-B14F-4D97-AF65-F5344CB8AC3E}">
+        <p14:creationId xmlns:p14="http://schemas.microsoft.com/office/powerpoint/2010/main" val="3492916418"/>
+      </p:ext>
+    </p:extLst>
+  </p:cSld>
+  <p:clrMapOvr>
+    <a:masterClrMapping/>
+  </p:clrMapOvr>
+</p:sld>
+</file>
+
+<file path=ppt/slides/slide21.xml><?xml version="1.0" encoding="utf-8"?>
+<p:sld xmlns:a="http://schemas.openxmlformats.org/drawingml/2006/main" xmlns:r="http://schemas.openxmlformats.org/officeDocument/2006/relationships" xmlns:p="http://schemas.openxmlformats.org/presentationml/2006/main">
+  <p:cSld>
+    <p:spTree>
+      <p:nvGrpSpPr>
+        <p:cNvPr id="1" name=""/>
+        <p:cNvGrpSpPr/>
+        <p:nvPr/>
+      </p:nvGrpSpPr>
+      <p:grpSpPr>
+        <a:xfrm>
+          <a:off x="0" y="0"/>
+          <a:ext cx="0" cy="0"/>
+          <a:chOff x="0" y="0"/>
+          <a:chExt cx="0" cy="0"/>
+        </a:xfrm>
+      </p:grpSpPr>
+      <p:sp>
+        <p:nvSpPr>
+          <p:cNvPr id="2" name="Tiêu đề 1">
+            <a:extLst>
+              <a:ext uri="{FF2B5EF4-FFF2-40B4-BE49-F238E27FC236}">
+                <a16:creationId xmlns:a16="http://schemas.microsoft.com/office/drawing/2014/main" id="{795E3B59-2632-488B-9E9F-875DFE7024F8}"/>
+              </a:ext>
+            </a:extLst>
+          </p:cNvPr>
+          <p:cNvSpPr>
+            <a:spLocks noGrp="1"/>
+          </p:cNvSpPr>
+          <p:nvPr>
+            <p:ph type="title"/>
+          </p:nvPr>
+        </p:nvSpPr>
+        <p:spPr/>
+        <p:txBody>
+          <a:bodyPr/>
+          <a:lstStyle/>
+          <a:p>
+            <a:r>
+              <a:rPr lang="en-US"/>
+              <a:t>Question</a:t>
+            </a:r>
+            <a:endParaRPr lang="vi-VN"/>
+          </a:p>
+        </p:txBody>
+      </p:sp>
+      <p:sp>
+        <p:nvSpPr>
+          <p:cNvPr id="4" name="Chỗ dành sẵn cho Số hiệu Bản chiếu 3">
+            <a:extLst>
+              <a:ext uri="{FF2B5EF4-FFF2-40B4-BE49-F238E27FC236}">
+                <a16:creationId xmlns:a16="http://schemas.microsoft.com/office/drawing/2014/main" id="{24C968C7-72B0-4BF7-9253-CCA3AC5ADD0A}"/>
+              </a:ext>
+            </a:extLst>
+          </p:cNvPr>
+          <p:cNvSpPr>
+            <a:spLocks noGrp="1"/>
+          </p:cNvSpPr>
+          <p:nvPr>
+            <p:ph type="sldNum" sz="quarter" idx="12"/>
+          </p:nvPr>
+        </p:nvSpPr>
+        <p:spPr/>
+        <p:txBody>
+          <a:bodyPr/>
+          <a:lstStyle/>
+          <a:p>
+            <a:fld id="{480537A9-B8B1-481D-9BE4-179EB839AE15}" type="slidenum">
+              <a:rPr lang="vi-VN" smtClean="0"/>
+              <a:t>21</a:t>
             </a:fld>
             <a:endParaRPr lang="vi-VN"/>
           </a:p>
@@ -16953,19 +17096,13 @@
             </a:r>
           </a:p>
           <a:p>
-            <a:pPr marL="0" indent="0">
-              <a:buNone/>
-            </a:pPr>
-            <a:endParaRPr lang="en-US"/>
-          </a:p>
-          <a:p>
             <a:pPr>
               <a:buFontTx/>
               <a:buChar char="-"/>
             </a:pPr>
             <a:r>
               <a:rPr lang="en-US"/>
-              <a:t>Book</a:t>
+              <a:t>Book: ID, Name, ID_Author, Pages, ...</a:t>
             </a:r>
           </a:p>
           <a:p>
@@ -16975,7 +17112,27 @@
             </a:pPr>
             <a:r>
               <a:rPr lang="en-US"/>
-              <a:t>Reader</a:t>
+              <a:t>Author: ID, Name, Age, ...</a:t>
+            </a:r>
+          </a:p>
+          <a:p>
+            <a:pPr>
+              <a:buFontTx/>
+              <a:buChar char="-"/>
+            </a:pPr>
+            <a:r>
+              <a:rPr lang="en-US"/>
+              <a:t>Reader: ID, Name, Age, ...</a:t>
+            </a:r>
+          </a:p>
+          <a:p>
+            <a:pPr>
+              <a:buFontTx/>
+              <a:buChar char="-"/>
+            </a:pPr>
+            <a:r>
+              <a:rPr lang="en-US"/>
+              <a:t>Status: ID_Reader, ID_Book, Due date, ...</a:t>
             </a:r>
           </a:p>
           <a:p>
@@ -16992,7 +17149,10 @@
             <a:pPr marL="0" indent="0">
               <a:buNone/>
             </a:pPr>
-            <a:endParaRPr lang="en-US"/>
+            <a:r>
+              <a:rPr lang="en-US"/>
+              <a:t>=&gt; Draw database diagram</a:t>
+            </a:r>
           </a:p>
         </p:txBody>
       </p:sp>
@@ -17025,6 +17185,430 @@
           </a:p>
         </p:txBody>
       </p:sp>
+      <p:graphicFrame>
+        <p:nvGraphicFramePr>
+          <p:cNvPr id="5" name="Bảng 3">
+            <a:extLst>
+              <a:ext uri="{FF2B5EF4-FFF2-40B4-BE49-F238E27FC236}">
+                <a16:creationId xmlns:a16="http://schemas.microsoft.com/office/drawing/2014/main" id="{389ED195-A276-E325-70A5-04A647A994BC}"/>
+              </a:ext>
+            </a:extLst>
+          </p:cNvPr>
+          <p:cNvGraphicFramePr>
+            <a:graphicFrameLocks noGrp="1"/>
+          </p:cNvGraphicFramePr>
+          <p:nvPr>
+            <p:extLst>
+              <p:ext uri="{D42A27DB-BD31-4B8C-83A1-F6EECF244321}">
+                <p14:modId xmlns:p14="http://schemas.microsoft.com/office/powerpoint/2010/main" val="1839239379"/>
+              </p:ext>
+            </p:extLst>
+          </p:nvPr>
+        </p:nvGraphicFramePr>
+        <p:xfrm>
+          <a:off x="7792109" y="1415356"/>
+          <a:ext cx="1810248" cy="1554480"/>
+        </p:xfrm>
+        <a:graphic>
+          <a:graphicData uri="http://schemas.openxmlformats.org/drawingml/2006/table">
+            <a:tbl>
+              <a:tblPr firstRow="1" bandRow="1">
+                <a:tableStyleId>{5C22544A-7EE6-4342-B048-85BDC9FD1C3A}</a:tableStyleId>
+              </a:tblPr>
+              <a:tblGrid>
+                <a:gridCol w="1810248">
+                  <a:extLst>
+                    <a:ext uri="{9D8B030D-6E8A-4147-A177-3AD203B41FA5}">
+                      <a16:colId xmlns:a16="http://schemas.microsoft.com/office/drawing/2014/main" val="2414103788"/>
+                    </a:ext>
+                  </a:extLst>
+                </a:gridCol>
+              </a:tblGrid>
+              <a:tr h="0">
+                <a:tc>
+                  <a:txBody>
+                    <a:bodyPr/>
+                    <a:lstStyle/>
+                    <a:p>
+                      <a:r>
+                        <a:rPr lang="en-US">
+                          <a:solidFill>
+                            <a:schemeClr val="tx1"/>
+                          </a:solidFill>
+                        </a:rPr>
+                        <a:t>EMPLOYEE</a:t>
+                      </a:r>
+                      <a:endParaRPr lang="vi-VN">
+                        <a:solidFill>
+                          <a:schemeClr val="tx1"/>
+                        </a:solidFill>
+                      </a:endParaRPr>
+                    </a:p>
+                  </a:txBody>
+                  <a:tcPr>
+                    <a:lnL w="12700" cap="flat" cmpd="sng" algn="ctr">
+                      <a:solidFill>
+                        <a:schemeClr val="tx1"/>
+                      </a:solidFill>
+                      <a:prstDash val="solid"/>
+                      <a:round/>
+                      <a:headEnd type="none" w="med" len="med"/>
+                      <a:tailEnd type="none" w="med" len="med"/>
+                    </a:lnL>
+                    <a:lnR w="12700" cap="flat" cmpd="sng" algn="ctr">
+                      <a:solidFill>
+                        <a:schemeClr val="tx1"/>
+                      </a:solidFill>
+                      <a:prstDash val="solid"/>
+                      <a:round/>
+                      <a:headEnd type="none" w="med" len="med"/>
+                      <a:tailEnd type="none" w="med" len="med"/>
+                    </a:lnR>
+                    <a:lnT w="12700" cap="flat" cmpd="sng" algn="ctr">
+                      <a:solidFill>
+                        <a:schemeClr val="tx1"/>
+                      </a:solidFill>
+                      <a:prstDash val="solid"/>
+                      <a:round/>
+                      <a:headEnd type="none" w="med" len="med"/>
+                      <a:tailEnd type="none" w="med" len="med"/>
+                    </a:lnT>
+                    <a:lnB w="12700" cap="flat" cmpd="sng" algn="ctr">
+                      <a:solidFill>
+                        <a:schemeClr val="tx1"/>
+                      </a:solidFill>
+                      <a:prstDash val="solid"/>
+                      <a:round/>
+                      <a:headEnd type="none" w="med" len="med"/>
+                      <a:tailEnd type="none" w="med" len="med"/>
+                    </a:lnB>
+                    <a:noFill/>
+                  </a:tcPr>
+                </a:tc>
+                <a:extLst>
+                  <a:ext uri="{0D108BD9-81ED-4DB2-BD59-A6C34878D82A}">
+                    <a16:rowId xmlns:a16="http://schemas.microsoft.com/office/drawing/2014/main" val="18368608"/>
+                  </a:ext>
+                </a:extLst>
+              </a:tr>
+              <a:tr h="0">
+                <a:tc>
+                  <a:txBody>
+                    <a:bodyPr/>
+                    <a:lstStyle/>
+                    <a:p>
+                      <a:r>
+                        <a:rPr lang="en-US">
+                          <a:solidFill>
+                            <a:schemeClr val="tx1"/>
+                          </a:solidFill>
+                        </a:rPr>
+                        <a:t>ID (PK)</a:t>
+                      </a:r>
+                    </a:p>
+                    <a:p>
+                      <a:r>
+                        <a:rPr lang="en-US">
+                          <a:solidFill>
+                            <a:schemeClr val="tx1"/>
+                          </a:solidFill>
+                        </a:rPr>
+                        <a:t>ID_Account (FK)</a:t>
+                      </a:r>
+                    </a:p>
+                    <a:p>
+                      <a:r>
+                        <a:rPr lang="en-US">
+                          <a:solidFill>
+                            <a:schemeClr val="tx1"/>
+                          </a:solidFill>
+                        </a:rPr>
+                        <a:t>Name</a:t>
+                      </a:r>
+                    </a:p>
+                    <a:p>
+                      <a:r>
+                        <a:rPr lang="en-US">
+                          <a:solidFill>
+                            <a:schemeClr val="tx1"/>
+                          </a:solidFill>
+                        </a:rPr>
+                        <a:t>ID_Manager</a:t>
+                      </a:r>
+                      <a:endParaRPr lang="vi-VN">
+                        <a:solidFill>
+                          <a:schemeClr val="tx1"/>
+                        </a:solidFill>
+                      </a:endParaRPr>
+                    </a:p>
+                  </a:txBody>
+                  <a:tcPr>
+                    <a:lnL w="12700" cap="flat" cmpd="sng" algn="ctr">
+                      <a:solidFill>
+                        <a:schemeClr val="tx1"/>
+                      </a:solidFill>
+                      <a:prstDash val="solid"/>
+                      <a:round/>
+                      <a:headEnd type="none" w="med" len="med"/>
+                      <a:tailEnd type="none" w="med" len="med"/>
+                    </a:lnL>
+                    <a:lnR w="12700" cap="flat" cmpd="sng" algn="ctr">
+                      <a:solidFill>
+                        <a:schemeClr val="tx1"/>
+                      </a:solidFill>
+                      <a:prstDash val="solid"/>
+                      <a:round/>
+                      <a:headEnd type="none" w="med" len="med"/>
+                      <a:tailEnd type="none" w="med" len="med"/>
+                    </a:lnR>
+                    <a:lnT w="12700" cap="flat" cmpd="sng" algn="ctr">
+                      <a:solidFill>
+                        <a:schemeClr val="tx1"/>
+                      </a:solidFill>
+                      <a:prstDash val="solid"/>
+                      <a:round/>
+                      <a:headEnd type="none" w="med" len="med"/>
+                      <a:tailEnd type="none" w="med" len="med"/>
+                    </a:lnT>
+                    <a:lnB w="12700" cap="flat" cmpd="sng" algn="ctr">
+                      <a:solidFill>
+                        <a:schemeClr val="tx1"/>
+                      </a:solidFill>
+                      <a:prstDash val="solid"/>
+                      <a:round/>
+                      <a:headEnd type="none" w="med" len="med"/>
+                      <a:tailEnd type="none" w="med" len="med"/>
+                    </a:lnB>
+                    <a:noFill/>
+                  </a:tcPr>
+                </a:tc>
+                <a:extLst>
+                  <a:ext uri="{0D108BD9-81ED-4DB2-BD59-A6C34878D82A}">
+                    <a16:rowId xmlns:a16="http://schemas.microsoft.com/office/drawing/2014/main" val="2369838159"/>
+                  </a:ext>
+                </a:extLst>
+              </a:tr>
+            </a:tbl>
+          </a:graphicData>
+        </a:graphic>
+      </p:graphicFrame>
+      <p:graphicFrame>
+        <p:nvGraphicFramePr>
+          <p:cNvPr id="6" name="Bảng 3">
+            <a:extLst>
+              <a:ext uri="{FF2B5EF4-FFF2-40B4-BE49-F238E27FC236}">
+                <a16:creationId xmlns:a16="http://schemas.microsoft.com/office/drawing/2014/main" id="{C620331A-2AFA-7751-C3F4-1FA934E962EE}"/>
+              </a:ext>
+            </a:extLst>
+          </p:cNvPr>
+          <p:cNvGraphicFramePr>
+            <a:graphicFrameLocks noGrp="1"/>
+          </p:cNvGraphicFramePr>
+          <p:nvPr>
+            <p:extLst>
+              <p:ext uri="{D42A27DB-BD31-4B8C-83A1-F6EECF244321}">
+                <p14:modId xmlns:p14="http://schemas.microsoft.com/office/powerpoint/2010/main" val="3231946034"/>
+              </p:ext>
+            </p:extLst>
+          </p:nvPr>
+        </p:nvGraphicFramePr>
+        <p:xfrm>
+          <a:off x="8903663" y="3429000"/>
+          <a:ext cx="1927477" cy="1828800"/>
+        </p:xfrm>
+        <a:graphic>
+          <a:graphicData uri="http://schemas.openxmlformats.org/drawingml/2006/table">
+            <a:tbl>
+              <a:tblPr firstRow="1" bandRow="1">
+                <a:tableStyleId>{5C22544A-7EE6-4342-B048-85BDC9FD1C3A}</a:tableStyleId>
+              </a:tblPr>
+              <a:tblGrid>
+                <a:gridCol w="1927477">
+                  <a:extLst>
+                    <a:ext uri="{9D8B030D-6E8A-4147-A177-3AD203B41FA5}">
+                      <a16:colId xmlns:a16="http://schemas.microsoft.com/office/drawing/2014/main" val="2414103788"/>
+                    </a:ext>
+                  </a:extLst>
+                </a:gridCol>
+              </a:tblGrid>
+              <a:tr h="0">
+                <a:tc>
+                  <a:txBody>
+                    <a:bodyPr/>
+                    <a:lstStyle/>
+                    <a:p>
+                      <a:r>
+                        <a:rPr lang="en-US">
+                          <a:solidFill>
+                            <a:schemeClr val="tx1"/>
+                          </a:solidFill>
+                        </a:rPr>
+                        <a:t>BILL</a:t>
+                      </a:r>
+                      <a:endParaRPr lang="vi-VN">
+                        <a:solidFill>
+                          <a:schemeClr val="tx1"/>
+                        </a:solidFill>
+                      </a:endParaRPr>
+                    </a:p>
+                  </a:txBody>
+                  <a:tcPr>
+                    <a:lnL w="12700" cap="flat" cmpd="sng" algn="ctr">
+                      <a:solidFill>
+                        <a:schemeClr val="tx1"/>
+                      </a:solidFill>
+                      <a:prstDash val="solid"/>
+                      <a:round/>
+                      <a:headEnd type="none" w="med" len="med"/>
+                      <a:tailEnd type="none" w="med" len="med"/>
+                    </a:lnL>
+                    <a:lnR w="12700" cap="flat" cmpd="sng" algn="ctr">
+                      <a:solidFill>
+                        <a:schemeClr val="tx1"/>
+                      </a:solidFill>
+                      <a:prstDash val="solid"/>
+                      <a:round/>
+                      <a:headEnd type="none" w="med" len="med"/>
+                      <a:tailEnd type="none" w="med" len="med"/>
+                    </a:lnR>
+                    <a:lnT w="12700" cap="flat" cmpd="sng" algn="ctr">
+                      <a:solidFill>
+                        <a:schemeClr val="tx1"/>
+                      </a:solidFill>
+                      <a:prstDash val="solid"/>
+                      <a:round/>
+                      <a:headEnd type="none" w="med" len="med"/>
+                      <a:tailEnd type="none" w="med" len="med"/>
+                    </a:lnT>
+                    <a:lnB w="12700" cap="flat" cmpd="sng" algn="ctr">
+                      <a:solidFill>
+                        <a:schemeClr val="tx1"/>
+                      </a:solidFill>
+                      <a:prstDash val="solid"/>
+                      <a:round/>
+                      <a:headEnd type="none" w="med" len="med"/>
+                      <a:tailEnd type="none" w="med" len="med"/>
+                    </a:lnB>
+                    <a:noFill/>
+                  </a:tcPr>
+                </a:tc>
+                <a:extLst>
+                  <a:ext uri="{0D108BD9-81ED-4DB2-BD59-A6C34878D82A}">
+                    <a16:rowId xmlns:a16="http://schemas.microsoft.com/office/drawing/2014/main" val="18368608"/>
+                  </a:ext>
+                </a:extLst>
+              </a:tr>
+              <a:tr h="0">
+                <a:tc>
+                  <a:txBody>
+                    <a:bodyPr/>
+                    <a:lstStyle/>
+                    <a:p>
+                      <a:r>
+                        <a:rPr lang="en-US">
+                          <a:solidFill>
+                            <a:schemeClr val="tx1"/>
+                          </a:solidFill>
+                        </a:rPr>
+                        <a:t>ID (PK)</a:t>
+                      </a:r>
+                    </a:p>
+                    <a:p>
+                      <a:r>
+                        <a:rPr lang="en-US">
+                          <a:solidFill>
+                            <a:schemeClr val="tx1"/>
+                          </a:solidFill>
+                        </a:rPr>
+                        <a:t>ID_Customer (FK)</a:t>
+                      </a:r>
+                    </a:p>
+                    <a:p>
+                      <a:r>
+                        <a:rPr lang="en-US">
+                          <a:solidFill>
+                            <a:schemeClr val="tx1"/>
+                          </a:solidFill>
+                        </a:rPr>
+                        <a:t>ID_Employee (FK)</a:t>
+                      </a:r>
+                    </a:p>
+                    <a:p>
+                      <a:r>
+                        <a:rPr lang="en-US">
+                          <a:solidFill>
+                            <a:schemeClr val="tx1"/>
+                          </a:solidFill>
+                        </a:rPr>
+                        <a:t>Date</a:t>
+                      </a:r>
+                    </a:p>
+                    <a:p>
+                      <a:r>
+                        <a:rPr lang="en-US">
+                          <a:solidFill>
+                            <a:schemeClr val="tx1"/>
+                          </a:solidFill>
+                        </a:rPr>
+                        <a:t>Type</a:t>
+                      </a:r>
+                      <a:endParaRPr lang="vi-VN">
+                        <a:solidFill>
+                          <a:schemeClr val="tx1"/>
+                        </a:solidFill>
+                      </a:endParaRPr>
+                    </a:p>
+                  </a:txBody>
+                  <a:tcPr>
+                    <a:lnL w="12700" cap="flat" cmpd="sng" algn="ctr">
+                      <a:solidFill>
+                        <a:schemeClr val="tx1"/>
+                      </a:solidFill>
+                      <a:prstDash val="solid"/>
+                      <a:round/>
+                      <a:headEnd type="none" w="med" len="med"/>
+                      <a:tailEnd type="none" w="med" len="med"/>
+                    </a:lnL>
+                    <a:lnR w="12700" cap="flat" cmpd="sng" algn="ctr">
+                      <a:solidFill>
+                        <a:schemeClr val="tx1"/>
+                      </a:solidFill>
+                      <a:prstDash val="solid"/>
+                      <a:round/>
+                      <a:headEnd type="none" w="med" len="med"/>
+                      <a:tailEnd type="none" w="med" len="med"/>
+                    </a:lnR>
+                    <a:lnT w="12700" cap="flat" cmpd="sng" algn="ctr">
+                      <a:solidFill>
+                        <a:schemeClr val="tx1"/>
+                      </a:solidFill>
+                      <a:prstDash val="solid"/>
+                      <a:round/>
+                      <a:headEnd type="none" w="med" len="med"/>
+                      <a:tailEnd type="none" w="med" len="med"/>
+                    </a:lnT>
+                    <a:lnB w="12700" cap="flat" cmpd="sng" algn="ctr">
+                      <a:solidFill>
+                        <a:schemeClr val="tx1"/>
+                      </a:solidFill>
+                      <a:prstDash val="solid"/>
+                      <a:round/>
+                      <a:headEnd type="none" w="med" len="med"/>
+                      <a:tailEnd type="none" w="med" len="med"/>
+                    </a:lnB>
+                    <a:noFill/>
+                  </a:tcPr>
+                </a:tc>
+                <a:extLst>
+                  <a:ext uri="{0D108BD9-81ED-4DB2-BD59-A6C34878D82A}">
+                    <a16:rowId xmlns:a16="http://schemas.microsoft.com/office/drawing/2014/main" val="2369838159"/>
+                  </a:ext>
+                </a:extLst>
+              </a:tr>
+            </a:tbl>
+          </a:graphicData>
+        </a:graphic>
+      </p:graphicFrame>
     </p:spTree>
     <p:extLst>
       <p:ext uri="{BB962C8B-B14F-4D97-AF65-F5344CB8AC3E}">
